--- a/ABE516x project workflow.pptx
+++ b/ABE516x project workflow.pptx
@@ -6,6 +6,7 @@
   </p:sldMasterIdLst>
   <p:sldIdLst>
     <p:sldId id="256" r:id="rId2"/>
+    <p:sldId id="257" r:id="rId3"/>
   </p:sldIdLst>
   <p:sldSz cx="12192000" cy="6858000"/>
   <p:notesSz cx="6858000" cy="9144000"/>
@@ -271,7 +272,7 @@
           <a:p>
             <a:fld id="{8987986C-9167-43A7-821D-DC8A3AF63D3C}" type="datetimeFigureOut">
               <a:rPr lang="en-US" smtClean="0"/>
-              <a:t>10/31/2019</a:t>
+              <a:t>12/2/2019</a:t>
             </a:fld>
             <a:endParaRPr lang="en-US"/>
           </a:p>
@@ -469,7 +470,7 @@
           <a:p>
             <a:fld id="{8987986C-9167-43A7-821D-DC8A3AF63D3C}" type="datetimeFigureOut">
               <a:rPr lang="en-US" smtClean="0"/>
-              <a:t>10/31/2019</a:t>
+              <a:t>12/2/2019</a:t>
             </a:fld>
             <a:endParaRPr lang="en-US"/>
           </a:p>
@@ -677,7 +678,7 @@
           <a:p>
             <a:fld id="{8987986C-9167-43A7-821D-DC8A3AF63D3C}" type="datetimeFigureOut">
               <a:rPr lang="en-US" smtClean="0"/>
-              <a:t>10/31/2019</a:t>
+              <a:t>12/2/2019</a:t>
             </a:fld>
             <a:endParaRPr lang="en-US"/>
           </a:p>
@@ -875,7 +876,7 @@
           <a:p>
             <a:fld id="{8987986C-9167-43A7-821D-DC8A3AF63D3C}" type="datetimeFigureOut">
               <a:rPr lang="en-US" smtClean="0"/>
-              <a:t>10/31/2019</a:t>
+              <a:t>12/2/2019</a:t>
             </a:fld>
             <a:endParaRPr lang="en-US"/>
           </a:p>
@@ -1150,7 +1151,7 @@
           <a:p>
             <a:fld id="{8987986C-9167-43A7-821D-DC8A3AF63D3C}" type="datetimeFigureOut">
               <a:rPr lang="en-US" smtClean="0"/>
-              <a:t>10/31/2019</a:t>
+              <a:t>12/2/2019</a:t>
             </a:fld>
             <a:endParaRPr lang="en-US"/>
           </a:p>
@@ -1415,7 +1416,7 @@
           <a:p>
             <a:fld id="{8987986C-9167-43A7-821D-DC8A3AF63D3C}" type="datetimeFigureOut">
               <a:rPr lang="en-US" smtClean="0"/>
-              <a:t>10/31/2019</a:t>
+              <a:t>12/2/2019</a:t>
             </a:fld>
             <a:endParaRPr lang="en-US"/>
           </a:p>
@@ -1827,7 +1828,7 @@
           <a:p>
             <a:fld id="{8987986C-9167-43A7-821D-DC8A3AF63D3C}" type="datetimeFigureOut">
               <a:rPr lang="en-US" smtClean="0"/>
-              <a:t>10/31/2019</a:t>
+              <a:t>12/2/2019</a:t>
             </a:fld>
             <a:endParaRPr lang="en-US"/>
           </a:p>
@@ -1968,7 +1969,7 @@
           <a:p>
             <a:fld id="{8987986C-9167-43A7-821D-DC8A3AF63D3C}" type="datetimeFigureOut">
               <a:rPr lang="en-US" smtClean="0"/>
-              <a:t>10/31/2019</a:t>
+              <a:t>12/2/2019</a:t>
             </a:fld>
             <a:endParaRPr lang="en-US"/>
           </a:p>
@@ -2081,7 +2082,7 @@
           <a:p>
             <a:fld id="{8987986C-9167-43A7-821D-DC8A3AF63D3C}" type="datetimeFigureOut">
               <a:rPr lang="en-US" smtClean="0"/>
-              <a:t>10/31/2019</a:t>
+              <a:t>12/2/2019</a:t>
             </a:fld>
             <a:endParaRPr lang="en-US"/>
           </a:p>
@@ -2392,7 +2393,7 @@
           <a:p>
             <a:fld id="{8987986C-9167-43A7-821D-DC8A3AF63D3C}" type="datetimeFigureOut">
               <a:rPr lang="en-US" smtClean="0"/>
-              <a:t>10/31/2019</a:t>
+              <a:t>12/2/2019</a:t>
             </a:fld>
             <a:endParaRPr lang="en-US"/>
           </a:p>
@@ -2680,7 +2681,7 @@
           <a:p>
             <a:fld id="{8987986C-9167-43A7-821D-DC8A3AF63D3C}" type="datetimeFigureOut">
               <a:rPr lang="en-US" smtClean="0"/>
-              <a:t>10/31/2019</a:t>
+              <a:t>12/2/2019</a:t>
             </a:fld>
             <a:endParaRPr lang="en-US"/>
           </a:p>
@@ -2921,7 +2922,7 @@
           <a:p>
             <a:fld id="{8987986C-9167-43A7-821D-DC8A3AF63D3C}" type="datetimeFigureOut">
               <a:rPr lang="en-US" smtClean="0"/>
-              <a:t>10/31/2019</a:t>
+              <a:t>12/2/2019</a:t>
             </a:fld>
             <a:endParaRPr lang="en-US"/>
           </a:p>
@@ -8409,6 +8410,4914 @@
 </p:sld>
 </file>
 
+<file path=ppt/slides/slide2.xml><?xml version="1.0" encoding="utf-8"?>
+<p:sld xmlns:a="http://schemas.openxmlformats.org/drawingml/2006/main" xmlns:r="http://schemas.openxmlformats.org/officeDocument/2006/relationships" xmlns:p="http://schemas.openxmlformats.org/presentationml/2006/main">
+  <p:cSld>
+    <p:spTree>
+      <p:nvGrpSpPr>
+        <p:cNvPr id="1" name=""/>
+        <p:cNvGrpSpPr/>
+        <p:nvPr/>
+      </p:nvGrpSpPr>
+      <p:grpSpPr>
+        <a:xfrm>
+          <a:off x="0" y="0"/>
+          <a:ext cx="0" cy="0"/>
+          <a:chOff x="0" y="0"/>
+          <a:chExt cx="0" cy="0"/>
+        </a:xfrm>
+      </p:grpSpPr>
+      <p:sp>
+        <p:nvSpPr>
+          <p:cNvPr id="4" name="Rectangle 3">
+            <a:extLst>
+              <a:ext uri="{FF2B5EF4-FFF2-40B4-BE49-F238E27FC236}">
+                <a16:creationId xmlns:a16="http://schemas.microsoft.com/office/drawing/2014/main" id="{52F8468D-999A-416E-96C8-4147A990D650}"/>
+              </a:ext>
+            </a:extLst>
+          </p:cNvPr>
+          <p:cNvSpPr/>
+          <p:nvPr/>
+        </p:nvSpPr>
+        <p:spPr>
+          <a:xfrm>
+            <a:off x="134224" y="1139823"/>
+            <a:ext cx="1191237" cy="471880"/>
+          </a:xfrm>
+          <a:prstGeom prst="rect">
+            <a:avLst/>
+          </a:prstGeom>
+          <a:solidFill>
+            <a:schemeClr val="accent5">
+              <a:lumMod val="20000"/>
+              <a:lumOff val="80000"/>
+            </a:schemeClr>
+          </a:solidFill>
+        </p:spPr>
+        <p:style>
+          <a:lnRef idx="2">
+            <a:schemeClr val="accent1">
+              <a:shade val="50000"/>
+            </a:schemeClr>
+          </a:lnRef>
+          <a:fillRef idx="1">
+            <a:schemeClr val="accent1"/>
+          </a:fillRef>
+          <a:effectRef idx="0">
+            <a:schemeClr val="accent1"/>
+          </a:effectRef>
+          <a:fontRef idx="minor">
+            <a:schemeClr val="lt1"/>
+          </a:fontRef>
+        </p:style>
+        <p:txBody>
+          <a:bodyPr rtlCol="0" anchor="ctr"/>
+          <a:lstStyle/>
+          <a:p>
+            <a:pPr algn="ctr"/>
+            <a:r>
+              <a:rPr lang="en-US" sz="1100" dirty="0">
+                <a:solidFill>
+                  <a:schemeClr val="tx1"/>
+                </a:solidFill>
+                <a:latin typeface="Times New Roman" panose="02020603050405020304" pitchFamily="18" charset="0"/>
+                <a:cs typeface="Times New Roman" panose="02020603050405020304" pitchFamily="18" charset="0"/>
+              </a:rPr>
+              <a:t>Identify research questions</a:t>
+            </a:r>
+          </a:p>
+        </p:txBody>
+      </p:sp>
+      <p:sp>
+        <p:nvSpPr>
+          <p:cNvPr id="5" name="Flowchart: Alternate Process 4">
+            <a:extLst>
+              <a:ext uri="{FF2B5EF4-FFF2-40B4-BE49-F238E27FC236}">
+                <a16:creationId xmlns:a16="http://schemas.microsoft.com/office/drawing/2014/main" id="{051870E3-E7A2-4267-9AA9-FD86B90494A4}"/>
+              </a:ext>
+            </a:extLst>
+          </p:cNvPr>
+          <p:cNvSpPr/>
+          <p:nvPr/>
+        </p:nvSpPr>
+        <p:spPr>
+          <a:xfrm>
+            <a:off x="1595306" y="1185962"/>
+            <a:ext cx="875813" cy="379602"/>
+          </a:xfrm>
+          <a:prstGeom prst="flowChartAlternateProcess">
+            <a:avLst/>
+          </a:prstGeom>
+          <a:solidFill>
+            <a:schemeClr val="accent3">
+              <a:lumMod val="20000"/>
+              <a:lumOff val="80000"/>
+            </a:schemeClr>
+          </a:solidFill>
+          <a:ln>
+            <a:solidFill>
+              <a:schemeClr val="tx1">
+                <a:lumMod val="50000"/>
+                <a:lumOff val="50000"/>
+              </a:schemeClr>
+            </a:solidFill>
+          </a:ln>
+        </p:spPr>
+        <p:style>
+          <a:lnRef idx="2">
+            <a:schemeClr val="accent1">
+              <a:shade val="50000"/>
+            </a:schemeClr>
+          </a:lnRef>
+          <a:fillRef idx="1">
+            <a:schemeClr val="accent1"/>
+          </a:fillRef>
+          <a:effectRef idx="0">
+            <a:schemeClr val="accent1"/>
+          </a:effectRef>
+          <a:fontRef idx="minor">
+            <a:schemeClr val="lt1"/>
+          </a:fontRef>
+        </p:style>
+        <p:txBody>
+          <a:bodyPr rtlCol="0" anchor="ctr"/>
+          <a:lstStyle/>
+          <a:p>
+            <a:pPr algn="ctr"/>
+            <a:r>
+              <a:rPr lang="en-US" sz="900" dirty="0">
+                <a:solidFill>
+                  <a:schemeClr val="tx1"/>
+                </a:solidFill>
+                <a:latin typeface="Times New Roman" panose="02020603050405020304" pitchFamily="18" charset="0"/>
+                <a:cs typeface="Times New Roman" panose="02020603050405020304" pitchFamily="18" charset="0"/>
+              </a:rPr>
+              <a:t>List of questions and raw data</a:t>
+            </a:r>
+          </a:p>
+        </p:txBody>
+      </p:sp>
+      <p:cxnSp>
+        <p:nvCxnSpPr>
+          <p:cNvPr id="7" name="Straight Arrow Connector 6">
+            <a:extLst>
+              <a:ext uri="{FF2B5EF4-FFF2-40B4-BE49-F238E27FC236}">
+                <a16:creationId xmlns:a16="http://schemas.microsoft.com/office/drawing/2014/main" id="{BCB0B7C1-85B2-4A87-88D2-5B0221ECD840}"/>
+              </a:ext>
+            </a:extLst>
+          </p:cNvPr>
+          <p:cNvCxnSpPr>
+            <a:stCxn id="4" idx="3"/>
+          </p:cNvCxnSpPr>
+          <p:nvPr/>
+        </p:nvCxnSpPr>
+        <p:spPr>
+          <a:xfrm>
+            <a:off x="1325461" y="1375763"/>
+            <a:ext cx="269845" cy="0"/>
+          </a:xfrm>
+          <a:prstGeom prst="straightConnector1">
+            <a:avLst/>
+          </a:prstGeom>
+          <a:ln>
+            <a:solidFill>
+              <a:schemeClr val="tx1"/>
+            </a:solidFill>
+            <a:tailEnd type="triangle"/>
+          </a:ln>
+        </p:spPr>
+        <p:style>
+          <a:lnRef idx="1">
+            <a:schemeClr val="accent1"/>
+          </a:lnRef>
+          <a:fillRef idx="0">
+            <a:schemeClr val="accent1"/>
+          </a:fillRef>
+          <a:effectRef idx="0">
+            <a:schemeClr val="accent1"/>
+          </a:effectRef>
+          <a:fontRef idx="minor">
+            <a:schemeClr val="tx1"/>
+          </a:fontRef>
+        </p:style>
+      </p:cxnSp>
+      <p:sp>
+        <p:nvSpPr>
+          <p:cNvPr id="8" name="Flowchart: Delay 7">
+            <a:extLst>
+              <a:ext uri="{FF2B5EF4-FFF2-40B4-BE49-F238E27FC236}">
+                <a16:creationId xmlns:a16="http://schemas.microsoft.com/office/drawing/2014/main" id="{D152B88F-38DE-4E0F-BCDA-86DB12BEBC9E}"/>
+              </a:ext>
+            </a:extLst>
+          </p:cNvPr>
+          <p:cNvSpPr/>
+          <p:nvPr/>
+        </p:nvSpPr>
+        <p:spPr>
+          <a:xfrm>
+            <a:off x="2739583" y="1055435"/>
+            <a:ext cx="666352" cy="622100"/>
+          </a:xfrm>
+          <a:prstGeom prst="flowChartDelay">
+            <a:avLst/>
+          </a:prstGeom>
+        </p:spPr>
+        <p:style>
+          <a:lnRef idx="2">
+            <a:schemeClr val="accent1">
+              <a:shade val="50000"/>
+            </a:schemeClr>
+          </a:lnRef>
+          <a:fillRef idx="1">
+            <a:schemeClr val="accent1"/>
+          </a:fillRef>
+          <a:effectRef idx="0">
+            <a:schemeClr val="accent1"/>
+          </a:effectRef>
+          <a:fontRef idx="minor">
+            <a:schemeClr val="lt1"/>
+          </a:fontRef>
+        </p:style>
+        <p:txBody>
+          <a:bodyPr rtlCol="0" anchor="ctr"/>
+          <a:lstStyle/>
+          <a:p>
+            <a:r>
+              <a:rPr lang="en-US" sz="900" dirty="0">
+                <a:latin typeface="Times New Roman" panose="02020603050405020304" pitchFamily="18" charset="0"/>
+                <a:cs typeface="Times New Roman" panose="02020603050405020304" pitchFamily="18" charset="0"/>
+              </a:rPr>
+              <a:t>Do we need weather data?</a:t>
+            </a:r>
+          </a:p>
+        </p:txBody>
+      </p:sp>
+      <p:cxnSp>
+        <p:nvCxnSpPr>
+          <p:cNvPr id="9" name="Straight Arrow Connector 8">
+            <a:extLst>
+              <a:ext uri="{FF2B5EF4-FFF2-40B4-BE49-F238E27FC236}">
+                <a16:creationId xmlns:a16="http://schemas.microsoft.com/office/drawing/2014/main" id="{59D79B12-9402-47DE-9A95-7ED9EC42A0D1}"/>
+              </a:ext>
+            </a:extLst>
+          </p:cNvPr>
+          <p:cNvCxnSpPr>
+            <a:cxnSpLocks/>
+            <a:stCxn id="5" idx="3"/>
+            <a:endCxn id="8" idx="1"/>
+          </p:cNvCxnSpPr>
+          <p:nvPr/>
+        </p:nvCxnSpPr>
+        <p:spPr>
+          <a:xfrm flipV="1">
+            <a:off x="2471119" y="1366485"/>
+            <a:ext cx="268464" cy="9278"/>
+          </a:xfrm>
+          <a:prstGeom prst="straightConnector1">
+            <a:avLst/>
+          </a:prstGeom>
+          <a:ln>
+            <a:solidFill>
+              <a:schemeClr val="tx1"/>
+            </a:solidFill>
+            <a:tailEnd type="triangle"/>
+          </a:ln>
+        </p:spPr>
+        <p:style>
+          <a:lnRef idx="1">
+            <a:schemeClr val="accent1"/>
+          </a:lnRef>
+          <a:fillRef idx="0">
+            <a:schemeClr val="accent1"/>
+          </a:fillRef>
+          <a:effectRef idx="0">
+            <a:schemeClr val="accent1"/>
+          </a:effectRef>
+          <a:fontRef idx="minor">
+            <a:schemeClr val="tx1"/>
+          </a:fontRef>
+        </p:style>
+      </p:cxnSp>
+      <p:sp>
+        <p:nvSpPr>
+          <p:cNvPr id="13" name="TextBox 12">
+            <a:extLst>
+              <a:ext uri="{FF2B5EF4-FFF2-40B4-BE49-F238E27FC236}">
+                <a16:creationId xmlns:a16="http://schemas.microsoft.com/office/drawing/2014/main" id="{8CFFE036-E003-4B0F-956A-6E3086A357B3}"/>
+              </a:ext>
+            </a:extLst>
+          </p:cNvPr>
+          <p:cNvSpPr txBox="1"/>
+          <p:nvPr/>
+        </p:nvSpPr>
+        <p:spPr>
+          <a:xfrm>
+            <a:off x="3032955" y="809215"/>
+            <a:ext cx="391550" cy="246221"/>
+          </a:xfrm>
+          <a:prstGeom prst="rect">
+            <a:avLst/>
+          </a:prstGeom>
+          <a:noFill/>
+        </p:spPr>
+        <p:txBody>
+          <a:bodyPr wrap="square" rtlCol="0">
+            <a:spAutoFit/>
+          </a:bodyPr>
+          <a:lstStyle/>
+          <a:p>
+            <a:r>
+              <a:rPr lang="en-US" sz="1000" dirty="0">
+                <a:latin typeface="Times New Roman" panose="02020603050405020304" pitchFamily="18" charset="0"/>
+                <a:cs typeface="Times New Roman" panose="02020603050405020304" pitchFamily="18" charset="0"/>
+              </a:rPr>
+              <a:t>Yes</a:t>
+            </a:r>
+          </a:p>
+        </p:txBody>
+      </p:sp>
+      <p:sp>
+        <p:nvSpPr>
+          <p:cNvPr id="14" name="TextBox 13">
+            <a:extLst>
+              <a:ext uri="{FF2B5EF4-FFF2-40B4-BE49-F238E27FC236}">
+                <a16:creationId xmlns:a16="http://schemas.microsoft.com/office/drawing/2014/main" id="{223F7648-B8B4-4120-BC32-D1F455E2C7CA}"/>
+              </a:ext>
+            </a:extLst>
+          </p:cNvPr>
+          <p:cNvSpPr txBox="1"/>
+          <p:nvPr/>
+        </p:nvSpPr>
+        <p:spPr>
+          <a:xfrm>
+            <a:off x="3392875" y="1160959"/>
+            <a:ext cx="391550" cy="246221"/>
+          </a:xfrm>
+          <a:prstGeom prst="rect">
+            <a:avLst/>
+          </a:prstGeom>
+          <a:noFill/>
+        </p:spPr>
+        <p:txBody>
+          <a:bodyPr wrap="square" rtlCol="0">
+            <a:spAutoFit/>
+          </a:bodyPr>
+          <a:lstStyle/>
+          <a:p>
+            <a:r>
+              <a:rPr lang="en-US" sz="1000" dirty="0">
+                <a:latin typeface="Times New Roman" panose="02020603050405020304" pitchFamily="18" charset="0"/>
+                <a:cs typeface="Times New Roman" panose="02020603050405020304" pitchFamily="18" charset="0"/>
+              </a:rPr>
+              <a:t>No</a:t>
+            </a:r>
+          </a:p>
+        </p:txBody>
+      </p:sp>
+      <p:cxnSp>
+        <p:nvCxnSpPr>
+          <p:cNvPr id="16" name="Straight Arrow Connector 15">
+            <a:extLst>
+              <a:ext uri="{FF2B5EF4-FFF2-40B4-BE49-F238E27FC236}">
+                <a16:creationId xmlns:a16="http://schemas.microsoft.com/office/drawing/2014/main" id="{5E3E4858-161F-405B-9A8C-B65ED23C30ED}"/>
+              </a:ext>
+            </a:extLst>
+          </p:cNvPr>
+          <p:cNvCxnSpPr>
+            <a:cxnSpLocks/>
+            <a:stCxn id="8" idx="3"/>
+            <a:endCxn id="32" idx="1"/>
+          </p:cNvCxnSpPr>
+          <p:nvPr/>
+        </p:nvCxnSpPr>
+        <p:spPr>
+          <a:xfrm>
+            <a:off x="3405935" y="1366485"/>
+            <a:ext cx="399793" cy="0"/>
+          </a:xfrm>
+          <a:prstGeom prst="straightConnector1">
+            <a:avLst/>
+          </a:prstGeom>
+          <a:ln>
+            <a:solidFill>
+              <a:schemeClr val="tx1"/>
+            </a:solidFill>
+            <a:tailEnd type="triangle"/>
+          </a:ln>
+        </p:spPr>
+        <p:style>
+          <a:lnRef idx="1">
+            <a:schemeClr val="accent1"/>
+          </a:lnRef>
+          <a:fillRef idx="0">
+            <a:schemeClr val="accent1"/>
+          </a:fillRef>
+          <a:effectRef idx="0">
+            <a:schemeClr val="accent1"/>
+          </a:effectRef>
+          <a:fontRef idx="minor">
+            <a:schemeClr val="tx1"/>
+          </a:fontRef>
+        </p:style>
+      </p:cxnSp>
+      <p:sp>
+        <p:nvSpPr>
+          <p:cNvPr id="18" name="Rectangle 17">
+            <a:extLst>
+              <a:ext uri="{FF2B5EF4-FFF2-40B4-BE49-F238E27FC236}">
+                <a16:creationId xmlns:a16="http://schemas.microsoft.com/office/drawing/2014/main" id="{6E0E55F0-318C-4459-AFA3-CA227E8A62B9}"/>
+              </a:ext>
+            </a:extLst>
+          </p:cNvPr>
+          <p:cNvSpPr/>
+          <p:nvPr/>
+        </p:nvSpPr>
+        <p:spPr>
+          <a:xfrm>
+            <a:off x="3805726" y="465861"/>
+            <a:ext cx="783101" cy="379603"/>
+          </a:xfrm>
+          <a:prstGeom prst="rect">
+            <a:avLst/>
+          </a:prstGeom>
+          <a:solidFill>
+            <a:schemeClr val="accent5">
+              <a:lumMod val="20000"/>
+              <a:lumOff val="80000"/>
+            </a:schemeClr>
+          </a:solidFill>
+        </p:spPr>
+        <p:style>
+          <a:lnRef idx="2">
+            <a:schemeClr val="accent1">
+              <a:shade val="50000"/>
+            </a:schemeClr>
+          </a:lnRef>
+          <a:fillRef idx="1">
+            <a:schemeClr val="accent1"/>
+          </a:fillRef>
+          <a:effectRef idx="0">
+            <a:schemeClr val="accent1"/>
+          </a:effectRef>
+          <a:fontRef idx="minor">
+            <a:schemeClr val="lt1"/>
+          </a:fontRef>
+        </p:style>
+        <p:txBody>
+          <a:bodyPr rtlCol="0" anchor="ctr"/>
+          <a:lstStyle/>
+          <a:p>
+            <a:pPr algn="ctr"/>
+            <a:r>
+              <a:rPr lang="en-US" sz="1100" dirty="0">
+                <a:solidFill>
+                  <a:schemeClr val="tx1"/>
+                </a:solidFill>
+                <a:latin typeface="Times New Roman" panose="02020603050405020304" pitchFamily="18" charset="0"/>
+                <a:cs typeface="Times New Roman" panose="02020603050405020304" pitchFamily="18" charset="0"/>
+              </a:rPr>
+              <a:t>Data scrapping</a:t>
+            </a:r>
+          </a:p>
+        </p:txBody>
+      </p:sp>
+      <p:cxnSp>
+        <p:nvCxnSpPr>
+          <p:cNvPr id="20" name="Connector: Elbow 19">
+            <a:extLst>
+              <a:ext uri="{FF2B5EF4-FFF2-40B4-BE49-F238E27FC236}">
+                <a16:creationId xmlns:a16="http://schemas.microsoft.com/office/drawing/2014/main" id="{4D4CA91D-8E51-4F1A-ADA4-D3EB33C0B260}"/>
+              </a:ext>
+            </a:extLst>
+          </p:cNvPr>
+          <p:cNvCxnSpPr>
+            <a:cxnSpLocks/>
+            <a:stCxn id="8" idx="0"/>
+            <a:endCxn id="18" idx="1"/>
+          </p:cNvCxnSpPr>
+          <p:nvPr/>
+        </p:nvCxnSpPr>
+        <p:spPr>
+          <a:xfrm rot="5400000" flipH="1" flipV="1">
+            <a:off x="3239356" y="489066"/>
+            <a:ext cx="399772" cy="732967"/>
+          </a:xfrm>
+          <a:prstGeom prst="bentConnector2">
+            <a:avLst/>
+          </a:prstGeom>
+          <a:ln>
+            <a:tailEnd type="triangle"/>
+          </a:ln>
+        </p:spPr>
+        <p:style>
+          <a:lnRef idx="1">
+            <a:schemeClr val="dk1"/>
+          </a:lnRef>
+          <a:fillRef idx="0">
+            <a:schemeClr val="dk1"/>
+          </a:fillRef>
+          <a:effectRef idx="0">
+            <a:schemeClr val="dk1"/>
+          </a:effectRef>
+          <a:fontRef idx="minor">
+            <a:schemeClr val="tx1"/>
+          </a:fontRef>
+        </p:style>
+      </p:cxnSp>
+      <p:cxnSp>
+        <p:nvCxnSpPr>
+          <p:cNvPr id="29" name="Straight Arrow Connector 28">
+            <a:extLst>
+              <a:ext uri="{FF2B5EF4-FFF2-40B4-BE49-F238E27FC236}">
+                <a16:creationId xmlns:a16="http://schemas.microsoft.com/office/drawing/2014/main" id="{6E9E363A-E7C1-4224-909A-19737E8A05E4}"/>
+              </a:ext>
+            </a:extLst>
+          </p:cNvPr>
+          <p:cNvCxnSpPr>
+            <a:cxnSpLocks/>
+            <a:stCxn id="18" idx="2"/>
+            <a:endCxn id="32" idx="0"/>
+          </p:cNvCxnSpPr>
+          <p:nvPr/>
+        </p:nvCxnSpPr>
+        <p:spPr>
+          <a:xfrm>
+            <a:off x="4197277" y="845464"/>
+            <a:ext cx="1" cy="331220"/>
+          </a:xfrm>
+          <a:prstGeom prst="straightConnector1">
+            <a:avLst/>
+          </a:prstGeom>
+          <a:ln>
+            <a:tailEnd type="triangle"/>
+          </a:ln>
+        </p:spPr>
+        <p:style>
+          <a:lnRef idx="1">
+            <a:schemeClr val="dk1"/>
+          </a:lnRef>
+          <a:fillRef idx="0">
+            <a:schemeClr val="dk1"/>
+          </a:fillRef>
+          <a:effectRef idx="0">
+            <a:schemeClr val="dk1"/>
+          </a:effectRef>
+          <a:fontRef idx="minor">
+            <a:schemeClr val="tx1"/>
+          </a:fontRef>
+        </p:style>
+      </p:cxnSp>
+      <p:sp>
+        <p:nvSpPr>
+          <p:cNvPr id="32" name="Flowchart: Alternate Process 31">
+            <a:extLst>
+              <a:ext uri="{FF2B5EF4-FFF2-40B4-BE49-F238E27FC236}">
+                <a16:creationId xmlns:a16="http://schemas.microsoft.com/office/drawing/2014/main" id="{B538DCEC-946C-4530-B703-DD13976E069B}"/>
+              </a:ext>
+            </a:extLst>
+          </p:cNvPr>
+          <p:cNvSpPr/>
+          <p:nvPr/>
+        </p:nvSpPr>
+        <p:spPr>
+          <a:xfrm>
+            <a:off x="3805728" y="1176684"/>
+            <a:ext cx="783100" cy="379602"/>
+          </a:xfrm>
+          <a:prstGeom prst="flowChartAlternateProcess">
+            <a:avLst/>
+          </a:prstGeom>
+          <a:solidFill>
+            <a:schemeClr val="accent3">
+              <a:lumMod val="20000"/>
+              <a:lumOff val="80000"/>
+            </a:schemeClr>
+          </a:solidFill>
+          <a:ln>
+            <a:solidFill>
+              <a:schemeClr val="tx1">
+                <a:lumMod val="50000"/>
+                <a:lumOff val="50000"/>
+              </a:schemeClr>
+            </a:solidFill>
+          </a:ln>
+        </p:spPr>
+        <p:style>
+          <a:lnRef idx="2">
+            <a:schemeClr val="accent1">
+              <a:shade val="50000"/>
+            </a:schemeClr>
+          </a:lnRef>
+          <a:fillRef idx="1">
+            <a:schemeClr val="accent1"/>
+          </a:fillRef>
+          <a:effectRef idx="0">
+            <a:schemeClr val="accent1"/>
+          </a:effectRef>
+          <a:fontRef idx="minor">
+            <a:schemeClr val="lt1"/>
+          </a:fontRef>
+        </p:style>
+        <p:txBody>
+          <a:bodyPr rtlCol="0" anchor="ctr"/>
+          <a:lstStyle/>
+          <a:p>
+            <a:pPr algn="ctr"/>
+            <a:r>
+              <a:rPr lang="en-US" sz="900" dirty="0">
+                <a:solidFill>
+                  <a:schemeClr val="tx1"/>
+                </a:solidFill>
+                <a:latin typeface="Times New Roman" panose="02020603050405020304" pitchFamily="18" charset="0"/>
+                <a:cs typeface="Times New Roman" panose="02020603050405020304" pitchFamily="18" charset="0"/>
+              </a:rPr>
+              <a:t>List of all data</a:t>
+            </a:r>
+          </a:p>
+        </p:txBody>
+      </p:sp>
+      <p:sp>
+        <p:nvSpPr>
+          <p:cNvPr id="33" name="Rectangle 32">
+            <a:extLst>
+              <a:ext uri="{FF2B5EF4-FFF2-40B4-BE49-F238E27FC236}">
+                <a16:creationId xmlns:a16="http://schemas.microsoft.com/office/drawing/2014/main" id="{982C4089-4716-4A15-BCC4-AD200361A669}"/>
+              </a:ext>
+            </a:extLst>
+          </p:cNvPr>
+          <p:cNvSpPr/>
+          <p:nvPr/>
+        </p:nvSpPr>
+        <p:spPr>
+          <a:xfrm>
+            <a:off x="4865372" y="1130545"/>
+            <a:ext cx="904868" cy="471880"/>
+          </a:xfrm>
+          <a:prstGeom prst="rect">
+            <a:avLst/>
+          </a:prstGeom>
+          <a:solidFill>
+            <a:schemeClr val="accent5">
+              <a:lumMod val="20000"/>
+              <a:lumOff val="80000"/>
+            </a:schemeClr>
+          </a:solidFill>
+        </p:spPr>
+        <p:style>
+          <a:lnRef idx="2">
+            <a:schemeClr val="accent1">
+              <a:shade val="50000"/>
+            </a:schemeClr>
+          </a:lnRef>
+          <a:fillRef idx="1">
+            <a:schemeClr val="accent1"/>
+          </a:fillRef>
+          <a:effectRef idx="0">
+            <a:schemeClr val="accent1"/>
+          </a:effectRef>
+          <a:fontRef idx="minor">
+            <a:schemeClr val="lt1"/>
+          </a:fontRef>
+        </p:style>
+        <p:txBody>
+          <a:bodyPr rtlCol="0" anchor="ctr"/>
+          <a:lstStyle/>
+          <a:p>
+            <a:pPr algn="ctr"/>
+            <a:r>
+              <a:rPr lang="en-US" sz="1100" dirty="0">
+                <a:solidFill>
+                  <a:schemeClr val="tx1"/>
+                </a:solidFill>
+                <a:latin typeface="Times New Roman" panose="02020603050405020304" pitchFamily="18" charset="0"/>
+                <a:cs typeface="Times New Roman" panose="02020603050405020304" pitchFamily="18" charset="0"/>
+              </a:rPr>
+              <a:t>Preliminary analysis</a:t>
+            </a:r>
+          </a:p>
+        </p:txBody>
+      </p:sp>
+      <p:cxnSp>
+        <p:nvCxnSpPr>
+          <p:cNvPr id="34" name="Straight Arrow Connector 33">
+            <a:extLst>
+              <a:ext uri="{FF2B5EF4-FFF2-40B4-BE49-F238E27FC236}">
+                <a16:creationId xmlns:a16="http://schemas.microsoft.com/office/drawing/2014/main" id="{847C8BFE-EF05-458E-B54D-B84A45027D1A}"/>
+              </a:ext>
+            </a:extLst>
+          </p:cNvPr>
+          <p:cNvCxnSpPr>
+            <a:cxnSpLocks/>
+            <a:stCxn id="32" idx="3"/>
+            <a:endCxn id="33" idx="1"/>
+          </p:cNvCxnSpPr>
+          <p:nvPr/>
+        </p:nvCxnSpPr>
+        <p:spPr>
+          <a:xfrm>
+            <a:off x="4588828" y="1366485"/>
+            <a:ext cx="276544" cy="0"/>
+          </a:xfrm>
+          <a:prstGeom prst="straightConnector1">
+            <a:avLst/>
+          </a:prstGeom>
+          <a:ln>
+            <a:tailEnd type="triangle"/>
+          </a:ln>
+        </p:spPr>
+        <p:style>
+          <a:lnRef idx="1">
+            <a:schemeClr val="accent2"/>
+          </a:lnRef>
+          <a:fillRef idx="0">
+            <a:schemeClr val="accent2"/>
+          </a:fillRef>
+          <a:effectRef idx="0">
+            <a:schemeClr val="accent2"/>
+          </a:effectRef>
+          <a:fontRef idx="minor">
+            <a:schemeClr val="tx1"/>
+          </a:fontRef>
+        </p:style>
+      </p:cxnSp>
+      <p:sp>
+        <p:nvSpPr>
+          <p:cNvPr id="58" name="Flowchart: Delay 57">
+            <a:extLst>
+              <a:ext uri="{FF2B5EF4-FFF2-40B4-BE49-F238E27FC236}">
+                <a16:creationId xmlns:a16="http://schemas.microsoft.com/office/drawing/2014/main" id="{3CA6B09A-0885-498A-92FD-36336BE93A63}"/>
+              </a:ext>
+            </a:extLst>
+          </p:cNvPr>
+          <p:cNvSpPr/>
+          <p:nvPr/>
+        </p:nvSpPr>
+        <p:spPr>
+          <a:xfrm>
+            <a:off x="7342553" y="1055435"/>
+            <a:ext cx="842570" cy="622100"/>
+          </a:xfrm>
+          <a:prstGeom prst="flowChartDelay">
+            <a:avLst/>
+          </a:prstGeom>
+        </p:spPr>
+        <p:style>
+          <a:lnRef idx="2">
+            <a:schemeClr val="accent1">
+              <a:shade val="50000"/>
+            </a:schemeClr>
+          </a:lnRef>
+          <a:fillRef idx="1">
+            <a:schemeClr val="accent1"/>
+          </a:fillRef>
+          <a:effectRef idx="0">
+            <a:schemeClr val="accent1"/>
+          </a:effectRef>
+          <a:fontRef idx="minor">
+            <a:schemeClr val="lt1"/>
+          </a:fontRef>
+        </p:style>
+        <p:txBody>
+          <a:bodyPr rtlCol="0" anchor="ctr"/>
+          <a:lstStyle/>
+          <a:p>
+            <a:r>
+              <a:rPr lang="en-US" sz="900" dirty="0">
+                <a:latin typeface="Times New Roman" panose="02020603050405020304" pitchFamily="18" charset="0"/>
+                <a:cs typeface="Times New Roman" panose="02020603050405020304" pitchFamily="18" charset="0"/>
+              </a:rPr>
+              <a:t>Any issues with the dataset?</a:t>
+            </a:r>
+          </a:p>
+        </p:txBody>
+      </p:sp>
+      <p:cxnSp>
+        <p:nvCxnSpPr>
+          <p:cNvPr id="60" name="Straight Arrow Connector 59">
+            <a:extLst>
+              <a:ext uri="{FF2B5EF4-FFF2-40B4-BE49-F238E27FC236}">
+                <a16:creationId xmlns:a16="http://schemas.microsoft.com/office/drawing/2014/main" id="{BD4C718B-058A-4D9E-92FD-2478DD60933B}"/>
+              </a:ext>
+            </a:extLst>
+          </p:cNvPr>
+          <p:cNvCxnSpPr>
+            <a:cxnSpLocks/>
+            <a:stCxn id="33" idx="3"/>
+            <a:endCxn id="85" idx="1"/>
+          </p:cNvCxnSpPr>
+          <p:nvPr/>
+        </p:nvCxnSpPr>
+        <p:spPr>
+          <a:xfrm flipV="1">
+            <a:off x="5770240" y="1192250"/>
+            <a:ext cx="379349" cy="174235"/>
+          </a:xfrm>
+          <a:prstGeom prst="straightConnector1">
+            <a:avLst/>
+          </a:prstGeom>
+          <a:ln>
+            <a:tailEnd type="triangle"/>
+          </a:ln>
+        </p:spPr>
+        <p:style>
+          <a:lnRef idx="1">
+            <a:schemeClr val="accent2"/>
+          </a:lnRef>
+          <a:fillRef idx="0">
+            <a:schemeClr val="accent2"/>
+          </a:fillRef>
+          <a:effectRef idx="0">
+            <a:schemeClr val="accent2"/>
+          </a:effectRef>
+          <a:fontRef idx="minor">
+            <a:schemeClr val="tx1"/>
+          </a:fontRef>
+        </p:style>
+      </p:cxnSp>
+      <p:sp>
+        <p:nvSpPr>
+          <p:cNvPr id="73" name="Rectangle 72">
+            <a:extLst>
+              <a:ext uri="{FF2B5EF4-FFF2-40B4-BE49-F238E27FC236}">
+                <a16:creationId xmlns:a16="http://schemas.microsoft.com/office/drawing/2014/main" id="{2CF6861F-6B57-4ED1-AD2C-EF2876CDD660}"/>
+              </a:ext>
+            </a:extLst>
+          </p:cNvPr>
+          <p:cNvSpPr/>
+          <p:nvPr/>
+        </p:nvSpPr>
+        <p:spPr>
+          <a:xfrm>
+            <a:off x="8622094" y="1130545"/>
+            <a:ext cx="1186924" cy="471880"/>
+          </a:xfrm>
+          <a:prstGeom prst="rect">
+            <a:avLst/>
+          </a:prstGeom>
+          <a:solidFill>
+            <a:schemeClr val="accent5">
+              <a:lumMod val="20000"/>
+              <a:lumOff val="80000"/>
+            </a:schemeClr>
+          </a:solidFill>
+        </p:spPr>
+        <p:style>
+          <a:lnRef idx="2">
+            <a:schemeClr val="accent1">
+              <a:shade val="50000"/>
+            </a:schemeClr>
+          </a:lnRef>
+          <a:fillRef idx="1">
+            <a:schemeClr val="accent1"/>
+          </a:fillRef>
+          <a:effectRef idx="0">
+            <a:schemeClr val="accent1"/>
+          </a:effectRef>
+          <a:fontRef idx="minor">
+            <a:schemeClr val="lt1"/>
+          </a:fontRef>
+        </p:style>
+        <p:txBody>
+          <a:bodyPr rtlCol="0" anchor="ctr"/>
+          <a:lstStyle/>
+          <a:p>
+            <a:pPr algn="ctr"/>
+            <a:r>
+              <a:rPr lang="en-US" sz="1100" dirty="0">
+                <a:solidFill>
+                  <a:schemeClr val="tx1"/>
+                </a:solidFill>
+                <a:latin typeface="Times New Roman" panose="02020603050405020304" pitchFamily="18" charset="0"/>
+                <a:cs typeface="Times New Roman" panose="02020603050405020304" pitchFamily="18" charset="0"/>
+              </a:rPr>
+              <a:t>Prepare data for analysis</a:t>
+            </a:r>
+          </a:p>
+        </p:txBody>
+      </p:sp>
+      <p:cxnSp>
+        <p:nvCxnSpPr>
+          <p:cNvPr id="75" name="Straight Arrow Connector 74">
+            <a:extLst>
+              <a:ext uri="{FF2B5EF4-FFF2-40B4-BE49-F238E27FC236}">
+                <a16:creationId xmlns:a16="http://schemas.microsoft.com/office/drawing/2014/main" id="{1AE3BE32-DF96-4B57-AB7F-39D98A854251}"/>
+              </a:ext>
+            </a:extLst>
+          </p:cNvPr>
+          <p:cNvCxnSpPr>
+            <a:cxnSpLocks/>
+            <a:stCxn id="58" idx="3"/>
+            <a:endCxn id="73" idx="1"/>
+          </p:cNvCxnSpPr>
+          <p:nvPr/>
+        </p:nvCxnSpPr>
+        <p:spPr>
+          <a:xfrm>
+            <a:off x="8185123" y="1366485"/>
+            <a:ext cx="436971" cy="0"/>
+          </a:xfrm>
+          <a:prstGeom prst="straightConnector1">
+            <a:avLst/>
+          </a:prstGeom>
+          <a:ln>
+            <a:tailEnd type="triangle"/>
+          </a:ln>
+        </p:spPr>
+        <p:style>
+          <a:lnRef idx="1">
+            <a:schemeClr val="accent2"/>
+          </a:lnRef>
+          <a:fillRef idx="0">
+            <a:schemeClr val="accent2"/>
+          </a:fillRef>
+          <a:effectRef idx="0">
+            <a:schemeClr val="accent2"/>
+          </a:effectRef>
+          <a:fontRef idx="minor">
+            <a:schemeClr val="tx1"/>
+          </a:fontRef>
+        </p:style>
+      </p:cxnSp>
+      <p:sp>
+        <p:nvSpPr>
+          <p:cNvPr id="77" name="TextBox 76">
+            <a:extLst>
+              <a:ext uri="{FF2B5EF4-FFF2-40B4-BE49-F238E27FC236}">
+                <a16:creationId xmlns:a16="http://schemas.microsoft.com/office/drawing/2014/main" id="{5875B268-C155-48BA-AB52-D2598C701B91}"/>
+              </a:ext>
+            </a:extLst>
+          </p:cNvPr>
+          <p:cNvSpPr txBox="1"/>
+          <p:nvPr/>
+        </p:nvSpPr>
+        <p:spPr>
+          <a:xfrm>
+            <a:off x="8192247" y="1107177"/>
+            <a:ext cx="391550" cy="246221"/>
+          </a:xfrm>
+          <a:prstGeom prst="rect">
+            <a:avLst/>
+          </a:prstGeom>
+          <a:noFill/>
+        </p:spPr>
+        <p:txBody>
+          <a:bodyPr wrap="square" rtlCol="0">
+            <a:spAutoFit/>
+          </a:bodyPr>
+          <a:lstStyle/>
+          <a:p>
+            <a:r>
+              <a:rPr lang="en-US" sz="1000" dirty="0">
+                <a:latin typeface="Times New Roman" panose="02020603050405020304" pitchFamily="18" charset="0"/>
+                <a:cs typeface="Times New Roman" panose="02020603050405020304" pitchFamily="18" charset="0"/>
+              </a:rPr>
+              <a:t>No</a:t>
+            </a:r>
+          </a:p>
+        </p:txBody>
+      </p:sp>
+      <p:sp>
+        <p:nvSpPr>
+          <p:cNvPr id="78" name="Rectangle 77">
+            <a:extLst>
+              <a:ext uri="{FF2B5EF4-FFF2-40B4-BE49-F238E27FC236}">
+                <a16:creationId xmlns:a16="http://schemas.microsoft.com/office/drawing/2014/main" id="{C4807B1E-B810-4C62-A51D-891E9B7E1324}"/>
+              </a:ext>
+            </a:extLst>
+          </p:cNvPr>
+          <p:cNvSpPr/>
+          <p:nvPr/>
+        </p:nvSpPr>
+        <p:spPr>
+          <a:xfrm>
+            <a:off x="134224" y="230167"/>
+            <a:ext cx="643598" cy="277834"/>
+          </a:xfrm>
+          <a:prstGeom prst="rect">
+            <a:avLst/>
+          </a:prstGeom>
+          <a:solidFill>
+            <a:schemeClr val="accent5">
+              <a:lumMod val="20000"/>
+              <a:lumOff val="80000"/>
+            </a:schemeClr>
+          </a:solidFill>
+        </p:spPr>
+        <p:style>
+          <a:lnRef idx="2">
+            <a:schemeClr val="accent1">
+              <a:shade val="50000"/>
+            </a:schemeClr>
+          </a:lnRef>
+          <a:fillRef idx="1">
+            <a:schemeClr val="accent1"/>
+          </a:fillRef>
+          <a:effectRef idx="0">
+            <a:schemeClr val="accent1"/>
+          </a:effectRef>
+          <a:fontRef idx="minor">
+            <a:schemeClr val="lt1"/>
+          </a:fontRef>
+        </p:style>
+        <p:txBody>
+          <a:bodyPr rtlCol="0" anchor="ctr"/>
+          <a:lstStyle/>
+          <a:p>
+            <a:pPr algn="ctr"/>
+            <a:r>
+              <a:rPr lang="en-US" sz="1100" dirty="0">
+                <a:solidFill>
+                  <a:schemeClr val="tx1"/>
+                </a:solidFill>
+                <a:latin typeface="Times New Roman" panose="02020603050405020304" pitchFamily="18" charset="0"/>
+                <a:cs typeface="Times New Roman" panose="02020603050405020304" pitchFamily="18" charset="0"/>
+              </a:rPr>
+              <a:t>Action</a:t>
+            </a:r>
+          </a:p>
+        </p:txBody>
+      </p:sp>
+      <p:sp>
+        <p:nvSpPr>
+          <p:cNvPr id="79" name="Flowchart: Alternate Process 78">
+            <a:extLst>
+              <a:ext uri="{FF2B5EF4-FFF2-40B4-BE49-F238E27FC236}">
+                <a16:creationId xmlns:a16="http://schemas.microsoft.com/office/drawing/2014/main" id="{D7686892-E3EC-4902-9951-21E23BA2277D}"/>
+              </a:ext>
+            </a:extLst>
+          </p:cNvPr>
+          <p:cNvSpPr/>
+          <p:nvPr/>
+        </p:nvSpPr>
+        <p:spPr>
+          <a:xfrm>
+            <a:off x="847488" y="230858"/>
+            <a:ext cx="678577" cy="277832"/>
+          </a:xfrm>
+          <a:prstGeom prst="flowChartAlternateProcess">
+            <a:avLst/>
+          </a:prstGeom>
+          <a:solidFill>
+            <a:schemeClr val="accent3">
+              <a:lumMod val="20000"/>
+              <a:lumOff val="80000"/>
+            </a:schemeClr>
+          </a:solidFill>
+          <a:ln>
+            <a:solidFill>
+              <a:schemeClr val="tx1">
+                <a:lumMod val="50000"/>
+                <a:lumOff val="50000"/>
+              </a:schemeClr>
+            </a:solidFill>
+          </a:ln>
+        </p:spPr>
+        <p:style>
+          <a:lnRef idx="2">
+            <a:schemeClr val="accent1">
+              <a:shade val="50000"/>
+            </a:schemeClr>
+          </a:lnRef>
+          <a:fillRef idx="1">
+            <a:schemeClr val="accent1"/>
+          </a:fillRef>
+          <a:effectRef idx="0">
+            <a:schemeClr val="accent1"/>
+          </a:effectRef>
+          <a:fontRef idx="minor">
+            <a:schemeClr val="lt1"/>
+          </a:fontRef>
+        </p:style>
+        <p:txBody>
+          <a:bodyPr rtlCol="0" anchor="ctr"/>
+          <a:lstStyle/>
+          <a:p>
+            <a:pPr algn="ctr"/>
+            <a:r>
+              <a:rPr lang="en-US" sz="900" dirty="0">
+                <a:solidFill>
+                  <a:schemeClr val="tx1"/>
+                </a:solidFill>
+                <a:latin typeface="Times New Roman" panose="02020603050405020304" pitchFamily="18" charset="0"/>
+                <a:cs typeface="Times New Roman" panose="02020603050405020304" pitchFamily="18" charset="0"/>
+              </a:rPr>
+              <a:t>Output</a:t>
+            </a:r>
+          </a:p>
+        </p:txBody>
+      </p:sp>
+      <p:sp>
+        <p:nvSpPr>
+          <p:cNvPr id="80" name="Flowchart: Delay 79">
+            <a:extLst>
+              <a:ext uri="{FF2B5EF4-FFF2-40B4-BE49-F238E27FC236}">
+                <a16:creationId xmlns:a16="http://schemas.microsoft.com/office/drawing/2014/main" id="{30F10666-E9C2-402D-8D15-BBBA7F46A3CD}"/>
+              </a:ext>
+            </a:extLst>
+          </p:cNvPr>
+          <p:cNvSpPr/>
+          <p:nvPr/>
+        </p:nvSpPr>
+        <p:spPr>
+          <a:xfrm>
+            <a:off x="1602832" y="240248"/>
+            <a:ext cx="751333" cy="277834"/>
+          </a:xfrm>
+          <a:prstGeom prst="flowChartDelay">
+            <a:avLst/>
+          </a:prstGeom>
+        </p:spPr>
+        <p:style>
+          <a:lnRef idx="2">
+            <a:schemeClr val="accent1">
+              <a:shade val="50000"/>
+            </a:schemeClr>
+          </a:lnRef>
+          <a:fillRef idx="1">
+            <a:schemeClr val="accent1"/>
+          </a:fillRef>
+          <a:effectRef idx="0">
+            <a:schemeClr val="accent1"/>
+          </a:effectRef>
+          <a:fontRef idx="minor">
+            <a:schemeClr val="lt1"/>
+          </a:fontRef>
+        </p:style>
+        <p:txBody>
+          <a:bodyPr rtlCol="0" anchor="ctr"/>
+          <a:lstStyle/>
+          <a:p>
+            <a:r>
+              <a:rPr lang="en-US" sz="900" dirty="0">
+                <a:latin typeface="Times New Roman" panose="02020603050405020304" pitchFamily="18" charset="0"/>
+                <a:cs typeface="Times New Roman" panose="02020603050405020304" pitchFamily="18" charset="0"/>
+              </a:rPr>
+              <a:t>Question for user</a:t>
+            </a:r>
+          </a:p>
+        </p:txBody>
+      </p:sp>
+      <p:sp>
+        <p:nvSpPr>
+          <p:cNvPr id="81" name="Rectangle 80">
+            <a:extLst>
+              <a:ext uri="{FF2B5EF4-FFF2-40B4-BE49-F238E27FC236}">
+                <a16:creationId xmlns:a16="http://schemas.microsoft.com/office/drawing/2014/main" id="{FCE1EB18-F5BB-452F-AE4F-87332FA3EFC8}"/>
+              </a:ext>
+            </a:extLst>
+          </p:cNvPr>
+          <p:cNvSpPr/>
+          <p:nvPr/>
+        </p:nvSpPr>
+        <p:spPr>
+          <a:xfrm>
+            <a:off x="74580" y="27708"/>
+            <a:ext cx="2396540" cy="842784"/>
+          </a:xfrm>
+          <a:prstGeom prst="rect">
+            <a:avLst/>
+          </a:prstGeom>
+          <a:noFill/>
+          <a:ln>
+            <a:solidFill>
+              <a:srgbClr val="FF0000"/>
+            </a:solidFill>
+          </a:ln>
+        </p:spPr>
+        <p:style>
+          <a:lnRef idx="2">
+            <a:schemeClr val="accent1">
+              <a:shade val="50000"/>
+            </a:schemeClr>
+          </a:lnRef>
+          <a:fillRef idx="1">
+            <a:schemeClr val="accent1"/>
+          </a:fillRef>
+          <a:effectRef idx="0">
+            <a:schemeClr val="accent1"/>
+          </a:effectRef>
+          <a:fontRef idx="minor">
+            <a:schemeClr val="lt1"/>
+          </a:fontRef>
+        </p:style>
+        <p:txBody>
+          <a:bodyPr rtlCol="0" anchor="ctr"/>
+          <a:lstStyle/>
+          <a:p>
+            <a:pPr algn="ctr"/>
+            <a:endParaRPr lang="en-US"/>
+          </a:p>
+        </p:txBody>
+      </p:sp>
+      <p:sp>
+        <p:nvSpPr>
+          <p:cNvPr id="82" name="TextBox 81">
+            <a:extLst>
+              <a:ext uri="{FF2B5EF4-FFF2-40B4-BE49-F238E27FC236}">
+                <a16:creationId xmlns:a16="http://schemas.microsoft.com/office/drawing/2014/main" id="{D8D9F7AF-FEC4-4AF7-BAC7-BFCCE2AFCB20}"/>
+              </a:ext>
+            </a:extLst>
+          </p:cNvPr>
+          <p:cNvSpPr txBox="1"/>
+          <p:nvPr/>
+        </p:nvSpPr>
+        <p:spPr>
+          <a:xfrm>
+            <a:off x="59478" y="2416"/>
+            <a:ext cx="666049" cy="246221"/>
+          </a:xfrm>
+          <a:prstGeom prst="rect">
+            <a:avLst/>
+          </a:prstGeom>
+          <a:noFill/>
+        </p:spPr>
+        <p:txBody>
+          <a:bodyPr wrap="square" rtlCol="0">
+            <a:spAutoFit/>
+          </a:bodyPr>
+          <a:lstStyle/>
+          <a:p>
+            <a:r>
+              <a:rPr lang="en-US" sz="1000" b="1" dirty="0">
+                <a:latin typeface="Times New Roman" panose="02020603050405020304" pitchFamily="18" charset="0"/>
+                <a:cs typeface="Times New Roman" panose="02020603050405020304" pitchFamily="18" charset="0"/>
+              </a:rPr>
+              <a:t>Legend</a:t>
+            </a:r>
+          </a:p>
+        </p:txBody>
+      </p:sp>
+      <p:sp>
+        <p:nvSpPr>
+          <p:cNvPr id="85" name="Flowchart: Alternate Process 84">
+            <a:extLst>
+              <a:ext uri="{FF2B5EF4-FFF2-40B4-BE49-F238E27FC236}">
+                <a16:creationId xmlns:a16="http://schemas.microsoft.com/office/drawing/2014/main" id="{7F8E7699-E7C3-4AE1-8687-7D820A5C3719}"/>
+              </a:ext>
+            </a:extLst>
+          </p:cNvPr>
+          <p:cNvSpPr/>
+          <p:nvPr/>
+        </p:nvSpPr>
+        <p:spPr>
+          <a:xfrm>
+            <a:off x="6149589" y="1002449"/>
+            <a:ext cx="858242" cy="379602"/>
+          </a:xfrm>
+          <a:prstGeom prst="flowChartAlternateProcess">
+            <a:avLst/>
+          </a:prstGeom>
+          <a:solidFill>
+            <a:schemeClr val="accent3">
+              <a:lumMod val="20000"/>
+              <a:lumOff val="80000"/>
+            </a:schemeClr>
+          </a:solidFill>
+          <a:ln>
+            <a:solidFill>
+              <a:schemeClr val="tx1">
+                <a:lumMod val="50000"/>
+                <a:lumOff val="50000"/>
+              </a:schemeClr>
+            </a:solidFill>
+          </a:ln>
+        </p:spPr>
+        <p:style>
+          <a:lnRef idx="2">
+            <a:schemeClr val="accent1">
+              <a:shade val="50000"/>
+            </a:schemeClr>
+          </a:lnRef>
+          <a:fillRef idx="1">
+            <a:schemeClr val="accent1"/>
+          </a:fillRef>
+          <a:effectRef idx="0">
+            <a:schemeClr val="accent1"/>
+          </a:effectRef>
+          <a:fontRef idx="minor">
+            <a:schemeClr val="lt1"/>
+          </a:fontRef>
+        </p:style>
+        <p:txBody>
+          <a:bodyPr rtlCol="0" anchor="ctr"/>
+          <a:lstStyle/>
+          <a:p>
+            <a:pPr algn="ctr"/>
+            <a:r>
+              <a:rPr lang="en-US" sz="900" dirty="0">
+                <a:solidFill>
+                  <a:schemeClr val="tx1"/>
+                </a:solidFill>
+                <a:latin typeface="Times New Roman" panose="02020603050405020304" pitchFamily="18" charset="0"/>
+                <a:cs typeface="Times New Roman" panose="02020603050405020304" pitchFamily="18" charset="0"/>
+              </a:rPr>
+              <a:t>Descriptive analysis</a:t>
+            </a:r>
+          </a:p>
+        </p:txBody>
+      </p:sp>
+      <p:sp>
+        <p:nvSpPr>
+          <p:cNvPr id="86" name="Flowchart: Alternate Process 85">
+            <a:extLst>
+              <a:ext uri="{FF2B5EF4-FFF2-40B4-BE49-F238E27FC236}">
+                <a16:creationId xmlns:a16="http://schemas.microsoft.com/office/drawing/2014/main" id="{753746BE-EF6F-411D-9019-E81BAFCBE625}"/>
+              </a:ext>
+            </a:extLst>
+          </p:cNvPr>
+          <p:cNvSpPr/>
+          <p:nvPr/>
+        </p:nvSpPr>
+        <p:spPr>
+          <a:xfrm>
+            <a:off x="6165911" y="1427196"/>
+            <a:ext cx="842569" cy="379602"/>
+          </a:xfrm>
+          <a:prstGeom prst="flowChartAlternateProcess">
+            <a:avLst/>
+          </a:prstGeom>
+          <a:solidFill>
+            <a:schemeClr val="accent3">
+              <a:lumMod val="20000"/>
+              <a:lumOff val="80000"/>
+            </a:schemeClr>
+          </a:solidFill>
+          <a:ln>
+            <a:solidFill>
+              <a:schemeClr val="tx1">
+                <a:lumMod val="50000"/>
+                <a:lumOff val="50000"/>
+              </a:schemeClr>
+            </a:solidFill>
+          </a:ln>
+        </p:spPr>
+        <p:style>
+          <a:lnRef idx="2">
+            <a:schemeClr val="accent1">
+              <a:shade val="50000"/>
+            </a:schemeClr>
+          </a:lnRef>
+          <a:fillRef idx="1">
+            <a:schemeClr val="accent1"/>
+          </a:fillRef>
+          <a:effectRef idx="0">
+            <a:schemeClr val="accent1"/>
+          </a:effectRef>
+          <a:fontRef idx="minor">
+            <a:schemeClr val="lt1"/>
+          </a:fontRef>
+        </p:style>
+        <p:txBody>
+          <a:bodyPr rtlCol="0" anchor="ctr"/>
+          <a:lstStyle/>
+          <a:p>
+            <a:pPr algn="ctr"/>
+            <a:r>
+              <a:rPr lang="en-US" sz="900" dirty="0">
+                <a:solidFill>
+                  <a:schemeClr val="tx1"/>
+                </a:solidFill>
+                <a:latin typeface="Times New Roman" panose="02020603050405020304" pitchFamily="18" charset="0"/>
+                <a:cs typeface="Times New Roman" panose="02020603050405020304" pitchFamily="18" charset="0"/>
+              </a:rPr>
+              <a:t>Plot visualization</a:t>
+            </a:r>
+          </a:p>
+        </p:txBody>
+      </p:sp>
+      <p:cxnSp>
+        <p:nvCxnSpPr>
+          <p:cNvPr id="91" name="Straight Arrow Connector 90">
+            <a:extLst>
+              <a:ext uri="{FF2B5EF4-FFF2-40B4-BE49-F238E27FC236}">
+                <a16:creationId xmlns:a16="http://schemas.microsoft.com/office/drawing/2014/main" id="{E2761D00-8B17-4791-8456-A2960E0725A0}"/>
+              </a:ext>
+            </a:extLst>
+          </p:cNvPr>
+          <p:cNvCxnSpPr>
+            <a:stCxn id="33" idx="3"/>
+            <a:endCxn id="86" idx="1"/>
+          </p:cNvCxnSpPr>
+          <p:nvPr/>
+        </p:nvCxnSpPr>
+        <p:spPr>
+          <a:xfrm>
+            <a:off x="5770240" y="1366485"/>
+            <a:ext cx="395671" cy="250512"/>
+          </a:xfrm>
+          <a:prstGeom prst="straightConnector1">
+            <a:avLst/>
+          </a:prstGeom>
+          <a:ln>
+            <a:tailEnd type="triangle"/>
+          </a:ln>
+        </p:spPr>
+        <p:style>
+          <a:lnRef idx="1">
+            <a:schemeClr val="accent2"/>
+          </a:lnRef>
+          <a:fillRef idx="0">
+            <a:schemeClr val="accent2"/>
+          </a:fillRef>
+          <a:effectRef idx="0">
+            <a:schemeClr val="accent2"/>
+          </a:effectRef>
+          <a:fontRef idx="minor">
+            <a:schemeClr val="tx1"/>
+          </a:fontRef>
+        </p:style>
+      </p:cxnSp>
+      <p:cxnSp>
+        <p:nvCxnSpPr>
+          <p:cNvPr id="95" name="Straight Arrow Connector 94">
+            <a:extLst>
+              <a:ext uri="{FF2B5EF4-FFF2-40B4-BE49-F238E27FC236}">
+                <a16:creationId xmlns:a16="http://schemas.microsoft.com/office/drawing/2014/main" id="{C015A9D3-FA34-4161-A9FD-E3F2BCE4084A}"/>
+              </a:ext>
+            </a:extLst>
+          </p:cNvPr>
+          <p:cNvCxnSpPr>
+            <a:stCxn id="85" idx="3"/>
+            <a:endCxn id="58" idx="1"/>
+          </p:cNvCxnSpPr>
+          <p:nvPr/>
+        </p:nvCxnSpPr>
+        <p:spPr>
+          <a:xfrm>
+            <a:off x="7007831" y="1192250"/>
+            <a:ext cx="334722" cy="174235"/>
+          </a:xfrm>
+          <a:prstGeom prst="straightConnector1">
+            <a:avLst/>
+          </a:prstGeom>
+          <a:ln>
+            <a:tailEnd type="triangle"/>
+          </a:ln>
+        </p:spPr>
+        <p:style>
+          <a:lnRef idx="1">
+            <a:schemeClr val="accent2"/>
+          </a:lnRef>
+          <a:fillRef idx="0">
+            <a:schemeClr val="accent2"/>
+          </a:fillRef>
+          <a:effectRef idx="0">
+            <a:schemeClr val="accent2"/>
+          </a:effectRef>
+          <a:fontRef idx="minor">
+            <a:schemeClr val="tx1"/>
+          </a:fontRef>
+        </p:style>
+      </p:cxnSp>
+      <p:cxnSp>
+        <p:nvCxnSpPr>
+          <p:cNvPr id="97" name="Straight Arrow Connector 96">
+            <a:extLst>
+              <a:ext uri="{FF2B5EF4-FFF2-40B4-BE49-F238E27FC236}">
+                <a16:creationId xmlns:a16="http://schemas.microsoft.com/office/drawing/2014/main" id="{27012810-6FF0-4AA8-AAB4-5D87DC0D1853}"/>
+              </a:ext>
+            </a:extLst>
+          </p:cNvPr>
+          <p:cNvCxnSpPr>
+            <a:stCxn id="86" idx="3"/>
+            <a:endCxn id="58" idx="1"/>
+          </p:cNvCxnSpPr>
+          <p:nvPr/>
+        </p:nvCxnSpPr>
+        <p:spPr>
+          <a:xfrm flipV="1">
+            <a:off x="7008480" y="1366485"/>
+            <a:ext cx="334073" cy="250512"/>
+          </a:xfrm>
+          <a:prstGeom prst="straightConnector1">
+            <a:avLst/>
+          </a:prstGeom>
+          <a:ln>
+            <a:tailEnd type="triangle"/>
+          </a:ln>
+        </p:spPr>
+        <p:style>
+          <a:lnRef idx="1">
+            <a:schemeClr val="accent2"/>
+          </a:lnRef>
+          <a:fillRef idx="0">
+            <a:schemeClr val="accent2"/>
+          </a:fillRef>
+          <a:effectRef idx="0">
+            <a:schemeClr val="accent2"/>
+          </a:effectRef>
+          <a:fontRef idx="minor">
+            <a:schemeClr val="tx1"/>
+          </a:fontRef>
+        </p:style>
+      </p:cxnSp>
+      <p:sp>
+        <p:nvSpPr>
+          <p:cNvPr id="106" name="Rectangle 105">
+            <a:extLst>
+              <a:ext uri="{FF2B5EF4-FFF2-40B4-BE49-F238E27FC236}">
+                <a16:creationId xmlns:a16="http://schemas.microsoft.com/office/drawing/2014/main" id="{55EC9F8F-F5D6-4CC7-B953-79FB6149B067}"/>
+              </a:ext>
+            </a:extLst>
+          </p:cNvPr>
+          <p:cNvSpPr/>
+          <p:nvPr/>
+        </p:nvSpPr>
+        <p:spPr>
+          <a:xfrm>
+            <a:off x="7278929" y="271864"/>
+            <a:ext cx="969818" cy="379603"/>
+          </a:xfrm>
+          <a:prstGeom prst="rect">
+            <a:avLst/>
+          </a:prstGeom>
+          <a:solidFill>
+            <a:schemeClr val="accent5">
+              <a:lumMod val="20000"/>
+              <a:lumOff val="80000"/>
+            </a:schemeClr>
+          </a:solidFill>
+        </p:spPr>
+        <p:style>
+          <a:lnRef idx="2">
+            <a:schemeClr val="accent1">
+              <a:shade val="50000"/>
+            </a:schemeClr>
+          </a:lnRef>
+          <a:fillRef idx="1">
+            <a:schemeClr val="accent1"/>
+          </a:fillRef>
+          <a:effectRef idx="0">
+            <a:schemeClr val="accent1"/>
+          </a:effectRef>
+          <a:fontRef idx="minor">
+            <a:schemeClr val="lt1"/>
+          </a:fontRef>
+        </p:style>
+        <p:txBody>
+          <a:bodyPr rtlCol="0" anchor="ctr"/>
+          <a:lstStyle/>
+          <a:p>
+            <a:pPr algn="ctr"/>
+            <a:r>
+              <a:rPr lang="en-US" sz="1100" dirty="0">
+                <a:solidFill>
+                  <a:schemeClr val="tx1"/>
+                </a:solidFill>
+                <a:latin typeface="Times New Roman" panose="02020603050405020304" pitchFamily="18" charset="0"/>
+                <a:cs typeface="Times New Roman" panose="02020603050405020304" pitchFamily="18" charset="0"/>
+              </a:rPr>
+              <a:t>Fill in missing data</a:t>
+            </a:r>
+          </a:p>
+        </p:txBody>
+      </p:sp>
+      <p:cxnSp>
+        <p:nvCxnSpPr>
+          <p:cNvPr id="108" name="Straight Arrow Connector 107">
+            <a:extLst>
+              <a:ext uri="{FF2B5EF4-FFF2-40B4-BE49-F238E27FC236}">
+                <a16:creationId xmlns:a16="http://schemas.microsoft.com/office/drawing/2014/main" id="{E54F9706-4005-4D32-BAA2-01497088DFF8}"/>
+              </a:ext>
+            </a:extLst>
+          </p:cNvPr>
+          <p:cNvCxnSpPr>
+            <a:stCxn id="58" idx="0"/>
+            <a:endCxn id="106" idx="2"/>
+          </p:cNvCxnSpPr>
+          <p:nvPr/>
+        </p:nvCxnSpPr>
+        <p:spPr>
+          <a:xfrm flipV="1">
+            <a:off x="7763838" y="651467"/>
+            <a:ext cx="0" cy="403968"/>
+          </a:xfrm>
+          <a:prstGeom prst="straightConnector1">
+            <a:avLst/>
+          </a:prstGeom>
+          <a:ln>
+            <a:tailEnd type="triangle"/>
+          </a:ln>
+        </p:spPr>
+        <p:style>
+          <a:lnRef idx="1">
+            <a:schemeClr val="dk1"/>
+          </a:lnRef>
+          <a:fillRef idx="0">
+            <a:schemeClr val="dk1"/>
+          </a:fillRef>
+          <a:effectRef idx="0">
+            <a:schemeClr val="dk1"/>
+          </a:effectRef>
+          <a:fontRef idx="minor">
+            <a:schemeClr val="tx1"/>
+          </a:fontRef>
+        </p:style>
+      </p:cxnSp>
+      <p:sp>
+        <p:nvSpPr>
+          <p:cNvPr id="110" name="TextBox 109">
+            <a:extLst>
+              <a:ext uri="{FF2B5EF4-FFF2-40B4-BE49-F238E27FC236}">
+                <a16:creationId xmlns:a16="http://schemas.microsoft.com/office/drawing/2014/main" id="{1CB713B1-E01C-4BE4-9F9C-D6549E8B832E}"/>
+              </a:ext>
+            </a:extLst>
+          </p:cNvPr>
+          <p:cNvSpPr txBox="1"/>
+          <p:nvPr/>
+        </p:nvSpPr>
+        <p:spPr>
+          <a:xfrm>
+            <a:off x="7721358" y="687352"/>
+            <a:ext cx="674116" cy="400110"/>
+          </a:xfrm>
+          <a:prstGeom prst="rect">
+            <a:avLst/>
+          </a:prstGeom>
+          <a:noFill/>
+        </p:spPr>
+        <p:txBody>
+          <a:bodyPr wrap="square" rtlCol="0">
+            <a:spAutoFit/>
+          </a:bodyPr>
+          <a:lstStyle/>
+          <a:p>
+            <a:r>
+              <a:rPr lang="en-US" sz="1000" dirty="0">
+                <a:latin typeface="Times New Roman" panose="02020603050405020304" pitchFamily="18" charset="0"/>
+                <a:cs typeface="Times New Roman" panose="02020603050405020304" pitchFamily="18" charset="0"/>
+              </a:rPr>
+              <a:t>Missing data</a:t>
+            </a:r>
+          </a:p>
+        </p:txBody>
+      </p:sp>
+      <p:sp>
+        <p:nvSpPr>
+          <p:cNvPr id="111" name="Flowchart: Alternate Process 110">
+            <a:extLst>
+              <a:ext uri="{FF2B5EF4-FFF2-40B4-BE49-F238E27FC236}">
+                <a16:creationId xmlns:a16="http://schemas.microsoft.com/office/drawing/2014/main" id="{17413304-F8E2-45FC-A267-BBE75C7B1DBA}"/>
+              </a:ext>
+            </a:extLst>
+          </p:cNvPr>
+          <p:cNvSpPr/>
+          <p:nvPr/>
+        </p:nvSpPr>
+        <p:spPr>
+          <a:xfrm>
+            <a:off x="6158074" y="271865"/>
+            <a:ext cx="858242" cy="379602"/>
+          </a:xfrm>
+          <a:prstGeom prst="flowChartAlternateProcess">
+            <a:avLst/>
+          </a:prstGeom>
+          <a:solidFill>
+            <a:schemeClr val="accent3">
+              <a:lumMod val="20000"/>
+              <a:lumOff val="80000"/>
+            </a:schemeClr>
+          </a:solidFill>
+          <a:ln>
+            <a:solidFill>
+              <a:schemeClr val="tx1">
+                <a:lumMod val="50000"/>
+                <a:lumOff val="50000"/>
+              </a:schemeClr>
+            </a:solidFill>
+          </a:ln>
+        </p:spPr>
+        <p:style>
+          <a:lnRef idx="2">
+            <a:schemeClr val="accent1">
+              <a:shade val="50000"/>
+            </a:schemeClr>
+          </a:lnRef>
+          <a:fillRef idx="1">
+            <a:schemeClr val="accent1"/>
+          </a:fillRef>
+          <a:effectRef idx="0">
+            <a:schemeClr val="accent1"/>
+          </a:effectRef>
+          <a:fontRef idx="minor">
+            <a:schemeClr val="lt1"/>
+          </a:fontRef>
+        </p:style>
+        <p:txBody>
+          <a:bodyPr rtlCol="0" anchor="ctr"/>
+          <a:lstStyle/>
+          <a:p>
+            <a:pPr algn="ctr"/>
+            <a:r>
+              <a:rPr lang="en-US" sz="900" dirty="0">
+                <a:solidFill>
+                  <a:schemeClr val="tx1"/>
+                </a:solidFill>
+                <a:latin typeface="Times New Roman" panose="02020603050405020304" pitchFamily="18" charset="0"/>
+                <a:cs typeface="Times New Roman" panose="02020603050405020304" pitchFamily="18" charset="0"/>
+              </a:rPr>
+              <a:t>Develop ML to replace missing data</a:t>
+            </a:r>
+          </a:p>
+        </p:txBody>
+      </p:sp>
+      <p:cxnSp>
+        <p:nvCxnSpPr>
+          <p:cNvPr id="113" name="Straight Arrow Connector 112">
+            <a:extLst>
+              <a:ext uri="{FF2B5EF4-FFF2-40B4-BE49-F238E27FC236}">
+                <a16:creationId xmlns:a16="http://schemas.microsoft.com/office/drawing/2014/main" id="{073683AC-9E0E-41A1-9CFB-BD3AB4CE1883}"/>
+              </a:ext>
+            </a:extLst>
+          </p:cNvPr>
+          <p:cNvCxnSpPr>
+            <a:cxnSpLocks/>
+            <a:stCxn id="106" idx="1"/>
+            <a:endCxn id="111" idx="3"/>
+          </p:cNvCxnSpPr>
+          <p:nvPr/>
+        </p:nvCxnSpPr>
+        <p:spPr>
+          <a:xfrm flipH="1">
+            <a:off x="7016316" y="461666"/>
+            <a:ext cx="262613" cy="0"/>
+          </a:xfrm>
+          <a:prstGeom prst="straightConnector1">
+            <a:avLst/>
+          </a:prstGeom>
+          <a:ln>
+            <a:tailEnd type="triangle"/>
+          </a:ln>
+        </p:spPr>
+        <p:style>
+          <a:lnRef idx="1">
+            <a:schemeClr val="dk1"/>
+          </a:lnRef>
+          <a:fillRef idx="0">
+            <a:schemeClr val="dk1"/>
+          </a:fillRef>
+          <a:effectRef idx="0">
+            <a:schemeClr val="dk1"/>
+          </a:effectRef>
+          <a:fontRef idx="minor">
+            <a:schemeClr val="tx1"/>
+          </a:fontRef>
+        </p:style>
+      </p:cxnSp>
+      <p:cxnSp>
+        <p:nvCxnSpPr>
+          <p:cNvPr id="115" name="Connector: Elbow 114">
+            <a:extLst>
+              <a:ext uri="{FF2B5EF4-FFF2-40B4-BE49-F238E27FC236}">
+                <a16:creationId xmlns:a16="http://schemas.microsoft.com/office/drawing/2014/main" id="{2E99425A-6B9D-45C8-A9E3-5908AD090076}"/>
+              </a:ext>
+            </a:extLst>
+          </p:cNvPr>
+          <p:cNvCxnSpPr>
+            <a:stCxn id="111" idx="1"/>
+            <a:endCxn id="33" idx="0"/>
+          </p:cNvCxnSpPr>
+          <p:nvPr/>
+        </p:nvCxnSpPr>
+        <p:spPr>
+          <a:xfrm rot="10800000" flipV="1">
+            <a:off x="5317806" y="461665"/>
+            <a:ext cx="840268" cy="668879"/>
+          </a:xfrm>
+          <a:prstGeom prst="bentConnector2">
+            <a:avLst/>
+          </a:prstGeom>
+          <a:ln>
+            <a:tailEnd type="triangle"/>
+          </a:ln>
+        </p:spPr>
+        <p:style>
+          <a:lnRef idx="1">
+            <a:schemeClr val="accent2"/>
+          </a:lnRef>
+          <a:fillRef idx="0">
+            <a:schemeClr val="accent2"/>
+          </a:fillRef>
+          <a:effectRef idx="0">
+            <a:schemeClr val="accent2"/>
+          </a:effectRef>
+          <a:fontRef idx="minor">
+            <a:schemeClr val="tx1"/>
+          </a:fontRef>
+        </p:style>
+      </p:cxnSp>
+      <p:cxnSp>
+        <p:nvCxnSpPr>
+          <p:cNvPr id="119" name="Straight Arrow Connector 118">
+            <a:extLst>
+              <a:ext uri="{FF2B5EF4-FFF2-40B4-BE49-F238E27FC236}">
+                <a16:creationId xmlns:a16="http://schemas.microsoft.com/office/drawing/2014/main" id="{A3BF9181-BF95-43C6-9103-F4D9ECF26957}"/>
+              </a:ext>
+            </a:extLst>
+          </p:cNvPr>
+          <p:cNvCxnSpPr>
+            <a:cxnSpLocks/>
+            <a:stCxn id="58" idx="2"/>
+          </p:cNvCxnSpPr>
+          <p:nvPr/>
+        </p:nvCxnSpPr>
+        <p:spPr>
+          <a:xfrm>
+            <a:off x="7763838" y="1677535"/>
+            <a:ext cx="0" cy="350981"/>
+          </a:xfrm>
+          <a:prstGeom prst="straightConnector1">
+            <a:avLst/>
+          </a:prstGeom>
+          <a:ln>
+            <a:tailEnd type="triangle"/>
+          </a:ln>
+        </p:spPr>
+        <p:style>
+          <a:lnRef idx="1">
+            <a:schemeClr val="dk1"/>
+          </a:lnRef>
+          <a:fillRef idx="0">
+            <a:schemeClr val="dk1"/>
+          </a:fillRef>
+          <a:effectRef idx="0">
+            <a:schemeClr val="dk1"/>
+          </a:effectRef>
+          <a:fontRef idx="minor">
+            <a:schemeClr val="tx1"/>
+          </a:fontRef>
+        </p:style>
+      </p:cxnSp>
+      <p:sp>
+        <p:nvSpPr>
+          <p:cNvPr id="121" name="TextBox 120">
+            <a:extLst>
+              <a:ext uri="{FF2B5EF4-FFF2-40B4-BE49-F238E27FC236}">
+                <a16:creationId xmlns:a16="http://schemas.microsoft.com/office/drawing/2014/main" id="{EBF07640-2D12-443C-B2B6-045C21E523CA}"/>
+              </a:ext>
+            </a:extLst>
+          </p:cNvPr>
+          <p:cNvSpPr txBox="1"/>
+          <p:nvPr/>
+        </p:nvSpPr>
+        <p:spPr>
+          <a:xfrm>
+            <a:off x="7711711" y="1700158"/>
+            <a:ext cx="631633" cy="246221"/>
+          </a:xfrm>
+          <a:prstGeom prst="rect">
+            <a:avLst/>
+          </a:prstGeom>
+          <a:noFill/>
+        </p:spPr>
+        <p:txBody>
+          <a:bodyPr wrap="square" rtlCol="0">
+            <a:spAutoFit/>
+          </a:bodyPr>
+          <a:lstStyle/>
+          <a:p>
+            <a:r>
+              <a:rPr lang="en-US" sz="1000" dirty="0">
+                <a:latin typeface="Times New Roman" panose="02020603050405020304" pitchFamily="18" charset="0"/>
+                <a:cs typeface="Times New Roman" panose="02020603050405020304" pitchFamily="18" charset="0"/>
+              </a:rPr>
+              <a:t>Outliers</a:t>
+            </a:r>
+          </a:p>
+        </p:txBody>
+      </p:sp>
+      <p:sp>
+        <p:nvSpPr>
+          <p:cNvPr id="123" name="Flowchart: Delay 122">
+            <a:extLst>
+              <a:ext uri="{FF2B5EF4-FFF2-40B4-BE49-F238E27FC236}">
+                <a16:creationId xmlns:a16="http://schemas.microsoft.com/office/drawing/2014/main" id="{8B3A390D-7227-4697-83E6-28759B6FC1B0}"/>
+              </a:ext>
+            </a:extLst>
+          </p:cNvPr>
+          <p:cNvSpPr/>
+          <p:nvPr/>
+        </p:nvSpPr>
+        <p:spPr>
+          <a:xfrm>
+            <a:off x="7408060" y="2016713"/>
+            <a:ext cx="711556" cy="471880"/>
+          </a:xfrm>
+          <a:prstGeom prst="flowChartDelay">
+            <a:avLst/>
+          </a:prstGeom>
+        </p:spPr>
+        <p:style>
+          <a:lnRef idx="2">
+            <a:schemeClr val="accent1">
+              <a:shade val="50000"/>
+            </a:schemeClr>
+          </a:lnRef>
+          <a:fillRef idx="1">
+            <a:schemeClr val="accent1"/>
+          </a:fillRef>
+          <a:effectRef idx="0">
+            <a:schemeClr val="accent1"/>
+          </a:effectRef>
+          <a:fontRef idx="minor">
+            <a:schemeClr val="lt1"/>
+          </a:fontRef>
+        </p:style>
+        <p:txBody>
+          <a:bodyPr rtlCol="0" anchor="ctr"/>
+          <a:lstStyle/>
+          <a:p>
+            <a:r>
+              <a:rPr lang="en-US" sz="900" dirty="0">
+                <a:latin typeface="Times New Roman" panose="02020603050405020304" pitchFamily="18" charset="0"/>
+                <a:cs typeface="Times New Roman" panose="02020603050405020304" pitchFamily="18" charset="0"/>
+              </a:rPr>
+              <a:t>Is the outliers  valid ?</a:t>
+            </a:r>
+          </a:p>
+        </p:txBody>
+      </p:sp>
+      <p:sp>
+        <p:nvSpPr>
+          <p:cNvPr id="124" name="TextBox 123">
+            <a:extLst>
+              <a:ext uri="{FF2B5EF4-FFF2-40B4-BE49-F238E27FC236}">
+                <a16:creationId xmlns:a16="http://schemas.microsoft.com/office/drawing/2014/main" id="{CD3B0393-C7D2-45F0-BE0F-14CDC8D22734}"/>
+              </a:ext>
+            </a:extLst>
+          </p:cNvPr>
+          <p:cNvSpPr txBox="1"/>
+          <p:nvPr/>
+        </p:nvSpPr>
+        <p:spPr>
+          <a:xfrm>
+            <a:off x="7030381" y="2016713"/>
+            <a:ext cx="445812" cy="246221"/>
+          </a:xfrm>
+          <a:prstGeom prst="rect">
+            <a:avLst/>
+          </a:prstGeom>
+          <a:noFill/>
+        </p:spPr>
+        <p:txBody>
+          <a:bodyPr wrap="square" rtlCol="0">
+            <a:spAutoFit/>
+          </a:bodyPr>
+          <a:lstStyle/>
+          <a:p>
+            <a:r>
+              <a:rPr lang="en-US" sz="1000" dirty="0">
+                <a:latin typeface="Times New Roman" panose="02020603050405020304" pitchFamily="18" charset="0"/>
+                <a:cs typeface="Times New Roman" panose="02020603050405020304" pitchFamily="18" charset="0"/>
+              </a:rPr>
+              <a:t>No</a:t>
+            </a:r>
+          </a:p>
+        </p:txBody>
+      </p:sp>
+      <p:sp>
+        <p:nvSpPr>
+          <p:cNvPr id="125" name="Rectangle 124">
+            <a:extLst>
+              <a:ext uri="{FF2B5EF4-FFF2-40B4-BE49-F238E27FC236}">
+                <a16:creationId xmlns:a16="http://schemas.microsoft.com/office/drawing/2014/main" id="{4686FEDA-8C90-47B6-AFC6-3983A0EF548A}"/>
+              </a:ext>
+            </a:extLst>
+          </p:cNvPr>
+          <p:cNvSpPr/>
+          <p:nvPr/>
+        </p:nvSpPr>
+        <p:spPr>
+          <a:xfrm>
+            <a:off x="6187811" y="2016713"/>
+            <a:ext cx="842570" cy="471880"/>
+          </a:xfrm>
+          <a:prstGeom prst="rect">
+            <a:avLst/>
+          </a:prstGeom>
+          <a:solidFill>
+            <a:schemeClr val="accent5">
+              <a:lumMod val="20000"/>
+              <a:lumOff val="80000"/>
+            </a:schemeClr>
+          </a:solidFill>
+        </p:spPr>
+        <p:style>
+          <a:lnRef idx="2">
+            <a:schemeClr val="accent1">
+              <a:shade val="50000"/>
+            </a:schemeClr>
+          </a:lnRef>
+          <a:fillRef idx="1">
+            <a:schemeClr val="accent1"/>
+          </a:fillRef>
+          <a:effectRef idx="0">
+            <a:schemeClr val="accent1"/>
+          </a:effectRef>
+          <a:fontRef idx="minor">
+            <a:schemeClr val="lt1"/>
+          </a:fontRef>
+        </p:style>
+        <p:txBody>
+          <a:bodyPr rtlCol="0" anchor="ctr"/>
+          <a:lstStyle/>
+          <a:p>
+            <a:pPr algn="ctr"/>
+            <a:r>
+              <a:rPr lang="en-US" sz="1100" dirty="0">
+                <a:solidFill>
+                  <a:schemeClr val="tx1"/>
+                </a:solidFill>
+                <a:latin typeface="Times New Roman" panose="02020603050405020304" pitchFamily="18" charset="0"/>
+                <a:cs typeface="Times New Roman" panose="02020603050405020304" pitchFamily="18" charset="0"/>
+              </a:rPr>
+              <a:t>Drop the outliers</a:t>
+            </a:r>
+          </a:p>
+        </p:txBody>
+      </p:sp>
+      <p:cxnSp>
+        <p:nvCxnSpPr>
+          <p:cNvPr id="127" name="Straight Arrow Connector 126">
+            <a:extLst>
+              <a:ext uri="{FF2B5EF4-FFF2-40B4-BE49-F238E27FC236}">
+                <a16:creationId xmlns:a16="http://schemas.microsoft.com/office/drawing/2014/main" id="{83C3421F-852C-4EF0-8A98-C396F4399FA5}"/>
+              </a:ext>
+            </a:extLst>
+          </p:cNvPr>
+          <p:cNvCxnSpPr>
+            <a:stCxn id="123" idx="1"/>
+            <a:endCxn id="125" idx="3"/>
+          </p:cNvCxnSpPr>
+          <p:nvPr/>
+        </p:nvCxnSpPr>
+        <p:spPr>
+          <a:xfrm flipH="1">
+            <a:off x="7030381" y="2252653"/>
+            <a:ext cx="377679" cy="0"/>
+          </a:xfrm>
+          <a:prstGeom prst="straightConnector1">
+            <a:avLst/>
+          </a:prstGeom>
+          <a:ln>
+            <a:tailEnd type="triangle"/>
+          </a:ln>
+        </p:spPr>
+        <p:style>
+          <a:lnRef idx="1">
+            <a:schemeClr val="dk1"/>
+          </a:lnRef>
+          <a:fillRef idx="0">
+            <a:schemeClr val="dk1"/>
+          </a:fillRef>
+          <a:effectRef idx="0">
+            <a:schemeClr val="dk1"/>
+          </a:effectRef>
+          <a:fontRef idx="minor">
+            <a:schemeClr val="tx1"/>
+          </a:fontRef>
+        </p:style>
+      </p:cxnSp>
+      <p:cxnSp>
+        <p:nvCxnSpPr>
+          <p:cNvPr id="130" name="Connector: Elbow 129">
+            <a:extLst>
+              <a:ext uri="{FF2B5EF4-FFF2-40B4-BE49-F238E27FC236}">
+                <a16:creationId xmlns:a16="http://schemas.microsoft.com/office/drawing/2014/main" id="{B8146A29-D16D-431C-841D-AEB8186F6EC9}"/>
+              </a:ext>
+            </a:extLst>
+          </p:cNvPr>
+          <p:cNvCxnSpPr>
+            <a:stCxn id="125" idx="1"/>
+            <a:endCxn id="33" idx="2"/>
+          </p:cNvCxnSpPr>
+          <p:nvPr/>
+        </p:nvCxnSpPr>
+        <p:spPr>
+          <a:xfrm rot="10800000">
+            <a:off x="5317807" y="1602425"/>
+            <a:ext cx="870005" cy="650228"/>
+          </a:xfrm>
+          <a:prstGeom prst="bentConnector2">
+            <a:avLst/>
+          </a:prstGeom>
+          <a:ln>
+            <a:tailEnd type="triangle"/>
+          </a:ln>
+        </p:spPr>
+        <p:style>
+          <a:lnRef idx="1">
+            <a:schemeClr val="dk1"/>
+          </a:lnRef>
+          <a:fillRef idx="0">
+            <a:schemeClr val="dk1"/>
+          </a:fillRef>
+          <a:effectRef idx="0">
+            <a:schemeClr val="dk1"/>
+          </a:effectRef>
+          <a:fontRef idx="minor">
+            <a:schemeClr val="tx1"/>
+          </a:fontRef>
+        </p:style>
+      </p:cxnSp>
+      <p:cxnSp>
+        <p:nvCxnSpPr>
+          <p:cNvPr id="132" name="Connector: Elbow 131">
+            <a:extLst>
+              <a:ext uri="{FF2B5EF4-FFF2-40B4-BE49-F238E27FC236}">
+                <a16:creationId xmlns:a16="http://schemas.microsoft.com/office/drawing/2014/main" id="{BFE89DC5-267D-45C6-A6B0-DE317C7C8AFC}"/>
+              </a:ext>
+            </a:extLst>
+          </p:cNvPr>
+          <p:cNvCxnSpPr>
+            <a:cxnSpLocks/>
+            <a:stCxn id="123" idx="3"/>
+            <a:endCxn id="73" idx="2"/>
+          </p:cNvCxnSpPr>
+          <p:nvPr/>
+        </p:nvCxnSpPr>
+        <p:spPr>
+          <a:xfrm flipV="1">
+            <a:off x="8119616" y="1602425"/>
+            <a:ext cx="1095940" cy="650228"/>
+          </a:xfrm>
+          <a:prstGeom prst="bentConnector2">
+            <a:avLst/>
+          </a:prstGeom>
+          <a:ln>
+            <a:tailEnd type="triangle"/>
+          </a:ln>
+        </p:spPr>
+        <p:style>
+          <a:lnRef idx="1">
+            <a:schemeClr val="dk1"/>
+          </a:lnRef>
+          <a:fillRef idx="0">
+            <a:schemeClr val="dk1"/>
+          </a:fillRef>
+          <a:effectRef idx="0">
+            <a:schemeClr val="dk1"/>
+          </a:effectRef>
+          <a:fontRef idx="minor">
+            <a:schemeClr val="tx1"/>
+          </a:fontRef>
+        </p:style>
+      </p:cxnSp>
+      <p:sp>
+        <p:nvSpPr>
+          <p:cNvPr id="133" name="TextBox 132">
+            <a:extLst>
+              <a:ext uri="{FF2B5EF4-FFF2-40B4-BE49-F238E27FC236}">
+                <a16:creationId xmlns:a16="http://schemas.microsoft.com/office/drawing/2014/main" id="{7F606E06-6F50-46AA-B0F5-A87AFD3677D7}"/>
+              </a:ext>
+            </a:extLst>
+          </p:cNvPr>
+          <p:cNvSpPr txBox="1"/>
+          <p:nvPr/>
+        </p:nvSpPr>
+        <p:spPr>
+          <a:xfrm>
+            <a:off x="8080216" y="2034857"/>
+            <a:ext cx="391550" cy="246221"/>
+          </a:xfrm>
+          <a:prstGeom prst="rect">
+            <a:avLst/>
+          </a:prstGeom>
+          <a:noFill/>
+        </p:spPr>
+        <p:txBody>
+          <a:bodyPr wrap="square" rtlCol="0">
+            <a:spAutoFit/>
+          </a:bodyPr>
+          <a:lstStyle/>
+          <a:p>
+            <a:r>
+              <a:rPr lang="en-US" sz="1000" dirty="0">
+                <a:latin typeface="Times New Roman" panose="02020603050405020304" pitchFamily="18" charset="0"/>
+                <a:cs typeface="Times New Roman" panose="02020603050405020304" pitchFamily="18" charset="0"/>
+              </a:rPr>
+              <a:t>Yes</a:t>
+            </a:r>
+          </a:p>
+        </p:txBody>
+      </p:sp>
+      <p:sp>
+        <p:nvSpPr>
+          <p:cNvPr id="138" name="Rectangle 137">
+            <a:extLst>
+              <a:ext uri="{FF2B5EF4-FFF2-40B4-BE49-F238E27FC236}">
+                <a16:creationId xmlns:a16="http://schemas.microsoft.com/office/drawing/2014/main" id="{ECCC98D3-B5CC-4FEC-B854-944F7A1CA091}"/>
+              </a:ext>
+            </a:extLst>
+          </p:cNvPr>
+          <p:cNvSpPr/>
+          <p:nvPr/>
+        </p:nvSpPr>
+        <p:spPr>
+          <a:xfrm>
+            <a:off x="-7317" y="1556286"/>
+            <a:ext cx="1401645" cy="1214468"/>
+          </a:xfrm>
+          <a:prstGeom prst="rect">
+            <a:avLst/>
+          </a:prstGeom>
+          <a:noFill/>
+          <a:ln>
+            <a:noFill/>
+          </a:ln>
+        </p:spPr>
+        <p:style>
+          <a:lnRef idx="2">
+            <a:schemeClr val="accent1">
+              <a:shade val="50000"/>
+            </a:schemeClr>
+          </a:lnRef>
+          <a:fillRef idx="1">
+            <a:schemeClr val="accent1"/>
+          </a:fillRef>
+          <a:effectRef idx="0">
+            <a:schemeClr val="accent1"/>
+          </a:effectRef>
+          <a:fontRef idx="minor">
+            <a:schemeClr val="lt1"/>
+          </a:fontRef>
+        </p:style>
+        <p:txBody>
+          <a:bodyPr rtlCol="0" anchor="ctr"/>
+          <a:lstStyle/>
+          <a:p>
+            <a:pPr marL="171450" indent="-171450">
+              <a:buFont typeface="Arial" panose="020B0604020202020204" pitchFamily="34" charset="0"/>
+              <a:buChar char="•"/>
+            </a:pPr>
+            <a:r>
+              <a:rPr lang="en-US" sz="800" dirty="0">
+                <a:solidFill>
+                  <a:schemeClr val="tx1"/>
+                </a:solidFill>
+                <a:latin typeface="Times New Roman" panose="02020603050405020304" pitchFamily="18" charset="0"/>
+                <a:cs typeface="Times New Roman" panose="02020603050405020304" pitchFamily="18" charset="0"/>
+              </a:rPr>
+              <a:t>Is analyte concentration higher in one catchment than the other?</a:t>
+            </a:r>
+          </a:p>
+          <a:p>
+            <a:pPr marL="171450" indent="-171450">
+              <a:buFont typeface="Arial" panose="020B0604020202020204" pitchFamily="34" charset="0"/>
+              <a:buChar char="•"/>
+            </a:pPr>
+            <a:r>
+              <a:rPr lang="en-US" sz="800" dirty="0">
+                <a:solidFill>
+                  <a:schemeClr val="tx1"/>
+                </a:solidFill>
+                <a:latin typeface="Times New Roman" panose="02020603050405020304" pitchFamily="18" charset="0"/>
+                <a:cs typeface="Times New Roman" panose="02020603050405020304" pitchFamily="18" charset="0"/>
+              </a:rPr>
+              <a:t>Is analyte load higher in one catchment than the other?</a:t>
+            </a:r>
+          </a:p>
+          <a:p>
+            <a:pPr marL="171450" indent="-171450">
+              <a:buFont typeface="Arial" panose="020B0604020202020204" pitchFamily="34" charset="0"/>
+              <a:buChar char="•"/>
+            </a:pPr>
+            <a:r>
+              <a:rPr lang="en-US" sz="800" dirty="0">
+                <a:solidFill>
+                  <a:schemeClr val="tx1"/>
+                </a:solidFill>
+                <a:latin typeface="Times New Roman" panose="02020603050405020304" pitchFamily="18" charset="0"/>
+                <a:cs typeface="Times New Roman" panose="02020603050405020304" pitchFamily="18" charset="0"/>
+              </a:rPr>
+              <a:t>How do flow, ppt, and temp affect analyte load?</a:t>
+            </a:r>
+          </a:p>
+        </p:txBody>
+      </p:sp>
+      <p:cxnSp>
+        <p:nvCxnSpPr>
+          <p:cNvPr id="144" name="Connector: Elbow 143">
+            <a:extLst>
+              <a:ext uri="{FF2B5EF4-FFF2-40B4-BE49-F238E27FC236}">
+                <a16:creationId xmlns:a16="http://schemas.microsoft.com/office/drawing/2014/main" id="{99FA4FDD-7FC4-4F09-A869-DE7D3D59FA8C}"/>
+              </a:ext>
+            </a:extLst>
+          </p:cNvPr>
+          <p:cNvCxnSpPr>
+            <a:cxnSpLocks/>
+            <a:stCxn id="73" idx="3"/>
+            <a:endCxn id="109" idx="0"/>
+          </p:cNvCxnSpPr>
+          <p:nvPr/>
+        </p:nvCxnSpPr>
+        <p:spPr>
+          <a:xfrm>
+            <a:off x="9809018" y="1366485"/>
+            <a:ext cx="49855" cy="2370361"/>
+          </a:xfrm>
+          <a:prstGeom prst="bentConnector2">
+            <a:avLst/>
+          </a:prstGeom>
+          <a:ln>
+            <a:tailEnd type="triangle"/>
+          </a:ln>
+        </p:spPr>
+        <p:style>
+          <a:lnRef idx="1">
+            <a:schemeClr val="accent2"/>
+          </a:lnRef>
+          <a:fillRef idx="0">
+            <a:schemeClr val="accent2"/>
+          </a:fillRef>
+          <a:effectRef idx="0">
+            <a:schemeClr val="accent2"/>
+          </a:effectRef>
+          <a:fontRef idx="minor">
+            <a:schemeClr val="tx1"/>
+          </a:fontRef>
+        </p:style>
+      </p:cxnSp>
+      <p:sp>
+        <p:nvSpPr>
+          <p:cNvPr id="154" name="Flowchart: Delay 153">
+            <a:extLst>
+              <a:ext uri="{FF2B5EF4-FFF2-40B4-BE49-F238E27FC236}">
+                <a16:creationId xmlns:a16="http://schemas.microsoft.com/office/drawing/2014/main" id="{9E28C6C5-A702-44B4-9E4B-71FE6C346123}"/>
+              </a:ext>
+            </a:extLst>
+          </p:cNvPr>
+          <p:cNvSpPr/>
+          <p:nvPr/>
+        </p:nvSpPr>
+        <p:spPr>
+          <a:xfrm>
+            <a:off x="9860752" y="4536061"/>
+            <a:ext cx="711556" cy="471880"/>
+          </a:xfrm>
+          <a:prstGeom prst="flowChartDelay">
+            <a:avLst/>
+          </a:prstGeom>
+        </p:spPr>
+        <p:style>
+          <a:lnRef idx="2">
+            <a:schemeClr val="accent1">
+              <a:shade val="50000"/>
+            </a:schemeClr>
+          </a:lnRef>
+          <a:fillRef idx="1">
+            <a:schemeClr val="accent1"/>
+          </a:fillRef>
+          <a:effectRef idx="0">
+            <a:schemeClr val="accent1"/>
+          </a:effectRef>
+          <a:fontRef idx="minor">
+            <a:schemeClr val="lt1"/>
+          </a:fontRef>
+        </p:style>
+        <p:txBody>
+          <a:bodyPr rtlCol="0" anchor="ctr"/>
+          <a:lstStyle/>
+          <a:p>
+            <a:r>
+              <a:rPr lang="en-US" sz="900" dirty="0">
+                <a:latin typeface="Times New Roman" panose="02020603050405020304" pitchFamily="18" charset="0"/>
+                <a:cs typeface="Times New Roman" panose="02020603050405020304" pitchFamily="18" charset="0"/>
+              </a:rPr>
+              <a:t>Normal?</a:t>
+            </a:r>
+          </a:p>
+        </p:txBody>
+      </p:sp>
+      <p:sp>
+        <p:nvSpPr>
+          <p:cNvPr id="192" name="Flowchart: Alternate Process 191">
+            <a:extLst>
+              <a:ext uri="{FF2B5EF4-FFF2-40B4-BE49-F238E27FC236}">
+                <a16:creationId xmlns:a16="http://schemas.microsoft.com/office/drawing/2014/main" id="{E9E6B334-EF33-49DC-8E13-49C147E09DD8}"/>
+              </a:ext>
+            </a:extLst>
+          </p:cNvPr>
+          <p:cNvSpPr/>
+          <p:nvPr/>
+        </p:nvSpPr>
+        <p:spPr>
+          <a:xfrm>
+            <a:off x="7778584" y="3785914"/>
+            <a:ext cx="783100" cy="379602"/>
+          </a:xfrm>
+          <a:prstGeom prst="flowChartAlternateProcess">
+            <a:avLst/>
+          </a:prstGeom>
+          <a:solidFill>
+            <a:schemeClr val="accent3">
+              <a:lumMod val="20000"/>
+              <a:lumOff val="80000"/>
+            </a:schemeClr>
+          </a:solidFill>
+          <a:ln>
+            <a:solidFill>
+              <a:schemeClr val="tx1">
+                <a:lumMod val="50000"/>
+                <a:lumOff val="50000"/>
+              </a:schemeClr>
+            </a:solidFill>
+          </a:ln>
+        </p:spPr>
+        <p:style>
+          <a:lnRef idx="2">
+            <a:schemeClr val="accent1">
+              <a:shade val="50000"/>
+            </a:schemeClr>
+          </a:lnRef>
+          <a:fillRef idx="1">
+            <a:schemeClr val="accent1"/>
+          </a:fillRef>
+          <a:effectRef idx="0">
+            <a:schemeClr val="accent1"/>
+          </a:effectRef>
+          <a:fontRef idx="minor">
+            <a:schemeClr val="lt1"/>
+          </a:fontRef>
+        </p:style>
+        <p:txBody>
+          <a:bodyPr rtlCol="0" anchor="ctr"/>
+          <a:lstStyle/>
+          <a:p>
+            <a:pPr algn="ctr"/>
+            <a:r>
+              <a:rPr lang="en-US" sz="900" dirty="0">
+                <a:solidFill>
+                  <a:schemeClr val="tx1"/>
+                </a:solidFill>
+                <a:latin typeface="Times New Roman" panose="02020603050405020304" pitchFamily="18" charset="0"/>
+                <a:cs typeface="Times New Roman" panose="02020603050405020304" pitchFamily="18" charset="0"/>
+              </a:rPr>
+              <a:t>Analysis outputs</a:t>
+            </a:r>
+          </a:p>
+        </p:txBody>
+      </p:sp>
+      <p:sp>
+        <p:nvSpPr>
+          <p:cNvPr id="193" name="Rectangle 192">
+            <a:extLst>
+              <a:ext uri="{FF2B5EF4-FFF2-40B4-BE49-F238E27FC236}">
+                <a16:creationId xmlns:a16="http://schemas.microsoft.com/office/drawing/2014/main" id="{1E25570D-B632-40C6-AB30-D9E098E1CAF3}"/>
+              </a:ext>
+            </a:extLst>
+          </p:cNvPr>
+          <p:cNvSpPr/>
+          <p:nvPr/>
+        </p:nvSpPr>
+        <p:spPr>
+          <a:xfrm>
+            <a:off x="3619352" y="1514435"/>
+            <a:ext cx="1329067" cy="622100"/>
+          </a:xfrm>
+          <a:prstGeom prst="rect">
+            <a:avLst/>
+          </a:prstGeom>
+          <a:noFill/>
+          <a:ln>
+            <a:noFill/>
+          </a:ln>
+        </p:spPr>
+        <p:style>
+          <a:lnRef idx="2">
+            <a:schemeClr val="accent1">
+              <a:shade val="50000"/>
+            </a:schemeClr>
+          </a:lnRef>
+          <a:fillRef idx="1">
+            <a:schemeClr val="accent1"/>
+          </a:fillRef>
+          <a:effectRef idx="0">
+            <a:schemeClr val="accent1"/>
+          </a:effectRef>
+          <a:fontRef idx="minor">
+            <a:schemeClr val="lt1"/>
+          </a:fontRef>
+        </p:style>
+        <p:txBody>
+          <a:bodyPr rtlCol="0" anchor="ctr"/>
+          <a:lstStyle/>
+          <a:p>
+            <a:pPr marL="171450" indent="-171450">
+              <a:buFont typeface="Arial" panose="020B0604020202020204" pitchFamily="34" charset="0"/>
+              <a:buChar char="•"/>
+            </a:pPr>
+            <a:r>
+              <a:rPr lang="en-US" sz="800" dirty="0">
+                <a:solidFill>
+                  <a:schemeClr val="tx1"/>
+                </a:solidFill>
+                <a:latin typeface="Times New Roman" panose="02020603050405020304" pitchFamily="18" charset="0"/>
+                <a:cs typeface="Times New Roman" panose="02020603050405020304" pitchFamily="18" charset="0"/>
+              </a:rPr>
+              <a:t>Analyte concentration data</a:t>
+            </a:r>
+          </a:p>
+          <a:p>
+            <a:pPr marL="171450" indent="-171450">
+              <a:buFont typeface="Arial" panose="020B0604020202020204" pitchFamily="34" charset="0"/>
+              <a:buChar char="•"/>
+            </a:pPr>
+            <a:r>
+              <a:rPr lang="en-US" sz="800" dirty="0">
+                <a:solidFill>
+                  <a:schemeClr val="tx1"/>
+                </a:solidFill>
+                <a:latin typeface="Times New Roman" panose="02020603050405020304" pitchFamily="18" charset="0"/>
+                <a:cs typeface="Times New Roman" panose="02020603050405020304" pitchFamily="18" charset="0"/>
+              </a:rPr>
+              <a:t>Flow data</a:t>
+            </a:r>
+          </a:p>
+          <a:p>
+            <a:pPr marL="171450" indent="-171450">
+              <a:buFont typeface="Arial" panose="020B0604020202020204" pitchFamily="34" charset="0"/>
+              <a:buChar char="•"/>
+            </a:pPr>
+            <a:r>
+              <a:rPr lang="en-US" sz="800" dirty="0">
+                <a:solidFill>
+                  <a:schemeClr val="tx1"/>
+                </a:solidFill>
+                <a:latin typeface="Times New Roman" panose="02020603050405020304" pitchFamily="18" charset="0"/>
+                <a:cs typeface="Times New Roman" panose="02020603050405020304" pitchFamily="18" charset="0"/>
+              </a:rPr>
+              <a:t>Precipitation data</a:t>
+            </a:r>
+          </a:p>
+        </p:txBody>
+      </p:sp>
+      <p:sp>
+        <p:nvSpPr>
+          <p:cNvPr id="194" name="Rectangle 193">
+            <a:extLst>
+              <a:ext uri="{FF2B5EF4-FFF2-40B4-BE49-F238E27FC236}">
+                <a16:creationId xmlns:a16="http://schemas.microsoft.com/office/drawing/2014/main" id="{B03E0664-2412-42E0-BE8C-93B0106F05E2}"/>
+              </a:ext>
+            </a:extLst>
+          </p:cNvPr>
+          <p:cNvSpPr/>
+          <p:nvPr/>
+        </p:nvSpPr>
+        <p:spPr>
+          <a:xfrm>
+            <a:off x="8571115" y="494286"/>
+            <a:ext cx="1329067" cy="622100"/>
+          </a:xfrm>
+          <a:prstGeom prst="rect">
+            <a:avLst/>
+          </a:prstGeom>
+          <a:noFill/>
+          <a:ln>
+            <a:noFill/>
+          </a:ln>
+        </p:spPr>
+        <p:style>
+          <a:lnRef idx="2">
+            <a:schemeClr val="accent1">
+              <a:shade val="50000"/>
+            </a:schemeClr>
+          </a:lnRef>
+          <a:fillRef idx="1">
+            <a:schemeClr val="accent1"/>
+          </a:fillRef>
+          <a:effectRef idx="0">
+            <a:schemeClr val="accent1"/>
+          </a:effectRef>
+          <a:fontRef idx="minor">
+            <a:schemeClr val="lt1"/>
+          </a:fontRef>
+        </p:style>
+        <p:txBody>
+          <a:bodyPr rtlCol="0" anchor="ctr"/>
+          <a:lstStyle/>
+          <a:p>
+            <a:pPr marL="171450" indent="-171450">
+              <a:buFont typeface="Arial" panose="020B0604020202020204" pitchFamily="34" charset="0"/>
+              <a:buChar char="•"/>
+            </a:pPr>
+            <a:r>
+              <a:rPr lang="en-US" sz="800" dirty="0">
+                <a:solidFill>
+                  <a:schemeClr val="tx1"/>
+                </a:solidFill>
+                <a:latin typeface="Times New Roman" panose="02020603050405020304" pitchFamily="18" charset="0"/>
+                <a:cs typeface="Times New Roman" panose="02020603050405020304" pitchFamily="18" charset="0"/>
+              </a:rPr>
+              <a:t>Normality test</a:t>
+            </a:r>
+          </a:p>
+          <a:p>
+            <a:pPr marL="171450" indent="-171450">
+              <a:buFont typeface="Arial" panose="020B0604020202020204" pitchFamily="34" charset="0"/>
+              <a:buChar char="•"/>
+            </a:pPr>
+            <a:r>
+              <a:rPr lang="en-US" sz="800" dirty="0">
+                <a:solidFill>
+                  <a:schemeClr val="tx1"/>
+                </a:solidFill>
+                <a:latin typeface="Times New Roman" panose="02020603050405020304" pitchFamily="18" charset="0"/>
+                <a:cs typeface="Times New Roman" panose="02020603050405020304" pitchFamily="18" charset="0"/>
+              </a:rPr>
+              <a:t>T-test/Wilcoxon test</a:t>
+            </a:r>
+          </a:p>
+          <a:p>
+            <a:pPr marL="171450" indent="-171450">
+              <a:buFont typeface="Arial" panose="020B0604020202020204" pitchFamily="34" charset="0"/>
+              <a:buChar char="•"/>
+            </a:pPr>
+            <a:r>
+              <a:rPr lang="en-US" sz="800" dirty="0">
+                <a:solidFill>
+                  <a:schemeClr val="tx1"/>
+                </a:solidFill>
+                <a:latin typeface="Times New Roman" panose="02020603050405020304" pitchFamily="18" charset="0"/>
+                <a:cs typeface="Times New Roman" panose="02020603050405020304" pitchFamily="18" charset="0"/>
+              </a:rPr>
+              <a:t>Correlation test</a:t>
+            </a:r>
+          </a:p>
+          <a:p>
+            <a:pPr marL="171450" indent="-171450">
+              <a:buFont typeface="Arial" panose="020B0604020202020204" pitchFamily="34" charset="0"/>
+              <a:buChar char="•"/>
+            </a:pPr>
+            <a:r>
+              <a:rPr lang="en-US" sz="800" dirty="0">
+                <a:solidFill>
+                  <a:schemeClr val="tx1"/>
+                </a:solidFill>
+                <a:latin typeface="Times New Roman" panose="02020603050405020304" pitchFamily="18" charset="0"/>
+                <a:cs typeface="Times New Roman" panose="02020603050405020304" pitchFamily="18" charset="0"/>
+              </a:rPr>
+              <a:t>Calculate load</a:t>
+            </a:r>
+          </a:p>
+          <a:p>
+            <a:pPr marL="171450" indent="-171450">
+              <a:buFont typeface="Arial" panose="020B0604020202020204" pitchFamily="34" charset="0"/>
+              <a:buChar char="•"/>
+            </a:pPr>
+            <a:r>
+              <a:rPr lang="en-US" sz="800" dirty="0">
+                <a:solidFill>
+                  <a:schemeClr val="tx1"/>
+                </a:solidFill>
+                <a:latin typeface="Times New Roman" panose="02020603050405020304" pitchFamily="18" charset="0"/>
+                <a:cs typeface="Times New Roman" panose="02020603050405020304" pitchFamily="18" charset="0"/>
+              </a:rPr>
+              <a:t>Annual cumulative ppt</a:t>
+            </a:r>
+          </a:p>
+        </p:txBody>
+      </p:sp>
+      <p:sp>
+        <p:nvSpPr>
+          <p:cNvPr id="199" name="Flowchart: Delay 198">
+            <a:extLst>
+              <a:ext uri="{FF2B5EF4-FFF2-40B4-BE49-F238E27FC236}">
+                <a16:creationId xmlns:a16="http://schemas.microsoft.com/office/drawing/2014/main" id="{B5DD5EF3-94BD-429B-9B53-678DD8F8FE18}"/>
+              </a:ext>
+            </a:extLst>
+          </p:cNvPr>
+          <p:cNvSpPr/>
+          <p:nvPr/>
+        </p:nvSpPr>
+        <p:spPr>
+          <a:xfrm>
+            <a:off x="6474405" y="4378006"/>
+            <a:ext cx="793518" cy="622100"/>
+          </a:xfrm>
+          <a:prstGeom prst="flowChartDelay">
+            <a:avLst/>
+          </a:prstGeom>
+        </p:spPr>
+        <p:style>
+          <a:lnRef idx="2">
+            <a:schemeClr val="accent1">
+              <a:shade val="50000"/>
+            </a:schemeClr>
+          </a:lnRef>
+          <a:fillRef idx="1">
+            <a:schemeClr val="accent1"/>
+          </a:fillRef>
+          <a:effectRef idx="0">
+            <a:schemeClr val="accent1"/>
+          </a:effectRef>
+          <a:fontRef idx="minor">
+            <a:schemeClr val="lt1"/>
+          </a:fontRef>
+        </p:style>
+        <p:txBody>
+          <a:bodyPr rtlCol="0" anchor="ctr"/>
+          <a:lstStyle/>
+          <a:p>
+            <a:r>
+              <a:rPr lang="en-US" sz="900" dirty="0">
+                <a:latin typeface="Times New Roman" panose="02020603050405020304" pitchFamily="18" charset="0"/>
+                <a:cs typeface="Times New Roman" panose="02020603050405020304" pitchFamily="18" charset="0"/>
+              </a:rPr>
+              <a:t>Do they answer research questions?</a:t>
+            </a:r>
+          </a:p>
+        </p:txBody>
+      </p:sp>
+      <p:sp>
+        <p:nvSpPr>
+          <p:cNvPr id="203" name="Flowchart: Alternate Process 202">
+            <a:extLst>
+              <a:ext uri="{FF2B5EF4-FFF2-40B4-BE49-F238E27FC236}">
+                <a16:creationId xmlns:a16="http://schemas.microsoft.com/office/drawing/2014/main" id="{B8743CF2-771F-47F7-BEA1-A00AB6B44F31}"/>
+              </a:ext>
+            </a:extLst>
+          </p:cNvPr>
+          <p:cNvSpPr/>
+          <p:nvPr/>
+        </p:nvSpPr>
+        <p:spPr>
+          <a:xfrm>
+            <a:off x="4977745" y="5042963"/>
+            <a:ext cx="1055195" cy="710948"/>
+          </a:xfrm>
+          <a:prstGeom prst="flowChartAlternateProcess">
+            <a:avLst/>
+          </a:prstGeom>
+          <a:solidFill>
+            <a:schemeClr val="accent3">
+              <a:lumMod val="20000"/>
+              <a:lumOff val="80000"/>
+            </a:schemeClr>
+          </a:solidFill>
+          <a:ln>
+            <a:solidFill>
+              <a:schemeClr val="tx1">
+                <a:lumMod val="50000"/>
+                <a:lumOff val="50000"/>
+              </a:schemeClr>
+            </a:solidFill>
+          </a:ln>
+        </p:spPr>
+        <p:style>
+          <a:lnRef idx="2">
+            <a:schemeClr val="accent1">
+              <a:shade val="50000"/>
+            </a:schemeClr>
+          </a:lnRef>
+          <a:fillRef idx="1">
+            <a:schemeClr val="accent1"/>
+          </a:fillRef>
+          <a:effectRef idx="0">
+            <a:schemeClr val="accent1"/>
+          </a:effectRef>
+          <a:fontRef idx="minor">
+            <a:schemeClr val="lt1"/>
+          </a:fontRef>
+        </p:style>
+        <p:txBody>
+          <a:bodyPr rtlCol="0" anchor="ctr"/>
+          <a:lstStyle/>
+          <a:p>
+            <a:pPr algn="ctr"/>
+            <a:r>
+              <a:rPr lang="en-US" dirty="0">
+                <a:solidFill>
+                  <a:schemeClr val="tx1"/>
+                </a:solidFill>
+                <a:latin typeface="Times New Roman" panose="02020603050405020304" pitchFamily="18" charset="0"/>
+                <a:cs typeface="Times New Roman" panose="02020603050405020304" pitchFamily="18" charset="0"/>
+              </a:rPr>
+              <a:t>Final report</a:t>
+            </a:r>
+          </a:p>
+        </p:txBody>
+      </p:sp>
+      <p:sp>
+        <p:nvSpPr>
+          <p:cNvPr id="206" name="TextBox 205">
+            <a:extLst>
+              <a:ext uri="{FF2B5EF4-FFF2-40B4-BE49-F238E27FC236}">
+                <a16:creationId xmlns:a16="http://schemas.microsoft.com/office/drawing/2014/main" id="{C6B8E2BB-19D0-4EBB-B999-C209E80F6CE8}"/>
+              </a:ext>
+            </a:extLst>
+          </p:cNvPr>
+          <p:cNvSpPr txBox="1"/>
+          <p:nvPr/>
+        </p:nvSpPr>
+        <p:spPr>
+          <a:xfrm>
+            <a:off x="6474913" y="4991975"/>
+            <a:ext cx="445812" cy="246221"/>
+          </a:xfrm>
+          <a:prstGeom prst="rect">
+            <a:avLst/>
+          </a:prstGeom>
+          <a:noFill/>
+        </p:spPr>
+        <p:txBody>
+          <a:bodyPr wrap="square" rtlCol="0">
+            <a:spAutoFit/>
+          </a:bodyPr>
+          <a:lstStyle/>
+          <a:p>
+            <a:r>
+              <a:rPr lang="en-US" sz="1000" dirty="0">
+                <a:latin typeface="Times New Roman" panose="02020603050405020304" pitchFamily="18" charset="0"/>
+                <a:cs typeface="Times New Roman" panose="02020603050405020304" pitchFamily="18" charset="0"/>
+              </a:rPr>
+              <a:t>Yes</a:t>
+            </a:r>
+          </a:p>
+        </p:txBody>
+      </p:sp>
+      <p:sp>
+        <p:nvSpPr>
+          <p:cNvPr id="212" name="Flowchart: Delay 211">
+            <a:extLst>
+              <a:ext uri="{FF2B5EF4-FFF2-40B4-BE49-F238E27FC236}">
+                <a16:creationId xmlns:a16="http://schemas.microsoft.com/office/drawing/2014/main" id="{A55F0EE5-1B18-40C5-B44C-178B82C8A570}"/>
+              </a:ext>
+            </a:extLst>
+          </p:cNvPr>
+          <p:cNvSpPr/>
+          <p:nvPr/>
+        </p:nvSpPr>
+        <p:spPr>
+          <a:xfrm>
+            <a:off x="6419904" y="3004379"/>
+            <a:ext cx="922649" cy="816124"/>
+          </a:xfrm>
+          <a:prstGeom prst="flowChartDelay">
+            <a:avLst/>
+          </a:prstGeom>
+        </p:spPr>
+        <p:style>
+          <a:lnRef idx="2">
+            <a:schemeClr val="accent1">
+              <a:shade val="50000"/>
+            </a:schemeClr>
+          </a:lnRef>
+          <a:fillRef idx="1">
+            <a:schemeClr val="accent1"/>
+          </a:fillRef>
+          <a:effectRef idx="0">
+            <a:schemeClr val="accent1"/>
+          </a:effectRef>
+          <a:fontRef idx="minor">
+            <a:schemeClr val="lt1"/>
+          </a:fontRef>
+        </p:style>
+        <p:txBody>
+          <a:bodyPr rtlCol="0" anchor="ctr"/>
+          <a:lstStyle/>
+          <a:p>
+            <a:r>
+              <a:rPr lang="en-US" sz="900" dirty="0">
+                <a:latin typeface="Times New Roman" panose="02020603050405020304" pitchFamily="18" charset="0"/>
+                <a:cs typeface="Times New Roman" panose="02020603050405020304" pitchFamily="18" charset="0"/>
+              </a:rPr>
+              <a:t>Can we answer the questions by looking at the dataset differently?</a:t>
+            </a:r>
+          </a:p>
+        </p:txBody>
+      </p:sp>
+      <p:cxnSp>
+        <p:nvCxnSpPr>
+          <p:cNvPr id="216" name="Straight Arrow Connector 215">
+            <a:extLst>
+              <a:ext uri="{FF2B5EF4-FFF2-40B4-BE49-F238E27FC236}">
+                <a16:creationId xmlns:a16="http://schemas.microsoft.com/office/drawing/2014/main" id="{BD4FDB0B-272F-4CE6-97D9-073A1893BA28}"/>
+              </a:ext>
+            </a:extLst>
+          </p:cNvPr>
+          <p:cNvCxnSpPr>
+            <a:cxnSpLocks/>
+            <a:stCxn id="199" idx="0"/>
+            <a:endCxn id="212" idx="2"/>
+          </p:cNvCxnSpPr>
+          <p:nvPr/>
+        </p:nvCxnSpPr>
+        <p:spPr>
+          <a:xfrm flipV="1">
+            <a:off x="6871164" y="3820503"/>
+            <a:ext cx="10065" cy="557503"/>
+          </a:xfrm>
+          <a:prstGeom prst="straightConnector1">
+            <a:avLst/>
+          </a:prstGeom>
+          <a:ln>
+            <a:tailEnd type="triangle"/>
+          </a:ln>
+        </p:spPr>
+        <p:style>
+          <a:lnRef idx="1">
+            <a:schemeClr val="dk1"/>
+          </a:lnRef>
+          <a:fillRef idx="0">
+            <a:schemeClr val="dk1"/>
+          </a:fillRef>
+          <a:effectRef idx="0">
+            <a:schemeClr val="dk1"/>
+          </a:effectRef>
+          <a:fontRef idx="minor">
+            <a:schemeClr val="tx1"/>
+          </a:fontRef>
+        </p:style>
+      </p:cxnSp>
+      <p:sp>
+        <p:nvSpPr>
+          <p:cNvPr id="218" name="TextBox 217">
+            <a:extLst>
+              <a:ext uri="{FF2B5EF4-FFF2-40B4-BE49-F238E27FC236}">
+                <a16:creationId xmlns:a16="http://schemas.microsoft.com/office/drawing/2014/main" id="{4F534B87-DBE3-4EEA-BDF4-0D4785DFC193}"/>
+              </a:ext>
+            </a:extLst>
+          </p:cNvPr>
+          <p:cNvSpPr txBox="1"/>
+          <p:nvPr/>
+        </p:nvSpPr>
+        <p:spPr>
+          <a:xfrm>
+            <a:off x="6587195" y="4085616"/>
+            <a:ext cx="391550" cy="246221"/>
+          </a:xfrm>
+          <a:prstGeom prst="rect">
+            <a:avLst/>
+          </a:prstGeom>
+          <a:noFill/>
+        </p:spPr>
+        <p:txBody>
+          <a:bodyPr wrap="square" rtlCol="0">
+            <a:spAutoFit/>
+          </a:bodyPr>
+          <a:lstStyle/>
+          <a:p>
+            <a:r>
+              <a:rPr lang="en-US" sz="1000" dirty="0">
+                <a:latin typeface="Times New Roman" panose="02020603050405020304" pitchFamily="18" charset="0"/>
+                <a:cs typeface="Times New Roman" panose="02020603050405020304" pitchFamily="18" charset="0"/>
+              </a:rPr>
+              <a:t>No</a:t>
+            </a:r>
+          </a:p>
+        </p:txBody>
+      </p:sp>
+      <p:sp>
+        <p:nvSpPr>
+          <p:cNvPr id="260" name="Rectangle 259">
+            <a:extLst>
+              <a:ext uri="{FF2B5EF4-FFF2-40B4-BE49-F238E27FC236}">
+                <a16:creationId xmlns:a16="http://schemas.microsoft.com/office/drawing/2014/main" id="{02E0BFBE-BEBA-4E86-9E4D-07DE530A7CA2}"/>
+              </a:ext>
+            </a:extLst>
+          </p:cNvPr>
+          <p:cNvSpPr/>
+          <p:nvPr/>
+        </p:nvSpPr>
+        <p:spPr>
+          <a:xfrm>
+            <a:off x="3831452" y="2520425"/>
+            <a:ext cx="904868" cy="584102"/>
+          </a:xfrm>
+          <a:prstGeom prst="rect">
+            <a:avLst/>
+          </a:prstGeom>
+          <a:solidFill>
+            <a:schemeClr val="accent5">
+              <a:lumMod val="20000"/>
+              <a:lumOff val="80000"/>
+            </a:schemeClr>
+          </a:solidFill>
+        </p:spPr>
+        <p:style>
+          <a:lnRef idx="2">
+            <a:schemeClr val="accent1">
+              <a:shade val="50000"/>
+            </a:schemeClr>
+          </a:lnRef>
+          <a:fillRef idx="1">
+            <a:schemeClr val="accent1"/>
+          </a:fillRef>
+          <a:effectRef idx="0">
+            <a:schemeClr val="accent1"/>
+          </a:effectRef>
+          <a:fontRef idx="minor">
+            <a:schemeClr val="lt1"/>
+          </a:fontRef>
+        </p:style>
+        <p:txBody>
+          <a:bodyPr rtlCol="0" anchor="ctr"/>
+          <a:lstStyle/>
+          <a:p>
+            <a:pPr algn="ctr"/>
+            <a:r>
+              <a:rPr lang="en-US" sz="1100" dirty="0">
+                <a:solidFill>
+                  <a:schemeClr val="tx1"/>
+                </a:solidFill>
+                <a:latin typeface="Times New Roman" panose="02020603050405020304" pitchFamily="18" charset="0"/>
+                <a:cs typeface="Times New Roman" panose="02020603050405020304" pitchFamily="18" charset="0"/>
+              </a:rPr>
+              <a:t>Data gathering/ scrapping</a:t>
+            </a:r>
+          </a:p>
+        </p:txBody>
+      </p:sp>
+      <p:cxnSp>
+        <p:nvCxnSpPr>
+          <p:cNvPr id="264" name="Straight Arrow Connector 263">
+            <a:extLst>
+              <a:ext uri="{FF2B5EF4-FFF2-40B4-BE49-F238E27FC236}">
+                <a16:creationId xmlns:a16="http://schemas.microsoft.com/office/drawing/2014/main" id="{9BED82AA-9D64-4D08-94FF-3BD93B7FD605}"/>
+              </a:ext>
+            </a:extLst>
+          </p:cNvPr>
+          <p:cNvCxnSpPr>
+            <a:cxnSpLocks/>
+            <a:stCxn id="260" idx="0"/>
+            <a:endCxn id="193" idx="2"/>
+          </p:cNvCxnSpPr>
+          <p:nvPr/>
+        </p:nvCxnSpPr>
+        <p:spPr>
+          <a:xfrm flipV="1">
+            <a:off x="4283886" y="2136535"/>
+            <a:ext cx="0" cy="383890"/>
+          </a:xfrm>
+          <a:prstGeom prst="straightConnector1">
+            <a:avLst/>
+          </a:prstGeom>
+          <a:ln>
+            <a:tailEnd type="triangle"/>
+          </a:ln>
+        </p:spPr>
+        <p:style>
+          <a:lnRef idx="1">
+            <a:schemeClr val="dk1"/>
+          </a:lnRef>
+          <a:fillRef idx="0">
+            <a:schemeClr val="dk1"/>
+          </a:fillRef>
+          <a:effectRef idx="0">
+            <a:schemeClr val="dk1"/>
+          </a:effectRef>
+          <a:fontRef idx="minor">
+            <a:schemeClr val="tx1"/>
+          </a:fontRef>
+        </p:style>
+      </p:cxnSp>
+      <p:sp>
+        <p:nvSpPr>
+          <p:cNvPr id="266" name="TextBox 265">
+            <a:extLst>
+              <a:ext uri="{FF2B5EF4-FFF2-40B4-BE49-F238E27FC236}">
+                <a16:creationId xmlns:a16="http://schemas.microsoft.com/office/drawing/2014/main" id="{D8E3374F-6BED-49FD-8F31-2F94625F02F7}"/>
+              </a:ext>
+            </a:extLst>
+          </p:cNvPr>
+          <p:cNvSpPr txBox="1"/>
+          <p:nvPr/>
+        </p:nvSpPr>
+        <p:spPr>
+          <a:xfrm>
+            <a:off x="5992288" y="3205164"/>
+            <a:ext cx="445812" cy="246221"/>
+          </a:xfrm>
+          <a:prstGeom prst="rect">
+            <a:avLst/>
+          </a:prstGeom>
+          <a:noFill/>
+        </p:spPr>
+        <p:txBody>
+          <a:bodyPr wrap="square" rtlCol="0">
+            <a:spAutoFit/>
+          </a:bodyPr>
+          <a:lstStyle/>
+          <a:p>
+            <a:r>
+              <a:rPr lang="en-US" sz="1000" dirty="0">
+                <a:latin typeface="Times New Roman" panose="02020603050405020304" pitchFamily="18" charset="0"/>
+                <a:cs typeface="Times New Roman" panose="02020603050405020304" pitchFamily="18" charset="0"/>
+              </a:rPr>
+              <a:t>No</a:t>
+            </a:r>
+          </a:p>
+        </p:txBody>
+      </p:sp>
+      <p:sp>
+        <p:nvSpPr>
+          <p:cNvPr id="284" name="TextBox 283">
+            <a:extLst>
+              <a:ext uri="{FF2B5EF4-FFF2-40B4-BE49-F238E27FC236}">
+                <a16:creationId xmlns:a16="http://schemas.microsoft.com/office/drawing/2014/main" id="{B28C4D71-BE15-4419-866E-848B7BAF1DD3}"/>
+              </a:ext>
+            </a:extLst>
+          </p:cNvPr>
+          <p:cNvSpPr txBox="1"/>
+          <p:nvPr/>
+        </p:nvSpPr>
+        <p:spPr>
+          <a:xfrm>
+            <a:off x="7306781" y="3186782"/>
+            <a:ext cx="391550" cy="246221"/>
+          </a:xfrm>
+          <a:prstGeom prst="rect">
+            <a:avLst/>
+          </a:prstGeom>
+          <a:noFill/>
+        </p:spPr>
+        <p:txBody>
+          <a:bodyPr wrap="square" rtlCol="0">
+            <a:spAutoFit/>
+          </a:bodyPr>
+          <a:lstStyle/>
+          <a:p>
+            <a:r>
+              <a:rPr lang="en-US" sz="1000" dirty="0">
+                <a:latin typeface="Times New Roman" panose="02020603050405020304" pitchFamily="18" charset="0"/>
+                <a:cs typeface="Times New Roman" panose="02020603050405020304" pitchFamily="18" charset="0"/>
+              </a:rPr>
+              <a:t>Yes</a:t>
+            </a:r>
+          </a:p>
+        </p:txBody>
+      </p:sp>
+      <p:sp>
+        <p:nvSpPr>
+          <p:cNvPr id="286" name="Flowchart: Delay 285">
+            <a:extLst>
+              <a:ext uri="{FF2B5EF4-FFF2-40B4-BE49-F238E27FC236}">
+                <a16:creationId xmlns:a16="http://schemas.microsoft.com/office/drawing/2014/main" id="{0BAFE2A2-9B63-4ACF-B2BA-328206CD8D69}"/>
+              </a:ext>
+            </a:extLst>
+          </p:cNvPr>
+          <p:cNvSpPr/>
+          <p:nvPr/>
+        </p:nvSpPr>
+        <p:spPr>
+          <a:xfrm>
+            <a:off x="5042397" y="3067182"/>
+            <a:ext cx="922649" cy="715976"/>
+          </a:xfrm>
+          <a:prstGeom prst="flowChartDelay">
+            <a:avLst/>
+          </a:prstGeom>
+        </p:spPr>
+        <p:style>
+          <a:lnRef idx="2">
+            <a:schemeClr val="accent1">
+              <a:shade val="50000"/>
+            </a:schemeClr>
+          </a:lnRef>
+          <a:fillRef idx="1">
+            <a:schemeClr val="accent1"/>
+          </a:fillRef>
+          <a:effectRef idx="0">
+            <a:schemeClr val="accent1"/>
+          </a:effectRef>
+          <a:fontRef idx="minor">
+            <a:schemeClr val="lt1"/>
+          </a:fontRef>
+        </p:style>
+        <p:txBody>
+          <a:bodyPr rtlCol="0" anchor="ctr"/>
+          <a:lstStyle/>
+          <a:p>
+            <a:r>
+              <a:rPr lang="en-US" sz="900" dirty="0">
+                <a:latin typeface="Times New Roman" panose="02020603050405020304" pitchFamily="18" charset="0"/>
+                <a:cs typeface="Times New Roman" panose="02020603050405020304" pitchFamily="18" charset="0"/>
+              </a:rPr>
+              <a:t>Can we answer the questions with more data?</a:t>
+            </a:r>
+          </a:p>
+        </p:txBody>
+      </p:sp>
+      <p:cxnSp>
+        <p:nvCxnSpPr>
+          <p:cNvPr id="291" name="Connector: Elbow 290">
+            <a:extLst>
+              <a:ext uri="{FF2B5EF4-FFF2-40B4-BE49-F238E27FC236}">
+                <a16:creationId xmlns:a16="http://schemas.microsoft.com/office/drawing/2014/main" id="{6CF632DE-23F4-46E9-9DE2-C069247D15A3}"/>
+              </a:ext>
+            </a:extLst>
+          </p:cNvPr>
+          <p:cNvCxnSpPr>
+            <a:cxnSpLocks/>
+            <a:stCxn id="212" idx="3"/>
+            <a:endCxn id="73" idx="2"/>
+          </p:cNvCxnSpPr>
+          <p:nvPr/>
+        </p:nvCxnSpPr>
+        <p:spPr>
+          <a:xfrm flipV="1">
+            <a:off x="7342553" y="1602425"/>
+            <a:ext cx="1873003" cy="1810016"/>
+          </a:xfrm>
+          <a:prstGeom prst="bentConnector2">
+            <a:avLst/>
+          </a:prstGeom>
+          <a:ln>
+            <a:tailEnd type="triangle"/>
+          </a:ln>
+        </p:spPr>
+        <p:style>
+          <a:lnRef idx="1">
+            <a:schemeClr val="dk1"/>
+          </a:lnRef>
+          <a:fillRef idx="0">
+            <a:schemeClr val="dk1"/>
+          </a:fillRef>
+          <a:effectRef idx="0">
+            <a:schemeClr val="dk1"/>
+          </a:effectRef>
+          <a:fontRef idx="minor">
+            <a:schemeClr val="tx1"/>
+          </a:fontRef>
+        </p:style>
+      </p:cxnSp>
+      <p:cxnSp>
+        <p:nvCxnSpPr>
+          <p:cNvPr id="293" name="Straight Arrow Connector 292">
+            <a:extLst>
+              <a:ext uri="{FF2B5EF4-FFF2-40B4-BE49-F238E27FC236}">
+                <a16:creationId xmlns:a16="http://schemas.microsoft.com/office/drawing/2014/main" id="{C4CC6BBC-0170-49B1-A1E5-73A0FD1DE5DB}"/>
+              </a:ext>
+            </a:extLst>
+          </p:cNvPr>
+          <p:cNvCxnSpPr>
+            <a:cxnSpLocks/>
+            <a:stCxn id="212" idx="1"/>
+            <a:endCxn id="286" idx="3"/>
+          </p:cNvCxnSpPr>
+          <p:nvPr/>
+        </p:nvCxnSpPr>
+        <p:spPr>
+          <a:xfrm flipH="1">
+            <a:off x="5965046" y="3412441"/>
+            <a:ext cx="454858" cy="12729"/>
+          </a:xfrm>
+          <a:prstGeom prst="straightConnector1">
+            <a:avLst/>
+          </a:prstGeom>
+          <a:ln>
+            <a:tailEnd type="triangle"/>
+          </a:ln>
+        </p:spPr>
+        <p:style>
+          <a:lnRef idx="1">
+            <a:schemeClr val="dk1"/>
+          </a:lnRef>
+          <a:fillRef idx="0">
+            <a:schemeClr val="dk1"/>
+          </a:fillRef>
+          <a:effectRef idx="0">
+            <a:schemeClr val="dk1"/>
+          </a:effectRef>
+          <a:fontRef idx="minor">
+            <a:schemeClr val="tx1"/>
+          </a:fontRef>
+        </p:style>
+      </p:cxnSp>
+      <p:cxnSp>
+        <p:nvCxnSpPr>
+          <p:cNvPr id="298" name="Connector: Elbow 297">
+            <a:extLst>
+              <a:ext uri="{FF2B5EF4-FFF2-40B4-BE49-F238E27FC236}">
+                <a16:creationId xmlns:a16="http://schemas.microsoft.com/office/drawing/2014/main" id="{DB9446F7-2FDE-4A72-AD57-7B9F2C21508B}"/>
+              </a:ext>
+            </a:extLst>
+          </p:cNvPr>
+          <p:cNvCxnSpPr>
+            <a:cxnSpLocks/>
+            <a:stCxn id="286" idx="1"/>
+            <a:endCxn id="260" idx="2"/>
+          </p:cNvCxnSpPr>
+          <p:nvPr/>
+        </p:nvCxnSpPr>
+        <p:spPr>
+          <a:xfrm rot="10800000">
+            <a:off x="4283887" y="3104528"/>
+            <a:ext cx="758511" cy="320643"/>
+          </a:xfrm>
+          <a:prstGeom prst="bentConnector2">
+            <a:avLst/>
+          </a:prstGeom>
+          <a:ln>
+            <a:tailEnd type="triangle"/>
+          </a:ln>
+        </p:spPr>
+        <p:style>
+          <a:lnRef idx="1">
+            <a:schemeClr val="dk1"/>
+          </a:lnRef>
+          <a:fillRef idx="0">
+            <a:schemeClr val="dk1"/>
+          </a:fillRef>
+          <a:effectRef idx="0">
+            <a:schemeClr val="dk1"/>
+          </a:effectRef>
+          <a:fontRef idx="minor">
+            <a:schemeClr val="tx1"/>
+          </a:fontRef>
+        </p:style>
+      </p:cxnSp>
+      <p:sp>
+        <p:nvSpPr>
+          <p:cNvPr id="301" name="Rectangle 300">
+            <a:extLst>
+              <a:ext uri="{FF2B5EF4-FFF2-40B4-BE49-F238E27FC236}">
+                <a16:creationId xmlns:a16="http://schemas.microsoft.com/office/drawing/2014/main" id="{DCDA2174-3F62-45A0-A25A-71D93F3F88C9}"/>
+              </a:ext>
+            </a:extLst>
+          </p:cNvPr>
+          <p:cNvSpPr/>
+          <p:nvPr/>
+        </p:nvSpPr>
+        <p:spPr>
+          <a:xfrm>
+            <a:off x="4898261" y="4067595"/>
+            <a:ext cx="1206319" cy="668074"/>
+          </a:xfrm>
+          <a:prstGeom prst="rect">
+            <a:avLst/>
+          </a:prstGeom>
+          <a:solidFill>
+            <a:schemeClr val="accent5">
+              <a:lumMod val="20000"/>
+              <a:lumOff val="80000"/>
+            </a:schemeClr>
+          </a:solidFill>
+        </p:spPr>
+        <p:style>
+          <a:lnRef idx="2">
+            <a:schemeClr val="accent1">
+              <a:shade val="50000"/>
+            </a:schemeClr>
+          </a:lnRef>
+          <a:fillRef idx="1">
+            <a:schemeClr val="accent1"/>
+          </a:fillRef>
+          <a:effectRef idx="0">
+            <a:schemeClr val="accent1"/>
+          </a:effectRef>
+          <a:fontRef idx="minor">
+            <a:schemeClr val="lt1"/>
+          </a:fontRef>
+        </p:style>
+        <p:txBody>
+          <a:bodyPr rtlCol="0" anchor="ctr"/>
+          <a:lstStyle/>
+          <a:p>
+            <a:pPr algn="ctr"/>
+            <a:r>
+              <a:rPr lang="en-US" sz="1100" dirty="0">
+                <a:solidFill>
+                  <a:schemeClr val="tx1"/>
+                </a:solidFill>
+                <a:latin typeface="Times New Roman" panose="02020603050405020304" pitchFamily="18" charset="0"/>
+                <a:cs typeface="Times New Roman" panose="02020603050405020304" pitchFamily="18" charset="0"/>
+              </a:rPr>
+              <a:t>Identify the possible reasons and future recommendations</a:t>
+            </a:r>
+          </a:p>
+        </p:txBody>
+      </p:sp>
+      <p:sp>
+        <p:nvSpPr>
+          <p:cNvPr id="302" name="TextBox 301">
+            <a:extLst>
+              <a:ext uri="{FF2B5EF4-FFF2-40B4-BE49-F238E27FC236}">
+                <a16:creationId xmlns:a16="http://schemas.microsoft.com/office/drawing/2014/main" id="{89057E7F-E880-46F4-B2A0-8F11F13AC813}"/>
+              </a:ext>
+            </a:extLst>
+          </p:cNvPr>
+          <p:cNvSpPr txBox="1"/>
+          <p:nvPr/>
+        </p:nvSpPr>
+        <p:spPr>
+          <a:xfrm>
+            <a:off x="4485984" y="3220282"/>
+            <a:ext cx="391550" cy="246221"/>
+          </a:xfrm>
+          <a:prstGeom prst="rect">
+            <a:avLst/>
+          </a:prstGeom>
+          <a:noFill/>
+        </p:spPr>
+        <p:txBody>
+          <a:bodyPr wrap="square" rtlCol="0">
+            <a:spAutoFit/>
+          </a:bodyPr>
+          <a:lstStyle/>
+          <a:p>
+            <a:r>
+              <a:rPr lang="en-US" sz="1000" dirty="0">
+                <a:latin typeface="Times New Roman" panose="02020603050405020304" pitchFamily="18" charset="0"/>
+                <a:cs typeface="Times New Roman" panose="02020603050405020304" pitchFamily="18" charset="0"/>
+              </a:rPr>
+              <a:t>Yes</a:t>
+            </a:r>
+          </a:p>
+        </p:txBody>
+      </p:sp>
+      <p:sp>
+        <p:nvSpPr>
+          <p:cNvPr id="303" name="TextBox 302">
+            <a:extLst>
+              <a:ext uri="{FF2B5EF4-FFF2-40B4-BE49-F238E27FC236}">
+                <a16:creationId xmlns:a16="http://schemas.microsoft.com/office/drawing/2014/main" id="{5979E166-426D-4AB6-BA70-386D8CAC6DB8}"/>
+              </a:ext>
+            </a:extLst>
+          </p:cNvPr>
+          <p:cNvSpPr txBox="1"/>
+          <p:nvPr/>
+        </p:nvSpPr>
+        <p:spPr>
+          <a:xfrm>
+            <a:off x="5442703" y="3775148"/>
+            <a:ext cx="445812" cy="246221"/>
+          </a:xfrm>
+          <a:prstGeom prst="rect">
+            <a:avLst/>
+          </a:prstGeom>
+          <a:noFill/>
+        </p:spPr>
+        <p:txBody>
+          <a:bodyPr wrap="square" rtlCol="0">
+            <a:spAutoFit/>
+          </a:bodyPr>
+          <a:lstStyle/>
+          <a:p>
+            <a:r>
+              <a:rPr lang="en-US" sz="1000" dirty="0">
+                <a:latin typeface="Times New Roman" panose="02020603050405020304" pitchFamily="18" charset="0"/>
+                <a:cs typeface="Times New Roman" panose="02020603050405020304" pitchFamily="18" charset="0"/>
+              </a:rPr>
+              <a:t>No</a:t>
+            </a:r>
+          </a:p>
+        </p:txBody>
+      </p:sp>
+      <p:cxnSp>
+        <p:nvCxnSpPr>
+          <p:cNvPr id="305" name="Straight Arrow Connector 304">
+            <a:extLst>
+              <a:ext uri="{FF2B5EF4-FFF2-40B4-BE49-F238E27FC236}">
+                <a16:creationId xmlns:a16="http://schemas.microsoft.com/office/drawing/2014/main" id="{B14732D0-5772-4CAF-8858-67C712FD1ABA}"/>
+              </a:ext>
+            </a:extLst>
+          </p:cNvPr>
+          <p:cNvCxnSpPr>
+            <a:stCxn id="286" idx="2"/>
+            <a:endCxn id="301" idx="0"/>
+          </p:cNvCxnSpPr>
+          <p:nvPr/>
+        </p:nvCxnSpPr>
+        <p:spPr>
+          <a:xfrm flipH="1">
+            <a:off x="5501421" y="3783158"/>
+            <a:ext cx="2301" cy="284437"/>
+          </a:xfrm>
+          <a:prstGeom prst="straightConnector1">
+            <a:avLst/>
+          </a:prstGeom>
+          <a:ln>
+            <a:tailEnd type="triangle"/>
+          </a:ln>
+        </p:spPr>
+        <p:style>
+          <a:lnRef idx="1">
+            <a:schemeClr val="dk1"/>
+          </a:lnRef>
+          <a:fillRef idx="0">
+            <a:schemeClr val="dk1"/>
+          </a:fillRef>
+          <a:effectRef idx="0">
+            <a:schemeClr val="dk1"/>
+          </a:effectRef>
+          <a:fontRef idx="minor">
+            <a:schemeClr val="tx1"/>
+          </a:fontRef>
+        </p:style>
+      </p:cxnSp>
+      <p:cxnSp>
+        <p:nvCxnSpPr>
+          <p:cNvPr id="307" name="Straight Arrow Connector 306">
+            <a:extLst>
+              <a:ext uri="{FF2B5EF4-FFF2-40B4-BE49-F238E27FC236}">
+                <a16:creationId xmlns:a16="http://schemas.microsoft.com/office/drawing/2014/main" id="{01BDD11D-35B3-4879-A775-F08987A19B97}"/>
+              </a:ext>
+            </a:extLst>
+          </p:cNvPr>
+          <p:cNvCxnSpPr>
+            <a:stCxn id="301" idx="2"/>
+            <a:endCxn id="203" idx="0"/>
+          </p:cNvCxnSpPr>
+          <p:nvPr/>
+        </p:nvCxnSpPr>
+        <p:spPr>
+          <a:xfrm>
+            <a:off x="5501421" y="4735669"/>
+            <a:ext cx="3922" cy="307294"/>
+          </a:xfrm>
+          <a:prstGeom prst="straightConnector1">
+            <a:avLst/>
+          </a:prstGeom>
+          <a:ln>
+            <a:tailEnd type="triangle"/>
+          </a:ln>
+        </p:spPr>
+        <p:style>
+          <a:lnRef idx="1">
+            <a:schemeClr val="dk1"/>
+          </a:lnRef>
+          <a:fillRef idx="0">
+            <a:schemeClr val="dk1"/>
+          </a:fillRef>
+          <a:effectRef idx="0">
+            <a:schemeClr val="dk1"/>
+          </a:effectRef>
+          <a:fontRef idx="minor">
+            <a:schemeClr val="tx1"/>
+          </a:fontRef>
+        </p:style>
+      </p:cxnSp>
+      <p:cxnSp>
+        <p:nvCxnSpPr>
+          <p:cNvPr id="309" name="Connector: Elbow 308">
+            <a:extLst>
+              <a:ext uri="{FF2B5EF4-FFF2-40B4-BE49-F238E27FC236}">
+                <a16:creationId xmlns:a16="http://schemas.microsoft.com/office/drawing/2014/main" id="{67BB1603-E3E7-44D1-9B88-5C831F9C0BCC}"/>
+              </a:ext>
+            </a:extLst>
+          </p:cNvPr>
+          <p:cNvCxnSpPr>
+            <a:cxnSpLocks/>
+            <a:stCxn id="199" idx="2"/>
+            <a:endCxn id="203" idx="3"/>
+          </p:cNvCxnSpPr>
+          <p:nvPr/>
+        </p:nvCxnSpPr>
+        <p:spPr>
+          <a:xfrm rot="5400000">
+            <a:off x="6252887" y="4780159"/>
+            <a:ext cx="398331" cy="838224"/>
+          </a:xfrm>
+          <a:prstGeom prst="bentConnector2">
+            <a:avLst/>
+          </a:prstGeom>
+          <a:ln>
+            <a:tailEnd type="triangle"/>
+          </a:ln>
+        </p:spPr>
+        <p:style>
+          <a:lnRef idx="1">
+            <a:schemeClr val="dk1"/>
+          </a:lnRef>
+          <a:fillRef idx="0">
+            <a:schemeClr val="dk1"/>
+          </a:fillRef>
+          <a:effectRef idx="0">
+            <a:schemeClr val="dk1"/>
+          </a:effectRef>
+          <a:fontRef idx="minor">
+            <a:schemeClr val="tx1"/>
+          </a:fontRef>
+        </p:style>
+      </p:cxnSp>
+      <p:cxnSp>
+        <p:nvCxnSpPr>
+          <p:cNvPr id="311" name="Straight Arrow Connector 310">
+            <a:extLst>
+              <a:ext uri="{FF2B5EF4-FFF2-40B4-BE49-F238E27FC236}">
+                <a16:creationId xmlns:a16="http://schemas.microsoft.com/office/drawing/2014/main" id="{D56DCD21-8D03-410B-BAFF-D528F305D51B}"/>
+              </a:ext>
+            </a:extLst>
+          </p:cNvPr>
+          <p:cNvCxnSpPr>
+            <a:cxnSpLocks/>
+          </p:cNvCxnSpPr>
+          <p:nvPr/>
+        </p:nvCxnSpPr>
+        <p:spPr>
+          <a:xfrm>
+            <a:off x="613849" y="666562"/>
+            <a:ext cx="276544" cy="0"/>
+          </a:xfrm>
+          <a:prstGeom prst="straightConnector1">
+            <a:avLst/>
+          </a:prstGeom>
+          <a:ln>
+            <a:tailEnd type="triangle"/>
+          </a:ln>
+        </p:spPr>
+        <p:style>
+          <a:lnRef idx="1">
+            <a:schemeClr val="accent2"/>
+          </a:lnRef>
+          <a:fillRef idx="0">
+            <a:schemeClr val="accent2"/>
+          </a:fillRef>
+          <a:effectRef idx="0">
+            <a:schemeClr val="accent2"/>
+          </a:effectRef>
+          <a:fontRef idx="minor">
+            <a:schemeClr val="tx1"/>
+          </a:fontRef>
+        </p:style>
+      </p:cxnSp>
+      <p:cxnSp>
+        <p:nvCxnSpPr>
+          <p:cNvPr id="312" name="Straight Arrow Connector 311">
+            <a:extLst>
+              <a:ext uri="{FF2B5EF4-FFF2-40B4-BE49-F238E27FC236}">
+                <a16:creationId xmlns:a16="http://schemas.microsoft.com/office/drawing/2014/main" id="{2F58B525-D1B9-4B31-97C6-8BBE3BECA354}"/>
+              </a:ext>
+            </a:extLst>
+          </p:cNvPr>
+          <p:cNvCxnSpPr>
+            <a:cxnSpLocks/>
+          </p:cNvCxnSpPr>
+          <p:nvPr/>
+        </p:nvCxnSpPr>
+        <p:spPr>
+          <a:xfrm>
+            <a:off x="194934" y="651467"/>
+            <a:ext cx="276544" cy="0"/>
+          </a:xfrm>
+          <a:prstGeom prst="straightConnector1">
+            <a:avLst/>
+          </a:prstGeom>
+          <a:ln>
+            <a:tailEnd type="triangle"/>
+          </a:ln>
+        </p:spPr>
+        <p:style>
+          <a:lnRef idx="1">
+            <a:schemeClr val="dk1"/>
+          </a:lnRef>
+          <a:fillRef idx="0">
+            <a:schemeClr val="dk1"/>
+          </a:fillRef>
+          <a:effectRef idx="0">
+            <a:schemeClr val="dk1"/>
+          </a:effectRef>
+          <a:fontRef idx="minor">
+            <a:schemeClr val="tx1"/>
+          </a:fontRef>
+        </p:style>
+      </p:cxnSp>
+      <p:sp>
+        <p:nvSpPr>
+          <p:cNvPr id="313" name="TextBox 312">
+            <a:extLst>
+              <a:ext uri="{FF2B5EF4-FFF2-40B4-BE49-F238E27FC236}">
+                <a16:creationId xmlns:a16="http://schemas.microsoft.com/office/drawing/2014/main" id="{6D75E5D5-A251-4B37-80D1-383B956A2DC8}"/>
+              </a:ext>
+            </a:extLst>
+          </p:cNvPr>
+          <p:cNvSpPr txBox="1"/>
+          <p:nvPr/>
+        </p:nvSpPr>
+        <p:spPr>
+          <a:xfrm>
+            <a:off x="102781" y="649784"/>
+            <a:ext cx="335427" cy="184666"/>
+          </a:xfrm>
+          <a:prstGeom prst="rect">
+            <a:avLst/>
+          </a:prstGeom>
+          <a:noFill/>
+        </p:spPr>
+        <p:txBody>
+          <a:bodyPr wrap="square" rtlCol="0">
+            <a:spAutoFit/>
+          </a:bodyPr>
+          <a:lstStyle/>
+          <a:p>
+            <a:r>
+              <a:rPr lang="en-US" sz="600" dirty="0">
+                <a:latin typeface="Times New Roman" panose="02020603050405020304" pitchFamily="18" charset="0"/>
+                <a:cs typeface="Times New Roman" panose="02020603050405020304" pitchFamily="18" charset="0"/>
+              </a:rPr>
+              <a:t>User</a:t>
+            </a:r>
+          </a:p>
+        </p:txBody>
+      </p:sp>
+      <p:sp>
+        <p:nvSpPr>
+          <p:cNvPr id="314" name="TextBox 313">
+            <a:extLst>
+              <a:ext uri="{FF2B5EF4-FFF2-40B4-BE49-F238E27FC236}">
+                <a16:creationId xmlns:a16="http://schemas.microsoft.com/office/drawing/2014/main" id="{ACDF0414-FCAE-4E73-A135-AB9AD60D4685}"/>
+              </a:ext>
+            </a:extLst>
+          </p:cNvPr>
+          <p:cNvSpPr txBox="1"/>
+          <p:nvPr/>
+        </p:nvSpPr>
+        <p:spPr>
+          <a:xfrm>
+            <a:off x="532058" y="659856"/>
+            <a:ext cx="548586" cy="184666"/>
+          </a:xfrm>
+          <a:prstGeom prst="rect">
+            <a:avLst/>
+          </a:prstGeom>
+          <a:noFill/>
+        </p:spPr>
+        <p:txBody>
+          <a:bodyPr wrap="square" rtlCol="0">
+            <a:spAutoFit/>
+          </a:bodyPr>
+          <a:lstStyle/>
+          <a:p>
+            <a:r>
+              <a:rPr lang="en-US" sz="600" dirty="0">
+                <a:latin typeface="Times New Roman" panose="02020603050405020304" pitchFamily="18" charset="0"/>
+                <a:cs typeface="Times New Roman" panose="02020603050405020304" pitchFamily="18" charset="0"/>
+              </a:rPr>
+              <a:t>Continuous</a:t>
+            </a:r>
+          </a:p>
+        </p:txBody>
+      </p:sp>
+      <p:sp>
+        <p:nvSpPr>
+          <p:cNvPr id="109" name="Rectangle 108">
+            <a:extLst>
+              <a:ext uri="{FF2B5EF4-FFF2-40B4-BE49-F238E27FC236}">
+                <a16:creationId xmlns:a16="http://schemas.microsoft.com/office/drawing/2014/main" id="{824E66EC-233C-4FC0-99DB-A5BA59426310}"/>
+              </a:ext>
+            </a:extLst>
+          </p:cNvPr>
+          <p:cNvSpPr/>
+          <p:nvPr/>
+        </p:nvSpPr>
+        <p:spPr>
+          <a:xfrm>
+            <a:off x="9437588" y="3736846"/>
+            <a:ext cx="842570" cy="471880"/>
+          </a:xfrm>
+          <a:prstGeom prst="rect">
+            <a:avLst/>
+          </a:prstGeom>
+          <a:solidFill>
+            <a:schemeClr val="accent5">
+              <a:lumMod val="20000"/>
+              <a:lumOff val="80000"/>
+            </a:schemeClr>
+          </a:solidFill>
+        </p:spPr>
+        <p:style>
+          <a:lnRef idx="2">
+            <a:schemeClr val="accent1">
+              <a:shade val="50000"/>
+            </a:schemeClr>
+          </a:lnRef>
+          <a:fillRef idx="1">
+            <a:schemeClr val="accent1"/>
+          </a:fillRef>
+          <a:effectRef idx="0">
+            <a:schemeClr val="accent1"/>
+          </a:effectRef>
+          <a:fontRef idx="minor">
+            <a:schemeClr val="lt1"/>
+          </a:fontRef>
+        </p:style>
+        <p:txBody>
+          <a:bodyPr rtlCol="0" anchor="ctr"/>
+          <a:lstStyle/>
+          <a:p>
+            <a:pPr algn="ctr"/>
+            <a:r>
+              <a:rPr lang="en-US" sz="1100" dirty="0">
+                <a:solidFill>
+                  <a:schemeClr val="tx1"/>
+                </a:solidFill>
+                <a:latin typeface="Times New Roman" panose="02020603050405020304" pitchFamily="18" charset="0"/>
+                <a:cs typeface="Times New Roman" panose="02020603050405020304" pitchFamily="18" charset="0"/>
+              </a:rPr>
+              <a:t>Load calculation</a:t>
+            </a:r>
+          </a:p>
+        </p:txBody>
+      </p:sp>
+      <p:sp>
+        <p:nvSpPr>
+          <p:cNvPr id="122" name="Rectangle 121">
+            <a:extLst>
+              <a:ext uri="{FF2B5EF4-FFF2-40B4-BE49-F238E27FC236}">
+                <a16:creationId xmlns:a16="http://schemas.microsoft.com/office/drawing/2014/main" id="{00A77D2B-BD9B-4819-94B9-B8A205395471}"/>
+              </a:ext>
+            </a:extLst>
+          </p:cNvPr>
+          <p:cNvSpPr/>
+          <p:nvPr/>
+        </p:nvSpPr>
+        <p:spPr>
+          <a:xfrm>
+            <a:off x="8510558" y="4388663"/>
+            <a:ext cx="842570" cy="294794"/>
+          </a:xfrm>
+          <a:prstGeom prst="rect">
+            <a:avLst/>
+          </a:prstGeom>
+          <a:solidFill>
+            <a:schemeClr val="accent5">
+              <a:lumMod val="20000"/>
+              <a:lumOff val="80000"/>
+            </a:schemeClr>
+          </a:solidFill>
+        </p:spPr>
+        <p:style>
+          <a:lnRef idx="2">
+            <a:schemeClr val="accent1">
+              <a:shade val="50000"/>
+            </a:schemeClr>
+          </a:lnRef>
+          <a:fillRef idx="1">
+            <a:schemeClr val="accent1"/>
+          </a:fillRef>
+          <a:effectRef idx="0">
+            <a:schemeClr val="accent1"/>
+          </a:effectRef>
+          <a:fontRef idx="minor">
+            <a:schemeClr val="lt1"/>
+          </a:fontRef>
+        </p:style>
+        <p:txBody>
+          <a:bodyPr rtlCol="0" anchor="ctr"/>
+          <a:lstStyle/>
+          <a:p>
+            <a:pPr algn="ctr"/>
+            <a:r>
+              <a:rPr lang="en-US" sz="1100" dirty="0">
+                <a:solidFill>
+                  <a:schemeClr val="tx1"/>
+                </a:solidFill>
+                <a:latin typeface="Times New Roman" panose="02020603050405020304" pitchFamily="18" charset="0"/>
+                <a:cs typeface="Times New Roman" panose="02020603050405020304" pitchFamily="18" charset="0"/>
+              </a:rPr>
+              <a:t>T-test</a:t>
+            </a:r>
+          </a:p>
+        </p:txBody>
+      </p:sp>
+      <p:cxnSp>
+        <p:nvCxnSpPr>
+          <p:cNvPr id="43" name="Connector: Elbow 42">
+            <a:extLst>
+              <a:ext uri="{FF2B5EF4-FFF2-40B4-BE49-F238E27FC236}">
+                <a16:creationId xmlns:a16="http://schemas.microsoft.com/office/drawing/2014/main" id="{C1C00C58-3A02-41EF-B610-7A318F1CC203}"/>
+              </a:ext>
+            </a:extLst>
+          </p:cNvPr>
+          <p:cNvCxnSpPr>
+            <a:cxnSpLocks/>
+            <a:stCxn id="122" idx="1"/>
+            <a:endCxn id="192" idx="2"/>
+          </p:cNvCxnSpPr>
+          <p:nvPr/>
+        </p:nvCxnSpPr>
+        <p:spPr>
+          <a:xfrm rot="10800000">
+            <a:off x="8170134" y="4165516"/>
+            <a:ext cx="340424" cy="370544"/>
+          </a:xfrm>
+          <a:prstGeom prst="bentConnector2">
+            <a:avLst/>
+          </a:prstGeom>
+          <a:ln>
+            <a:tailEnd type="triangle"/>
+          </a:ln>
+        </p:spPr>
+        <p:style>
+          <a:lnRef idx="1">
+            <a:schemeClr val="accent2"/>
+          </a:lnRef>
+          <a:fillRef idx="0">
+            <a:schemeClr val="accent2"/>
+          </a:fillRef>
+          <a:effectRef idx="0">
+            <a:schemeClr val="accent2"/>
+          </a:effectRef>
+          <a:fontRef idx="minor">
+            <a:schemeClr val="tx1"/>
+          </a:fontRef>
+        </p:style>
+      </p:cxnSp>
+      <p:cxnSp>
+        <p:nvCxnSpPr>
+          <p:cNvPr id="45" name="Connector: Elbow 44">
+            <a:extLst>
+              <a:ext uri="{FF2B5EF4-FFF2-40B4-BE49-F238E27FC236}">
+                <a16:creationId xmlns:a16="http://schemas.microsoft.com/office/drawing/2014/main" id="{4856C0F0-63C9-4EC4-98B1-549F3E832DB5}"/>
+              </a:ext>
+            </a:extLst>
+          </p:cNvPr>
+          <p:cNvCxnSpPr>
+            <a:cxnSpLocks/>
+            <a:endCxn id="192" idx="2"/>
+          </p:cNvCxnSpPr>
+          <p:nvPr/>
+        </p:nvCxnSpPr>
+        <p:spPr>
+          <a:xfrm rot="10800000">
+            <a:off x="8170134" y="4165516"/>
+            <a:ext cx="508204" cy="1749272"/>
+          </a:xfrm>
+          <a:prstGeom prst="bentConnector2">
+            <a:avLst/>
+          </a:prstGeom>
+          <a:ln>
+            <a:tailEnd type="triangle"/>
+          </a:ln>
+        </p:spPr>
+        <p:style>
+          <a:lnRef idx="1">
+            <a:schemeClr val="accent2"/>
+          </a:lnRef>
+          <a:fillRef idx="0">
+            <a:schemeClr val="accent2"/>
+          </a:fillRef>
+          <a:effectRef idx="0">
+            <a:schemeClr val="accent2"/>
+          </a:effectRef>
+          <a:fontRef idx="minor">
+            <a:schemeClr val="tx1"/>
+          </a:fontRef>
+        </p:style>
+      </p:cxnSp>
+      <p:sp>
+        <p:nvSpPr>
+          <p:cNvPr id="129" name="Rectangle 128">
+            <a:extLst>
+              <a:ext uri="{FF2B5EF4-FFF2-40B4-BE49-F238E27FC236}">
+                <a16:creationId xmlns:a16="http://schemas.microsoft.com/office/drawing/2014/main" id="{15E24294-7B40-493C-9A27-4B0210F5BB42}"/>
+              </a:ext>
+            </a:extLst>
+          </p:cNvPr>
+          <p:cNvSpPr/>
+          <p:nvPr/>
+        </p:nvSpPr>
+        <p:spPr>
+          <a:xfrm>
+            <a:off x="10353894" y="3742851"/>
+            <a:ext cx="842570" cy="471880"/>
+          </a:xfrm>
+          <a:prstGeom prst="rect">
+            <a:avLst/>
+          </a:prstGeom>
+          <a:solidFill>
+            <a:schemeClr val="accent5">
+              <a:lumMod val="20000"/>
+              <a:lumOff val="80000"/>
+            </a:schemeClr>
+          </a:solidFill>
+        </p:spPr>
+        <p:style>
+          <a:lnRef idx="2">
+            <a:schemeClr val="accent1">
+              <a:shade val="50000"/>
+            </a:schemeClr>
+          </a:lnRef>
+          <a:fillRef idx="1">
+            <a:schemeClr val="accent1"/>
+          </a:fillRef>
+          <a:effectRef idx="0">
+            <a:schemeClr val="accent1"/>
+          </a:effectRef>
+          <a:fontRef idx="minor">
+            <a:schemeClr val="lt1"/>
+          </a:fontRef>
+        </p:style>
+        <p:txBody>
+          <a:bodyPr rtlCol="0" anchor="ctr"/>
+          <a:lstStyle/>
+          <a:p>
+            <a:pPr algn="ctr"/>
+            <a:r>
+              <a:rPr lang="en-US" sz="1100" dirty="0">
+                <a:solidFill>
+                  <a:schemeClr val="tx1"/>
+                </a:solidFill>
+                <a:latin typeface="Times New Roman" panose="02020603050405020304" pitchFamily="18" charset="0"/>
+                <a:cs typeface="Times New Roman" panose="02020603050405020304" pitchFamily="18" charset="0"/>
+              </a:rPr>
+              <a:t>T-test/ Wilcoxon test</a:t>
+            </a:r>
+          </a:p>
+        </p:txBody>
+      </p:sp>
+      <p:sp>
+        <p:nvSpPr>
+          <p:cNvPr id="134" name="Rectangle 133">
+            <a:extLst>
+              <a:ext uri="{FF2B5EF4-FFF2-40B4-BE49-F238E27FC236}">
+                <a16:creationId xmlns:a16="http://schemas.microsoft.com/office/drawing/2014/main" id="{F8C0FB36-1645-4617-9809-6BF81DAECE2A}"/>
+              </a:ext>
+            </a:extLst>
+          </p:cNvPr>
+          <p:cNvSpPr/>
+          <p:nvPr/>
+        </p:nvSpPr>
+        <p:spPr>
+          <a:xfrm>
+            <a:off x="8503383" y="4807348"/>
+            <a:ext cx="842570" cy="370545"/>
+          </a:xfrm>
+          <a:prstGeom prst="rect">
+            <a:avLst/>
+          </a:prstGeom>
+          <a:solidFill>
+            <a:schemeClr val="accent5">
+              <a:lumMod val="20000"/>
+              <a:lumOff val="80000"/>
+            </a:schemeClr>
+          </a:solidFill>
+        </p:spPr>
+        <p:style>
+          <a:lnRef idx="2">
+            <a:schemeClr val="accent1">
+              <a:shade val="50000"/>
+            </a:schemeClr>
+          </a:lnRef>
+          <a:fillRef idx="1">
+            <a:schemeClr val="accent1"/>
+          </a:fillRef>
+          <a:effectRef idx="0">
+            <a:schemeClr val="accent1"/>
+          </a:effectRef>
+          <a:fontRef idx="minor">
+            <a:schemeClr val="lt1"/>
+          </a:fontRef>
+        </p:style>
+        <p:txBody>
+          <a:bodyPr rtlCol="0" anchor="ctr"/>
+          <a:lstStyle/>
+          <a:p>
+            <a:pPr algn="ctr"/>
+            <a:r>
+              <a:rPr lang="en-US" sz="1100" dirty="0">
+                <a:solidFill>
+                  <a:schemeClr val="tx1"/>
+                </a:solidFill>
+                <a:latin typeface="Times New Roman" panose="02020603050405020304" pitchFamily="18" charset="0"/>
+                <a:cs typeface="Times New Roman" panose="02020603050405020304" pitchFamily="18" charset="0"/>
+              </a:rPr>
+              <a:t>Wilcoxon test</a:t>
+            </a:r>
+          </a:p>
+        </p:txBody>
+      </p:sp>
+      <p:cxnSp>
+        <p:nvCxnSpPr>
+          <p:cNvPr id="137" name="Connector: Elbow 136">
+            <a:extLst>
+              <a:ext uri="{FF2B5EF4-FFF2-40B4-BE49-F238E27FC236}">
+                <a16:creationId xmlns:a16="http://schemas.microsoft.com/office/drawing/2014/main" id="{22CC47AA-CD83-4513-9BA6-85D3245E171E}"/>
+              </a:ext>
+            </a:extLst>
+          </p:cNvPr>
+          <p:cNvCxnSpPr>
+            <a:cxnSpLocks/>
+            <a:stCxn id="154" idx="1"/>
+            <a:endCxn id="134" idx="3"/>
+          </p:cNvCxnSpPr>
+          <p:nvPr/>
+        </p:nvCxnSpPr>
+        <p:spPr>
+          <a:xfrm rot="10800000" flipV="1">
+            <a:off x="9345954" y="4772001"/>
+            <a:ext cx="514799" cy="220620"/>
+          </a:xfrm>
+          <a:prstGeom prst="bentConnector3">
+            <a:avLst>
+              <a:gd name="adj1" fmla="val 50000"/>
+            </a:avLst>
+          </a:prstGeom>
+          <a:ln>
+            <a:tailEnd type="triangle"/>
+          </a:ln>
+        </p:spPr>
+        <p:style>
+          <a:lnRef idx="1">
+            <a:schemeClr val="accent2"/>
+          </a:lnRef>
+          <a:fillRef idx="0">
+            <a:schemeClr val="accent2"/>
+          </a:fillRef>
+          <a:effectRef idx="0">
+            <a:schemeClr val="accent2"/>
+          </a:effectRef>
+          <a:fontRef idx="minor">
+            <a:schemeClr val="tx1"/>
+          </a:fontRef>
+        </p:style>
+      </p:cxnSp>
+      <p:cxnSp>
+        <p:nvCxnSpPr>
+          <p:cNvPr id="141" name="Connector: Elbow 140">
+            <a:extLst>
+              <a:ext uri="{FF2B5EF4-FFF2-40B4-BE49-F238E27FC236}">
+                <a16:creationId xmlns:a16="http://schemas.microsoft.com/office/drawing/2014/main" id="{12B09A82-4667-4386-BD15-A7D9B24C4D76}"/>
+              </a:ext>
+            </a:extLst>
+          </p:cNvPr>
+          <p:cNvCxnSpPr>
+            <a:cxnSpLocks/>
+            <a:stCxn id="154" idx="1"/>
+            <a:endCxn id="122" idx="3"/>
+          </p:cNvCxnSpPr>
+          <p:nvPr/>
+        </p:nvCxnSpPr>
+        <p:spPr>
+          <a:xfrm rot="10800000">
+            <a:off x="9353128" y="4536061"/>
+            <a:ext cx="507624" cy="235941"/>
+          </a:xfrm>
+          <a:prstGeom prst="bentConnector3">
+            <a:avLst>
+              <a:gd name="adj1" fmla="val 50000"/>
+            </a:avLst>
+          </a:prstGeom>
+          <a:ln>
+            <a:tailEnd type="triangle"/>
+          </a:ln>
+        </p:spPr>
+        <p:style>
+          <a:lnRef idx="1">
+            <a:schemeClr val="accent2"/>
+          </a:lnRef>
+          <a:fillRef idx="0">
+            <a:schemeClr val="accent2"/>
+          </a:fillRef>
+          <a:effectRef idx="0">
+            <a:schemeClr val="accent2"/>
+          </a:effectRef>
+          <a:fontRef idx="minor">
+            <a:schemeClr val="tx1"/>
+          </a:fontRef>
+        </p:style>
+      </p:cxnSp>
+      <p:sp>
+        <p:nvSpPr>
+          <p:cNvPr id="145" name="TextBox 144">
+            <a:extLst>
+              <a:ext uri="{FF2B5EF4-FFF2-40B4-BE49-F238E27FC236}">
+                <a16:creationId xmlns:a16="http://schemas.microsoft.com/office/drawing/2014/main" id="{6E052AE9-AF9C-471F-A816-9AE54B883676}"/>
+              </a:ext>
+            </a:extLst>
+          </p:cNvPr>
+          <p:cNvSpPr txBox="1"/>
+          <p:nvPr/>
+        </p:nvSpPr>
+        <p:spPr>
+          <a:xfrm>
+            <a:off x="9316061" y="4294584"/>
+            <a:ext cx="385263" cy="246221"/>
+          </a:xfrm>
+          <a:prstGeom prst="rect">
+            <a:avLst/>
+          </a:prstGeom>
+          <a:noFill/>
+        </p:spPr>
+        <p:txBody>
+          <a:bodyPr wrap="square" rtlCol="0">
+            <a:spAutoFit/>
+          </a:bodyPr>
+          <a:lstStyle/>
+          <a:p>
+            <a:r>
+              <a:rPr lang="en-US" sz="1000" dirty="0">
+                <a:latin typeface="Times New Roman" panose="02020603050405020304" pitchFamily="18" charset="0"/>
+                <a:cs typeface="Times New Roman" panose="02020603050405020304" pitchFamily="18" charset="0"/>
+              </a:rPr>
+              <a:t>Yes</a:t>
+            </a:r>
+          </a:p>
+        </p:txBody>
+      </p:sp>
+      <p:sp>
+        <p:nvSpPr>
+          <p:cNvPr id="146" name="TextBox 145">
+            <a:extLst>
+              <a:ext uri="{FF2B5EF4-FFF2-40B4-BE49-F238E27FC236}">
+                <a16:creationId xmlns:a16="http://schemas.microsoft.com/office/drawing/2014/main" id="{6E54955F-3250-4C1D-A89C-E35BAABCCDD3}"/>
+              </a:ext>
+            </a:extLst>
+          </p:cNvPr>
+          <p:cNvSpPr txBox="1"/>
+          <p:nvPr/>
+        </p:nvSpPr>
+        <p:spPr>
+          <a:xfrm>
+            <a:off x="9305107" y="4973294"/>
+            <a:ext cx="445812" cy="246221"/>
+          </a:xfrm>
+          <a:prstGeom prst="rect">
+            <a:avLst/>
+          </a:prstGeom>
+          <a:noFill/>
+        </p:spPr>
+        <p:txBody>
+          <a:bodyPr wrap="square" rtlCol="0">
+            <a:spAutoFit/>
+          </a:bodyPr>
+          <a:lstStyle/>
+          <a:p>
+            <a:r>
+              <a:rPr lang="en-US" sz="1000" dirty="0">
+                <a:latin typeface="Times New Roman" panose="02020603050405020304" pitchFamily="18" charset="0"/>
+                <a:cs typeface="Times New Roman" panose="02020603050405020304" pitchFamily="18" charset="0"/>
+              </a:rPr>
+              <a:t>No</a:t>
+            </a:r>
+          </a:p>
+        </p:txBody>
+      </p:sp>
+      <p:cxnSp>
+        <p:nvCxnSpPr>
+          <p:cNvPr id="147" name="Connector: Elbow 146">
+            <a:extLst>
+              <a:ext uri="{FF2B5EF4-FFF2-40B4-BE49-F238E27FC236}">
+                <a16:creationId xmlns:a16="http://schemas.microsoft.com/office/drawing/2014/main" id="{68A87896-2BD7-4E84-802D-6925A49135A3}"/>
+              </a:ext>
+            </a:extLst>
+          </p:cNvPr>
+          <p:cNvCxnSpPr>
+            <a:cxnSpLocks/>
+            <a:stCxn id="73" idx="3"/>
+            <a:endCxn id="129" idx="0"/>
+          </p:cNvCxnSpPr>
+          <p:nvPr/>
+        </p:nvCxnSpPr>
+        <p:spPr>
+          <a:xfrm>
+            <a:off x="9809018" y="1366485"/>
+            <a:ext cx="966161" cy="2376366"/>
+          </a:xfrm>
+          <a:prstGeom prst="bentConnector2">
+            <a:avLst/>
+          </a:prstGeom>
+          <a:ln>
+            <a:tailEnd type="triangle"/>
+          </a:ln>
+        </p:spPr>
+        <p:style>
+          <a:lnRef idx="1">
+            <a:schemeClr val="accent2"/>
+          </a:lnRef>
+          <a:fillRef idx="0">
+            <a:schemeClr val="accent2"/>
+          </a:fillRef>
+          <a:effectRef idx="0">
+            <a:schemeClr val="accent2"/>
+          </a:effectRef>
+          <a:fontRef idx="minor">
+            <a:schemeClr val="tx1"/>
+          </a:fontRef>
+        </p:style>
+      </p:cxnSp>
+      <p:cxnSp>
+        <p:nvCxnSpPr>
+          <p:cNvPr id="151" name="Connector: Elbow 150">
+            <a:extLst>
+              <a:ext uri="{FF2B5EF4-FFF2-40B4-BE49-F238E27FC236}">
+                <a16:creationId xmlns:a16="http://schemas.microsoft.com/office/drawing/2014/main" id="{8C0689D9-AF89-42BA-8200-497BE6F9BA5C}"/>
+              </a:ext>
+            </a:extLst>
+          </p:cNvPr>
+          <p:cNvCxnSpPr>
+            <a:cxnSpLocks/>
+            <a:stCxn id="129" idx="2"/>
+            <a:endCxn id="154" idx="3"/>
+          </p:cNvCxnSpPr>
+          <p:nvPr/>
+        </p:nvCxnSpPr>
+        <p:spPr>
+          <a:xfrm rot="5400000">
+            <a:off x="10395109" y="4391931"/>
+            <a:ext cx="557270" cy="202871"/>
+          </a:xfrm>
+          <a:prstGeom prst="bentConnector2">
+            <a:avLst/>
+          </a:prstGeom>
+          <a:ln>
+            <a:tailEnd type="triangle"/>
+          </a:ln>
+        </p:spPr>
+        <p:style>
+          <a:lnRef idx="1">
+            <a:schemeClr val="accent2"/>
+          </a:lnRef>
+          <a:fillRef idx="0">
+            <a:schemeClr val="accent2"/>
+          </a:fillRef>
+          <a:effectRef idx="0">
+            <a:schemeClr val="accent2"/>
+          </a:effectRef>
+          <a:fontRef idx="minor">
+            <a:schemeClr val="tx1"/>
+          </a:fontRef>
+        </p:style>
+      </p:cxnSp>
+      <p:sp>
+        <p:nvSpPr>
+          <p:cNvPr id="153" name="Rectangle 152">
+            <a:extLst>
+              <a:ext uri="{FF2B5EF4-FFF2-40B4-BE49-F238E27FC236}">
+                <a16:creationId xmlns:a16="http://schemas.microsoft.com/office/drawing/2014/main" id="{C3ED9E09-C8CB-42DC-B697-0A51818D4007}"/>
+              </a:ext>
+            </a:extLst>
+          </p:cNvPr>
+          <p:cNvSpPr/>
+          <p:nvPr/>
+        </p:nvSpPr>
+        <p:spPr>
+          <a:xfrm>
+            <a:off x="11270200" y="3736846"/>
+            <a:ext cx="842570" cy="471880"/>
+          </a:xfrm>
+          <a:prstGeom prst="rect">
+            <a:avLst/>
+          </a:prstGeom>
+          <a:solidFill>
+            <a:schemeClr val="accent5">
+              <a:lumMod val="20000"/>
+              <a:lumOff val="80000"/>
+            </a:schemeClr>
+          </a:solidFill>
+        </p:spPr>
+        <p:style>
+          <a:lnRef idx="2">
+            <a:schemeClr val="accent1">
+              <a:shade val="50000"/>
+            </a:schemeClr>
+          </a:lnRef>
+          <a:fillRef idx="1">
+            <a:schemeClr val="accent1"/>
+          </a:fillRef>
+          <a:effectRef idx="0">
+            <a:schemeClr val="accent1"/>
+          </a:effectRef>
+          <a:fontRef idx="minor">
+            <a:schemeClr val="lt1"/>
+          </a:fontRef>
+        </p:style>
+        <p:txBody>
+          <a:bodyPr rtlCol="0" anchor="ctr"/>
+          <a:lstStyle/>
+          <a:p>
+            <a:pPr algn="ctr"/>
+            <a:r>
+              <a:rPr lang="en-US" sz="1100" dirty="0">
+                <a:solidFill>
+                  <a:schemeClr val="tx1"/>
+                </a:solidFill>
+                <a:latin typeface="Times New Roman" panose="02020603050405020304" pitchFamily="18" charset="0"/>
+                <a:cs typeface="Times New Roman" panose="02020603050405020304" pitchFamily="18" charset="0"/>
+              </a:rPr>
+              <a:t>Dimension reduction (PCA)</a:t>
+            </a:r>
+          </a:p>
+        </p:txBody>
+      </p:sp>
+      <p:cxnSp>
+        <p:nvCxnSpPr>
+          <p:cNvPr id="158" name="Connector: Elbow 157">
+            <a:extLst>
+              <a:ext uri="{FF2B5EF4-FFF2-40B4-BE49-F238E27FC236}">
+                <a16:creationId xmlns:a16="http://schemas.microsoft.com/office/drawing/2014/main" id="{86466C70-5D9C-4716-9559-34151EE2BF1C}"/>
+              </a:ext>
+            </a:extLst>
+          </p:cNvPr>
+          <p:cNvCxnSpPr>
+            <a:cxnSpLocks/>
+            <a:stCxn id="73" idx="3"/>
+            <a:endCxn id="153" idx="0"/>
+          </p:cNvCxnSpPr>
+          <p:nvPr/>
+        </p:nvCxnSpPr>
+        <p:spPr>
+          <a:xfrm>
+            <a:off x="9809018" y="1366485"/>
+            <a:ext cx="1882467" cy="2370361"/>
+          </a:xfrm>
+          <a:prstGeom prst="bentConnector2">
+            <a:avLst/>
+          </a:prstGeom>
+          <a:ln>
+            <a:tailEnd type="triangle"/>
+          </a:ln>
+        </p:spPr>
+        <p:style>
+          <a:lnRef idx="1">
+            <a:schemeClr val="accent2"/>
+          </a:lnRef>
+          <a:fillRef idx="0">
+            <a:schemeClr val="accent2"/>
+          </a:fillRef>
+          <a:effectRef idx="0">
+            <a:schemeClr val="accent2"/>
+          </a:effectRef>
+          <a:fontRef idx="minor">
+            <a:schemeClr val="tx1"/>
+          </a:fontRef>
+        </p:style>
+      </p:cxnSp>
+      <p:sp>
+        <p:nvSpPr>
+          <p:cNvPr id="165" name="Flowchart: Delay 164">
+            <a:extLst>
+              <a:ext uri="{FF2B5EF4-FFF2-40B4-BE49-F238E27FC236}">
+                <a16:creationId xmlns:a16="http://schemas.microsoft.com/office/drawing/2014/main" id="{A3895629-BF5A-4A8F-980D-B9B52C40E133}"/>
+              </a:ext>
+            </a:extLst>
+          </p:cNvPr>
+          <p:cNvSpPr/>
+          <p:nvPr/>
+        </p:nvSpPr>
+        <p:spPr>
+          <a:xfrm>
+            <a:off x="9830839" y="5476667"/>
+            <a:ext cx="711556" cy="471880"/>
+          </a:xfrm>
+          <a:prstGeom prst="flowChartDelay">
+            <a:avLst/>
+          </a:prstGeom>
+        </p:spPr>
+        <p:style>
+          <a:lnRef idx="2">
+            <a:schemeClr val="accent1">
+              <a:shade val="50000"/>
+            </a:schemeClr>
+          </a:lnRef>
+          <a:fillRef idx="1">
+            <a:schemeClr val="accent1"/>
+          </a:fillRef>
+          <a:effectRef idx="0">
+            <a:schemeClr val="accent1"/>
+          </a:effectRef>
+          <a:fontRef idx="minor">
+            <a:schemeClr val="lt1"/>
+          </a:fontRef>
+        </p:style>
+        <p:txBody>
+          <a:bodyPr rtlCol="0" anchor="ctr"/>
+          <a:lstStyle/>
+          <a:p>
+            <a:r>
+              <a:rPr lang="en-US" sz="900" dirty="0">
+                <a:latin typeface="Times New Roman" panose="02020603050405020304" pitchFamily="18" charset="0"/>
+                <a:cs typeface="Times New Roman" panose="02020603050405020304" pitchFamily="18" charset="0"/>
+              </a:rPr>
+              <a:t>Normal?</a:t>
+            </a:r>
+          </a:p>
+        </p:txBody>
+      </p:sp>
+      <p:cxnSp>
+        <p:nvCxnSpPr>
+          <p:cNvPr id="167" name="Connector: Elbow 166">
+            <a:extLst>
+              <a:ext uri="{FF2B5EF4-FFF2-40B4-BE49-F238E27FC236}">
+                <a16:creationId xmlns:a16="http://schemas.microsoft.com/office/drawing/2014/main" id="{5D5F2D34-3014-4DAF-BCBF-17C9A0B3EFE3}"/>
+              </a:ext>
+            </a:extLst>
+          </p:cNvPr>
+          <p:cNvCxnSpPr>
+            <a:cxnSpLocks/>
+            <a:stCxn id="165" idx="1"/>
+            <a:endCxn id="180" idx="3"/>
+          </p:cNvCxnSpPr>
+          <p:nvPr/>
+        </p:nvCxnSpPr>
+        <p:spPr>
+          <a:xfrm rot="10800000" flipV="1">
+            <a:off x="9313203" y="5712606"/>
+            <a:ext cx="517636" cy="240057"/>
+          </a:xfrm>
+          <a:prstGeom prst="bentConnector3">
+            <a:avLst>
+              <a:gd name="adj1" fmla="val 50000"/>
+            </a:avLst>
+          </a:prstGeom>
+          <a:ln>
+            <a:tailEnd type="triangle"/>
+          </a:ln>
+        </p:spPr>
+        <p:style>
+          <a:lnRef idx="1">
+            <a:schemeClr val="accent2"/>
+          </a:lnRef>
+          <a:fillRef idx="0">
+            <a:schemeClr val="accent2"/>
+          </a:fillRef>
+          <a:effectRef idx="0">
+            <a:schemeClr val="accent2"/>
+          </a:effectRef>
+          <a:fontRef idx="minor">
+            <a:schemeClr val="tx1"/>
+          </a:fontRef>
+        </p:style>
+      </p:cxnSp>
+      <p:cxnSp>
+        <p:nvCxnSpPr>
+          <p:cNvPr id="170" name="Connector: Elbow 169">
+            <a:extLst>
+              <a:ext uri="{FF2B5EF4-FFF2-40B4-BE49-F238E27FC236}">
+                <a16:creationId xmlns:a16="http://schemas.microsoft.com/office/drawing/2014/main" id="{12740E37-F750-496C-8480-AEA1577F6F3F}"/>
+              </a:ext>
+            </a:extLst>
+          </p:cNvPr>
+          <p:cNvCxnSpPr>
+            <a:cxnSpLocks/>
+            <a:stCxn id="165" idx="1"/>
+            <a:endCxn id="176" idx="3"/>
+          </p:cNvCxnSpPr>
+          <p:nvPr/>
+        </p:nvCxnSpPr>
+        <p:spPr>
+          <a:xfrm rot="10800000">
+            <a:off x="9320379" y="5496103"/>
+            <a:ext cx="510461" cy="216504"/>
+          </a:xfrm>
+          <a:prstGeom prst="bentConnector3">
+            <a:avLst>
+              <a:gd name="adj1" fmla="val 50000"/>
+            </a:avLst>
+          </a:prstGeom>
+          <a:ln>
+            <a:tailEnd type="triangle"/>
+          </a:ln>
+        </p:spPr>
+        <p:style>
+          <a:lnRef idx="1">
+            <a:schemeClr val="accent2"/>
+          </a:lnRef>
+          <a:fillRef idx="0">
+            <a:schemeClr val="accent2"/>
+          </a:fillRef>
+          <a:effectRef idx="0">
+            <a:schemeClr val="accent2"/>
+          </a:effectRef>
+          <a:fontRef idx="minor">
+            <a:schemeClr val="tx1"/>
+          </a:fontRef>
+        </p:style>
+      </p:cxnSp>
+      <p:sp>
+        <p:nvSpPr>
+          <p:cNvPr id="172" name="TextBox 171">
+            <a:extLst>
+              <a:ext uri="{FF2B5EF4-FFF2-40B4-BE49-F238E27FC236}">
+                <a16:creationId xmlns:a16="http://schemas.microsoft.com/office/drawing/2014/main" id="{D3876BFB-ACC1-4C34-ADFC-1B4721832A34}"/>
+              </a:ext>
+            </a:extLst>
+          </p:cNvPr>
+          <p:cNvSpPr txBox="1"/>
+          <p:nvPr/>
+        </p:nvSpPr>
+        <p:spPr>
+          <a:xfrm>
+            <a:off x="9258920" y="5249774"/>
+            <a:ext cx="385263" cy="246221"/>
+          </a:xfrm>
+          <a:prstGeom prst="rect">
+            <a:avLst/>
+          </a:prstGeom>
+          <a:noFill/>
+        </p:spPr>
+        <p:txBody>
+          <a:bodyPr wrap="square" rtlCol="0">
+            <a:spAutoFit/>
+          </a:bodyPr>
+          <a:lstStyle/>
+          <a:p>
+            <a:r>
+              <a:rPr lang="en-US" sz="1000" dirty="0">
+                <a:latin typeface="Times New Roman" panose="02020603050405020304" pitchFamily="18" charset="0"/>
+                <a:cs typeface="Times New Roman" panose="02020603050405020304" pitchFamily="18" charset="0"/>
+              </a:rPr>
+              <a:t>Yes</a:t>
+            </a:r>
+          </a:p>
+        </p:txBody>
+      </p:sp>
+      <p:sp>
+        <p:nvSpPr>
+          <p:cNvPr id="173" name="TextBox 172">
+            <a:extLst>
+              <a:ext uri="{FF2B5EF4-FFF2-40B4-BE49-F238E27FC236}">
+                <a16:creationId xmlns:a16="http://schemas.microsoft.com/office/drawing/2014/main" id="{22AB62E9-7284-4BA4-94F8-55FB2FB7E5BA}"/>
+              </a:ext>
+            </a:extLst>
+          </p:cNvPr>
+          <p:cNvSpPr txBox="1"/>
+          <p:nvPr/>
+        </p:nvSpPr>
+        <p:spPr>
+          <a:xfrm>
+            <a:off x="9289082" y="5928859"/>
+            <a:ext cx="445812" cy="246221"/>
+          </a:xfrm>
+          <a:prstGeom prst="rect">
+            <a:avLst/>
+          </a:prstGeom>
+          <a:noFill/>
+        </p:spPr>
+        <p:txBody>
+          <a:bodyPr wrap="square" rtlCol="0">
+            <a:spAutoFit/>
+          </a:bodyPr>
+          <a:lstStyle/>
+          <a:p>
+            <a:r>
+              <a:rPr lang="en-US" sz="1000" dirty="0">
+                <a:latin typeface="Times New Roman" panose="02020603050405020304" pitchFamily="18" charset="0"/>
+                <a:cs typeface="Times New Roman" panose="02020603050405020304" pitchFamily="18" charset="0"/>
+              </a:rPr>
+              <a:t>No</a:t>
+            </a:r>
+          </a:p>
+        </p:txBody>
+      </p:sp>
+      <p:cxnSp>
+        <p:nvCxnSpPr>
+          <p:cNvPr id="175" name="Connector: Elbow 174">
+            <a:extLst>
+              <a:ext uri="{FF2B5EF4-FFF2-40B4-BE49-F238E27FC236}">
+                <a16:creationId xmlns:a16="http://schemas.microsoft.com/office/drawing/2014/main" id="{176E1B1F-E52B-4D86-A7E0-E34CB4E36EE4}"/>
+              </a:ext>
+            </a:extLst>
+          </p:cNvPr>
+          <p:cNvCxnSpPr>
+            <a:cxnSpLocks/>
+            <a:stCxn id="153" idx="2"/>
+            <a:endCxn id="165" idx="3"/>
+          </p:cNvCxnSpPr>
+          <p:nvPr/>
+        </p:nvCxnSpPr>
+        <p:spPr>
+          <a:xfrm rot="5400000">
+            <a:off x="10365000" y="4386121"/>
+            <a:ext cx="1503881" cy="1149090"/>
+          </a:xfrm>
+          <a:prstGeom prst="bentConnector2">
+            <a:avLst/>
+          </a:prstGeom>
+          <a:ln>
+            <a:tailEnd type="triangle"/>
+          </a:ln>
+        </p:spPr>
+        <p:style>
+          <a:lnRef idx="1">
+            <a:schemeClr val="accent2"/>
+          </a:lnRef>
+          <a:fillRef idx="0">
+            <a:schemeClr val="accent2"/>
+          </a:fillRef>
+          <a:effectRef idx="0">
+            <a:schemeClr val="accent2"/>
+          </a:effectRef>
+          <a:fontRef idx="minor">
+            <a:schemeClr val="tx1"/>
+          </a:fontRef>
+        </p:style>
+      </p:cxnSp>
+      <p:sp>
+        <p:nvSpPr>
+          <p:cNvPr id="176" name="Rectangle 175">
+            <a:extLst>
+              <a:ext uri="{FF2B5EF4-FFF2-40B4-BE49-F238E27FC236}">
+                <a16:creationId xmlns:a16="http://schemas.microsoft.com/office/drawing/2014/main" id="{9835B297-14DA-40E7-9D99-C3765ACC3486}"/>
+              </a:ext>
+            </a:extLst>
+          </p:cNvPr>
+          <p:cNvSpPr/>
+          <p:nvPr/>
+        </p:nvSpPr>
+        <p:spPr>
+          <a:xfrm>
+            <a:off x="8477808" y="5348706"/>
+            <a:ext cx="842570" cy="294794"/>
+          </a:xfrm>
+          <a:prstGeom prst="rect">
+            <a:avLst/>
+          </a:prstGeom>
+          <a:solidFill>
+            <a:schemeClr val="accent5">
+              <a:lumMod val="20000"/>
+              <a:lumOff val="80000"/>
+            </a:schemeClr>
+          </a:solidFill>
+        </p:spPr>
+        <p:style>
+          <a:lnRef idx="2">
+            <a:schemeClr val="accent1">
+              <a:shade val="50000"/>
+            </a:schemeClr>
+          </a:lnRef>
+          <a:fillRef idx="1">
+            <a:schemeClr val="accent1"/>
+          </a:fillRef>
+          <a:effectRef idx="0">
+            <a:schemeClr val="accent1"/>
+          </a:effectRef>
+          <a:fontRef idx="minor">
+            <a:schemeClr val="lt1"/>
+          </a:fontRef>
+        </p:style>
+        <p:txBody>
+          <a:bodyPr rtlCol="0" anchor="ctr"/>
+          <a:lstStyle/>
+          <a:p>
+            <a:pPr algn="ctr"/>
+            <a:r>
+              <a:rPr lang="en-US" sz="1100" dirty="0">
+                <a:solidFill>
+                  <a:schemeClr val="tx1"/>
+                </a:solidFill>
+                <a:latin typeface="Times New Roman" panose="02020603050405020304" pitchFamily="18" charset="0"/>
+                <a:cs typeface="Times New Roman" panose="02020603050405020304" pitchFamily="18" charset="0"/>
+              </a:rPr>
+              <a:t>Pearson r</a:t>
+            </a:r>
+          </a:p>
+        </p:txBody>
+      </p:sp>
+      <p:sp>
+        <p:nvSpPr>
+          <p:cNvPr id="180" name="Rectangle 179">
+            <a:extLst>
+              <a:ext uri="{FF2B5EF4-FFF2-40B4-BE49-F238E27FC236}">
+                <a16:creationId xmlns:a16="http://schemas.microsoft.com/office/drawing/2014/main" id="{48ABDC64-A635-4351-8247-0211965B7899}"/>
+              </a:ext>
+            </a:extLst>
+          </p:cNvPr>
+          <p:cNvSpPr/>
+          <p:nvPr/>
+        </p:nvSpPr>
+        <p:spPr>
+          <a:xfrm>
+            <a:off x="8470633" y="5767391"/>
+            <a:ext cx="842570" cy="370545"/>
+          </a:xfrm>
+          <a:prstGeom prst="rect">
+            <a:avLst/>
+          </a:prstGeom>
+          <a:solidFill>
+            <a:schemeClr val="accent5">
+              <a:lumMod val="20000"/>
+              <a:lumOff val="80000"/>
+            </a:schemeClr>
+          </a:solidFill>
+        </p:spPr>
+        <p:style>
+          <a:lnRef idx="2">
+            <a:schemeClr val="accent1">
+              <a:shade val="50000"/>
+            </a:schemeClr>
+          </a:lnRef>
+          <a:fillRef idx="1">
+            <a:schemeClr val="accent1"/>
+          </a:fillRef>
+          <a:effectRef idx="0">
+            <a:schemeClr val="accent1"/>
+          </a:effectRef>
+          <a:fontRef idx="minor">
+            <a:schemeClr val="lt1"/>
+          </a:fontRef>
+        </p:style>
+        <p:txBody>
+          <a:bodyPr rtlCol="0" anchor="ctr"/>
+          <a:lstStyle/>
+          <a:p>
+            <a:pPr algn="ctr"/>
+            <a:r>
+              <a:rPr lang="en-US" sz="1100" dirty="0">
+                <a:solidFill>
+                  <a:schemeClr val="tx1"/>
+                </a:solidFill>
+                <a:latin typeface="Times New Roman" panose="02020603050405020304" pitchFamily="18" charset="0"/>
+                <a:cs typeface="Times New Roman" panose="02020603050405020304" pitchFamily="18" charset="0"/>
+              </a:rPr>
+              <a:t>Spearman r</a:t>
+            </a:r>
+          </a:p>
+        </p:txBody>
+      </p:sp>
+      <p:cxnSp>
+        <p:nvCxnSpPr>
+          <p:cNvPr id="182" name="Connector: Elbow 181">
+            <a:extLst>
+              <a:ext uri="{FF2B5EF4-FFF2-40B4-BE49-F238E27FC236}">
+                <a16:creationId xmlns:a16="http://schemas.microsoft.com/office/drawing/2014/main" id="{CAA2406A-A3D0-4677-925E-3BB225FFA371}"/>
+              </a:ext>
+            </a:extLst>
+          </p:cNvPr>
+          <p:cNvCxnSpPr>
+            <a:cxnSpLocks/>
+            <a:stCxn id="192" idx="1"/>
+            <a:endCxn id="199" idx="3"/>
+          </p:cNvCxnSpPr>
+          <p:nvPr/>
+        </p:nvCxnSpPr>
+        <p:spPr>
+          <a:xfrm rot="10800000" flipV="1">
+            <a:off x="7267924" y="3975714"/>
+            <a:ext cx="510661" cy="713341"/>
+          </a:xfrm>
+          <a:prstGeom prst="bentConnector3">
+            <a:avLst>
+              <a:gd name="adj1" fmla="val 50000"/>
+            </a:avLst>
+          </a:prstGeom>
+          <a:ln>
+            <a:tailEnd type="triangle"/>
+          </a:ln>
+        </p:spPr>
+        <p:style>
+          <a:lnRef idx="1">
+            <a:schemeClr val="dk1"/>
+          </a:lnRef>
+          <a:fillRef idx="0">
+            <a:schemeClr val="dk1"/>
+          </a:fillRef>
+          <a:effectRef idx="0">
+            <a:schemeClr val="dk1"/>
+          </a:effectRef>
+          <a:fontRef idx="minor">
+            <a:schemeClr val="tx1"/>
+          </a:fontRef>
+        </p:style>
+      </p:cxnSp>
+      <p:cxnSp>
+        <p:nvCxnSpPr>
+          <p:cNvPr id="184" name="Straight Arrow Connector 183">
+            <a:extLst>
+              <a:ext uri="{FF2B5EF4-FFF2-40B4-BE49-F238E27FC236}">
+                <a16:creationId xmlns:a16="http://schemas.microsoft.com/office/drawing/2014/main" id="{B2069F5D-4B3D-4D97-91B2-4806D29B0130}"/>
+              </a:ext>
+            </a:extLst>
+          </p:cNvPr>
+          <p:cNvCxnSpPr>
+            <a:cxnSpLocks/>
+            <a:stCxn id="109" idx="1"/>
+            <a:endCxn id="192" idx="3"/>
+          </p:cNvCxnSpPr>
+          <p:nvPr/>
+        </p:nvCxnSpPr>
+        <p:spPr>
+          <a:xfrm flipH="1">
+            <a:off x="8561684" y="3972786"/>
+            <a:ext cx="875904" cy="2929"/>
+          </a:xfrm>
+          <a:prstGeom prst="straightConnector1">
+            <a:avLst/>
+          </a:prstGeom>
+          <a:ln>
+            <a:tailEnd type="triangle"/>
+          </a:ln>
+        </p:spPr>
+        <p:style>
+          <a:lnRef idx="1">
+            <a:schemeClr val="accent2"/>
+          </a:lnRef>
+          <a:fillRef idx="0">
+            <a:schemeClr val="accent2"/>
+          </a:fillRef>
+          <a:effectRef idx="0">
+            <a:schemeClr val="accent2"/>
+          </a:effectRef>
+          <a:fontRef idx="minor">
+            <a:schemeClr val="tx1"/>
+          </a:fontRef>
+        </p:style>
+      </p:cxnSp>
+    </p:spTree>
+    <p:extLst>
+      <p:ext uri="{BB962C8B-B14F-4D97-AF65-F5344CB8AC3E}">
+        <p14:creationId xmlns:p14="http://schemas.microsoft.com/office/powerpoint/2010/main" val="2179859213"/>
+      </p:ext>
+    </p:extLst>
+  </p:cSld>
+  <p:clrMapOvr>
+    <a:masterClrMapping/>
+  </p:clrMapOvr>
+</p:sld>
+</file>
+
 <file path=ppt/theme/theme1.xml><?xml version="1.0" encoding="utf-8"?>
 <a:theme xmlns:a="http://schemas.openxmlformats.org/drawingml/2006/main" name="Office Theme">
   <a:themeElements>

--- a/ABE516x project workflow.pptx
+++ b/ABE516x project workflow.pptx
@@ -6,6 +6,7 @@
   </p:sldMasterIdLst>
   <p:sldIdLst>
     <p:sldId id="256" r:id="rId2"/>
+    <p:sldId id="257" r:id="rId3"/>
   </p:sldIdLst>
   <p:sldSz cx="12192000" cy="6858000"/>
   <p:notesSz cx="6858000" cy="9144000"/>
@@ -271,7 +272,7 @@
           <a:p>
             <a:fld id="{8987986C-9167-43A7-821D-DC8A3AF63D3C}" type="datetimeFigureOut">
               <a:rPr lang="en-US" smtClean="0"/>
-              <a:t>10/31/2019</a:t>
+              <a:t>12/5/2019</a:t>
             </a:fld>
             <a:endParaRPr lang="en-US"/>
           </a:p>
@@ -469,7 +470,7 @@
           <a:p>
             <a:fld id="{8987986C-9167-43A7-821D-DC8A3AF63D3C}" type="datetimeFigureOut">
               <a:rPr lang="en-US" smtClean="0"/>
-              <a:t>10/31/2019</a:t>
+              <a:t>12/5/2019</a:t>
             </a:fld>
             <a:endParaRPr lang="en-US"/>
           </a:p>
@@ -677,7 +678,7 @@
           <a:p>
             <a:fld id="{8987986C-9167-43A7-821D-DC8A3AF63D3C}" type="datetimeFigureOut">
               <a:rPr lang="en-US" smtClean="0"/>
-              <a:t>10/31/2019</a:t>
+              <a:t>12/5/2019</a:t>
             </a:fld>
             <a:endParaRPr lang="en-US"/>
           </a:p>
@@ -875,7 +876,7 @@
           <a:p>
             <a:fld id="{8987986C-9167-43A7-821D-DC8A3AF63D3C}" type="datetimeFigureOut">
               <a:rPr lang="en-US" smtClean="0"/>
-              <a:t>10/31/2019</a:t>
+              <a:t>12/5/2019</a:t>
             </a:fld>
             <a:endParaRPr lang="en-US"/>
           </a:p>
@@ -1150,7 +1151,7 @@
           <a:p>
             <a:fld id="{8987986C-9167-43A7-821D-DC8A3AF63D3C}" type="datetimeFigureOut">
               <a:rPr lang="en-US" smtClean="0"/>
-              <a:t>10/31/2019</a:t>
+              <a:t>12/5/2019</a:t>
             </a:fld>
             <a:endParaRPr lang="en-US"/>
           </a:p>
@@ -1415,7 +1416,7 @@
           <a:p>
             <a:fld id="{8987986C-9167-43A7-821D-DC8A3AF63D3C}" type="datetimeFigureOut">
               <a:rPr lang="en-US" smtClean="0"/>
-              <a:t>10/31/2019</a:t>
+              <a:t>12/5/2019</a:t>
             </a:fld>
             <a:endParaRPr lang="en-US"/>
           </a:p>
@@ -1827,7 +1828,7 @@
           <a:p>
             <a:fld id="{8987986C-9167-43A7-821D-DC8A3AF63D3C}" type="datetimeFigureOut">
               <a:rPr lang="en-US" smtClean="0"/>
-              <a:t>10/31/2019</a:t>
+              <a:t>12/5/2019</a:t>
             </a:fld>
             <a:endParaRPr lang="en-US"/>
           </a:p>
@@ -1968,7 +1969,7 @@
           <a:p>
             <a:fld id="{8987986C-9167-43A7-821D-DC8A3AF63D3C}" type="datetimeFigureOut">
               <a:rPr lang="en-US" smtClean="0"/>
-              <a:t>10/31/2019</a:t>
+              <a:t>12/5/2019</a:t>
             </a:fld>
             <a:endParaRPr lang="en-US"/>
           </a:p>
@@ -2081,7 +2082,7 @@
           <a:p>
             <a:fld id="{8987986C-9167-43A7-821D-DC8A3AF63D3C}" type="datetimeFigureOut">
               <a:rPr lang="en-US" smtClean="0"/>
-              <a:t>10/31/2019</a:t>
+              <a:t>12/5/2019</a:t>
             </a:fld>
             <a:endParaRPr lang="en-US"/>
           </a:p>
@@ -2392,7 +2393,7 @@
           <a:p>
             <a:fld id="{8987986C-9167-43A7-821D-DC8A3AF63D3C}" type="datetimeFigureOut">
               <a:rPr lang="en-US" smtClean="0"/>
-              <a:t>10/31/2019</a:t>
+              <a:t>12/5/2019</a:t>
             </a:fld>
             <a:endParaRPr lang="en-US"/>
           </a:p>
@@ -2680,7 +2681,7 @@
           <a:p>
             <a:fld id="{8987986C-9167-43A7-821D-DC8A3AF63D3C}" type="datetimeFigureOut">
               <a:rPr lang="en-US" smtClean="0"/>
-              <a:t>10/31/2019</a:t>
+              <a:t>12/5/2019</a:t>
             </a:fld>
             <a:endParaRPr lang="en-US"/>
           </a:p>
@@ -2921,7 +2922,7 @@
           <a:p>
             <a:fld id="{8987986C-9167-43A7-821D-DC8A3AF63D3C}" type="datetimeFigureOut">
               <a:rPr lang="en-US" smtClean="0"/>
-              <a:t>10/31/2019</a:t>
+              <a:t>12/5/2019</a:t>
             </a:fld>
             <a:endParaRPr lang="en-US"/>
           </a:p>
@@ -8409,6 +8410,5405 @@
 </p:sld>
 </file>
 
+<file path=ppt/slides/slide2.xml><?xml version="1.0" encoding="utf-8"?>
+<p:sld xmlns:a="http://schemas.openxmlformats.org/drawingml/2006/main" xmlns:r="http://schemas.openxmlformats.org/officeDocument/2006/relationships" xmlns:p="http://schemas.openxmlformats.org/presentationml/2006/main">
+  <p:cSld>
+    <p:spTree>
+      <p:nvGrpSpPr>
+        <p:cNvPr id="1" name=""/>
+        <p:cNvGrpSpPr/>
+        <p:nvPr/>
+      </p:nvGrpSpPr>
+      <p:grpSpPr>
+        <a:xfrm>
+          <a:off x="0" y="0"/>
+          <a:ext cx="0" cy="0"/>
+          <a:chOff x="0" y="0"/>
+          <a:chExt cx="0" cy="0"/>
+        </a:xfrm>
+      </p:grpSpPr>
+      <p:sp>
+        <p:nvSpPr>
+          <p:cNvPr id="4" name="Rectangle 3">
+            <a:extLst>
+              <a:ext uri="{FF2B5EF4-FFF2-40B4-BE49-F238E27FC236}">
+                <a16:creationId xmlns:a16="http://schemas.microsoft.com/office/drawing/2014/main" id="{52F8468D-999A-416E-96C8-4147A990D650}"/>
+              </a:ext>
+            </a:extLst>
+          </p:cNvPr>
+          <p:cNvSpPr/>
+          <p:nvPr/>
+        </p:nvSpPr>
+        <p:spPr>
+          <a:xfrm>
+            <a:off x="134224" y="1139823"/>
+            <a:ext cx="1191237" cy="471880"/>
+          </a:xfrm>
+          <a:prstGeom prst="rect">
+            <a:avLst/>
+          </a:prstGeom>
+          <a:solidFill>
+            <a:schemeClr val="accent5">
+              <a:lumMod val="20000"/>
+              <a:lumOff val="80000"/>
+            </a:schemeClr>
+          </a:solidFill>
+        </p:spPr>
+        <p:style>
+          <a:lnRef idx="2">
+            <a:schemeClr val="accent1">
+              <a:shade val="50000"/>
+            </a:schemeClr>
+          </a:lnRef>
+          <a:fillRef idx="1">
+            <a:schemeClr val="accent1"/>
+          </a:fillRef>
+          <a:effectRef idx="0">
+            <a:schemeClr val="accent1"/>
+          </a:effectRef>
+          <a:fontRef idx="minor">
+            <a:schemeClr val="lt1"/>
+          </a:fontRef>
+        </p:style>
+        <p:txBody>
+          <a:bodyPr rtlCol="0" anchor="ctr"/>
+          <a:lstStyle/>
+          <a:p>
+            <a:pPr algn="ctr"/>
+            <a:r>
+              <a:rPr lang="en-US" sz="1100" dirty="0">
+                <a:solidFill>
+                  <a:schemeClr val="tx1"/>
+                </a:solidFill>
+                <a:latin typeface="Times New Roman" panose="02020603050405020304" pitchFamily="18" charset="0"/>
+                <a:cs typeface="Times New Roman" panose="02020603050405020304" pitchFamily="18" charset="0"/>
+              </a:rPr>
+              <a:t>Identify research questions</a:t>
+            </a:r>
+          </a:p>
+        </p:txBody>
+      </p:sp>
+      <p:sp>
+        <p:nvSpPr>
+          <p:cNvPr id="5" name="Flowchart: Alternate Process 4">
+            <a:extLst>
+              <a:ext uri="{FF2B5EF4-FFF2-40B4-BE49-F238E27FC236}">
+                <a16:creationId xmlns:a16="http://schemas.microsoft.com/office/drawing/2014/main" id="{051870E3-E7A2-4267-9AA9-FD86B90494A4}"/>
+              </a:ext>
+            </a:extLst>
+          </p:cNvPr>
+          <p:cNvSpPr/>
+          <p:nvPr/>
+        </p:nvSpPr>
+        <p:spPr>
+          <a:xfrm>
+            <a:off x="1595306" y="1091783"/>
+            <a:ext cx="875813" cy="585752"/>
+          </a:xfrm>
+          <a:prstGeom prst="flowChartAlternateProcess">
+            <a:avLst/>
+          </a:prstGeom>
+          <a:solidFill>
+            <a:schemeClr val="accent3">
+              <a:lumMod val="20000"/>
+              <a:lumOff val="80000"/>
+            </a:schemeClr>
+          </a:solidFill>
+          <a:ln>
+            <a:solidFill>
+              <a:schemeClr val="tx1">
+                <a:lumMod val="50000"/>
+                <a:lumOff val="50000"/>
+              </a:schemeClr>
+            </a:solidFill>
+          </a:ln>
+        </p:spPr>
+        <p:style>
+          <a:lnRef idx="2">
+            <a:schemeClr val="accent1">
+              <a:shade val="50000"/>
+            </a:schemeClr>
+          </a:lnRef>
+          <a:fillRef idx="1">
+            <a:schemeClr val="accent1"/>
+          </a:fillRef>
+          <a:effectRef idx="0">
+            <a:schemeClr val="accent1"/>
+          </a:effectRef>
+          <a:fontRef idx="minor">
+            <a:schemeClr val="lt1"/>
+          </a:fontRef>
+        </p:style>
+        <p:txBody>
+          <a:bodyPr rtlCol="0" anchor="ctr"/>
+          <a:lstStyle/>
+          <a:p>
+            <a:pPr algn="ctr"/>
+            <a:r>
+              <a:rPr lang="en-US" sz="900" dirty="0">
+                <a:solidFill>
+                  <a:schemeClr val="tx1"/>
+                </a:solidFill>
+                <a:latin typeface="Times New Roman" panose="02020603050405020304" pitchFamily="18" charset="0"/>
+                <a:cs typeface="Times New Roman" panose="02020603050405020304" pitchFamily="18" charset="0"/>
+              </a:rPr>
+              <a:t>List of questions and pre-processed data</a:t>
+            </a:r>
+          </a:p>
+        </p:txBody>
+      </p:sp>
+      <p:cxnSp>
+        <p:nvCxnSpPr>
+          <p:cNvPr id="7" name="Straight Arrow Connector 6">
+            <a:extLst>
+              <a:ext uri="{FF2B5EF4-FFF2-40B4-BE49-F238E27FC236}">
+                <a16:creationId xmlns:a16="http://schemas.microsoft.com/office/drawing/2014/main" id="{BCB0B7C1-85B2-4A87-88D2-5B0221ECD840}"/>
+              </a:ext>
+            </a:extLst>
+          </p:cNvPr>
+          <p:cNvCxnSpPr>
+            <a:stCxn id="4" idx="3"/>
+          </p:cNvCxnSpPr>
+          <p:nvPr/>
+        </p:nvCxnSpPr>
+        <p:spPr>
+          <a:xfrm>
+            <a:off x="1325461" y="1375763"/>
+            <a:ext cx="269845" cy="0"/>
+          </a:xfrm>
+          <a:prstGeom prst="straightConnector1">
+            <a:avLst/>
+          </a:prstGeom>
+          <a:ln>
+            <a:solidFill>
+              <a:schemeClr val="tx1"/>
+            </a:solidFill>
+            <a:tailEnd type="triangle"/>
+          </a:ln>
+        </p:spPr>
+        <p:style>
+          <a:lnRef idx="1">
+            <a:schemeClr val="accent1"/>
+          </a:lnRef>
+          <a:fillRef idx="0">
+            <a:schemeClr val="accent1"/>
+          </a:fillRef>
+          <a:effectRef idx="0">
+            <a:schemeClr val="accent1"/>
+          </a:effectRef>
+          <a:fontRef idx="minor">
+            <a:schemeClr val="tx1"/>
+          </a:fontRef>
+        </p:style>
+      </p:cxnSp>
+      <p:sp>
+        <p:nvSpPr>
+          <p:cNvPr id="8" name="Flowchart: Delay 7">
+            <a:extLst>
+              <a:ext uri="{FF2B5EF4-FFF2-40B4-BE49-F238E27FC236}">
+                <a16:creationId xmlns:a16="http://schemas.microsoft.com/office/drawing/2014/main" id="{D152B88F-38DE-4E0F-BCDA-86DB12BEBC9E}"/>
+              </a:ext>
+            </a:extLst>
+          </p:cNvPr>
+          <p:cNvSpPr/>
+          <p:nvPr/>
+        </p:nvSpPr>
+        <p:spPr>
+          <a:xfrm>
+            <a:off x="2739583" y="1055435"/>
+            <a:ext cx="666352" cy="622100"/>
+          </a:xfrm>
+          <a:prstGeom prst="flowChartDelay">
+            <a:avLst/>
+          </a:prstGeom>
+        </p:spPr>
+        <p:style>
+          <a:lnRef idx="2">
+            <a:schemeClr val="accent1">
+              <a:shade val="50000"/>
+            </a:schemeClr>
+          </a:lnRef>
+          <a:fillRef idx="1">
+            <a:schemeClr val="accent1"/>
+          </a:fillRef>
+          <a:effectRef idx="0">
+            <a:schemeClr val="accent1"/>
+          </a:effectRef>
+          <a:fontRef idx="minor">
+            <a:schemeClr val="lt1"/>
+          </a:fontRef>
+        </p:style>
+        <p:txBody>
+          <a:bodyPr rtlCol="0" anchor="ctr"/>
+          <a:lstStyle/>
+          <a:p>
+            <a:r>
+              <a:rPr lang="en-US" sz="900" dirty="0">
+                <a:latin typeface="Times New Roman" panose="02020603050405020304" pitchFamily="18" charset="0"/>
+                <a:cs typeface="Times New Roman" panose="02020603050405020304" pitchFamily="18" charset="0"/>
+              </a:rPr>
+              <a:t>Do we need weather data?</a:t>
+            </a:r>
+          </a:p>
+        </p:txBody>
+      </p:sp>
+      <p:cxnSp>
+        <p:nvCxnSpPr>
+          <p:cNvPr id="9" name="Straight Arrow Connector 8">
+            <a:extLst>
+              <a:ext uri="{FF2B5EF4-FFF2-40B4-BE49-F238E27FC236}">
+                <a16:creationId xmlns:a16="http://schemas.microsoft.com/office/drawing/2014/main" id="{59D79B12-9402-47DE-9A95-7ED9EC42A0D1}"/>
+              </a:ext>
+            </a:extLst>
+          </p:cNvPr>
+          <p:cNvCxnSpPr>
+            <a:cxnSpLocks/>
+            <a:stCxn id="5" idx="3"/>
+            <a:endCxn id="8" idx="1"/>
+          </p:cNvCxnSpPr>
+          <p:nvPr/>
+        </p:nvCxnSpPr>
+        <p:spPr>
+          <a:xfrm flipV="1">
+            <a:off x="2471119" y="1366485"/>
+            <a:ext cx="268464" cy="18174"/>
+          </a:xfrm>
+          <a:prstGeom prst="straightConnector1">
+            <a:avLst/>
+          </a:prstGeom>
+          <a:ln>
+            <a:solidFill>
+              <a:schemeClr val="tx1"/>
+            </a:solidFill>
+            <a:tailEnd type="triangle"/>
+          </a:ln>
+        </p:spPr>
+        <p:style>
+          <a:lnRef idx="1">
+            <a:schemeClr val="accent1"/>
+          </a:lnRef>
+          <a:fillRef idx="0">
+            <a:schemeClr val="accent1"/>
+          </a:fillRef>
+          <a:effectRef idx="0">
+            <a:schemeClr val="accent1"/>
+          </a:effectRef>
+          <a:fontRef idx="minor">
+            <a:schemeClr val="tx1"/>
+          </a:fontRef>
+        </p:style>
+      </p:cxnSp>
+      <p:sp>
+        <p:nvSpPr>
+          <p:cNvPr id="13" name="TextBox 12">
+            <a:extLst>
+              <a:ext uri="{FF2B5EF4-FFF2-40B4-BE49-F238E27FC236}">
+                <a16:creationId xmlns:a16="http://schemas.microsoft.com/office/drawing/2014/main" id="{8CFFE036-E003-4B0F-956A-6E3086A357B3}"/>
+              </a:ext>
+            </a:extLst>
+          </p:cNvPr>
+          <p:cNvSpPr txBox="1"/>
+          <p:nvPr/>
+        </p:nvSpPr>
+        <p:spPr>
+          <a:xfrm>
+            <a:off x="3032955" y="809215"/>
+            <a:ext cx="391550" cy="246221"/>
+          </a:xfrm>
+          <a:prstGeom prst="rect">
+            <a:avLst/>
+          </a:prstGeom>
+          <a:noFill/>
+        </p:spPr>
+        <p:txBody>
+          <a:bodyPr wrap="square" rtlCol="0">
+            <a:spAutoFit/>
+          </a:bodyPr>
+          <a:lstStyle/>
+          <a:p>
+            <a:r>
+              <a:rPr lang="en-US" sz="1000" dirty="0">
+                <a:latin typeface="Times New Roman" panose="02020603050405020304" pitchFamily="18" charset="0"/>
+                <a:cs typeface="Times New Roman" panose="02020603050405020304" pitchFamily="18" charset="0"/>
+              </a:rPr>
+              <a:t>Yes</a:t>
+            </a:r>
+          </a:p>
+        </p:txBody>
+      </p:sp>
+      <p:sp>
+        <p:nvSpPr>
+          <p:cNvPr id="14" name="TextBox 13">
+            <a:extLst>
+              <a:ext uri="{FF2B5EF4-FFF2-40B4-BE49-F238E27FC236}">
+                <a16:creationId xmlns:a16="http://schemas.microsoft.com/office/drawing/2014/main" id="{223F7648-B8B4-4120-BC32-D1F455E2C7CA}"/>
+              </a:ext>
+            </a:extLst>
+          </p:cNvPr>
+          <p:cNvSpPr txBox="1"/>
+          <p:nvPr/>
+        </p:nvSpPr>
+        <p:spPr>
+          <a:xfrm>
+            <a:off x="3392875" y="1160959"/>
+            <a:ext cx="391550" cy="246221"/>
+          </a:xfrm>
+          <a:prstGeom prst="rect">
+            <a:avLst/>
+          </a:prstGeom>
+          <a:noFill/>
+        </p:spPr>
+        <p:txBody>
+          <a:bodyPr wrap="square" rtlCol="0">
+            <a:spAutoFit/>
+          </a:bodyPr>
+          <a:lstStyle/>
+          <a:p>
+            <a:r>
+              <a:rPr lang="en-US" sz="1000" dirty="0">
+                <a:latin typeface="Times New Roman" panose="02020603050405020304" pitchFamily="18" charset="0"/>
+                <a:cs typeface="Times New Roman" panose="02020603050405020304" pitchFamily="18" charset="0"/>
+              </a:rPr>
+              <a:t>No</a:t>
+            </a:r>
+          </a:p>
+        </p:txBody>
+      </p:sp>
+      <p:cxnSp>
+        <p:nvCxnSpPr>
+          <p:cNvPr id="16" name="Straight Arrow Connector 15">
+            <a:extLst>
+              <a:ext uri="{FF2B5EF4-FFF2-40B4-BE49-F238E27FC236}">
+                <a16:creationId xmlns:a16="http://schemas.microsoft.com/office/drawing/2014/main" id="{5E3E4858-161F-405B-9A8C-B65ED23C30ED}"/>
+              </a:ext>
+            </a:extLst>
+          </p:cNvPr>
+          <p:cNvCxnSpPr>
+            <a:cxnSpLocks/>
+            <a:stCxn id="8" idx="3"/>
+            <a:endCxn id="32" idx="1"/>
+          </p:cNvCxnSpPr>
+          <p:nvPr/>
+        </p:nvCxnSpPr>
+        <p:spPr>
+          <a:xfrm>
+            <a:off x="3405935" y="1366485"/>
+            <a:ext cx="399793" cy="0"/>
+          </a:xfrm>
+          <a:prstGeom prst="straightConnector1">
+            <a:avLst/>
+          </a:prstGeom>
+          <a:ln>
+            <a:solidFill>
+              <a:schemeClr val="tx1"/>
+            </a:solidFill>
+            <a:tailEnd type="triangle"/>
+          </a:ln>
+        </p:spPr>
+        <p:style>
+          <a:lnRef idx="1">
+            <a:schemeClr val="accent1"/>
+          </a:lnRef>
+          <a:fillRef idx="0">
+            <a:schemeClr val="accent1"/>
+          </a:fillRef>
+          <a:effectRef idx="0">
+            <a:schemeClr val="accent1"/>
+          </a:effectRef>
+          <a:fontRef idx="minor">
+            <a:schemeClr val="tx1"/>
+          </a:fontRef>
+        </p:style>
+      </p:cxnSp>
+      <p:sp>
+        <p:nvSpPr>
+          <p:cNvPr id="18" name="Rectangle 17">
+            <a:extLst>
+              <a:ext uri="{FF2B5EF4-FFF2-40B4-BE49-F238E27FC236}">
+                <a16:creationId xmlns:a16="http://schemas.microsoft.com/office/drawing/2014/main" id="{6E0E55F0-318C-4459-AFA3-CA227E8A62B9}"/>
+              </a:ext>
+            </a:extLst>
+          </p:cNvPr>
+          <p:cNvSpPr/>
+          <p:nvPr/>
+        </p:nvSpPr>
+        <p:spPr>
+          <a:xfrm>
+            <a:off x="3805726" y="465861"/>
+            <a:ext cx="783101" cy="379603"/>
+          </a:xfrm>
+          <a:prstGeom prst="rect">
+            <a:avLst/>
+          </a:prstGeom>
+          <a:solidFill>
+            <a:schemeClr val="accent5">
+              <a:lumMod val="20000"/>
+              <a:lumOff val="80000"/>
+            </a:schemeClr>
+          </a:solidFill>
+        </p:spPr>
+        <p:style>
+          <a:lnRef idx="2">
+            <a:schemeClr val="accent1">
+              <a:shade val="50000"/>
+            </a:schemeClr>
+          </a:lnRef>
+          <a:fillRef idx="1">
+            <a:schemeClr val="accent1"/>
+          </a:fillRef>
+          <a:effectRef idx="0">
+            <a:schemeClr val="accent1"/>
+          </a:effectRef>
+          <a:fontRef idx="minor">
+            <a:schemeClr val="lt1"/>
+          </a:fontRef>
+        </p:style>
+        <p:txBody>
+          <a:bodyPr rtlCol="0" anchor="ctr"/>
+          <a:lstStyle/>
+          <a:p>
+            <a:pPr algn="ctr"/>
+            <a:r>
+              <a:rPr lang="en-US" sz="1100" dirty="0">
+                <a:solidFill>
+                  <a:schemeClr val="tx1"/>
+                </a:solidFill>
+                <a:latin typeface="Times New Roman" panose="02020603050405020304" pitchFamily="18" charset="0"/>
+                <a:cs typeface="Times New Roman" panose="02020603050405020304" pitchFamily="18" charset="0"/>
+              </a:rPr>
+              <a:t>Data scrapping</a:t>
+            </a:r>
+          </a:p>
+        </p:txBody>
+      </p:sp>
+      <p:cxnSp>
+        <p:nvCxnSpPr>
+          <p:cNvPr id="20" name="Connector: Elbow 19">
+            <a:extLst>
+              <a:ext uri="{FF2B5EF4-FFF2-40B4-BE49-F238E27FC236}">
+                <a16:creationId xmlns:a16="http://schemas.microsoft.com/office/drawing/2014/main" id="{4D4CA91D-8E51-4F1A-ADA4-D3EB33C0B260}"/>
+              </a:ext>
+            </a:extLst>
+          </p:cNvPr>
+          <p:cNvCxnSpPr>
+            <a:cxnSpLocks/>
+            <a:stCxn id="8" idx="0"/>
+            <a:endCxn id="18" idx="1"/>
+          </p:cNvCxnSpPr>
+          <p:nvPr/>
+        </p:nvCxnSpPr>
+        <p:spPr>
+          <a:xfrm rot="5400000" flipH="1" flipV="1">
+            <a:off x="3239356" y="489066"/>
+            <a:ext cx="399772" cy="732967"/>
+          </a:xfrm>
+          <a:prstGeom prst="bentConnector2">
+            <a:avLst/>
+          </a:prstGeom>
+          <a:ln>
+            <a:tailEnd type="triangle"/>
+          </a:ln>
+        </p:spPr>
+        <p:style>
+          <a:lnRef idx="1">
+            <a:schemeClr val="dk1"/>
+          </a:lnRef>
+          <a:fillRef idx="0">
+            <a:schemeClr val="dk1"/>
+          </a:fillRef>
+          <a:effectRef idx="0">
+            <a:schemeClr val="dk1"/>
+          </a:effectRef>
+          <a:fontRef idx="minor">
+            <a:schemeClr val="tx1"/>
+          </a:fontRef>
+        </p:style>
+      </p:cxnSp>
+      <p:cxnSp>
+        <p:nvCxnSpPr>
+          <p:cNvPr id="29" name="Straight Arrow Connector 28">
+            <a:extLst>
+              <a:ext uri="{FF2B5EF4-FFF2-40B4-BE49-F238E27FC236}">
+                <a16:creationId xmlns:a16="http://schemas.microsoft.com/office/drawing/2014/main" id="{6E9E363A-E7C1-4224-909A-19737E8A05E4}"/>
+              </a:ext>
+            </a:extLst>
+          </p:cNvPr>
+          <p:cNvCxnSpPr>
+            <a:cxnSpLocks/>
+            <a:stCxn id="18" idx="2"/>
+            <a:endCxn id="32" idx="0"/>
+          </p:cNvCxnSpPr>
+          <p:nvPr/>
+        </p:nvCxnSpPr>
+        <p:spPr>
+          <a:xfrm>
+            <a:off x="4197277" y="845464"/>
+            <a:ext cx="1" cy="331220"/>
+          </a:xfrm>
+          <a:prstGeom prst="straightConnector1">
+            <a:avLst/>
+          </a:prstGeom>
+          <a:ln>
+            <a:tailEnd type="triangle"/>
+          </a:ln>
+        </p:spPr>
+        <p:style>
+          <a:lnRef idx="1">
+            <a:schemeClr val="dk1"/>
+          </a:lnRef>
+          <a:fillRef idx="0">
+            <a:schemeClr val="dk1"/>
+          </a:fillRef>
+          <a:effectRef idx="0">
+            <a:schemeClr val="dk1"/>
+          </a:effectRef>
+          <a:fontRef idx="minor">
+            <a:schemeClr val="tx1"/>
+          </a:fontRef>
+        </p:style>
+      </p:cxnSp>
+      <p:sp>
+        <p:nvSpPr>
+          <p:cNvPr id="32" name="Flowchart: Alternate Process 31">
+            <a:extLst>
+              <a:ext uri="{FF2B5EF4-FFF2-40B4-BE49-F238E27FC236}">
+                <a16:creationId xmlns:a16="http://schemas.microsoft.com/office/drawing/2014/main" id="{B538DCEC-946C-4530-B703-DD13976E069B}"/>
+              </a:ext>
+            </a:extLst>
+          </p:cNvPr>
+          <p:cNvSpPr/>
+          <p:nvPr/>
+        </p:nvSpPr>
+        <p:spPr>
+          <a:xfrm>
+            <a:off x="3805728" y="1176684"/>
+            <a:ext cx="783100" cy="379602"/>
+          </a:xfrm>
+          <a:prstGeom prst="flowChartAlternateProcess">
+            <a:avLst/>
+          </a:prstGeom>
+          <a:solidFill>
+            <a:schemeClr val="accent3">
+              <a:lumMod val="20000"/>
+              <a:lumOff val="80000"/>
+            </a:schemeClr>
+          </a:solidFill>
+          <a:ln>
+            <a:solidFill>
+              <a:schemeClr val="tx1">
+                <a:lumMod val="50000"/>
+                <a:lumOff val="50000"/>
+              </a:schemeClr>
+            </a:solidFill>
+          </a:ln>
+        </p:spPr>
+        <p:style>
+          <a:lnRef idx="2">
+            <a:schemeClr val="accent1">
+              <a:shade val="50000"/>
+            </a:schemeClr>
+          </a:lnRef>
+          <a:fillRef idx="1">
+            <a:schemeClr val="accent1"/>
+          </a:fillRef>
+          <a:effectRef idx="0">
+            <a:schemeClr val="accent1"/>
+          </a:effectRef>
+          <a:fontRef idx="minor">
+            <a:schemeClr val="lt1"/>
+          </a:fontRef>
+        </p:style>
+        <p:txBody>
+          <a:bodyPr rtlCol="0" anchor="ctr"/>
+          <a:lstStyle/>
+          <a:p>
+            <a:pPr algn="ctr"/>
+            <a:r>
+              <a:rPr lang="en-US" sz="900" dirty="0">
+                <a:solidFill>
+                  <a:schemeClr val="tx1"/>
+                </a:solidFill>
+                <a:latin typeface="Times New Roman" panose="02020603050405020304" pitchFamily="18" charset="0"/>
+                <a:cs typeface="Times New Roman" panose="02020603050405020304" pitchFamily="18" charset="0"/>
+              </a:rPr>
+              <a:t>List of all data</a:t>
+            </a:r>
+          </a:p>
+        </p:txBody>
+      </p:sp>
+      <p:sp>
+        <p:nvSpPr>
+          <p:cNvPr id="33" name="Rectangle 32">
+            <a:extLst>
+              <a:ext uri="{FF2B5EF4-FFF2-40B4-BE49-F238E27FC236}">
+                <a16:creationId xmlns:a16="http://schemas.microsoft.com/office/drawing/2014/main" id="{982C4089-4716-4A15-BCC4-AD200361A669}"/>
+              </a:ext>
+            </a:extLst>
+          </p:cNvPr>
+          <p:cNvSpPr/>
+          <p:nvPr/>
+        </p:nvSpPr>
+        <p:spPr>
+          <a:xfrm>
+            <a:off x="4865372" y="1130545"/>
+            <a:ext cx="904868" cy="471880"/>
+          </a:xfrm>
+          <a:prstGeom prst="rect">
+            <a:avLst/>
+          </a:prstGeom>
+          <a:solidFill>
+            <a:schemeClr val="accent5">
+              <a:lumMod val="20000"/>
+              <a:lumOff val="80000"/>
+            </a:schemeClr>
+          </a:solidFill>
+        </p:spPr>
+        <p:style>
+          <a:lnRef idx="2">
+            <a:schemeClr val="accent1">
+              <a:shade val="50000"/>
+            </a:schemeClr>
+          </a:lnRef>
+          <a:fillRef idx="1">
+            <a:schemeClr val="accent1"/>
+          </a:fillRef>
+          <a:effectRef idx="0">
+            <a:schemeClr val="accent1"/>
+          </a:effectRef>
+          <a:fontRef idx="minor">
+            <a:schemeClr val="lt1"/>
+          </a:fontRef>
+        </p:style>
+        <p:txBody>
+          <a:bodyPr rtlCol="0" anchor="ctr"/>
+          <a:lstStyle/>
+          <a:p>
+            <a:pPr algn="ctr"/>
+            <a:r>
+              <a:rPr lang="en-US" sz="1100" dirty="0">
+                <a:solidFill>
+                  <a:schemeClr val="tx1"/>
+                </a:solidFill>
+                <a:latin typeface="Times New Roman" panose="02020603050405020304" pitchFamily="18" charset="0"/>
+                <a:cs typeface="Times New Roman" panose="02020603050405020304" pitchFamily="18" charset="0"/>
+              </a:rPr>
+              <a:t>Preliminary analysis</a:t>
+            </a:r>
+          </a:p>
+        </p:txBody>
+      </p:sp>
+      <p:cxnSp>
+        <p:nvCxnSpPr>
+          <p:cNvPr id="34" name="Straight Arrow Connector 33">
+            <a:extLst>
+              <a:ext uri="{FF2B5EF4-FFF2-40B4-BE49-F238E27FC236}">
+                <a16:creationId xmlns:a16="http://schemas.microsoft.com/office/drawing/2014/main" id="{847C8BFE-EF05-458E-B54D-B84A45027D1A}"/>
+              </a:ext>
+            </a:extLst>
+          </p:cNvPr>
+          <p:cNvCxnSpPr>
+            <a:cxnSpLocks/>
+            <a:stCxn id="32" idx="3"/>
+            <a:endCxn id="33" idx="1"/>
+          </p:cNvCxnSpPr>
+          <p:nvPr/>
+        </p:nvCxnSpPr>
+        <p:spPr>
+          <a:xfrm>
+            <a:off x="4588828" y="1366485"/>
+            <a:ext cx="276544" cy="0"/>
+          </a:xfrm>
+          <a:prstGeom prst="straightConnector1">
+            <a:avLst/>
+          </a:prstGeom>
+          <a:ln>
+            <a:tailEnd type="triangle"/>
+          </a:ln>
+        </p:spPr>
+        <p:style>
+          <a:lnRef idx="1">
+            <a:schemeClr val="accent2"/>
+          </a:lnRef>
+          <a:fillRef idx="0">
+            <a:schemeClr val="accent2"/>
+          </a:fillRef>
+          <a:effectRef idx="0">
+            <a:schemeClr val="accent2"/>
+          </a:effectRef>
+          <a:fontRef idx="minor">
+            <a:schemeClr val="tx1"/>
+          </a:fontRef>
+        </p:style>
+      </p:cxnSp>
+      <p:sp>
+        <p:nvSpPr>
+          <p:cNvPr id="58" name="Flowchart: Delay 57">
+            <a:extLst>
+              <a:ext uri="{FF2B5EF4-FFF2-40B4-BE49-F238E27FC236}">
+                <a16:creationId xmlns:a16="http://schemas.microsoft.com/office/drawing/2014/main" id="{3CA6B09A-0885-498A-92FD-36336BE93A63}"/>
+              </a:ext>
+            </a:extLst>
+          </p:cNvPr>
+          <p:cNvSpPr/>
+          <p:nvPr/>
+        </p:nvSpPr>
+        <p:spPr>
+          <a:xfrm>
+            <a:off x="7342553" y="1055435"/>
+            <a:ext cx="842570" cy="622100"/>
+          </a:xfrm>
+          <a:prstGeom prst="flowChartDelay">
+            <a:avLst/>
+          </a:prstGeom>
+        </p:spPr>
+        <p:style>
+          <a:lnRef idx="2">
+            <a:schemeClr val="accent1">
+              <a:shade val="50000"/>
+            </a:schemeClr>
+          </a:lnRef>
+          <a:fillRef idx="1">
+            <a:schemeClr val="accent1"/>
+          </a:fillRef>
+          <a:effectRef idx="0">
+            <a:schemeClr val="accent1"/>
+          </a:effectRef>
+          <a:fontRef idx="minor">
+            <a:schemeClr val="lt1"/>
+          </a:fontRef>
+        </p:style>
+        <p:txBody>
+          <a:bodyPr rtlCol="0" anchor="ctr"/>
+          <a:lstStyle/>
+          <a:p>
+            <a:r>
+              <a:rPr lang="en-US" sz="900" dirty="0">
+                <a:latin typeface="Times New Roman" panose="02020603050405020304" pitchFamily="18" charset="0"/>
+                <a:cs typeface="Times New Roman" panose="02020603050405020304" pitchFamily="18" charset="0"/>
+              </a:rPr>
+              <a:t>Any issues with the dataset?</a:t>
+            </a:r>
+          </a:p>
+        </p:txBody>
+      </p:sp>
+      <p:cxnSp>
+        <p:nvCxnSpPr>
+          <p:cNvPr id="60" name="Straight Arrow Connector 59">
+            <a:extLst>
+              <a:ext uri="{FF2B5EF4-FFF2-40B4-BE49-F238E27FC236}">
+                <a16:creationId xmlns:a16="http://schemas.microsoft.com/office/drawing/2014/main" id="{BD4C718B-058A-4D9E-92FD-2478DD60933B}"/>
+              </a:ext>
+            </a:extLst>
+          </p:cNvPr>
+          <p:cNvCxnSpPr>
+            <a:cxnSpLocks/>
+            <a:stCxn id="33" idx="3"/>
+            <a:endCxn id="85" idx="1"/>
+          </p:cNvCxnSpPr>
+          <p:nvPr/>
+        </p:nvCxnSpPr>
+        <p:spPr>
+          <a:xfrm flipV="1">
+            <a:off x="5770240" y="1192250"/>
+            <a:ext cx="379349" cy="174235"/>
+          </a:xfrm>
+          <a:prstGeom prst="straightConnector1">
+            <a:avLst/>
+          </a:prstGeom>
+          <a:ln>
+            <a:tailEnd type="triangle"/>
+          </a:ln>
+        </p:spPr>
+        <p:style>
+          <a:lnRef idx="1">
+            <a:schemeClr val="accent2"/>
+          </a:lnRef>
+          <a:fillRef idx="0">
+            <a:schemeClr val="accent2"/>
+          </a:fillRef>
+          <a:effectRef idx="0">
+            <a:schemeClr val="accent2"/>
+          </a:effectRef>
+          <a:fontRef idx="minor">
+            <a:schemeClr val="tx1"/>
+          </a:fontRef>
+        </p:style>
+      </p:cxnSp>
+      <p:sp>
+        <p:nvSpPr>
+          <p:cNvPr id="73" name="Rectangle 72">
+            <a:extLst>
+              <a:ext uri="{FF2B5EF4-FFF2-40B4-BE49-F238E27FC236}">
+                <a16:creationId xmlns:a16="http://schemas.microsoft.com/office/drawing/2014/main" id="{2CF6861F-6B57-4ED1-AD2C-EF2876CDD660}"/>
+              </a:ext>
+            </a:extLst>
+          </p:cNvPr>
+          <p:cNvSpPr/>
+          <p:nvPr/>
+        </p:nvSpPr>
+        <p:spPr>
+          <a:xfrm>
+            <a:off x="8622094" y="1130545"/>
+            <a:ext cx="1186924" cy="471880"/>
+          </a:xfrm>
+          <a:prstGeom prst="rect">
+            <a:avLst/>
+          </a:prstGeom>
+          <a:solidFill>
+            <a:schemeClr val="accent5">
+              <a:lumMod val="20000"/>
+              <a:lumOff val="80000"/>
+            </a:schemeClr>
+          </a:solidFill>
+        </p:spPr>
+        <p:style>
+          <a:lnRef idx="2">
+            <a:schemeClr val="accent1">
+              <a:shade val="50000"/>
+            </a:schemeClr>
+          </a:lnRef>
+          <a:fillRef idx="1">
+            <a:schemeClr val="accent1"/>
+          </a:fillRef>
+          <a:effectRef idx="0">
+            <a:schemeClr val="accent1"/>
+          </a:effectRef>
+          <a:fontRef idx="minor">
+            <a:schemeClr val="lt1"/>
+          </a:fontRef>
+        </p:style>
+        <p:txBody>
+          <a:bodyPr rtlCol="0" anchor="ctr"/>
+          <a:lstStyle/>
+          <a:p>
+            <a:pPr algn="ctr"/>
+            <a:r>
+              <a:rPr lang="en-US" sz="1100" dirty="0">
+                <a:solidFill>
+                  <a:schemeClr val="tx1"/>
+                </a:solidFill>
+                <a:latin typeface="Times New Roman" panose="02020603050405020304" pitchFamily="18" charset="0"/>
+                <a:cs typeface="Times New Roman" panose="02020603050405020304" pitchFamily="18" charset="0"/>
+              </a:rPr>
+              <a:t>Prepare data for analysis</a:t>
+            </a:r>
+          </a:p>
+        </p:txBody>
+      </p:sp>
+      <p:cxnSp>
+        <p:nvCxnSpPr>
+          <p:cNvPr id="75" name="Straight Arrow Connector 74">
+            <a:extLst>
+              <a:ext uri="{FF2B5EF4-FFF2-40B4-BE49-F238E27FC236}">
+                <a16:creationId xmlns:a16="http://schemas.microsoft.com/office/drawing/2014/main" id="{1AE3BE32-DF96-4B57-AB7F-39D98A854251}"/>
+              </a:ext>
+            </a:extLst>
+          </p:cNvPr>
+          <p:cNvCxnSpPr>
+            <a:cxnSpLocks/>
+            <a:stCxn id="58" idx="3"/>
+            <a:endCxn id="73" idx="1"/>
+          </p:cNvCxnSpPr>
+          <p:nvPr/>
+        </p:nvCxnSpPr>
+        <p:spPr>
+          <a:xfrm>
+            <a:off x="8185123" y="1366485"/>
+            <a:ext cx="436971" cy="0"/>
+          </a:xfrm>
+          <a:prstGeom prst="straightConnector1">
+            <a:avLst/>
+          </a:prstGeom>
+          <a:ln>
+            <a:tailEnd type="triangle"/>
+          </a:ln>
+        </p:spPr>
+        <p:style>
+          <a:lnRef idx="1">
+            <a:schemeClr val="accent2"/>
+          </a:lnRef>
+          <a:fillRef idx="0">
+            <a:schemeClr val="accent2"/>
+          </a:fillRef>
+          <a:effectRef idx="0">
+            <a:schemeClr val="accent2"/>
+          </a:effectRef>
+          <a:fontRef idx="minor">
+            <a:schemeClr val="tx1"/>
+          </a:fontRef>
+        </p:style>
+      </p:cxnSp>
+      <p:sp>
+        <p:nvSpPr>
+          <p:cNvPr id="77" name="TextBox 76">
+            <a:extLst>
+              <a:ext uri="{FF2B5EF4-FFF2-40B4-BE49-F238E27FC236}">
+                <a16:creationId xmlns:a16="http://schemas.microsoft.com/office/drawing/2014/main" id="{5875B268-C155-48BA-AB52-D2598C701B91}"/>
+              </a:ext>
+            </a:extLst>
+          </p:cNvPr>
+          <p:cNvSpPr txBox="1"/>
+          <p:nvPr/>
+        </p:nvSpPr>
+        <p:spPr>
+          <a:xfrm>
+            <a:off x="8192247" y="1107177"/>
+            <a:ext cx="391550" cy="246221"/>
+          </a:xfrm>
+          <a:prstGeom prst="rect">
+            <a:avLst/>
+          </a:prstGeom>
+          <a:noFill/>
+        </p:spPr>
+        <p:txBody>
+          <a:bodyPr wrap="square" rtlCol="0">
+            <a:spAutoFit/>
+          </a:bodyPr>
+          <a:lstStyle/>
+          <a:p>
+            <a:r>
+              <a:rPr lang="en-US" sz="1000" dirty="0">
+                <a:latin typeface="Times New Roman" panose="02020603050405020304" pitchFamily="18" charset="0"/>
+                <a:cs typeface="Times New Roman" panose="02020603050405020304" pitchFamily="18" charset="0"/>
+              </a:rPr>
+              <a:t>No</a:t>
+            </a:r>
+          </a:p>
+        </p:txBody>
+      </p:sp>
+      <p:sp>
+        <p:nvSpPr>
+          <p:cNvPr id="78" name="Rectangle 77">
+            <a:extLst>
+              <a:ext uri="{FF2B5EF4-FFF2-40B4-BE49-F238E27FC236}">
+                <a16:creationId xmlns:a16="http://schemas.microsoft.com/office/drawing/2014/main" id="{C4807B1E-B810-4C62-A51D-891E9B7E1324}"/>
+              </a:ext>
+            </a:extLst>
+          </p:cNvPr>
+          <p:cNvSpPr/>
+          <p:nvPr/>
+        </p:nvSpPr>
+        <p:spPr>
+          <a:xfrm>
+            <a:off x="134224" y="230167"/>
+            <a:ext cx="643598" cy="277834"/>
+          </a:xfrm>
+          <a:prstGeom prst="rect">
+            <a:avLst/>
+          </a:prstGeom>
+          <a:solidFill>
+            <a:schemeClr val="accent5">
+              <a:lumMod val="20000"/>
+              <a:lumOff val="80000"/>
+            </a:schemeClr>
+          </a:solidFill>
+        </p:spPr>
+        <p:style>
+          <a:lnRef idx="2">
+            <a:schemeClr val="accent1">
+              <a:shade val="50000"/>
+            </a:schemeClr>
+          </a:lnRef>
+          <a:fillRef idx="1">
+            <a:schemeClr val="accent1"/>
+          </a:fillRef>
+          <a:effectRef idx="0">
+            <a:schemeClr val="accent1"/>
+          </a:effectRef>
+          <a:fontRef idx="minor">
+            <a:schemeClr val="lt1"/>
+          </a:fontRef>
+        </p:style>
+        <p:txBody>
+          <a:bodyPr rtlCol="0" anchor="ctr"/>
+          <a:lstStyle/>
+          <a:p>
+            <a:pPr algn="ctr"/>
+            <a:r>
+              <a:rPr lang="en-US" sz="1100" dirty="0">
+                <a:solidFill>
+                  <a:schemeClr val="tx1"/>
+                </a:solidFill>
+                <a:latin typeface="Times New Roman" panose="02020603050405020304" pitchFamily="18" charset="0"/>
+                <a:cs typeface="Times New Roman" panose="02020603050405020304" pitchFamily="18" charset="0"/>
+              </a:rPr>
+              <a:t>Action</a:t>
+            </a:r>
+          </a:p>
+        </p:txBody>
+      </p:sp>
+      <p:sp>
+        <p:nvSpPr>
+          <p:cNvPr id="79" name="Flowchart: Alternate Process 78">
+            <a:extLst>
+              <a:ext uri="{FF2B5EF4-FFF2-40B4-BE49-F238E27FC236}">
+                <a16:creationId xmlns:a16="http://schemas.microsoft.com/office/drawing/2014/main" id="{D7686892-E3EC-4902-9951-21E23BA2277D}"/>
+              </a:ext>
+            </a:extLst>
+          </p:cNvPr>
+          <p:cNvSpPr/>
+          <p:nvPr/>
+        </p:nvSpPr>
+        <p:spPr>
+          <a:xfrm>
+            <a:off x="847488" y="230858"/>
+            <a:ext cx="678577" cy="277832"/>
+          </a:xfrm>
+          <a:prstGeom prst="flowChartAlternateProcess">
+            <a:avLst/>
+          </a:prstGeom>
+          <a:solidFill>
+            <a:schemeClr val="accent3">
+              <a:lumMod val="20000"/>
+              <a:lumOff val="80000"/>
+            </a:schemeClr>
+          </a:solidFill>
+          <a:ln>
+            <a:solidFill>
+              <a:schemeClr val="tx1">
+                <a:lumMod val="50000"/>
+                <a:lumOff val="50000"/>
+              </a:schemeClr>
+            </a:solidFill>
+          </a:ln>
+        </p:spPr>
+        <p:style>
+          <a:lnRef idx="2">
+            <a:schemeClr val="accent1">
+              <a:shade val="50000"/>
+            </a:schemeClr>
+          </a:lnRef>
+          <a:fillRef idx="1">
+            <a:schemeClr val="accent1"/>
+          </a:fillRef>
+          <a:effectRef idx="0">
+            <a:schemeClr val="accent1"/>
+          </a:effectRef>
+          <a:fontRef idx="minor">
+            <a:schemeClr val="lt1"/>
+          </a:fontRef>
+        </p:style>
+        <p:txBody>
+          <a:bodyPr rtlCol="0" anchor="ctr"/>
+          <a:lstStyle/>
+          <a:p>
+            <a:pPr algn="ctr"/>
+            <a:r>
+              <a:rPr lang="en-US" sz="900" dirty="0">
+                <a:solidFill>
+                  <a:schemeClr val="tx1"/>
+                </a:solidFill>
+                <a:latin typeface="Times New Roman" panose="02020603050405020304" pitchFamily="18" charset="0"/>
+                <a:cs typeface="Times New Roman" panose="02020603050405020304" pitchFamily="18" charset="0"/>
+              </a:rPr>
+              <a:t>Output</a:t>
+            </a:r>
+          </a:p>
+        </p:txBody>
+      </p:sp>
+      <p:sp>
+        <p:nvSpPr>
+          <p:cNvPr id="80" name="Flowchart: Delay 79">
+            <a:extLst>
+              <a:ext uri="{FF2B5EF4-FFF2-40B4-BE49-F238E27FC236}">
+                <a16:creationId xmlns:a16="http://schemas.microsoft.com/office/drawing/2014/main" id="{30F10666-E9C2-402D-8D15-BBBA7F46A3CD}"/>
+              </a:ext>
+            </a:extLst>
+          </p:cNvPr>
+          <p:cNvSpPr/>
+          <p:nvPr/>
+        </p:nvSpPr>
+        <p:spPr>
+          <a:xfrm>
+            <a:off x="1602832" y="240248"/>
+            <a:ext cx="751333" cy="277834"/>
+          </a:xfrm>
+          <a:prstGeom prst="flowChartDelay">
+            <a:avLst/>
+          </a:prstGeom>
+        </p:spPr>
+        <p:style>
+          <a:lnRef idx="2">
+            <a:schemeClr val="accent1">
+              <a:shade val="50000"/>
+            </a:schemeClr>
+          </a:lnRef>
+          <a:fillRef idx="1">
+            <a:schemeClr val="accent1"/>
+          </a:fillRef>
+          <a:effectRef idx="0">
+            <a:schemeClr val="accent1"/>
+          </a:effectRef>
+          <a:fontRef idx="minor">
+            <a:schemeClr val="lt1"/>
+          </a:fontRef>
+        </p:style>
+        <p:txBody>
+          <a:bodyPr rtlCol="0" anchor="ctr"/>
+          <a:lstStyle/>
+          <a:p>
+            <a:r>
+              <a:rPr lang="en-US" sz="900" dirty="0">
+                <a:latin typeface="Times New Roman" panose="02020603050405020304" pitchFamily="18" charset="0"/>
+                <a:cs typeface="Times New Roman" panose="02020603050405020304" pitchFamily="18" charset="0"/>
+              </a:rPr>
+              <a:t>Question for user</a:t>
+            </a:r>
+          </a:p>
+        </p:txBody>
+      </p:sp>
+      <p:sp>
+        <p:nvSpPr>
+          <p:cNvPr id="81" name="Rectangle 80">
+            <a:extLst>
+              <a:ext uri="{FF2B5EF4-FFF2-40B4-BE49-F238E27FC236}">
+                <a16:creationId xmlns:a16="http://schemas.microsoft.com/office/drawing/2014/main" id="{FCE1EB18-F5BB-452F-AE4F-87332FA3EFC8}"/>
+              </a:ext>
+            </a:extLst>
+          </p:cNvPr>
+          <p:cNvSpPr/>
+          <p:nvPr/>
+        </p:nvSpPr>
+        <p:spPr>
+          <a:xfrm>
+            <a:off x="74580" y="27708"/>
+            <a:ext cx="2396540" cy="842784"/>
+          </a:xfrm>
+          <a:prstGeom prst="rect">
+            <a:avLst/>
+          </a:prstGeom>
+          <a:noFill/>
+          <a:ln>
+            <a:solidFill>
+              <a:srgbClr val="FF0000"/>
+            </a:solidFill>
+          </a:ln>
+        </p:spPr>
+        <p:style>
+          <a:lnRef idx="2">
+            <a:schemeClr val="accent1">
+              <a:shade val="50000"/>
+            </a:schemeClr>
+          </a:lnRef>
+          <a:fillRef idx="1">
+            <a:schemeClr val="accent1"/>
+          </a:fillRef>
+          <a:effectRef idx="0">
+            <a:schemeClr val="accent1"/>
+          </a:effectRef>
+          <a:fontRef idx="minor">
+            <a:schemeClr val="lt1"/>
+          </a:fontRef>
+        </p:style>
+        <p:txBody>
+          <a:bodyPr rtlCol="0" anchor="ctr"/>
+          <a:lstStyle/>
+          <a:p>
+            <a:pPr algn="ctr"/>
+            <a:endParaRPr lang="en-US"/>
+          </a:p>
+        </p:txBody>
+      </p:sp>
+      <p:sp>
+        <p:nvSpPr>
+          <p:cNvPr id="82" name="TextBox 81">
+            <a:extLst>
+              <a:ext uri="{FF2B5EF4-FFF2-40B4-BE49-F238E27FC236}">
+                <a16:creationId xmlns:a16="http://schemas.microsoft.com/office/drawing/2014/main" id="{D8D9F7AF-FEC4-4AF7-BAC7-BFCCE2AFCB20}"/>
+              </a:ext>
+            </a:extLst>
+          </p:cNvPr>
+          <p:cNvSpPr txBox="1"/>
+          <p:nvPr/>
+        </p:nvSpPr>
+        <p:spPr>
+          <a:xfrm>
+            <a:off x="59478" y="2416"/>
+            <a:ext cx="666049" cy="246221"/>
+          </a:xfrm>
+          <a:prstGeom prst="rect">
+            <a:avLst/>
+          </a:prstGeom>
+          <a:noFill/>
+        </p:spPr>
+        <p:txBody>
+          <a:bodyPr wrap="square" rtlCol="0">
+            <a:spAutoFit/>
+          </a:bodyPr>
+          <a:lstStyle/>
+          <a:p>
+            <a:r>
+              <a:rPr lang="en-US" sz="1000" b="1" dirty="0">
+                <a:latin typeface="Times New Roman" panose="02020603050405020304" pitchFamily="18" charset="0"/>
+                <a:cs typeface="Times New Roman" panose="02020603050405020304" pitchFamily="18" charset="0"/>
+              </a:rPr>
+              <a:t>Legend</a:t>
+            </a:r>
+          </a:p>
+        </p:txBody>
+      </p:sp>
+      <p:sp>
+        <p:nvSpPr>
+          <p:cNvPr id="85" name="Flowchart: Alternate Process 84">
+            <a:extLst>
+              <a:ext uri="{FF2B5EF4-FFF2-40B4-BE49-F238E27FC236}">
+                <a16:creationId xmlns:a16="http://schemas.microsoft.com/office/drawing/2014/main" id="{7F8E7699-E7C3-4AE1-8687-7D820A5C3719}"/>
+              </a:ext>
+            </a:extLst>
+          </p:cNvPr>
+          <p:cNvSpPr/>
+          <p:nvPr/>
+        </p:nvSpPr>
+        <p:spPr>
+          <a:xfrm>
+            <a:off x="6149589" y="1002449"/>
+            <a:ext cx="858242" cy="379602"/>
+          </a:xfrm>
+          <a:prstGeom prst="flowChartAlternateProcess">
+            <a:avLst/>
+          </a:prstGeom>
+          <a:solidFill>
+            <a:schemeClr val="accent3">
+              <a:lumMod val="20000"/>
+              <a:lumOff val="80000"/>
+            </a:schemeClr>
+          </a:solidFill>
+          <a:ln>
+            <a:solidFill>
+              <a:schemeClr val="tx1">
+                <a:lumMod val="50000"/>
+                <a:lumOff val="50000"/>
+              </a:schemeClr>
+            </a:solidFill>
+          </a:ln>
+        </p:spPr>
+        <p:style>
+          <a:lnRef idx="2">
+            <a:schemeClr val="accent1">
+              <a:shade val="50000"/>
+            </a:schemeClr>
+          </a:lnRef>
+          <a:fillRef idx="1">
+            <a:schemeClr val="accent1"/>
+          </a:fillRef>
+          <a:effectRef idx="0">
+            <a:schemeClr val="accent1"/>
+          </a:effectRef>
+          <a:fontRef idx="minor">
+            <a:schemeClr val="lt1"/>
+          </a:fontRef>
+        </p:style>
+        <p:txBody>
+          <a:bodyPr rtlCol="0" anchor="ctr"/>
+          <a:lstStyle/>
+          <a:p>
+            <a:pPr algn="ctr"/>
+            <a:r>
+              <a:rPr lang="en-US" sz="900" dirty="0">
+                <a:solidFill>
+                  <a:schemeClr val="tx1"/>
+                </a:solidFill>
+                <a:latin typeface="Times New Roman" panose="02020603050405020304" pitchFamily="18" charset="0"/>
+                <a:cs typeface="Times New Roman" panose="02020603050405020304" pitchFamily="18" charset="0"/>
+              </a:rPr>
+              <a:t>Descriptive analysis</a:t>
+            </a:r>
+          </a:p>
+        </p:txBody>
+      </p:sp>
+      <p:sp>
+        <p:nvSpPr>
+          <p:cNvPr id="86" name="Flowchart: Alternate Process 85">
+            <a:extLst>
+              <a:ext uri="{FF2B5EF4-FFF2-40B4-BE49-F238E27FC236}">
+                <a16:creationId xmlns:a16="http://schemas.microsoft.com/office/drawing/2014/main" id="{753746BE-EF6F-411D-9019-E81BAFCBE625}"/>
+              </a:ext>
+            </a:extLst>
+          </p:cNvPr>
+          <p:cNvSpPr/>
+          <p:nvPr/>
+        </p:nvSpPr>
+        <p:spPr>
+          <a:xfrm>
+            <a:off x="6165911" y="1427196"/>
+            <a:ext cx="842569" cy="379602"/>
+          </a:xfrm>
+          <a:prstGeom prst="flowChartAlternateProcess">
+            <a:avLst/>
+          </a:prstGeom>
+          <a:solidFill>
+            <a:schemeClr val="accent3">
+              <a:lumMod val="20000"/>
+              <a:lumOff val="80000"/>
+            </a:schemeClr>
+          </a:solidFill>
+          <a:ln>
+            <a:solidFill>
+              <a:schemeClr val="tx1">
+                <a:lumMod val="50000"/>
+                <a:lumOff val="50000"/>
+              </a:schemeClr>
+            </a:solidFill>
+          </a:ln>
+        </p:spPr>
+        <p:style>
+          <a:lnRef idx="2">
+            <a:schemeClr val="accent1">
+              <a:shade val="50000"/>
+            </a:schemeClr>
+          </a:lnRef>
+          <a:fillRef idx="1">
+            <a:schemeClr val="accent1"/>
+          </a:fillRef>
+          <a:effectRef idx="0">
+            <a:schemeClr val="accent1"/>
+          </a:effectRef>
+          <a:fontRef idx="minor">
+            <a:schemeClr val="lt1"/>
+          </a:fontRef>
+        </p:style>
+        <p:txBody>
+          <a:bodyPr rtlCol="0" anchor="ctr"/>
+          <a:lstStyle/>
+          <a:p>
+            <a:pPr algn="ctr"/>
+            <a:r>
+              <a:rPr lang="en-US" sz="900" dirty="0">
+                <a:solidFill>
+                  <a:schemeClr val="tx1"/>
+                </a:solidFill>
+                <a:latin typeface="Times New Roman" panose="02020603050405020304" pitchFamily="18" charset="0"/>
+                <a:cs typeface="Times New Roman" panose="02020603050405020304" pitchFamily="18" charset="0"/>
+              </a:rPr>
+              <a:t>Plot visualization</a:t>
+            </a:r>
+          </a:p>
+        </p:txBody>
+      </p:sp>
+      <p:cxnSp>
+        <p:nvCxnSpPr>
+          <p:cNvPr id="91" name="Straight Arrow Connector 90">
+            <a:extLst>
+              <a:ext uri="{FF2B5EF4-FFF2-40B4-BE49-F238E27FC236}">
+                <a16:creationId xmlns:a16="http://schemas.microsoft.com/office/drawing/2014/main" id="{E2761D00-8B17-4791-8456-A2960E0725A0}"/>
+              </a:ext>
+            </a:extLst>
+          </p:cNvPr>
+          <p:cNvCxnSpPr>
+            <a:stCxn id="33" idx="3"/>
+            <a:endCxn id="86" idx="1"/>
+          </p:cNvCxnSpPr>
+          <p:nvPr/>
+        </p:nvCxnSpPr>
+        <p:spPr>
+          <a:xfrm>
+            <a:off x="5770240" y="1366485"/>
+            <a:ext cx="395671" cy="250512"/>
+          </a:xfrm>
+          <a:prstGeom prst="straightConnector1">
+            <a:avLst/>
+          </a:prstGeom>
+          <a:ln>
+            <a:tailEnd type="triangle"/>
+          </a:ln>
+        </p:spPr>
+        <p:style>
+          <a:lnRef idx="1">
+            <a:schemeClr val="accent2"/>
+          </a:lnRef>
+          <a:fillRef idx="0">
+            <a:schemeClr val="accent2"/>
+          </a:fillRef>
+          <a:effectRef idx="0">
+            <a:schemeClr val="accent2"/>
+          </a:effectRef>
+          <a:fontRef idx="minor">
+            <a:schemeClr val="tx1"/>
+          </a:fontRef>
+        </p:style>
+      </p:cxnSp>
+      <p:cxnSp>
+        <p:nvCxnSpPr>
+          <p:cNvPr id="95" name="Straight Arrow Connector 94">
+            <a:extLst>
+              <a:ext uri="{FF2B5EF4-FFF2-40B4-BE49-F238E27FC236}">
+                <a16:creationId xmlns:a16="http://schemas.microsoft.com/office/drawing/2014/main" id="{C015A9D3-FA34-4161-A9FD-E3F2BCE4084A}"/>
+              </a:ext>
+            </a:extLst>
+          </p:cNvPr>
+          <p:cNvCxnSpPr>
+            <a:stCxn id="85" idx="3"/>
+            <a:endCxn id="58" idx="1"/>
+          </p:cNvCxnSpPr>
+          <p:nvPr/>
+        </p:nvCxnSpPr>
+        <p:spPr>
+          <a:xfrm>
+            <a:off x="7007831" y="1192250"/>
+            <a:ext cx="334722" cy="174235"/>
+          </a:xfrm>
+          <a:prstGeom prst="straightConnector1">
+            <a:avLst/>
+          </a:prstGeom>
+          <a:ln>
+            <a:tailEnd type="triangle"/>
+          </a:ln>
+        </p:spPr>
+        <p:style>
+          <a:lnRef idx="1">
+            <a:schemeClr val="accent2"/>
+          </a:lnRef>
+          <a:fillRef idx="0">
+            <a:schemeClr val="accent2"/>
+          </a:fillRef>
+          <a:effectRef idx="0">
+            <a:schemeClr val="accent2"/>
+          </a:effectRef>
+          <a:fontRef idx="minor">
+            <a:schemeClr val="tx1"/>
+          </a:fontRef>
+        </p:style>
+      </p:cxnSp>
+      <p:cxnSp>
+        <p:nvCxnSpPr>
+          <p:cNvPr id="97" name="Straight Arrow Connector 96">
+            <a:extLst>
+              <a:ext uri="{FF2B5EF4-FFF2-40B4-BE49-F238E27FC236}">
+                <a16:creationId xmlns:a16="http://schemas.microsoft.com/office/drawing/2014/main" id="{27012810-6FF0-4AA8-AAB4-5D87DC0D1853}"/>
+              </a:ext>
+            </a:extLst>
+          </p:cNvPr>
+          <p:cNvCxnSpPr>
+            <a:stCxn id="86" idx="3"/>
+            <a:endCxn id="58" idx="1"/>
+          </p:cNvCxnSpPr>
+          <p:nvPr/>
+        </p:nvCxnSpPr>
+        <p:spPr>
+          <a:xfrm flipV="1">
+            <a:off x="7008480" y="1366485"/>
+            <a:ext cx="334073" cy="250512"/>
+          </a:xfrm>
+          <a:prstGeom prst="straightConnector1">
+            <a:avLst/>
+          </a:prstGeom>
+          <a:ln>
+            <a:tailEnd type="triangle"/>
+          </a:ln>
+        </p:spPr>
+        <p:style>
+          <a:lnRef idx="1">
+            <a:schemeClr val="accent2"/>
+          </a:lnRef>
+          <a:fillRef idx="0">
+            <a:schemeClr val="accent2"/>
+          </a:fillRef>
+          <a:effectRef idx="0">
+            <a:schemeClr val="accent2"/>
+          </a:effectRef>
+          <a:fontRef idx="minor">
+            <a:schemeClr val="tx1"/>
+          </a:fontRef>
+        </p:style>
+      </p:cxnSp>
+      <p:sp>
+        <p:nvSpPr>
+          <p:cNvPr id="106" name="Rectangle 105">
+            <a:extLst>
+              <a:ext uri="{FF2B5EF4-FFF2-40B4-BE49-F238E27FC236}">
+                <a16:creationId xmlns:a16="http://schemas.microsoft.com/office/drawing/2014/main" id="{55EC9F8F-F5D6-4CC7-B953-79FB6149B067}"/>
+              </a:ext>
+            </a:extLst>
+          </p:cNvPr>
+          <p:cNvSpPr/>
+          <p:nvPr/>
+        </p:nvSpPr>
+        <p:spPr>
+          <a:xfrm>
+            <a:off x="7278929" y="271864"/>
+            <a:ext cx="969818" cy="379603"/>
+          </a:xfrm>
+          <a:prstGeom prst="rect">
+            <a:avLst/>
+          </a:prstGeom>
+          <a:solidFill>
+            <a:schemeClr val="accent5">
+              <a:lumMod val="20000"/>
+              <a:lumOff val="80000"/>
+            </a:schemeClr>
+          </a:solidFill>
+        </p:spPr>
+        <p:style>
+          <a:lnRef idx="2">
+            <a:schemeClr val="accent1">
+              <a:shade val="50000"/>
+            </a:schemeClr>
+          </a:lnRef>
+          <a:fillRef idx="1">
+            <a:schemeClr val="accent1"/>
+          </a:fillRef>
+          <a:effectRef idx="0">
+            <a:schemeClr val="accent1"/>
+          </a:effectRef>
+          <a:fontRef idx="minor">
+            <a:schemeClr val="lt1"/>
+          </a:fontRef>
+        </p:style>
+        <p:txBody>
+          <a:bodyPr rtlCol="0" anchor="ctr"/>
+          <a:lstStyle/>
+          <a:p>
+            <a:pPr algn="ctr"/>
+            <a:r>
+              <a:rPr lang="en-US" sz="1100" dirty="0">
+                <a:solidFill>
+                  <a:schemeClr val="tx1"/>
+                </a:solidFill>
+                <a:latin typeface="Times New Roman" panose="02020603050405020304" pitchFamily="18" charset="0"/>
+                <a:cs typeface="Times New Roman" panose="02020603050405020304" pitchFamily="18" charset="0"/>
+              </a:rPr>
+              <a:t>Fill in missing data</a:t>
+            </a:r>
+          </a:p>
+        </p:txBody>
+      </p:sp>
+      <p:cxnSp>
+        <p:nvCxnSpPr>
+          <p:cNvPr id="108" name="Straight Arrow Connector 107">
+            <a:extLst>
+              <a:ext uri="{FF2B5EF4-FFF2-40B4-BE49-F238E27FC236}">
+                <a16:creationId xmlns:a16="http://schemas.microsoft.com/office/drawing/2014/main" id="{E54F9706-4005-4D32-BAA2-01497088DFF8}"/>
+              </a:ext>
+            </a:extLst>
+          </p:cNvPr>
+          <p:cNvCxnSpPr>
+            <a:stCxn id="58" idx="0"/>
+            <a:endCxn id="106" idx="2"/>
+          </p:cNvCxnSpPr>
+          <p:nvPr/>
+        </p:nvCxnSpPr>
+        <p:spPr>
+          <a:xfrm flipV="1">
+            <a:off x="7763838" y="651467"/>
+            <a:ext cx="0" cy="403968"/>
+          </a:xfrm>
+          <a:prstGeom prst="straightConnector1">
+            <a:avLst/>
+          </a:prstGeom>
+          <a:ln>
+            <a:tailEnd type="triangle"/>
+          </a:ln>
+        </p:spPr>
+        <p:style>
+          <a:lnRef idx="1">
+            <a:schemeClr val="dk1"/>
+          </a:lnRef>
+          <a:fillRef idx="0">
+            <a:schemeClr val="dk1"/>
+          </a:fillRef>
+          <a:effectRef idx="0">
+            <a:schemeClr val="dk1"/>
+          </a:effectRef>
+          <a:fontRef idx="minor">
+            <a:schemeClr val="tx1"/>
+          </a:fontRef>
+        </p:style>
+      </p:cxnSp>
+      <p:sp>
+        <p:nvSpPr>
+          <p:cNvPr id="110" name="TextBox 109">
+            <a:extLst>
+              <a:ext uri="{FF2B5EF4-FFF2-40B4-BE49-F238E27FC236}">
+                <a16:creationId xmlns:a16="http://schemas.microsoft.com/office/drawing/2014/main" id="{1CB713B1-E01C-4BE4-9F9C-D6549E8B832E}"/>
+              </a:ext>
+            </a:extLst>
+          </p:cNvPr>
+          <p:cNvSpPr txBox="1"/>
+          <p:nvPr/>
+        </p:nvSpPr>
+        <p:spPr>
+          <a:xfrm>
+            <a:off x="7721358" y="687352"/>
+            <a:ext cx="674116" cy="400110"/>
+          </a:xfrm>
+          <a:prstGeom prst="rect">
+            <a:avLst/>
+          </a:prstGeom>
+          <a:noFill/>
+        </p:spPr>
+        <p:txBody>
+          <a:bodyPr wrap="square" rtlCol="0">
+            <a:spAutoFit/>
+          </a:bodyPr>
+          <a:lstStyle/>
+          <a:p>
+            <a:r>
+              <a:rPr lang="en-US" sz="1000" dirty="0">
+                <a:latin typeface="Times New Roman" panose="02020603050405020304" pitchFamily="18" charset="0"/>
+                <a:cs typeface="Times New Roman" panose="02020603050405020304" pitchFamily="18" charset="0"/>
+              </a:rPr>
+              <a:t>Missing data</a:t>
+            </a:r>
+          </a:p>
+        </p:txBody>
+      </p:sp>
+      <p:sp>
+        <p:nvSpPr>
+          <p:cNvPr id="111" name="Flowchart: Alternate Process 110">
+            <a:extLst>
+              <a:ext uri="{FF2B5EF4-FFF2-40B4-BE49-F238E27FC236}">
+                <a16:creationId xmlns:a16="http://schemas.microsoft.com/office/drawing/2014/main" id="{17413304-F8E2-45FC-A267-BBE75C7B1DBA}"/>
+              </a:ext>
+            </a:extLst>
+          </p:cNvPr>
+          <p:cNvSpPr/>
+          <p:nvPr/>
+        </p:nvSpPr>
+        <p:spPr>
+          <a:xfrm>
+            <a:off x="6158074" y="271865"/>
+            <a:ext cx="858242" cy="379602"/>
+          </a:xfrm>
+          <a:prstGeom prst="flowChartAlternateProcess">
+            <a:avLst/>
+          </a:prstGeom>
+          <a:solidFill>
+            <a:schemeClr val="accent3">
+              <a:lumMod val="20000"/>
+              <a:lumOff val="80000"/>
+            </a:schemeClr>
+          </a:solidFill>
+          <a:ln>
+            <a:solidFill>
+              <a:schemeClr val="tx1">
+                <a:lumMod val="50000"/>
+                <a:lumOff val="50000"/>
+              </a:schemeClr>
+            </a:solidFill>
+          </a:ln>
+        </p:spPr>
+        <p:style>
+          <a:lnRef idx="2">
+            <a:schemeClr val="accent1">
+              <a:shade val="50000"/>
+            </a:schemeClr>
+          </a:lnRef>
+          <a:fillRef idx="1">
+            <a:schemeClr val="accent1"/>
+          </a:fillRef>
+          <a:effectRef idx="0">
+            <a:schemeClr val="accent1"/>
+          </a:effectRef>
+          <a:fontRef idx="minor">
+            <a:schemeClr val="lt1"/>
+          </a:fontRef>
+        </p:style>
+        <p:txBody>
+          <a:bodyPr rtlCol="0" anchor="ctr"/>
+          <a:lstStyle/>
+          <a:p>
+            <a:pPr algn="ctr"/>
+            <a:r>
+              <a:rPr lang="en-US" sz="900" dirty="0">
+                <a:solidFill>
+                  <a:schemeClr val="tx1"/>
+                </a:solidFill>
+                <a:latin typeface="Times New Roman" panose="02020603050405020304" pitchFamily="18" charset="0"/>
+                <a:cs typeface="Times New Roman" panose="02020603050405020304" pitchFamily="18" charset="0"/>
+              </a:rPr>
+              <a:t>Develop ML to replace missing data</a:t>
+            </a:r>
+          </a:p>
+        </p:txBody>
+      </p:sp>
+      <p:cxnSp>
+        <p:nvCxnSpPr>
+          <p:cNvPr id="113" name="Straight Arrow Connector 112">
+            <a:extLst>
+              <a:ext uri="{FF2B5EF4-FFF2-40B4-BE49-F238E27FC236}">
+                <a16:creationId xmlns:a16="http://schemas.microsoft.com/office/drawing/2014/main" id="{073683AC-9E0E-41A1-9CFB-BD3AB4CE1883}"/>
+              </a:ext>
+            </a:extLst>
+          </p:cNvPr>
+          <p:cNvCxnSpPr>
+            <a:cxnSpLocks/>
+            <a:stCxn id="106" idx="1"/>
+            <a:endCxn id="111" idx="3"/>
+          </p:cNvCxnSpPr>
+          <p:nvPr/>
+        </p:nvCxnSpPr>
+        <p:spPr>
+          <a:xfrm flipH="1">
+            <a:off x="7016316" y="461666"/>
+            <a:ext cx="262613" cy="0"/>
+          </a:xfrm>
+          <a:prstGeom prst="straightConnector1">
+            <a:avLst/>
+          </a:prstGeom>
+          <a:ln>
+            <a:tailEnd type="triangle"/>
+          </a:ln>
+        </p:spPr>
+        <p:style>
+          <a:lnRef idx="1">
+            <a:schemeClr val="dk1"/>
+          </a:lnRef>
+          <a:fillRef idx="0">
+            <a:schemeClr val="dk1"/>
+          </a:fillRef>
+          <a:effectRef idx="0">
+            <a:schemeClr val="dk1"/>
+          </a:effectRef>
+          <a:fontRef idx="minor">
+            <a:schemeClr val="tx1"/>
+          </a:fontRef>
+        </p:style>
+      </p:cxnSp>
+      <p:cxnSp>
+        <p:nvCxnSpPr>
+          <p:cNvPr id="115" name="Connector: Elbow 114">
+            <a:extLst>
+              <a:ext uri="{FF2B5EF4-FFF2-40B4-BE49-F238E27FC236}">
+                <a16:creationId xmlns:a16="http://schemas.microsoft.com/office/drawing/2014/main" id="{2E99425A-6B9D-45C8-A9E3-5908AD090076}"/>
+              </a:ext>
+            </a:extLst>
+          </p:cNvPr>
+          <p:cNvCxnSpPr>
+            <a:stCxn id="111" idx="1"/>
+            <a:endCxn id="33" idx="0"/>
+          </p:cNvCxnSpPr>
+          <p:nvPr/>
+        </p:nvCxnSpPr>
+        <p:spPr>
+          <a:xfrm rot="10800000" flipV="1">
+            <a:off x="5317806" y="461665"/>
+            <a:ext cx="840268" cy="668879"/>
+          </a:xfrm>
+          <a:prstGeom prst="bentConnector2">
+            <a:avLst/>
+          </a:prstGeom>
+          <a:ln>
+            <a:tailEnd type="triangle"/>
+          </a:ln>
+        </p:spPr>
+        <p:style>
+          <a:lnRef idx="1">
+            <a:schemeClr val="accent2"/>
+          </a:lnRef>
+          <a:fillRef idx="0">
+            <a:schemeClr val="accent2"/>
+          </a:fillRef>
+          <a:effectRef idx="0">
+            <a:schemeClr val="accent2"/>
+          </a:effectRef>
+          <a:fontRef idx="minor">
+            <a:schemeClr val="tx1"/>
+          </a:fontRef>
+        </p:style>
+      </p:cxnSp>
+      <p:cxnSp>
+        <p:nvCxnSpPr>
+          <p:cNvPr id="119" name="Straight Arrow Connector 118">
+            <a:extLst>
+              <a:ext uri="{FF2B5EF4-FFF2-40B4-BE49-F238E27FC236}">
+                <a16:creationId xmlns:a16="http://schemas.microsoft.com/office/drawing/2014/main" id="{A3BF9181-BF95-43C6-9103-F4D9ECF26957}"/>
+              </a:ext>
+            </a:extLst>
+          </p:cNvPr>
+          <p:cNvCxnSpPr>
+            <a:cxnSpLocks/>
+            <a:stCxn id="58" idx="2"/>
+          </p:cNvCxnSpPr>
+          <p:nvPr/>
+        </p:nvCxnSpPr>
+        <p:spPr>
+          <a:xfrm>
+            <a:off x="7763838" y="1677535"/>
+            <a:ext cx="0" cy="350981"/>
+          </a:xfrm>
+          <a:prstGeom prst="straightConnector1">
+            <a:avLst/>
+          </a:prstGeom>
+          <a:ln>
+            <a:tailEnd type="triangle"/>
+          </a:ln>
+        </p:spPr>
+        <p:style>
+          <a:lnRef idx="1">
+            <a:schemeClr val="dk1"/>
+          </a:lnRef>
+          <a:fillRef idx="0">
+            <a:schemeClr val="dk1"/>
+          </a:fillRef>
+          <a:effectRef idx="0">
+            <a:schemeClr val="dk1"/>
+          </a:effectRef>
+          <a:fontRef idx="minor">
+            <a:schemeClr val="tx1"/>
+          </a:fontRef>
+        </p:style>
+      </p:cxnSp>
+      <p:sp>
+        <p:nvSpPr>
+          <p:cNvPr id="121" name="TextBox 120">
+            <a:extLst>
+              <a:ext uri="{FF2B5EF4-FFF2-40B4-BE49-F238E27FC236}">
+                <a16:creationId xmlns:a16="http://schemas.microsoft.com/office/drawing/2014/main" id="{EBF07640-2D12-443C-B2B6-045C21E523CA}"/>
+              </a:ext>
+            </a:extLst>
+          </p:cNvPr>
+          <p:cNvSpPr txBox="1"/>
+          <p:nvPr/>
+        </p:nvSpPr>
+        <p:spPr>
+          <a:xfrm>
+            <a:off x="7711711" y="1700158"/>
+            <a:ext cx="631633" cy="246221"/>
+          </a:xfrm>
+          <a:prstGeom prst="rect">
+            <a:avLst/>
+          </a:prstGeom>
+          <a:noFill/>
+        </p:spPr>
+        <p:txBody>
+          <a:bodyPr wrap="square" rtlCol="0">
+            <a:spAutoFit/>
+          </a:bodyPr>
+          <a:lstStyle/>
+          <a:p>
+            <a:r>
+              <a:rPr lang="en-US" sz="1000" dirty="0">
+                <a:latin typeface="Times New Roman" panose="02020603050405020304" pitchFamily="18" charset="0"/>
+                <a:cs typeface="Times New Roman" panose="02020603050405020304" pitchFamily="18" charset="0"/>
+              </a:rPr>
+              <a:t>Outliers</a:t>
+            </a:r>
+          </a:p>
+        </p:txBody>
+      </p:sp>
+      <p:sp>
+        <p:nvSpPr>
+          <p:cNvPr id="123" name="Flowchart: Delay 122">
+            <a:extLst>
+              <a:ext uri="{FF2B5EF4-FFF2-40B4-BE49-F238E27FC236}">
+                <a16:creationId xmlns:a16="http://schemas.microsoft.com/office/drawing/2014/main" id="{8B3A390D-7227-4697-83E6-28759B6FC1B0}"/>
+              </a:ext>
+            </a:extLst>
+          </p:cNvPr>
+          <p:cNvSpPr/>
+          <p:nvPr/>
+        </p:nvSpPr>
+        <p:spPr>
+          <a:xfrm>
+            <a:off x="7408060" y="2016713"/>
+            <a:ext cx="711556" cy="471880"/>
+          </a:xfrm>
+          <a:prstGeom prst="flowChartDelay">
+            <a:avLst/>
+          </a:prstGeom>
+        </p:spPr>
+        <p:style>
+          <a:lnRef idx="2">
+            <a:schemeClr val="accent1">
+              <a:shade val="50000"/>
+            </a:schemeClr>
+          </a:lnRef>
+          <a:fillRef idx="1">
+            <a:schemeClr val="accent1"/>
+          </a:fillRef>
+          <a:effectRef idx="0">
+            <a:schemeClr val="accent1"/>
+          </a:effectRef>
+          <a:fontRef idx="minor">
+            <a:schemeClr val="lt1"/>
+          </a:fontRef>
+        </p:style>
+        <p:txBody>
+          <a:bodyPr rtlCol="0" anchor="ctr"/>
+          <a:lstStyle/>
+          <a:p>
+            <a:r>
+              <a:rPr lang="en-US" sz="900" dirty="0">
+                <a:latin typeface="Times New Roman" panose="02020603050405020304" pitchFamily="18" charset="0"/>
+                <a:cs typeface="Times New Roman" panose="02020603050405020304" pitchFamily="18" charset="0"/>
+              </a:rPr>
+              <a:t>Is the outliers  valid ?</a:t>
+            </a:r>
+          </a:p>
+        </p:txBody>
+      </p:sp>
+      <p:sp>
+        <p:nvSpPr>
+          <p:cNvPr id="124" name="TextBox 123">
+            <a:extLst>
+              <a:ext uri="{FF2B5EF4-FFF2-40B4-BE49-F238E27FC236}">
+                <a16:creationId xmlns:a16="http://schemas.microsoft.com/office/drawing/2014/main" id="{CD3B0393-C7D2-45F0-BE0F-14CDC8D22734}"/>
+              </a:ext>
+            </a:extLst>
+          </p:cNvPr>
+          <p:cNvSpPr txBox="1"/>
+          <p:nvPr/>
+        </p:nvSpPr>
+        <p:spPr>
+          <a:xfrm>
+            <a:off x="7030381" y="2016713"/>
+            <a:ext cx="445812" cy="246221"/>
+          </a:xfrm>
+          <a:prstGeom prst="rect">
+            <a:avLst/>
+          </a:prstGeom>
+          <a:noFill/>
+        </p:spPr>
+        <p:txBody>
+          <a:bodyPr wrap="square" rtlCol="0">
+            <a:spAutoFit/>
+          </a:bodyPr>
+          <a:lstStyle/>
+          <a:p>
+            <a:r>
+              <a:rPr lang="en-US" sz="1000" dirty="0">
+                <a:latin typeface="Times New Roman" panose="02020603050405020304" pitchFamily="18" charset="0"/>
+                <a:cs typeface="Times New Roman" panose="02020603050405020304" pitchFamily="18" charset="0"/>
+              </a:rPr>
+              <a:t>No</a:t>
+            </a:r>
+          </a:p>
+        </p:txBody>
+      </p:sp>
+      <p:sp>
+        <p:nvSpPr>
+          <p:cNvPr id="125" name="Rectangle 124">
+            <a:extLst>
+              <a:ext uri="{FF2B5EF4-FFF2-40B4-BE49-F238E27FC236}">
+                <a16:creationId xmlns:a16="http://schemas.microsoft.com/office/drawing/2014/main" id="{4686FEDA-8C90-47B6-AFC6-3983A0EF548A}"/>
+              </a:ext>
+            </a:extLst>
+          </p:cNvPr>
+          <p:cNvSpPr/>
+          <p:nvPr/>
+        </p:nvSpPr>
+        <p:spPr>
+          <a:xfrm>
+            <a:off x="6187811" y="2016713"/>
+            <a:ext cx="842570" cy="471880"/>
+          </a:xfrm>
+          <a:prstGeom prst="rect">
+            <a:avLst/>
+          </a:prstGeom>
+          <a:solidFill>
+            <a:schemeClr val="accent5">
+              <a:lumMod val="20000"/>
+              <a:lumOff val="80000"/>
+            </a:schemeClr>
+          </a:solidFill>
+        </p:spPr>
+        <p:style>
+          <a:lnRef idx="2">
+            <a:schemeClr val="accent1">
+              <a:shade val="50000"/>
+            </a:schemeClr>
+          </a:lnRef>
+          <a:fillRef idx="1">
+            <a:schemeClr val="accent1"/>
+          </a:fillRef>
+          <a:effectRef idx="0">
+            <a:schemeClr val="accent1"/>
+          </a:effectRef>
+          <a:fontRef idx="minor">
+            <a:schemeClr val="lt1"/>
+          </a:fontRef>
+        </p:style>
+        <p:txBody>
+          <a:bodyPr rtlCol="0" anchor="ctr"/>
+          <a:lstStyle/>
+          <a:p>
+            <a:pPr algn="ctr"/>
+            <a:r>
+              <a:rPr lang="en-US" sz="1100" dirty="0">
+                <a:solidFill>
+                  <a:schemeClr val="tx1"/>
+                </a:solidFill>
+                <a:latin typeface="Times New Roman" panose="02020603050405020304" pitchFamily="18" charset="0"/>
+                <a:cs typeface="Times New Roman" panose="02020603050405020304" pitchFamily="18" charset="0"/>
+              </a:rPr>
+              <a:t>Drop the outliers</a:t>
+            </a:r>
+          </a:p>
+        </p:txBody>
+      </p:sp>
+      <p:cxnSp>
+        <p:nvCxnSpPr>
+          <p:cNvPr id="127" name="Straight Arrow Connector 126">
+            <a:extLst>
+              <a:ext uri="{FF2B5EF4-FFF2-40B4-BE49-F238E27FC236}">
+                <a16:creationId xmlns:a16="http://schemas.microsoft.com/office/drawing/2014/main" id="{83C3421F-852C-4EF0-8A98-C396F4399FA5}"/>
+              </a:ext>
+            </a:extLst>
+          </p:cNvPr>
+          <p:cNvCxnSpPr>
+            <a:stCxn id="123" idx="1"/>
+            <a:endCxn id="125" idx="3"/>
+          </p:cNvCxnSpPr>
+          <p:nvPr/>
+        </p:nvCxnSpPr>
+        <p:spPr>
+          <a:xfrm flipH="1">
+            <a:off x="7030381" y="2252653"/>
+            <a:ext cx="377679" cy="0"/>
+          </a:xfrm>
+          <a:prstGeom prst="straightConnector1">
+            <a:avLst/>
+          </a:prstGeom>
+          <a:ln>
+            <a:tailEnd type="triangle"/>
+          </a:ln>
+        </p:spPr>
+        <p:style>
+          <a:lnRef idx="1">
+            <a:schemeClr val="dk1"/>
+          </a:lnRef>
+          <a:fillRef idx="0">
+            <a:schemeClr val="dk1"/>
+          </a:fillRef>
+          <a:effectRef idx="0">
+            <a:schemeClr val="dk1"/>
+          </a:effectRef>
+          <a:fontRef idx="minor">
+            <a:schemeClr val="tx1"/>
+          </a:fontRef>
+        </p:style>
+      </p:cxnSp>
+      <p:cxnSp>
+        <p:nvCxnSpPr>
+          <p:cNvPr id="130" name="Connector: Elbow 129">
+            <a:extLst>
+              <a:ext uri="{FF2B5EF4-FFF2-40B4-BE49-F238E27FC236}">
+                <a16:creationId xmlns:a16="http://schemas.microsoft.com/office/drawing/2014/main" id="{B8146A29-D16D-431C-841D-AEB8186F6EC9}"/>
+              </a:ext>
+            </a:extLst>
+          </p:cNvPr>
+          <p:cNvCxnSpPr>
+            <a:stCxn id="125" idx="1"/>
+            <a:endCxn id="33" idx="2"/>
+          </p:cNvCxnSpPr>
+          <p:nvPr/>
+        </p:nvCxnSpPr>
+        <p:spPr>
+          <a:xfrm rot="10800000">
+            <a:off x="5317807" y="1602425"/>
+            <a:ext cx="870005" cy="650228"/>
+          </a:xfrm>
+          <a:prstGeom prst="bentConnector2">
+            <a:avLst/>
+          </a:prstGeom>
+          <a:ln>
+            <a:tailEnd type="triangle"/>
+          </a:ln>
+        </p:spPr>
+        <p:style>
+          <a:lnRef idx="1">
+            <a:schemeClr val="dk1"/>
+          </a:lnRef>
+          <a:fillRef idx="0">
+            <a:schemeClr val="dk1"/>
+          </a:fillRef>
+          <a:effectRef idx="0">
+            <a:schemeClr val="dk1"/>
+          </a:effectRef>
+          <a:fontRef idx="minor">
+            <a:schemeClr val="tx1"/>
+          </a:fontRef>
+        </p:style>
+      </p:cxnSp>
+      <p:cxnSp>
+        <p:nvCxnSpPr>
+          <p:cNvPr id="132" name="Connector: Elbow 131">
+            <a:extLst>
+              <a:ext uri="{FF2B5EF4-FFF2-40B4-BE49-F238E27FC236}">
+                <a16:creationId xmlns:a16="http://schemas.microsoft.com/office/drawing/2014/main" id="{BFE89DC5-267D-45C6-A6B0-DE317C7C8AFC}"/>
+              </a:ext>
+            </a:extLst>
+          </p:cNvPr>
+          <p:cNvCxnSpPr>
+            <a:cxnSpLocks/>
+            <a:stCxn id="123" idx="3"/>
+            <a:endCxn id="73" idx="2"/>
+          </p:cNvCxnSpPr>
+          <p:nvPr/>
+        </p:nvCxnSpPr>
+        <p:spPr>
+          <a:xfrm flipV="1">
+            <a:off x="8119616" y="1602425"/>
+            <a:ext cx="1095940" cy="650228"/>
+          </a:xfrm>
+          <a:prstGeom prst="bentConnector2">
+            <a:avLst/>
+          </a:prstGeom>
+          <a:ln>
+            <a:tailEnd type="triangle"/>
+          </a:ln>
+        </p:spPr>
+        <p:style>
+          <a:lnRef idx="1">
+            <a:schemeClr val="dk1"/>
+          </a:lnRef>
+          <a:fillRef idx="0">
+            <a:schemeClr val="dk1"/>
+          </a:fillRef>
+          <a:effectRef idx="0">
+            <a:schemeClr val="dk1"/>
+          </a:effectRef>
+          <a:fontRef idx="minor">
+            <a:schemeClr val="tx1"/>
+          </a:fontRef>
+        </p:style>
+      </p:cxnSp>
+      <p:sp>
+        <p:nvSpPr>
+          <p:cNvPr id="133" name="TextBox 132">
+            <a:extLst>
+              <a:ext uri="{FF2B5EF4-FFF2-40B4-BE49-F238E27FC236}">
+                <a16:creationId xmlns:a16="http://schemas.microsoft.com/office/drawing/2014/main" id="{7F606E06-6F50-46AA-B0F5-A87AFD3677D7}"/>
+              </a:ext>
+            </a:extLst>
+          </p:cNvPr>
+          <p:cNvSpPr txBox="1"/>
+          <p:nvPr/>
+        </p:nvSpPr>
+        <p:spPr>
+          <a:xfrm>
+            <a:off x="8080216" y="2034857"/>
+            <a:ext cx="391550" cy="246221"/>
+          </a:xfrm>
+          <a:prstGeom prst="rect">
+            <a:avLst/>
+          </a:prstGeom>
+          <a:noFill/>
+        </p:spPr>
+        <p:txBody>
+          <a:bodyPr wrap="square" rtlCol="0">
+            <a:spAutoFit/>
+          </a:bodyPr>
+          <a:lstStyle/>
+          <a:p>
+            <a:r>
+              <a:rPr lang="en-US" sz="1000" dirty="0">
+                <a:latin typeface="Times New Roman" panose="02020603050405020304" pitchFamily="18" charset="0"/>
+                <a:cs typeface="Times New Roman" panose="02020603050405020304" pitchFamily="18" charset="0"/>
+              </a:rPr>
+              <a:t>Yes</a:t>
+            </a:r>
+          </a:p>
+        </p:txBody>
+      </p:sp>
+      <p:sp>
+        <p:nvSpPr>
+          <p:cNvPr id="138" name="Rectangle 137">
+            <a:extLst>
+              <a:ext uri="{FF2B5EF4-FFF2-40B4-BE49-F238E27FC236}">
+                <a16:creationId xmlns:a16="http://schemas.microsoft.com/office/drawing/2014/main" id="{ECCC98D3-B5CC-4FEC-B854-944F7A1CA091}"/>
+              </a:ext>
+            </a:extLst>
+          </p:cNvPr>
+          <p:cNvSpPr/>
+          <p:nvPr/>
+        </p:nvSpPr>
+        <p:spPr>
+          <a:xfrm>
+            <a:off x="-7317" y="1556286"/>
+            <a:ext cx="1401645" cy="1214468"/>
+          </a:xfrm>
+          <a:prstGeom prst="rect">
+            <a:avLst/>
+          </a:prstGeom>
+          <a:noFill/>
+          <a:ln>
+            <a:noFill/>
+          </a:ln>
+        </p:spPr>
+        <p:style>
+          <a:lnRef idx="2">
+            <a:schemeClr val="accent1">
+              <a:shade val="50000"/>
+            </a:schemeClr>
+          </a:lnRef>
+          <a:fillRef idx="1">
+            <a:schemeClr val="accent1"/>
+          </a:fillRef>
+          <a:effectRef idx="0">
+            <a:schemeClr val="accent1"/>
+          </a:effectRef>
+          <a:fontRef idx="minor">
+            <a:schemeClr val="lt1"/>
+          </a:fontRef>
+        </p:style>
+        <p:txBody>
+          <a:bodyPr rtlCol="0" anchor="ctr"/>
+          <a:lstStyle/>
+          <a:p>
+            <a:pPr marL="171450" indent="-171450">
+              <a:buFont typeface="Arial" panose="020B0604020202020204" pitchFamily="34" charset="0"/>
+              <a:buChar char="•"/>
+            </a:pPr>
+            <a:r>
+              <a:rPr lang="en-US" sz="800" dirty="0">
+                <a:solidFill>
+                  <a:schemeClr val="tx1"/>
+                </a:solidFill>
+                <a:latin typeface="Times New Roman" panose="02020603050405020304" pitchFamily="18" charset="0"/>
+                <a:cs typeface="Times New Roman" panose="02020603050405020304" pitchFamily="18" charset="0"/>
+              </a:rPr>
+              <a:t>Is analyte concentration higher in one catchment than the other?</a:t>
+            </a:r>
+          </a:p>
+          <a:p>
+            <a:pPr marL="171450" indent="-171450">
+              <a:buFont typeface="Arial" panose="020B0604020202020204" pitchFamily="34" charset="0"/>
+              <a:buChar char="•"/>
+            </a:pPr>
+            <a:r>
+              <a:rPr lang="en-US" sz="800" dirty="0">
+                <a:solidFill>
+                  <a:schemeClr val="tx1"/>
+                </a:solidFill>
+                <a:latin typeface="Times New Roman" panose="02020603050405020304" pitchFamily="18" charset="0"/>
+                <a:cs typeface="Times New Roman" panose="02020603050405020304" pitchFamily="18" charset="0"/>
+              </a:rPr>
+              <a:t>Is analyte load higher in one catchment than the other?</a:t>
+            </a:r>
+          </a:p>
+          <a:p>
+            <a:pPr marL="171450" indent="-171450">
+              <a:buFont typeface="Arial" panose="020B0604020202020204" pitchFamily="34" charset="0"/>
+              <a:buChar char="•"/>
+            </a:pPr>
+            <a:r>
+              <a:rPr lang="en-US" sz="800" dirty="0">
+                <a:solidFill>
+                  <a:schemeClr val="tx1"/>
+                </a:solidFill>
+                <a:latin typeface="Times New Roman" panose="02020603050405020304" pitchFamily="18" charset="0"/>
+                <a:cs typeface="Times New Roman" panose="02020603050405020304" pitchFamily="18" charset="0"/>
+              </a:rPr>
+              <a:t>How do flow, ppt, and temp affect analyte load?</a:t>
+            </a:r>
+          </a:p>
+        </p:txBody>
+      </p:sp>
+      <p:cxnSp>
+        <p:nvCxnSpPr>
+          <p:cNvPr id="144" name="Connector: Elbow 143">
+            <a:extLst>
+              <a:ext uri="{FF2B5EF4-FFF2-40B4-BE49-F238E27FC236}">
+                <a16:creationId xmlns:a16="http://schemas.microsoft.com/office/drawing/2014/main" id="{99FA4FDD-7FC4-4F09-A869-DE7D3D59FA8C}"/>
+              </a:ext>
+            </a:extLst>
+          </p:cNvPr>
+          <p:cNvCxnSpPr>
+            <a:cxnSpLocks/>
+            <a:stCxn id="73" idx="3"/>
+            <a:endCxn id="109" idx="0"/>
+          </p:cNvCxnSpPr>
+          <p:nvPr/>
+        </p:nvCxnSpPr>
+        <p:spPr>
+          <a:xfrm>
+            <a:off x="9809018" y="1366485"/>
+            <a:ext cx="49855" cy="2370361"/>
+          </a:xfrm>
+          <a:prstGeom prst="bentConnector2">
+            <a:avLst/>
+          </a:prstGeom>
+          <a:ln>
+            <a:tailEnd type="triangle"/>
+          </a:ln>
+        </p:spPr>
+        <p:style>
+          <a:lnRef idx="1">
+            <a:schemeClr val="accent2"/>
+          </a:lnRef>
+          <a:fillRef idx="0">
+            <a:schemeClr val="accent2"/>
+          </a:fillRef>
+          <a:effectRef idx="0">
+            <a:schemeClr val="accent2"/>
+          </a:effectRef>
+          <a:fontRef idx="minor">
+            <a:schemeClr val="tx1"/>
+          </a:fontRef>
+        </p:style>
+      </p:cxnSp>
+      <p:sp>
+        <p:nvSpPr>
+          <p:cNvPr id="154" name="Flowchart: Delay 153">
+            <a:extLst>
+              <a:ext uri="{FF2B5EF4-FFF2-40B4-BE49-F238E27FC236}">
+                <a16:creationId xmlns:a16="http://schemas.microsoft.com/office/drawing/2014/main" id="{9E28C6C5-A702-44B4-9E4B-71FE6C346123}"/>
+              </a:ext>
+            </a:extLst>
+          </p:cNvPr>
+          <p:cNvSpPr/>
+          <p:nvPr/>
+        </p:nvSpPr>
+        <p:spPr>
+          <a:xfrm>
+            <a:off x="9860752" y="4536061"/>
+            <a:ext cx="711556" cy="471880"/>
+          </a:xfrm>
+          <a:prstGeom prst="flowChartDelay">
+            <a:avLst/>
+          </a:prstGeom>
+        </p:spPr>
+        <p:style>
+          <a:lnRef idx="2">
+            <a:schemeClr val="accent1">
+              <a:shade val="50000"/>
+            </a:schemeClr>
+          </a:lnRef>
+          <a:fillRef idx="1">
+            <a:schemeClr val="accent1"/>
+          </a:fillRef>
+          <a:effectRef idx="0">
+            <a:schemeClr val="accent1"/>
+          </a:effectRef>
+          <a:fontRef idx="minor">
+            <a:schemeClr val="lt1"/>
+          </a:fontRef>
+        </p:style>
+        <p:txBody>
+          <a:bodyPr rtlCol="0" anchor="ctr"/>
+          <a:lstStyle/>
+          <a:p>
+            <a:r>
+              <a:rPr lang="en-US" sz="900" dirty="0">
+                <a:latin typeface="Times New Roman" panose="02020603050405020304" pitchFamily="18" charset="0"/>
+                <a:cs typeface="Times New Roman" panose="02020603050405020304" pitchFamily="18" charset="0"/>
+              </a:rPr>
+              <a:t>Normal?</a:t>
+            </a:r>
+          </a:p>
+        </p:txBody>
+      </p:sp>
+      <p:sp>
+        <p:nvSpPr>
+          <p:cNvPr id="192" name="Flowchart: Alternate Process 191">
+            <a:extLst>
+              <a:ext uri="{FF2B5EF4-FFF2-40B4-BE49-F238E27FC236}">
+                <a16:creationId xmlns:a16="http://schemas.microsoft.com/office/drawing/2014/main" id="{E9E6B334-EF33-49DC-8E13-49C147E09DD8}"/>
+              </a:ext>
+            </a:extLst>
+          </p:cNvPr>
+          <p:cNvSpPr/>
+          <p:nvPr/>
+        </p:nvSpPr>
+        <p:spPr>
+          <a:xfrm>
+            <a:off x="7778584" y="3785914"/>
+            <a:ext cx="783100" cy="379602"/>
+          </a:xfrm>
+          <a:prstGeom prst="flowChartAlternateProcess">
+            <a:avLst/>
+          </a:prstGeom>
+          <a:solidFill>
+            <a:schemeClr val="accent3">
+              <a:lumMod val="20000"/>
+              <a:lumOff val="80000"/>
+            </a:schemeClr>
+          </a:solidFill>
+          <a:ln>
+            <a:solidFill>
+              <a:schemeClr val="tx1">
+                <a:lumMod val="50000"/>
+                <a:lumOff val="50000"/>
+              </a:schemeClr>
+            </a:solidFill>
+          </a:ln>
+        </p:spPr>
+        <p:style>
+          <a:lnRef idx="2">
+            <a:schemeClr val="accent1">
+              <a:shade val="50000"/>
+            </a:schemeClr>
+          </a:lnRef>
+          <a:fillRef idx="1">
+            <a:schemeClr val="accent1"/>
+          </a:fillRef>
+          <a:effectRef idx="0">
+            <a:schemeClr val="accent1"/>
+          </a:effectRef>
+          <a:fontRef idx="minor">
+            <a:schemeClr val="lt1"/>
+          </a:fontRef>
+        </p:style>
+        <p:txBody>
+          <a:bodyPr rtlCol="0" anchor="ctr"/>
+          <a:lstStyle/>
+          <a:p>
+            <a:pPr algn="ctr"/>
+            <a:r>
+              <a:rPr lang="en-US" sz="900" dirty="0">
+                <a:solidFill>
+                  <a:schemeClr val="tx1"/>
+                </a:solidFill>
+                <a:latin typeface="Times New Roman" panose="02020603050405020304" pitchFamily="18" charset="0"/>
+                <a:cs typeface="Times New Roman" panose="02020603050405020304" pitchFamily="18" charset="0"/>
+              </a:rPr>
+              <a:t>Analysis outputs</a:t>
+            </a:r>
+          </a:p>
+        </p:txBody>
+      </p:sp>
+      <p:sp>
+        <p:nvSpPr>
+          <p:cNvPr id="193" name="Rectangle 192">
+            <a:extLst>
+              <a:ext uri="{FF2B5EF4-FFF2-40B4-BE49-F238E27FC236}">
+                <a16:creationId xmlns:a16="http://schemas.microsoft.com/office/drawing/2014/main" id="{1E25570D-B632-40C6-AB30-D9E098E1CAF3}"/>
+              </a:ext>
+            </a:extLst>
+          </p:cNvPr>
+          <p:cNvSpPr/>
+          <p:nvPr/>
+        </p:nvSpPr>
+        <p:spPr>
+          <a:xfrm>
+            <a:off x="3619352" y="1514435"/>
+            <a:ext cx="1329067" cy="622100"/>
+          </a:xfrm>
+          <a:prstGeom prst="rect">
+            <a:avLst/>
+          </a:prstGeom>
+          <a:noFill/>
+          <a:ln>
+            <a:noFill/>
+          </a:ln>
+        </p:spPr>
+        <p:style>
+          <a:lnRef idx="2">
+            <a:schemeClr val="accent1">
+              <a:shade val="50000"/>
+            </a:schemeClr>
+          </a:lnRef>
+          <a:fillRef idx="1">
+            <a:schemeClr val="accent1"/>
+          </a:fillRef>
+          <a:effectRef idx="0">
+            <a:schemeClr val="accent1"/>
+          </a:effectRef>
+          <a:fontRef idx="minor">
+            <a:schemeClr val="lt1"/>
+          </a:fontRef>
+        </p:style>
+        <p:txBody>
+          <a:bodyPr rtlCol="0" anchor="ctr"/>
+          <a:lstStyle/>
+          <a:p>
+            <a:pPr marL="171450" indent="-171450">
+              <a:buFont typeface="Arial" panose="020B0604020202020204" pitchFamily="34" charset="0"/>
+              <a:buChar char="•"/>
+            </a:pPr>
+            <a:r>
+              <a:rPr lang="en-US" sz="800" dirty="0">
+                <a:solidFill>
+                  <a:schemeClr val="tx1"/>
+                </a:solidFill>
+                <a:latin typeface="Times New Roman" panose="02020603050405020304" pitchFamily="18" charset="0"/>
+                <a:cs typeface="Times New Roman" panose="02020603050405020304" pitchFamily="18" charset="0"/>
+              </a:rPr>
+              <a:t>Analyte concentration data</a:t>
+            </a:r>
+          </a:p>
+          <a:p>
+            <a:pPr marL="171450" indent="-171450">
+              <a:buFont typeface="Arial" panose="020B0604020202020204" pitchFamily="34" charset="0"/>
+              <a:buChar char="•"/>
+            </a:pPr>
+            <a:r>
+              <a:rPr lang="en-US" sz="800" dirty="0">
+                <a:solidFill>
+                  <a:schemeClr val="tx1"/>
+                </a:solidFill>
+                <a:latin typeface="Times New Roman" panose="02020603050405020304" pitchFamily="18" charset="0"/>
+                <a:cs typeface="Times New Roman" panose="02020603050405020304" pitchFamily="18" charset="0"/>
+              </a:rPr>
+              <a:t>Flow data</a:t>
+            </a:r>
+          </a:p>
+          <a:p>
+            <a:pPr marL="171450" indent="-171450">
+              <a:buFont typeface="Arial" panose="020B0604020202020204" pitchFamily="34" charset="0"/>
+              <a:buChar char="•"/>
+            </a:pPr>
+            <a:r>
+              <a:rPr lang="en-US" sz="800" dirty="0">
+                <a:solidFill>
+                  <a:schemeClr val="tx1"/>
+                </a:solidFill>
+                <a:latin typeface="Times New Roman" panose="02020603050405020304" pitchFamily="18" charset="0"/>
+                <a:cs typeface="Times New Roman" panose="02020603050405020304" pitchFamily="18" charset="0"/>
+              </a:rPr>
+              <a:t>Precipitation data</a:t>
+            </a:r>
+          </a:p>
+        </p:txBody>
+      </p:sp>
+      <p:sp>
+        <p:nvSpPr>
+          <p:cNvPr id="194" name="Rectangle 193">
+            <a:extLst>
+              <a:ext uri="{FF2B5EF4-FFF2-40B4-BE49-F238E27FC236}">
+                <a16:creationId xmlns:a16="http://schemas.microsoft.com/office/drawing/2014/main" id="{B03E0664-2412-42E0-BE8C-93B0106F05E2}"/>
+              </a:ext>
+            </a:extLst>
+          </p:cNvPr>
+          <p:cNvSpPr/>
+          <p:nvPr/>
+        </p:nvSpPr>
+        <p:spPr>
+          <a:xfrm>
+            <a:off x="8571115" y="494286"/>
+            <a:ext cx="1329067" cy="622100"/>
+          </a:xfrm>
+          <a:prstGeom prst="rect">
+            <a:avLst/>
+          </a:prstGeom>
+          <a:noFill/>
+          <a:ln>
+            <a:noFill/>
+          </a:ln>
+        </p:spPr>
+        <p:style>
+          <a:lnRef idx="2">
+            <a:schemeClr val="accent1">
+              <a:shade val="50000"/>
+            </a:schemeClr>
+          </a:lnRef>
+          <a:fillRef idx="1">
+            <a:schemeClr val="accent1"/>
+          </a:fillRef>
+          <a:effectRef idx="0">
+            <a:schemeClr val="accent1"/>
+          </a:effectRef>
+          <a:fontRef idx="minor">
+            <a:schemeClr val="lt1"/>
+          </a:fontRef>
+        </p:style>
+        <p:txBody>
+          <a:bodyPr rtlCol="0" anchor="ctr"/>
+          <a:lstStyle/>
+          <a:p>
+            <a:pPr marL="171450" indent="-171450">
+              <a:buFont typeface="Arial" panose="020B0604020202020204" pitchFamily="34" charset="0"/>
+              <a:buChar char="•"/>
+            </a:pPr>
+            <a:r>
+              <a:rPr lang="en-US" sz="800" dirty="0">
+                <a:solidFill>
+                  <a:schemeClr val="tx1"/>
+                </a:solidFill>
+                <a:latin typeface="Times New Roman" panose="02020603050405020304" pitchFamily="18" charset="0"/>
+                <a:cs typeface="Times New Roman" panose="02020603050405020304" pitchFamily="18" charset="0"/>
+              </a:rPr>
+              <a:t>Normality test</a:t>
+            </a:r>
+          </a:p>
+          <a:p>
+            <a:pPr marL="171450" indent="-171450">
+              <a:buFont typeface="Arial" panose="020B0604020202020204" pitchFamily="34" charset="0"/>
+              <a:buChar char="•"/>
+            </a:pPr>
+            <a:r>
+              <a:rPr lang="en-US" sz="800" dirty="0">
+                <a:solidFill>
+                  <a:schemeClr val="tx1"/>
+                </a:solidFill>
+                <a:latin typeface="Times New Roman" panose="02020603050405020304" pitchFamily="18" charset="0"/>
+                <a:cs typeface="Times New Roman" panose="02020603050405020304" pitchFamily="18" charset="0"/>
+              </a:rPr>
+              <a:t>T-test/Wilcoxon test</a:t>
+            </a:r>
+          </a:p>
+          <a:p>
+            <a:pPr marL="171450" indent="-171450">
+              <a:buFont typeface="Arial" panose="020B0604020202020204" pitchFamily="34" charset="0"/>
+              <a:buChar char="•"/>
+            </a:pPr>
+            <a:r>
+              <a:rPr lang="en-US" sz="800" dirty="0">
+                <a:solidFill>
+                  <a:schemeClr val="tx1"/>
+                </a:solidFill>
+                <a:latin typeface="Times New Roman" panose="02020603050405020304" pitchFamily="18" charset="0"/>
+                <a:cs typeface="Times New Roman" panose="02020603050405020304" pitchFamily="18" charset="0"/>
+              </a:rPr>
+              <a:t>Correlation test</a:t>
+            </a:r>
+          </a:p>
+          <a:p>
+            <a:pPr marL="171450" indent="-171450">
+              <a:buFont typeface="Arial" panose="020B0604020202020204" pitchFamily="34" charset="0"/>
+              <a:buChar char="•"/>
+            </a:pPr>
+            <a:r>
+              <a:rPr lang="en-US" sz="800" dirty="0">
+                <a:solidFill>
+                  <a:schemeClr val="tx1"/>
+                </a:solidFill>
+                <a:latin typeface="Times New Roman" panose="02020603050405020304" pitchFamily="18" charset="0"/>
+                <a:cs typeface="Times New Roman" panose="02020603050405020304" pitchFamily="18" charset="0"/>
+              </a:rPr>
+              <a:t>Calculate load</a:t>
+            </a:r>
+          </a:p>
+          <a:p>
+            <a:pPr marL="171450" indent="-171450">
+              <a:buFont typeface="Arial" panose="020B0604020202020204" pitchFamily="34" charset="0"/>
+              <a:buChar char="•"/>
+            </a:pPr>
+            <a:r>
+              <a:rPr lang="en-US" sz="800" dirty="0">
+                <a:solidFill>
+                  <a:schemeClr val="tx1"/>
+                </a:solidFill>
+                <a:latin typeface="Times New Roman" panose="02020603050405020304" pitchFamily="18" charset="0"/>
+                <a:cs typeface="Times New Roman" panose="02020603050405020304" pitchFamily="18" charset="0"/>
+              </a:rPr>
+              <a:t>Annual cumulative ppt</a:t>
+            </a:r>
+          </a:p>
+        </p:txBody>
+      </p:sp>
+      <p:sp>
+        <p:nvSpPr>
+          <p:cNvPr id="199" name="Flowchart: Delay 198">
+            <a:extLst>
+              <a:ext uri="{FF2B5EF4-FFF2-40B4-BE49-F238E27FC236}">
+                <a16:creationId xmlns:a16="http://schemas.microsoft.com/office/drawing/2014/main" id="{B5DD5EF3-94BD-429B-9B53-678DD8F8FE18}"/>
+              </a:ext>
+            </a:extLst>
+          </p:cNvPr>
+          <p:cNvSpPr/>
+          <p:nvPr/>
+        </p:nvSpPr>
+        <p:spPr>
+          <a:xfrm>
+            <a:off x="6474405" y="4378006"/>
+            <a:ext cx="793518" cy="622100"/>
+          </a:xfrm>
+          <a:prstGeom prst="flowChartDelay">
+            <a:avLst/>
+          </a:prstGeom>
+        </p:spPr>
+        <p:style>
+          <a:lnRef idx="2">
+            <a:schemeClr val="accent1">
+              <a:shade val="50000"/>
+            </a:schemeClr>
+          </a:lnRef>
+          <a:fillRef idx="1">
+            <a:schemeClr val="accent1"/>
+          </a:fillRef>
+          <a:effectRef idx="0">
+            <a:schemeClr val="accent1"/>
+          </a:effectRef>
+          <a:fontRef idx="minor">
+            <a:schemeClr val="lt1"/>
+          </a:fontRef>
+        </p:style>
+        <p:txBody>
+          <a:bodyPr rtlCol="0" anchor="ctr"/>
+          <a:lstStyle/>
+          <a:p>
+            <a:r>
+              <a:rPr lang="en-US" sz="900" dirty="0">
+                <a:latin typeface="Times New Roman" panose="02020603050405020304" pitchFamily="18" charset="0"/>
+                <a:cs typeface="Times New Roman" panose="02020603050405020304" pitchFamily="18" charset="0"/>
+              </a:rPr>
+              <a:t>Do they answer research questions?</a:t>
+            </a:r>
+          </a:p>
+        </p:txBody>
+      </p:sp>
+      <p:sp>
+        <p:nvSpPr>
+          <p:cNvPr id="203" name="Flowchart: Alternate Process 202">
+            <a:extLst>
+              <a:ext uri="{FF2B5EF4-FFF2-40B4-BE49-F238E27FC236}">
+                <a16:creationId xmlns:a16="http://schemas.microsoft.com/office/drawing/2014/main" id="{B8743CF2-771F-47F7-BEA1-A00AB6B44F31}"/>
+              </a:ext>
+            </a:extLst>
+          </p:cNvPr>
+          <p:cNvSpPr/>
+          <p:nvPr/>
+        </p:nvSpPr>
+        <p:spPr>
+          <a:xfrm>
+            <a:off x="4977745" y="5042963"/>
+            <a:ext cx="1055195" cy="710948"/>
+          </a:xfrm>
+          <a:prstGeom prst="flowChartAlternateProcess">
+            <a:avLst/>
+          </a:prstGeom>
+          <a:solidFill>
+            <a:schemeClr val="accent3">
+              <a:lumMod val="20000"/>
+              <a:lumOff val="80000"/>
+            </a:schemeClr>
+          </a:solidFill>
+          <a:ln>
+            <a:solidFill>
+              <a:schemeClr val="tx1">
+                <a:lumMod val="50000"/>
+                <a:lumOff val="50000"/>
+              </a:schemeClr>
+            </a:solidFill>
+          </a:ln>
+        </p:spPr>
+        <p:style>
+          <a:lnRef idx="2">
+            <a:schemeClr val="accent1">
+              <a:shade val="50000"/>
+            </a:schemeClr>
+          </a:lnRef>
+          <a:fillRef idx="1">
+            <a:schemeClr val="accent1"/>
+          </a:fillRef>
+          <a:effectRef idx="0">
+            <a:schemeClr val="accent1"/>
+          </a:effectRef>
+          <a:fontRef idx="minor">
+            <a:schemeClr val="lt1"/>
+          </a:fontRef>
+        </p:style>
+        <p:txBody>
+          <a:bodyPr rtlCol="0" anchor="ctr"/>
+          <a:lstStyle/>
+          <a:p>
+            <a:pPr algn="ctr"/>
+            <a:r>
+              <a:rPr lang="en-US" dirty="0">
+                <a:solidFill>
+                  <a:schemeClr val="tx1"/>
+                </a:solidFill>
+                <a:latin typeface="Times New Roman" panose="02020603050405020304" pitchFamily="18" charset="0"/>
+                <a:cs typeface="Times New Roman" panose="02020603050405020304" pitchFamily="18" charset="0"/>
+              </a:rPr>
+              <a:t>Final report</a:t>
+            </a:r>
+          </a:p>
+        </p:txBody>
+      </p:sp>
+      <p:sp>
+        <p:nvSpPr>
+          <p:cNvPr id="206" name="TextBox 205">
+            <a:extLst>
+              <a:ext uri="{FF2B5EF4-FFF2-40B4-BE49-F238E27FC236}">
+                <a16:creationId xmlns:a16="http://schemas.microsoft.com/office/drawing/2014/main" id="{C6B8E2BB-19D0-4EBB-B999-C209E80F6CE8}"/>
+              </a:ext>
+            </a:extLst>
+          </p:cNvPr>
+          <p:cNvSpPr txBox="1"/>
+          <p:nvPr/>
+        </p:nvSpPr>
+        <p:spPr>
+          <a:xfrm>
+            <a:off x="6474913" y="4991975"/>
+            <a:ext cx="445812" cy="246221"/>
+          </a:xfrm>
+          <a:prstGeom prst="rect">
+            <a:avLst/>
+          </a:prstGeom>
+          <a:noFill/>
+        </p:spPr>
+        <p:txBody>
+          <a:bodyPr wrap="square" rtlCol="0">
+            <a:spAutoFit/>
+          </a:bodyPr>
+          <a:lstStyle/>
+          <a:p>
+            <a:r>
+              <a:rPr lang="en-US" sz="1000" dirty="0">
+                <a:latin typeface="Times New Roman" panose="02020603050405020304" pitchFamily="18" charset="0"/>
+                <a:cs typeface="Times New Roman" panose="02020603050405020304" pitchFamily="18" charset="0"/>
+              </a:rPr>
+              <a:t>Yes</a:t>
+            </a:r>
+          </a:p>
+        </p:txBody>
+      </p:sp>
+      <p:sp>
+        <p:nvSpPr>
+          <p:cNvPr id="212" name="Flowchart: Delay 211">
+            <a:extLst>
+              <a:ext uri="{FF2B5EF4-FFF2-40B4-BE49-F238E27FC236}">
+                <a16:creationId xmlns:a16="http://schemas.microsoft.com/office/drawing/2014/main" id="{A55F0EE5-1B18-40C5-B44C-178B82C8A570}"/>
+              </a:ext>
+            </a:extLst>
+          </p:cNvPr>
+          <p:cNvSpPr/>
+          <p:nvPr/>
+        </p:nvSpPr>
+        <p:spPr>
+          <a:xfrm>
+            <a:off x="6419904" y="3004379"/>
+            <a:ext cx="922649" cy="816124"/>
+          </a:xfrm>
+          <a:prstGeom prst="flowChartDelay">
+            <a:avLst/>
+          </a:prstGeom>
+        </p:spPr>
+        <p:style>
+          <a:lnRef idx="2">
+            <a:schemeClr val="accent1">
+              <a:shade val="50000"/>
+            </a:schemeClr>
+          </a:lnRef>
+          <a:fillRef idx="1">
+            <a:schemeClr val="accent1"/>
+          </a:fillRef>
+          <a:effectRef idx="0">
+            <a:schemeClr val="accent1"/>
+          </a:effectRef>
+          <a:fontRef idx="minor">
+            <a:schemeClr val="lt1"/>
+          </a:fontRef>
+        </p:style>
+        <p:txBody>
+          <a:bodyPr rtlCol="0" anchor="ctr"/>
+          <a:lstStyle/>
+          <a:p>
+            <a:r>
+              <a:rPr lang="en-US" sz="900" dirty="0">
+                <a:latin typeface="Times New Roman" panose="02020603050405020304" pitchFamily="18" charset="0"/>
+                <a:cs typeface="Times New Roman" panose="02020603050405020304" pitchFamily="18" charset="0"/>
+              </a:rPr>
+              <a:t>Can we answer the questions by looking at the dataset differently?</a:t>
+            </a:r>
+          </a:p>
+        </p:txBody>
+      </p:sp>
+      <p:cxnSp>
+        <p:nvCxnSpPr>
+          <p:cNvPr id="216" name="Straight Arrow Connector 215">
+            <a:extLst>
+              <a:ext uri="{FF2B5EF4-FFF2-40B4-BE49-F238E27FC236}">
+                <a16:creationId xmlns:a16="http://schemas.microsoft.com/office/drawing/2014/main" id="{BD4FDB0B-272F-4CE6-97D9-073A1893BA28}"/>
+              </a:ext>
+            </a:extLst>
+          </p:cNvPr>
+          <p:cNvCxnSpPr>
+            <a:cxnSpLocks/>
+            <a:stCxn id="199" idx="0"/>
+            <a:endCxn id="212" idx="2"/>
+          </p:cNvCxnSpPr>
+          <p:nvPr/>
+        </p:nvCxnSpPr>
+        <p:spPr>
+          <a:xfrm flipV="1">
+            <a:off x="6871164" y="3820503"/>
+            <a:ext cx="10065" cy="557503"/>
+          </a:xfrm>
+          <a:prstGeom prst="straightConnector1">
+            <a:avLst/>
+          </a:prstGeom>
+          <a:ln>
+            <a:tailEnd type="triangle"/>
+          </a:ln>
+        </p:spPr>
+        <p:style>
+          <a:lnRef idx="1">
+            <a:schemeClr val="dk1"/>
+          </a:lnRef>
+          <a:fillRef idx="0">
+            <a:schemeClr val="dk1"/>
+          </a:fillRef>
+          <a:effectRef idx="0">
+            <a:schemeClr val="dk1"/>
+          </a:effectRef>
+          <a:fontRef idx="minor">
+            <a:schemeClr val="tx1"/>
+          </a:fontRef>
+        </p:style>
+      </p:cxnSp>
+      <p:sp>
+        <p:nvSpPr>
+          <p:cNvPr id="218" name="TextBox 217">
+            <a:extLst>
+              <a:ext uri="{FF2B5EF4-FFF2-40B4-BE49-F238E27FC236}">
+                <a16:creationId xmlns:a16="http://schemas.microsoft.com/office/drawing/2014/main" id="{4F534B87-DBE3-4EEA-BDF4-0D4785DFC193}"/>
+              </a:ext>
+            </a:extLst>
+          </p:cNvPr>
+          <p:cNvSpPr txBox="1"/>
+          <p:nvPr/>
+        </p:nvSpPr>
+        <p:spPr>
+          <a:xfrm>
+            <a:off x="6587195" y="4085616"/>
+            <a:ext cx="391550" cy="246221"/>
+          </a:xfrm>
+          <a:prstGeom prst="rect">
+            <a:avLst/>
+          </a:prstGeom>
+          <a:noFill/>
+        </p:spPr>
+        <p:txBody>
+          <a:bodyPr wrap="square" rtlCol="0">
+            <a:spAutoFit/>
+          </a:bodyPr>
+          <a:lstStyle/>
+          <a:p>
+            <a:r>
+              <a:rPr lang="en-US" sz="1000" dirty="0">
+                <a:latin typeface="Times New Roman" panose="02020603050405020304" pitchFamily="18" charset="0"/>
+                <a:cs typeface="Times New Roman" panose="02020603050405020304" pitchFamily="18" charset="0"/>
+              </a:rPr>
+              <a:t>No</a:t>
+            </a:r>
+          </a:p>
+        </p:txBody>
+      </p:sp>
+      <p:sp>
+        <p:nvSpPr>
+          <p:cNvPr id="260" name="Rectangle 259">
+            <a:extLst>
+              <a:ext uri="{FF2B5EF4-FFF2-40B4-BE49-F238E27FC236}">
+                <a16:creationId xmlns:a16="http://schemas.microsoft.com/office/drawing/2014/main" id="{02E0BFBE-BEBA-4E86-9E4D-07DE530A7CA2}"/>
+              </a:ext>
+            </a:extLst>
+          </p:cNvPr>
+          <p:cNvSpPr/>
+          <p:nvPr/>
+        </p:nvSpPr>
+        <p:spPr>
+          <a:xfrm>
+            <a:off x="3831452" y="2520425"/>
+            <a:ext cx="904868" cy="584102"/>
+          </a:xfrm>
+          <a:prstGeom prst="rect">
+            <a:avLst/>
+          </a:prstGeom>
+          <a:solidFill>
+            <a:schemeClr val="accent5">
+              <a:lumMod val="20000"/>
+              <a:lumOff val="80000"/>
+            </a:schemeClr>
+          </a:solidFill>
+        </p:spPr>
+        <p:style>
+          <a:lnRef idx="2">
+            <a:schemeClr val="accent1">
+              <a:shade val="50000"/>
+            </a:schemeClr>
+          </a:lnRef>
+          <a:fillRef idx="1">
+            <a:schemeClr val="accent1"/>
+          </a:fillRef>
+          <a:effectRef idx="0">
+            <a:schemeClr val="accent1"/>
+          </a:effectRef>
+          <a:fontRef idx="minor">
+            <a:schemeClr val="lt1"/>
+          </a:fontRef>
+        </p:style>
+        <p:txBody>
+          <a:bodyPr rtlCol="0" anchor="ctr"/>
+          <a:lstStyle/>
+          <a:p>
+            <a:pPr algn="ctr"/>
+            <a:r>
+              <a:rPr lang="en-US" sz="1100" dirty="0">
+                <a:solidFill>
+                  <a:schemeClr val="tx1"/>
+                </a:solidFill>
+                <a:latin typeface="Times New Roman" panose="02020603050405020304" pitchFamily="18" charset="0"/>
+                <a:cs typeface="Times New Roman" panose="02020603050405020304" pitchFamily="18" charset="0"/>
+              </a:rPr>
+              <a:t>Data gathering/ scrapping</a:t>
+            </a:r>
+          </a:p>
+        </p:txBody>
+      </p:sp>
+      <p:cxnSp>
+        <p:nvCxnSpPr>
+          <p:cNvPr id="264" name="Straight Arrow Connector 263">
+            <a:extLst>
+              <a:ext uri="{FF2B5EF4-FFF2-40B4-BE49-F238E27FC236}">
+                <a16:creationId xmlns:a16="http://schemas.microsoft.com/office/drawing/2014/main" id="{9BED82AA-9D64-4D08-94FF-3BD93B7FD605}"/>
+              </a:ext>
+            </a:extLst>
+          </p:cNvPr>
+          <p:cNvCxnSpPr>
+            <a:cxnSpLocks/>
+            <a:stCxn id="260" idx="0"/>
+            <a:endCxn id="193" idx="2"/>
+          </p:cNvCxnSpPr>
+          <p:nvPr/>
+        </p:nvCxnSpPr>
+        <p:spPr>
+          <a:xfrm flipV="1">
+            <a:off x="4283886" y="2136535"/>
+            <a:ext cx="0" cy="383890"/>
+          </a:xfrm>
+          <a:prstGeom prst="straightConnector1">
+            <a:avLst/>
+          </a:prstGeom>
+          <a:ln>
+            <a:tailEnd type="triangle"/>
+          </a:ln>
+        </p:spPr>
+        <p:style>
+          <a:lnRef idx="1">
+            <a:schemeClr val="dk1"/>
+          </a:lnRef>
+          <a:fillRef idx="0">
+            <a:schemeClr val="dk1"/>
+          </a:fillRef>
+          <a:effectRef idx="0">
+            <a:schemeClr val="dk1"/>
+          </a:effectRef>
+          <a:fontRef idx="minor">
+            <a:schemeClr val="tx1"/>
+          </a:fontRef>
+        </p:style>
+      </p:cxnSp>
+      <p:sp>
+        <p:nvSpPr>
+          <p:cNvPr id="266" name="TextBox 265">
+            <a:extLst>
+              <a:ext uri="{FF2B5EF4-FFF2-40B4-BE49-F238E27FC236}">
+                <a16:creationId xmlns:a16="http://schemas.microsoft.com/office/drawing/2014/main" id="{D8E3374F-6BED-49FD-8F31-2F94625F02F7}"/>
+              </a:ext>
+            </a:extLst>
+          </p:cNvPr>
+          <p:cNvSpPr txBox="1"/>
+          <p:nvPr/>
+        </p:nvSpPr>
+        <p:spPr>
+          <a:xfrm>
+            <a:off x="5992288" y="3205164"/>
+            <a:ext cx="445812" cy="246221"/>
+          </a:xfrm>
+          <a:prstGeom prst="rect">
+            <a:avLst/>
+          </a:prstGeom>
+          <a:noFill/>
+        </p:spPr>
+        <p:txBody>
+          <a:bodyPr wrap="square" rtlCol="0">
+            <a:spAutoFit/>
+          </a:bodyPr>
+          <a:lstStyle/>
+          <a:p>
+            <a:r>
+              <a:rPr lang="en-US" sz="1000" dirty="0">
+                <a:latin typeface="Times New Roman" panose="02020603050405020304" pitchFamily="18" charset="0"/>
+                <a:cs typeface="Times New Roman" panose="02020603050405020304" pitchFamily="18" charset="0"/>
+              </a:rPr>
+              <a:t>No</a:t>
+            </a:r>
+          </a:p>
+        </p:txBody>
+      </p:sp>
+      <p:sp>
+        <p:nvSpPr>
+          <p:cNvPr id="284" name="TextBox 283">
+            <a:extLst>
+              <a:ext uri="{FF2B5EF4-FFF2-40B4-BE49-F238E27FC236}">
+                <a16:creationId xmlns:a16="http://schemas.microsoft.com/office/drawing/2014/main" id="{B28C4D71-BE15-4419-866E-848B7BAF1DD3}"/>
+              </a:ext>
+            </a:extLst>
+          </p:cNvPr>
+          <p:cNvSpPr txBox="1"/>
+          <p:nvPr/>
+        </p:nvSpPr>
+        <p:spPr>
+          <a:xfrm>
+            <a:off x="7306781" y="3186782"/>
+            <a:ext cx="391550" cy="246221"/>
+          </a:xfrm>
+          <a:prstGeom prst="rect">
+            <a:avLst/>
+          </a:prstGeom>
+          <a:noFill/>
+        </p:spPr>
+        <p:txBody>
+          <a:bodyPr wrap="square" rtlCol="0">
+            <a:spAutoFit/>
+          </a:bodyPr>
+          <a:lstStyle/>
+          <a:p>
+            <a:r>
+              <a:rPr lang="en-US" sz="1000" dirty="0">
+                <a:latin typeface="Times New Roman" panose="02020603050405020304" pitchFamily="18" charset="0"/>
+                <a:cs typeface="Times New Roman" panose="02020603050405020304" pitchFamily="18" charset="0"/>
+              </a:rPr>
+              <a:t>Yes</a:t>
+            </a:r>
+          </a:p>
+        </p:txBody>
+      </p:sp>
+      <p:sp>
+        <p:nvSpPr>
+          <p:cNvPr id="286" name="Flowchart: Delay 285">
+            <a:extLst>
+              <a:ext uri="{FF2B5EF4-FFF2-40B4-BE49-F238E27FC236}">
+                <a16:creationId xmlns:a16="http://schemas.microsoft.com/office/drawing/2014/main" id="{0BAFE2A2-9B63-4ACF-B2BA-328206CD8D69}"/>
+              </a:ext>
+            </a:extLst>
+          </p:cNvPr>
+          <p:cNvSpPr/>
+          <p:nvPr/>
+        </p:nvSpPr>
+        <p:spPr>
+          <a:xfrm>
+            <a:off x="5042397" y="3067182"/>
+            <a:ext cx="922649" cy="715976"/>
+          </a:xfrm>
+          <a:prstGeom prst="flowChartDelay">
+            <a:avLst/>
+          </a:prstGeom>
+        </p:spPr>
+        <p:style>
+          <a:lnRef idx="2">
+            <a:schemeClr val="accent1">
+              <a:shade val="50000"/>
+            </a:schemeClr>
+          </a:lnRef>
+          <a:fillRef idx="1">
+            <a:schemeClr val="accent1"/>
+          </a:fillRef>
+          <a:effectRef idx="0">
+            <a:schemeClr val="accent1"/>
+          </a:effectRef>
+          <a:fontRef idx="minor">
+            <a:schemeClr val="lt1"/>
+          </a:fontRef>
+        </p:style>
+        <p:txBody>
+          <a:bodyPr rtlCol="0" anchor="ctr"/>
+          <a:lstStyle/>
+          <a:p>
+            <a:r>
+              <a:rPr lang="en-US" sz="900" dirty="0">
+                <a:latin typeface="Times New Roman" panose="02020603050405020304" pitchFamily="18" charset="0"/>
+                <a:cs typeface="Times New Roman" panose="02020603050405020304" pitchFamily="18" charset="0"/>
+              </a:rPr>
+              <a:t>Can we answer the questions with more data?</a:t>
+            </a:r>
+          </a:p>
+        </p:txBody>
+      </p:sp>
+      <p:cxnSp>
+        <p:nvCxnSpPr>
+          <p:cNvPr id="291" name="Connector: Elbow 290">
+            <a:extLst>
+              <a:ext uri="{FF2B5EF4-FFF2-40B4-BE49-F238E27FC236}">
+                <a16:creationId xmlns:a16="http://schemas.microsoft.com/office/drawing/2014/main" id="{6CF632DE-23F4-46E9-9DE2-C069247D15A3}"/>
+              </a:ext>
+            </a:extLst>
+          </p:cNvPr>
+          <p:cNvCxnSpPr>
+            <a:cxnSpLocks/>
+            <a:stCxn id="212" idx="3"/>
+            <a:endCxn id="73" idx="2"/>
+          </p:cNvCxnSpPr>
+          <p:nvPr/>
+        </p:nvCxnSpPr>
+        <p:spPr>
+          <a:xfrm flipV="1">
+            <a:off x="7342553" y="1602425"/>
+            <a:ext cx="1873003" cy="1810016"/>
+          </a:xfrm>
+          <a:prstGeom prst="bentConnector2">
+            <a:avLst/>
+          </a:prstGeom>
+          <a:ln>
+            <a:tailEnd type="triangle"/>
+          </a:ln>
+        </p:spPr>
+        <p:style>
+          <a:lnRef idx="1">
+            <a:schemeClr val="dk1"/>
+          </a:lnRef>
+          <a:fillRef idx="0">
+            <a:schemeClr val="dk1"/>
+          </a:fillRef>
+          <a:effectRef idx="0">
+            <a:schemeClr val="dk1"/>
+          </a:effectRef>
+          <a:fontRef idx="minor">
+            <a:schemeClr val="tx1"/>
+          </a:fontRef>
+        </p:style>
+      </p:cxnSp>
+      <p:cxnSp>
+        <p:nvCxnSpPr>
+          <p:cNvPr id="293" name="Straight Arrow Connector 292">
+            <a:extLst>
+              <a:ext uri="{FF2B5EF4-FFF2-40B4-BE49-F238E27FC236}">
+                <a16:creationId xmlns:a16="http://schemas.microsoft.com/office/drawing/2014/main" id="{C4CC6BBC-0170-49B1-A1E5-73A0FD1DE5DB}"/>
+              </a:ext>
+            </a:extLst>
+          </p:cNvPr>
+          <p:cNvCxnSpPr>
+            <a:cxnSpLocks/>
+            <a:stCxn id="212" idx="1"/>
+            <a:endCxn id="286" idx="3"/>
+          </p:cNvCxnSpPr>
+          <p:nvPr/>
+        </p:nvCxnSpPr>
+        <p:spPr>
+          <a:xfrm flipH="1">
+            <a:off x="5965046" y="3412441"/>
+            <a:ext cx="454858" cy="12729"/>
+          </a:xfrm>
+          <a:prstGeom prst="straightConnector1">
+            <a:avLst/>
+          </a:prstGeom>
+          <a:ln>
+            <a:tailEnd type="triangle"/>
+          </a:ln>
+        </p:spPr>
+        <p:style>
+          <a:lnRef idx="1">
+            <a:schemeClr val="dk1"/>
+          </a:lnRef>
+          <a:fillRef idx="0">
+            <a:schemeClr val="dk1"/>
+          </a:fillRef>
+          <a:effectRef idx="0">
+            <a:schemeClr val="dk1"/>
+          </a:effectRef>
+          <a:fontRef idx="minor">
+            <a:schemeClr val="tx1"/>
+          </a:fontRef>
+        </p:style>
+      </p:cxnSp>
+      <p:cxnSp>
+        <p:nvCxnSpPr>
+          <p:cNvPr id="298" name="Connector: Elbow 297">
+            <a:extLst>
+              <a:ext uri="{FF2B5EF4-FFF2-40B4-BE49-F238E27FC236}">
+                <a16:creationId xmlns:a16="http://schemas.microsoft.com/office/drawing/2014/main" id="{DB9446F7-2FDE-4A72-AD57-7B9F2C21508B}"/>
+              </a:ext>
+            </a:extLst>
+          </p:cNvPr>
+          <p:cNvCxnSpPr>
+            <a:cxnSpLocks/>
+            <a:stCxn id="286" idx="1"/>
+            <a:endCxn id="260" idx="2"/>
+          </p:cNvCxnSpPr>
+          <p:nvPr/>
+        </p:nvCxnSpPr>
+        <p:spPr>
+          <a:xfrm rot="10800000">
+            <a:off x="4283887" y="3104528"/>
+            <a:ext cx="758511" cy="320643"/>
+          </a:xfrm>
+          <a:prstGeom prst="bentConnector2">
+            <a:avLst/>
+          </a:prstGeom>
+          <a:ln>
+            <a:tailEnd type="triangle"/>
+          </a:ln>
+        </p:spPr>
+        <p:style>
+          <a:lnRef idx="1">
+            <a:schemeClr val="dk1"/>
+          </a:lnRef>
+          <a:fillRef idx="0">
+            <a:schemeClr val="dk1"/>
+          </a:fillRef>
+          <a:effectRef idx="0">
+            <a:schemeClr val="dk1"/>
+          </a:effectRef>
+          <a:fontRef idx="minor">
+            <a:schemeClr val="tx1"/>
+          </a:fontRef>
+        </p:style>
+      </p:cxnSp>
+      <p:sp>
+        <p:nvSpPr>
+          <p:cNvPr id="301" name="Rectangle 300">
+            <a:extLst>
+              <a:ext uri="{FF2B5EF4-FFF2-40B4-BE49-F238E27FC236}">
+                <a16:creationId xmlns:a16="http://schemas.microsoft.com/office/drawing/2014/main" id="{DCDA2174-3F62-45A0-A25A-71D93F3F88C9}"/>
+              </a:ext>
+            </a:extLst>
+          </p:cNvPr>
+          <p:cNvSpPr/>
+          <p:nvPr/>
+        </p:nvSpPr>
+        <p:spPr>
+          <a:xfrm>
+            <a:off x="4898261" y="4067595"/>
+            <a:ext cx="1206319" cy="668074"/>
+          </a:xfrm>
+          <a:prstGeom prst="rect">
+            <a:avLst/>
+          </a:prstGeom>
+          <a:solidFill>
+            <a:schemeClr val="accent5">
+              <a:lumMod val="20000"/>
+              <a:lumOff val="80000"/>
+            </a:schemeClr>
+          </a:solidFill>
+        </p:spPr>
+        <p:style>
+          <a:lnRef idx="2">
+            <a:schemeClr val="accent1">
+              <a:shade val="50000"/>
+            </a:schemeClr>
+          </a:lnRef>
+          <a:fillRef idx="1">
+            <a:schemeClr val="accent1"/>
+          </a:fillRef>
+          <a:effectRef idx="0">
+            <a:schemeClr val="accent1"/>
+          </a:effectRef>
+          <a:fontRef idx="minor">
+            <a:schemeClr val="lt1"/>
+          </a:fontRef>
+        </p:style>
+        <p:txBody>
+          <a:bodyPr rtlCol="0" anchor="ctr"/>
+          <a:lstStyle/>
+          <a:p>
+            <a:pPr algn="ctr"/>
+            <a:r>
+              <a:rPr lang="en-US" sz="1100" dirty="0">
+                <a:solidFill>
+                  <a:schemeClr val="tx1"/>
+                </a:solidFill>
+                <a:latin typeface="Times New Roman" panose="02020603050405020304" pitchFamily="18" charset="0"/>
+                <a:cs typeface="Times New Roman" panose="02020603050405020304" pitchFamily="18" charset="0"/>
+              </a:rPr>
+              <a:t>Identify the possible reasons and future recommendations</a:t>
+            </a:r>
+          </a:p>
+        </p:txBody>
+      </p:sp>
+      <p:sp>
+        <p:nvSpPr>
+          <p:cNvPr id="302" name="TextBox 301">
+            <a:extLst>
+              <a:ext uri="{FF2B5EF4-FFF2-40B4-BE49-F238E27FC236}">
+                <a16:creationId xmlns:a16="http://schemas.microsoft.com/office/drawing/2014/main" id="{89057E7F-E880-46F4-B2A0-8F11F13AC813}"/>
+              </a:ext>
+            </a:extLst>
+          </p:cNvPr>
+          <p:cNvSpPr txBox="1"/>
+          <p:nvPr/>
+        </p:nvSpPr>
+        <p:spPr>
+          <a:xfrm>
+            <a:off x="4485984" y="3220282"/>
+            <a:ext cx="391550" cy="246221"/>
+          </a:xfrm>
+          <a:prstGeom prst="rect">
+            <a:avLst/>
+          </a:prstGeom>
+          <a:noFill/>
+        </p:spPr>
+        <p:txBody>
+          <a:bodyPr wrap="square" rtlCol="0">
+            <a:spAutoFit/>
+          </a:bodyPr>
+          <a:lstStyle/>
+          <a:p>
+            <a:r>
+              <a:rPr lang="en-US" sz="1000" dirty="0">
+                <a:latin typeface="Times New Roman" panose="02020603050405020304" pitchFamily="18" charset="0"/>
+                <a:cs typeface="Times New Roman" panose="02020603050405020304" pitchFamily="18" charset="0"/>
+              </a:rPr>
+              <a:t>Yes</a:t>
+            </a:r>
+          </a:p>
+        </p:txBody>
+      </p:sp>
+      <p:sp>
+        <p:nvSpPr>
+          <p:cNvPr id="303" name="TextBox 302">
+            <a:extLst>
+              <a:ext uri="{FF2B5EF4-FFF2-40B4-BE49-F238E27FC236}">
+                <a16:creationId xmlns:a16="http://schemas.microsoft.com/office/drawing/2014/main" id="{5979E166-426D-4AB6-BA70-386D8CAC6DB8}"/>
+              </a:ext>
+            </a:extLst>
+          </p:cNvPr>
+          <p:cNvSpPr txBox="1"/>
+          <p:nvPr/>
+        </p:nvSpPr>
+        <p:spPr>
+          <a:xfrm>
+            <a:off x="5442703" y="3775148"/>
+            <a:ext cx="445812" cy="246221"/>
+          </a:xfrm>
+          <a:prstGeom prst="rect">
+            <a:avLst/>
+          </a:prstGeom>
+          <a:noFill/>
+        </p:spPr>
+        <p:txBody>
+          <a:bodyPr wrap="square" rtlCol="0">
+            <a:spAutoFit/>
+          </a:bodyPr>
+          <a:lstStyle/>
+          <a:p>
+            <a:r>
+              <a:rPr lang="en-US" sz="1000" dirty="0">
+                <a:latin typeface="Times New Roman" panose="02020603050405020304" pitchFamily="18" charset="0"/>
+                <a:cs typeface="Times New Roman" panose="02020603050405020304" pitchFamily="18" charset="0"/>
+              </a:rPr>
+              <a:t>No</a:t>
+            </a:r>
+          </a:p>
+        </p:txBody>
+      </p:sp>
+      <p:cxnSp>
+        <p:nvCxnSpPr>
+          <p:cNvPr id="305" name="Straight Arrow Connector 304">
+            <a:extLst>
+              <a:ext uri="{FF2B5EF4-FFF2-40B4-BE49-F238E27FC236}">
+                <a16:creationId xmlns:a16="http://schemas.microsoft.com/office/drawing/2014/main" id="{B14732D0-5772-4CAF-8858-67C712FD1ABA}"/>
+              </a:ext>
+            </a:extLst>
+          </p:cNvPr>
+          <p:cNvCxnSpPr>
+            <a:stCxn id="286" idx="2"/>
+            <a:endCxn id="301" idx="0"/>
+          </p:cNvCxnSpPr>
+          <p:nvPr/>
+        </p:nvCxnSpPr>
+        <p:spPr>
+          <a:xfrm flipH="1">
+            <a:off x="5501421" y="3783158"/>
+            <a:ext cx="2301" cy="284437"/>
+          </a:xfrm>
+          <a:prstGeom prst="straightConnector1">
+            <a:avLst/>
+          </a:prstGeom>
+          <a:ln>
+            <a:tailEnd type="triangle"/>
+          </a:ln>
+        </p:spPr>
+        <p:style>
+          <a:lnRef idx="1">
+            <a:schemeClr val="dk1"/>
+          </a:lnRef>
+          <a:fillRef idx="0">
+            <a:schemeClr val="dk1"/>
+          </a:fillRef>
+          <a:effectRef idx="0">
+            <a:schemeClr val="dk1"/>
+          </a:effectRef>
+          <a:fontRef idx="minor">
+            <a:schemeClr val="tx1"/>
+          </a:fontRef>
+        </p:style>
+      </p:cxnSp>
+      <p:cxnSp>
+        <p:nvCxnSpPr>
+          <p:cNvPr id="307" name="Straight Arrow Connector 306">
+            <a:extLst>
+              <a:ext uri="{FF2B5EF4-FFF2-40B4-BE49-F238E27FC236}">
+                <a16:creationId xmlns:a16="http://schemas.microsoft.com/office/drawing/2014/main" id="{01BDD11D-35B3-4879-A775-F08987A19B97}"/>
+              </a:ext>
+            </a:extLst>
+          </p:cNvPr>
+          <p:cNvCxnSpPr>
+            <a:stCxn id="301" idx="2"/>
+            <a:endCxn id="203" idx="0"/>
+          </p:cNvCxnSpPr>
+          <p:nvPr/>
+        </p:nvCxnSpPr>
+        <p:spPr>
+          <a:xfrm>
+            <a:off x="5501421" y="4735669"/>
+            <a:ext cx="3922" cy="307294"/>
+          </a:xfrm>
+          <a:prstGeom prst="straightConnector1">
+            <a:avLst/>
+          </a:prstGeom>
+          <a:ln>
+            <a:tailEnd type="triangle"/>
+          </a:ln>
+        </p:spPr>
+        <p:style>
+          <a:lnRef idx="1">
+            <a:schemeClr val="dk1"/>
+          </a:lnRef>
+          <a:fillRef idx="0">
+            <a:schemeClr val="dk1"/>
+          </a:fillRef>
+          <a:effectRef idx="0">
+            <a:schemeClr val="dk1"/>
+          </a:effectRef>
+          <a:fontRef idx="minor">
+            <a:schemeClr val="tx1"/>
+          </a:fontRef>
+        </p:style>
+      </p:cxnSp>
+      <p:cxnSp>
+        <p:nvCxnSpPr>
+          <p:cNvPr id="309" name="Connector: Elbow 308">
+            <a:extLst>
+              <a:ext uri="{FF2B5EF4-FFF2-40B4-BE49-F238E27FC236}">
+                <a16:creationId xmlns:a16="http://schemas.microsoft.com/office/drawing/2014/main" id="{67BB1603-E3E7-44D1-9B88-5C831F9C0BCC}"/>
+              </a:ext>
+            </a:extLst>
+          </p:cNvPr>
+          <p:cNvCxnSpPr>
+            <a:cxnSpLocks/>
+            <a:stCxn id="199" idx="2"/>
+            <a:endCxn id="203" idx="3"/>
+          </p:cNvCxnSpPr>
+          <p:nvPr/>
+        </p:nvCxnSpPr>
+        <p:spPr>
+          <a:xfrm rot="5400000">
+            <a:off x="6252887" y="4780159"/>
+            <a:ext cx="398331" cy="838224"/>
+          </a:xfrm>
+          <a:prstGeom prst="bentConnector2">
+            <a:avLst/>
+          </a:prstGeom>
+          <a:ln>
+            <a:tailEnd type="triangle"/>
+          </a:ln>
+        </p:spPr>
+        <p:style>
+          <a:lnRef idx="1">
+            <a:schemeClr val="dk1"/>
+          </a:lnRef>
+          <a:fillRef idx="0">
+            <a:schemeClr val="dk1"/>
+          </a:fillRef>
+          <a:effectRef idx="0">
+            <a:schemeClr val="dk1"/>
+          </a:effectRef>
+          <a:fontRef idx="minor">
+            <a:schemeClr val="tx1"/>
+          </a:fontRef>
+        </p:style>
+      </p:cxnSp>
+      <p:cxnSp>
+        <p:nvCxnSpPr>
+          <p:cNvPr id="311" name="Straight Arrow Connector 310">
+            <a:extLst>
+              <a:ext uri="{FF2B5EF4-FFF2-40B4-BE49-F238E27FC236}">
+                <a16:creationId xmlns:a16="http://schemas.microsoft.com/office/drawing/2014/main" id="{D56DCD21-8D03-410B-BAFF-D528F305D51B}"/>
+              </a:ext>
+            </a:extLst>
+          </p:cNvPr>
+          <p:cNvCxnSpPr>
+            <a:cxnSpLocks/>
+          </p:cNvCxnSpPr>
+          <p:nvPr/>
+        </p:nvCxnSpPr>
+        <p:spPr>
+          <a:xfrm>
+            <a:off x="613849" y="666562"/>
+            <a:ext cx="276544" cy="0"/>
+          </a:xfrm>
+          <a:prstGeom prst="straightConnector1">
+            <a:avLst/>
+          </a:prstGeom>
+          <a:ln>
+            <a:tailEnd type="triangle"/>
+          </a:ln>
+        </p:spPr>
+        <p:style>
+          <a:lnRef idx="1">
+            <a:schemeClr val="accent2"/>
+          </a:lnRef>
+          <a:fillRef idx="0">
+            <a:schemeClr val="accent2"/>
+          </a:fillRef>
+          <a:effectRef idx="0">
+            <a:schemeClr val="accent2"/>
+          </a:effectRef>
+          <a:fontRef idx="minor">
+            <a:schemeClr val="tx1"/>
+          </a:fontRef>
+        </p:style>
+      </p:cxnSp>
+      <p:cxnSp>
+        <p:nvCxnSpPr>
+          <p:cNvPr id="312" name="Straight Arrow Connector 311">
+            <a:extLst>
+              <a:ext uri="{FF2B5EF4-FFF2-40B4-BE49-F238E27FC236}">
+                <a16:creationId xmlns:a16="http://schemas.microsoft.com/office/drawing/2014/main" id="{2F58B525-D1B9-4B31-97C6-8BBE3BECA354}"/>
+              </a:ext>
+            </a:extLst>
+          </p:cNvPr>
+          <p:cNvCxnSpPr>
+            <a:cxnSpLocks/>
+          </p:cNvCxnSpPr>
+          <p:nvPr/>
+        </p:nvCxnSpPr>
+        <p:spPr>
+          <a:xfrm>
+            <a:off x="194934" y="651467"/>
+            <a:ext cx="276544" cy="0"/>
+          </a:xfrm>
+          <a:prstGeom prst="straightConnector1">
+            <a:avLst/>
+          </a:prstGeom>
+          <a:ln>
+            <a:tailEnd type="triangle"/>
+          </a:ln>
+        </p:spPr>
+        <p:style>
+          <a:lnRef idx="1">
+            <a:schemeClr val="dk1"/>
+          </a:lnRef>
+          <a:fillRef idx="0">
+            <a:schemeClr val="dk1"/>
+          </a:fillRef>
+          <a:effectRef idx="0">
+            <a:schemeClr val="dk1"/>
+          </a:effectRef>
+          <a:fontRef idx="minor">
+            <a:schemeClr val="tx1"/>
+          </a:fontRef>
+        </p:style>
+      </p:cxnSp>
+      <p:sp>
+        <p:nvSpPr>
+          <p:cNvPr id="313" name="TextBox 312">
+            <a:extLst>
+              <a:ext uri="{FF2B5EF4-FFF2-40B4-BE49-F238E27FC236}">
+                <a16:creationId xmlns:a16="http://schemas.microsoft.com/office/drawing/2014/main" id="{6D75E5D5-A251-4B37-80D1-383B956A2DC8}"/>
+              </a:ext>
+            </a:extLst>
+          </p:cNvPr>
+          <p:cNvSpPr txBox="1"/>
+          <p:nvPr/>
+        </p:nvSpPr>
+        <p:spPr>
+          <a:xfrm>
+            <a:off x="102781" y="649784"/>
+            <a:ext cx="335427" cy="184666"/>
+          </a:xfrm>
+          <a:prstGeom prst="rect">
+            <a:avLst/>
+          </a:prstGeom>
+          <a:noFill/>
+        </p:spPr>
+        <p:txBody>
+          <a:bodyPr wrap="square" rtlCol="0">
+            <a:spAutoFit/>
+          </a:bodyPr>
+          <a:lstStyle/>
+          <a:p>
+            <a:r>
+              <a:rPr lang="en-US" sz="600" dirty="0">
+                <a:latin typeface="Times New Roman" panose="02020603050405020304" pitchFamily="18" charset="0"/>
+                <a:cs typeface="Times New Roman" panose="02020603050405020304" pitchFamily="18" charset="0"/>
+              </a:rPr>
+              <a:t>User</a:t>
+            </a:r>
+          </a:p>
+        </p:txBody>
+      </p:sp>
+      <p:sp>
+        <p:nvSpPr>
+          <p:cNvPr id="314" name="TextBox 313">
+            <a:extLst>
+              <a:ext uri="{FF2B5EF4-FFF2-40B4-BE49-F238E27FC236}">
+                <a16:creationId xmlns:a16="http://schemas.microsoft.com/office/drawing/2014/main" id="{ACDF0414-FCAE-4E73-A135-AB9AD60D4685}"/>
+              </a:ext>
+            </a:extLst>
+          </p:cNvPr>
+          <p:cNvSpPr txBox="1"/>
+          <p:nvPr/>
+        </p:nvSpPr>
+        <p:spPr>
+          <a:xfrm>
+            <a:off x="532058" y="659856"/>
+            <a:ext cx="548586" cy="184666"/>
+          </a:xfrm>
+          <a:prstGeom prst="rect">
+            <a:avLst/>
+          </a:prstGeom>
+          <a:noFill/>
+        </p:spPr>
+        <p:txBody>
+          <a:bodyPr wrap="square" rtlCol="0">
+            <a:spAutoFit/>
+          </a:bodyPr>
+          <a:lstStyle/>
+          <a:p>
+            <a:r>
+              <a:rPr lang="en-US" sz="600" dirty="0">
+                <a:latin typeface="Times New Roman" panose="02020603050405020304" pitchFamily="18" charset="0"/>
+                <a:cs typeface="Times New Roman" panose="02020603050405020304" pitchFamily="18" charset="0"/>
+              </a:rPr>
+              <a:t>Continuous</a:t>
+            </a:r>
+          </a:p>
+        </p:txBody>
+      </p:sp>
+      <p:sp>
+        <p:nvSpPr>
+          <p:cNvPr id="109" name="Rectangle 108">
+            <a:extLst>
+              <a:ext uri="{FF2B5EF4-FFF2-40B4-BE49-F238E27FC236}">
+                <a16:creationId xmlns:a16="http://schemas.microsoft.com/office/drawing/2014/main" id="{824E66EC-233C-4FC0-99DB-A5BA59426310}"/>
+              </a:ext>
+            </a:extLst>
+          </p:cNvPr>
+          <p:cNvSpPr/>
+          <p:nvPr/>
+        </p:nvSpPr>
+        <p:spPr>
+          <a:xfrm>
+            <a:off x="9437588" y="3736846"/>
+            <a:ext cx="842570" cy="471880"/>
+          </a:xfrm>
+          <a:prstGeom prst="rect">
+            <a:avLst/>
+          </a:prstGeom>
+          <a:solidFill>
+            <a:schemeClr val="accent5">
+              <a:lumMod val="20000"/>
+              <a:lumOff val="80000"/>
+            </a:schemeClr>
+          </a:solidFill>
+        </p:spPr>
+        <p:style>
+          <a:lnRef idx="2">
+            <a:schemeClr val="accent1">
+              <a:shade val="50000"/>
+            </a:schemeClr>
+          </a:lnRef>
+          <a:fillRef idx="1">
+            <a:schemeClr val="accent1"/>
+          </a:fillRef>
+          <a:effectRef idx="0">
+            <a:schemeClr val="accent1"/>
+          </a:effectRef>
+          <a:fontRef idx="minor">
+            <a:schemeClr val="lt1"/>
+          </a:fontRef>
+        </p:style>
+        <p:txBody>
+          <a:bodyPr rtlCol="0" anchor="ctr"/>
+          <a:lstStyle/>
+          <a:p>
+            <a:pPr algn="ctr"/>
+            <a:r>
+              <a:rPr lang="en-US" sz="1100" dirty="0">
+                <a:solidFill>
+                  <a:schemeClr val="tx1"/>
+                </a:solidFill>
+                <a:latin typeface="Times New Roman" panose="02020603050405020304" pitchFamily="18" charset="0"/>
+                <a:cs typeface="Times New Roman" panose="02020603050405020304" pitchFamily="18" charset="0"/>
+              </a:rPr>
+              <a:t>Load calculation</a:t>
+            </a:r>
+          </a:p>
+        </p:txBody>
+      </p:sp>
+      <p:sp>
+        <p:nvSpPr>
+          <p:cNvPr id="122" name="Rectangle 121">
+            <a:extLst>
+              <a:ext uri="{FF2B5EF4-FFF2-40B4-BE49-F238E27FC236}">
+                <a16:creationId xmlns:a16="http://schemas.microsoft.com/office/drawing/2014/main" id="{00A77D2B-BD9B-4819-94B9-B8A205395471}"/>
+              </a:ext>
+            </a:extLst>
+          </p:cNvPr>
+          <p:cNvSpPr/>
+          <p:nvPr/>
+        </p:nvSpPr>
+        <p:spPr>
+          <a:xfrm>
+            <a:off x="8510558" y="4388663"/>
+            <a:ext cx="842570" cy="294794"/>
+          </a:xfrm>
+          <a:prstGeom prst="rect">
+            <a:avLst/>
+          </a:prstGeom>
+          <a:solidFill>
+            <a:schemeClr val="accent5">
+              <a:lumMod val="20000"/>
+              <a:lumOff val="80000"/>
+            </a:schemeClr>
+          </a:solidFill>
+        </p:spPr>
+        <p:style>
+          <a:lnRef idx="2">
+            <a:schemeClr val="accent1">
+              <a:shade val="50000"/>
+            </a:schemeClr>
+          </a:lnRef>
+          <a:fillRef idx="1">
+            <a:schemeClr val="accent1"/>
+          </a:fillRef>
+          <a:effectRef idx="0">
+            <a:schemeClr val="accent1"/>
+          </a:effectRef>
+          <a:fontRef idx="minor">
+            <a:schemeClr val="lt1"/>
+          </a:fontRef>
+        </p:style>
+        <p:txBody>
+          <a:bodyPr rtlCol="0" anchor="ctr"/>
+          <a:lstStyle/>
+          <a:p>
+            <a:pPr algn="ctr"/>
+            <a:r>
+              <a:rPr lang="en-US" sz="1100" dirty="0">
+                <a:solidFill>
+                  <a:schemeClr val="tx1"/>
+                </a:solidFill>
+                <a:latin typeface="Times New Roman" panose="02020603050405020304" pitchFamily="18" charset="0"/>
+                <a:cs typeface="Times New Roman" panose="02020603050405020304" pitchFamily="18" charset="0"/>
+              </a:rPr>
+              <a:t>T-test</a:t>
+            </a:r>
+          </a:p>
+        </p:txBody>
+      </p:sp>
+      <p:cxnSp>
+        <p:nvCxnSpPr>
+          <p:cNvPr id="43" name="Connector: Elbow 42">
+            <a:extLst>
+              <a:ext uri="{FF2B5EF4-FFF2-40B4-BE49-F238E27FC236}">
+                <a16:creationId xmlns:a16="http://schemas.microsoft.com/office/drawing/2014/main" id="{C1C00C58-3A02-41EF-B610-7A318F1CC203}"/>
+              </a:ext>
+            </a:extLst>
+          </p:cNvPr>
+          <p:cNvCxnSpPr>
+            <a:cxnSpLocks/>
+            <a:stCxn id="122" idx="1"/>
+            <a:endCxn id="192" idx="2"/>
+          </p:cNvCxnSpPr>
+          <p:nvPr/>
+        </p:nvCxnSpPr>
+        <p:spPr>
+          <a:xfrm rot="10800000">
+            <a:off x="8170134" y="4165516"/>
+            <a:ext cx="340424" cy="370544"/>
+          </a:xfrm>
+          <a:prstGeom prst="bentConnector2">
+            <a:avLst/>
+          </a:prstGeom>
+          <a:ln>
+            <a:tailEnd type="triangle"/>
+          </a:ln>
+        </p:spPr>
+        <p:style>
+          <a:lnRef idx="1">
+            <a:schemeClr val="accent2"/>
+          </a:lnRef>
+          <a:fillRef idx="0">
+            <a:schemeClr val="accent2"/>
+          </a:fillRef>
+          <a:effectRef idx="0">
+            <a:schemeClr val="accent2"/>
+          </a:effectRef>
+          <a:fontRef idx="minor">
+            <a:schemeClr val="tx1"/>
+          </a:fontRef>
+        </p:style>
+      </p:cxnSp>
+      <p:cxnSp>
+        <p:nvCxnSpPr>
+          <p:cNvPr id="45" name="Connector: Elbow 44">
+            <a:extLst>
+              <a:ext uri="{FF2B5EF4-FFF2-40B4-BE49-F238E27FC236}">
+                <a16:creationId xmlns:a16="http://schemas.microsoft.com/office/drawing/2014/main" id="{4856C0F0-63C9-4EC4-98B1-549F3E832DB5}"/>
+              </a:ext>
+            </a:extLst>
+          </p:cNvPr>
+          <p:cNvCxnSpPr>
+            <a:cxnSpLocks/>
+            <a:endCxn id="192" idx="2"/>
+          </p:cNvCxnSpPr>
+          <p:nvPr/>
+        </p:nvCxnSpPr>
+        <p:spPr>
+          <a:xfrm rot="10800000">
+            <a:off x="8170134" y="4165516"/>
+            <a:ext cx="508204" cy="1749272"/>
+          </a:xfrm>
+          <a:prstGeom prst="bentConnector2">
+            <a:avLst/>
+          </a:prstGeom>
+          <a:ln>
+            <a:tailEnd type="triangle"/>
+          </a:ln>
+        </p:spPr>
+        <p:style>
+          <a:lnRef idx="1">
+            <a:schemeClr val="accent2"/>
+          </a:lnRef>
+          <a:fillRef idx="0">
+            <a:schemeClr val="accent2"/>
+          </a:fillRef>
+          <a:effectRef idx="0">
+            <a:schemeClr val="accent2"/>
+          </a:effectRef>
+          <a:fontRef idx="minor">
+            <a:schemeClr val="tx1"/>
+          </a:fontRef>
+        </p:style>
+      </p:cxnSp>
+      <p:sp>
+        <p:nvSpPr>
+          <p:cNvPr id="129" name="Rectangle 128">
+            <a:extLst>
+              <a:ext uri="{FF2B5EF4-FFF2-40B4-BE49-F238E27FC236}">
+                <a16:creationId xmlns:a16="http://schemas.microsoft.com/office/drawing/2014/main" id="{15E24294-7B40-493C-9A27-4B0210F5BB42}"/>
+              </a:ext>
+            </a:extLst>
+          </p:cNvPr>
+          <p:cNvSpPr/>
+          <p:nvPr/>
+        </p:nvSpPr>
+        <p:spPr>
+          <a:xfrm>
+            <a:off x="10353894" y="3742851"/>
+            <a:ext cx="842570" cy="471880"/>
+          </a:xfrm>
+          <a:prstGeom prst="rect">
+            <a:avLst/>
+          </a:prstGeom>
+          <a:solidFill>
+            <a:schemeClr val="accent5">
+              <a:lumMod val="20000"/>
+              <a:lumOff val="80000"/>
+            </a:schemeClr>
+          </a:solidFill>
+        </p:spPr>
+        <p:style>
+          <a:lnRef idx="2">
+            <a:schemeClr val="accent1">
+              <a:shade val="50000"/>
+            </a:schemeClr>
+          </a:lnRef>
+          <a:fillRef idx="1">
+            <a:schemeClr val="accent1"/>
+          </a:fillRef>
+          <a:effectRef idx="0">
+            <a:schemeClr val="accent1"/>
+          </a:effectRef>
+          <a:fontRef idx="minor">
+            <a:schemeClr val="lt1"/>
+          </a:fontRef>
+        </p:style>
+        <p:txBody>
+          <a:bodyPr rtlCol="0" anchor="ctr"/>
+          <a:lstStyle/>
+          <a:p>
+            <a:pPr algn="ctr"/>
+            <a:r>
+              <a:rPr lang="en-US" sz="1100" dirty="0">
+                <a:solidFill>
+                  <a:schemeClr val="tx1"/>
+                </a:solidFill>
+                <a:latin typeface="Times New Roman" panose="02020603050405020304" pitchFamily="18" charset="0"/>
+                <a:cs typeface="Times New Roman" panose="02020603050405020304" pitchFamily="18" charset="0"/>
+              </a:rPr>
+              <a:t>T-test/ Wilcoxon test</a:t>
+            </a:r>
+          </a:p>
+        </p:txBody>
+      </p:sp>
+      <p:sp>
+        <p:nvSpPr>
+          <p:cNvPr id="134" name="Rectangle 133">
+            <a:extLst>
+              <a:ext uri="{FF2B5EF4-FFF2-40B4-BE49-F238E27FC236}">
+                <a16:creationId xmlns:a16="http://schemas.microsoft.com/office/drawing/2014/main" id="{F8C0FB36-1645-4617-9809-6BF81DAECE2A}"/>
+              </a:ext>
+            </a:extLst>
+          </p:cNvPr>
+          <p:cNvSpPr/>
+          <p:nvPr/>
+        </p:nvSpPr>
+        <p:spPr>
+          <a:xfrm>
+            <a:off x="8503383" y="4807348"/>
+            <a:ext cx="842570" cy="370545"/>
+          </a:xfrm>
+          <a:prstGeom prst="rect">
+            <a:avLst/>
+          </a:prstGeom>
+          <a:solidFill>
+            <a:schemeClr val="accent5">
+              <a:lumMod val="20000"/>
+              <a:lumOff val="80000"/>
+            </a:schemeClr>
+          </a:solidFill>
+        </p:spPr>
+        <p:style>
+          <a:lnRef idx="2">
+            <a:schemeClr val="accent1">
+              <a:shade val="50000"/>
+            </a:schemeClr>
+          </a:lnRef>
+          <a:fillRef idx="1">
+            <a:schemeClr val="accent1"/>
+          </a:fillRef>
+          <a:effectRef idx="0">
+            <a:schemeClr val="accent1"/>
+          </a:effectRef>
+          <a:fontRef idx="minor">
+            <a:schemeClr val="lt1"/>
+          </a:fontRef>
+        </p:style>
+        <p:txBody>
+          <a:bodyPr rtlCol="0" anchor="ctr"/>
+          <a:lstStyle/>
+          <a:p>
+            <a:pPr algn="ctr"/>
+            <a:r>
+              <a:rPr lang="en-US" sz="1100" dirty="0">
+                <a:solidFill>
+                  <a:schemeClr val="tx1"/>
+                </a:solidFill>
+                <a:latin typeface="Times New Roman" panose="02020603050405020304" pitchFamily="18" charset="0"/>
+                <a:cs typeface="Times New Roman" panose="02020603050405020304" pitchFamily="18" charset="0"/>
+              </a:rPr>
+              <a:t>Wilcoxon test</a:t>
+            </a:r>
+          </a:p>
+        </p:txBody>
+      </p:sp>
+      <p:cxnSp>
+        <p:nvCxnSpPr>
+          <p:cNvPr id="137" name="Connector: Elbow 136">
+            <a:extLst>
+              <a:ext uri="{FF2B5EF4-FFF2-40B4-BE49-F238E27FC236}">
+                <a16:creationId xmlns:a16="http://schemas.microsoft.com/office/drawing/2014/main" id="{22CC47AA-CD83-4513-9BA6-85D3245E171E}"/>
+              </a:ext>
+            </a:extLst>
+          </p:cNvPr>
+          <p:cNvCxnSpPr>
+            <a:cxnSpLocks/>
+            <a:stCxn id="154" idx="1"/>
+            <a:endCxn id="134" idx="3"/>
+          </p:cNvCxnSpPr>
+          <p:nvPr/>
+        </p:nvCxnSpPr>
+        <p:spPr>
+          <a:xfrm rot="10800000" flipV="1">
+            <a:off x="9345954" y="4772001"/>
+            <a:ext cx="514799" cy="220620"/>
+          </a:xfrm>
+          <a:prstGeom prst="bentConnector3">
+            <a:avLst>
+              <a:gd name="adj1" fmla="val 50000"/>
+            </a:avLst>
+          </a:prstGeom>
+          <a:ln>
+            <a:tailEnd type="triangle"/>
+          </a:ln>
+        </p:spPr>
+        <p:style>
+          <a:lnRef idx="1">
+            <a:schemeClr val="accent2"/>
+          </a:lnRef>
+          <a:fillRef idx="0">
+            <a:schemeClr val="accent2"/>
+          </a:fillRef>
+          <a:effectRef idx="0">
+            <a:schemeClr val="accent2"/>
+          </a:effectRef>
+          <a:fontRef idx="minor">
+            <a:schemeClr val="tx1"/>
+          </a:fontRef>
+        </p:style>
+      </p:cxnSp>
+      <p:cxnSp>
+        <p:nvCxnSpPr>
+          <p:cNvPr id="141" name="Connector: Elbow 140">
+            <a:extLst>
+              <a:ext uri="{FF2B5EF4-FFF2-40B4-BE49-F238E27FC236}">
+                <a16:creationId xmlns:a16="http://schemas.microsoft.com/office/drawing/2014/main" id="{12B09A82-4667-4386-BD15-A7D9B24C4D76}"/>
+              </a:ext>
+            </a:extLst>
+          </p:cNvPr>
+          <p:cNvCxnSpPr>
+            <a:cxnSpLocks/>
+            <a:stCxn id="154" idx="1"/>
+            <a:endCxn id="122" idx="3"/>
+          </p:cNvCxnSpPr>
+          <p:nvPr/>
+        </p:nvCxnSpPr>
+        <p:spPr>
+          <a:xfrm rot="10800000">
+            <a:off x="9353128" y="4536061"/>
+            <a:ext cx="507624" cy="235941"/>
+          </a:xfrm>
+          <a:prstGeom prst="bentConnector3">
+            <a:avLst>
+              <a:gd name="adj1" fmla="val 50000"/>
+            </a:avLst>
+          </a:prstGeom>
+          <a:ln>
+            <a:tailEnd type="triangle"/>
+          </a:ln>
+        </p:spPr>
+        <p:style>
+          <a:lnRef idx="1">
+            <a:schemeClr val="accent2"/>
+          </a:lnRef>
+          <a:fillRef idx="0">
+            <a:schemeClr val="accent2"/>
+          </a:fillRef>
+          <a:effectRef idx="0">
+            <a:schemeClr val="accent2"/>
+          </a:effectRef>
+          <a:fontRef idx="minor">
+            <a:schemeClr val="tx1"/>
+          </a:fontRef>
+        </p:style>
+      </p:cxnSp>
+      <p:sp>
+        <p:nvSpPr>
+          <p:cNvPr id="145" name="TextBox 144">
+            <a:extLst>
+              <a:ext uri="{FF2B5EF4-FFF2-40B4-BE49-F238E27FC236}">
+                <a16:creationId xmlns:a16="http://schemas.microsoft.com/office/drawing/2014/main" id="{6E052AE9-AF9C-471F-A816-9AE54B883676}"/>
+              </a:ext>
+            </a:extLst>
+          </p:cNvPr>
+          <p:cNvSpPr txBox="1"/>
+          <p:nvPr/>
+        </p:nvSpPr>
+        <p:spPr>
+          <a:xfrm>
+            <a:off x="9316061" y="4294584"/>
+            <a:ext cx="385263" cy="246221"/>
+          </a:xfrm>
+          <a:prstGeom prst="rect">
+            <a:avLst/>
+          </a:prstGeom>
+          <a:noFill/>
+        </p:spPr>
+        <p:txBody>
+          <a:bodyPr wrap="square" rtlCol="0">
+            <a:spAutoFit/>
+          </a:bodyPr>
+          <a:lstStyle/>
+          <a:p>
+            <a:r>
+              <a:rPr lang="en-US" sz="1000" dirty="0">
+                <a:latin typeface="Times New Roman" panose="02020603050405020304" pitchFamily="18" charset="0"/>
+                <a:cs typeface="Times New Roman" panose="02020603050405020304" pitchFamily="18" charset="0"/>
+              </a:rPr>
+              <a:t>Yes</a:t>
+            </a:r>
+          </a:p>
+        </p:txBody>
+      </p:sp>
+      <p:sp>
+        <p:nvSpPr>
+          <p:cNvPr id="146" name="TextBox 145">
+            <a:extLst>
+              <a:ext uri="{FF2B5EF4-FFF2-40B4-BE49-F238E27FC236}">
+                <a16:creationId xmlns:a16="http://schemas.microsoft.com/office/drawing/2014/main" id="{6E54955F-3250-4C1D-A89C-E35BAABCCDD3}"/>
+              </a:ext>
+            </a:extLst>
+          </p:cNvPr>
+          <p:cNvSpPr txBox="1"/>
+          <p:nvPr/>
+        </p:nvSpPr>
+        <p:spPr>
+          <a:xfrm>
+            <a:off x="9305107" y="4973294"/>
+            <a:ext cx="445812" cy="246221"/>
+          </a:xfrm>
+          <a:prstGeom prst="rect">
+            <a:avLst/>
+          </a:prstGeom>
+          <a:noFill/>
+        </p:spPr>
+        <p:txBody>
+          <a:bodyPr wrap="square" rtlCol="0">
+            <a:spAutoFit/>
+          </a:bodyPr>
+          <a:lstStyle/>
+          <a:p>
+            <a:r>
+              <a:rPr lang="en-US" sz="1000" dirty="0">
+                <a:latin typeface="Times New Roman" panose="02020603050405020304" pitchFamily="18" charset="0"/>
+                <a:cs typeface="Times New Roman" panose="02020603050405020304" pitchFamily="18" charset="0"/>
+              </a:rPr>
+              <a:t>No</a:t>
+            </a:r>
+          </a:p>
+        </p:txBody>
+      </p:sp>
+      <p:cxnSp>
+        <p:nvCxnSpPr>
+          <p:cNvPr id="147" name="Connector: Elbow 146">
+            <a:extLst>
+              <a:ext uri="{FF2B5EF4-FFF2-40B4-BE49-F238E27FC236}">
+                <a16:creationId xmlns:a16="http://schemas.microsoft.com/office/drawing/2014/main" id="{68A87896-2BD7-4E84-802D-6925A49135A3}"/>
+              </a:ext>
+            </a:extLst>
+          </p:cNvPr>
+          <p:cNvCxnSpPr>
+            <a:cxnSpLocks/>
+            <a:stCxn id="73" idx="3"/>
+            <a:endCxn id="129" idx="0"/>
+          </p:cNvCxnSpPr>
+          <p:nvPr/>
+        </p:nvCxnSpPr>
+        <p:spPr>
+          <a:xfrm>
+            <a:off x="9809018" y="1366485"/>
+            <a:ext cx="966161" cy="2376366"/>
+          </a:xfrm>
+          <a:prstGeom prst="bentConnector2">
+            <a:avLst/>
+          </a:prstGeom>
+          <a:ln>
+            <a:tailEnd type="triangle"/>
+          </a:ln>
+        </p:spPr>
+        <p:style>
+          <a:lnRef idx="1">
+            <a:schemeClr val="accent2"/>
+          </a:lnRef>
+          <a:fillRef idx="0">
+            <a:schemeClr val="accent2"/>
+          </a:fillRef>
+          <a:effectRef idx="0">
+            <a:schemeClr val="accent2"/>
+          </a:effectRef>
+          <a:fontRef idx="minor">
+            <a:schemeClr val="tx1"/>
+          </a:fontRef>
+        </p:style>
+      </p:cxnSp>
+      <p:cxnSp>
+        <p:nvCxnSpPr>
+          <p:cNvPr id="151" name="Connector: Elbow 150">
+            <a:extLst>
+              <a:ext uri="{FF2B5EF4-FFF2-40B4-BE49-F238E27FC236}">
+                <a16:creationId xmlns:a16="http://schemas.microsoft.com/office/drawing/2014/main" id="{8C0689D9-AF89-42BA-8200-497BE6F9BA5C}"/>
+              </a:ext>
+            </a:extLst>
+          </p:cNvPr>
+          <p:cNvCxnSpPr>
+            <a:cxnSpLocks/>
+            <a:stCxn id="129" idx="2"/>
+            <a:endCxn id="154" idx="3"/>
+          </p:cNvCxnSpPr>
+          <p:nvPr/>
+        </p:nvCxnSpPr>
+        <p:spPr>
+          <a:xfrm rot="5400000">
+            <a:off x="10395109" y="4391931"/>
+            <a:ext cx="557270" cy="202871"/>
+          </a:xfrm>
+          <a:prstGeom prst="bentConnector2">
+            <a:avLst/>
+          </a:prstGeom>
+          <a:ln>
+            <a:tailEnd type="triangle"/>
+          </a:ln>
+        </p:spPr>
+        <p:style>
+          <a:lnRef idx="1">
+            <a:schemeClr val="accent2"/>
+          </a:lnRef>
+          <a:fillRef idx="0">
+            <a:schemeClr val="accent2"/>
+          </a:fillRef>
+          <a:effectRef idx="0">
+            <a:schemeClr val="accent2"/>
+          </a:effectRef>
+          <a:fontRef idx="minor">
+            <a:schemeClr val="tx1"/>
+          </a:fontRef>
+        </p:style>
+      </p:cxnSp>
+      <p:sp>
+        <p:nvSpPr>
+          <p:cNvPr id="153" name="Rectangle 152">
+            <a:extLst>
+              <a:ext uri="{FF2B5EF4-FFF2-40B4-BE49-F238E27FC236}">
+                <a16:creationId xmlns:a16="http://schemas.microsoft.com/office/drawing/2014/main" id="{C3ED9E09-C8CB-42DC-B697-0A51818D4007}"/>
+              </a:ext>
+            </a:extLst>
+          </p:cNvPr>
+          <p:cNvSpPr/>
+          <p:nvPr/>
+        </p:nvSpPr>
+        <p:spPr>
+          <a:xfrm>
+            <a:off x="11270200" y="3736846"/>
+            <a:ext cx="842570" cy="471880"/>
+          </a:xfrm>
+          <a:prstGeom prst="rect">
+            <a:avLst/>
+          </a:prstGeom>
+          <a:solidFill>
+            <a:schemeClr val="accent5">
+              <a:lumMod val="20000"/>
+              <a:lumOff val="80000"/>
+            </a:schemeClr>
+          </a:solidFill>
+        </p:spPr>
+        <p:style>
+          <a:lnRef idx="2">
+            <a:schemeClr val="accent1">
+              <a:shade val="50000"/>
+            </a:schemeClr>
+          </a:lnRef>
+          <a:fillRef idx="1">
+            <a:schemeClr val="accent1"/>
+          </a:fillRef>
+          <a:effectRef idx="0">
+            <a:schemeClr val="accent1"/>
+          </a:effectRef>
+          <a:fontRef idx="minor">
+            <a:schemeClr val="lt1"/>
+          </a:fontRef>
+        </p:style>
+        <p:txBody>
+          <a:bodyPr rtlCol="0" anchor="ctr"/>
+          <a:lstStyle/>
+          <a:p>
+            <a:pPr algn="ctr"/>
+            <a:r>
+              <a:rPr lang="en-US" sz="1100" dirty="0">
+                <a:solidFill>
+                  <a:schemeClr val="tx1"/>
+                </a:solidFill>
+                <a:latin typeface="Times New Roman" panose="02020603050405020304" pitchFamily="18" charset="0"/>
+                <a:cs typeface="Times New Roman" panose="02020603050405020304" pitchFamily="18" charset="0"/>
+              </a:rPr>
+              <a:t>Dimension reduction (PCA)</a:t>
+            </a:r>
+          </a:p>
+        </p:txBody>
+      </p:sp>
+      <p:cxnSp>
+        <p:nvCxnSpPr>
+          <p:cNvPr id="158" name="Connector: Elbow 157">
+            <a:extLst>
+              <a:ext uri="{FF2B5EF4-FFF2-40B4-BE49-F238E27FC236}">
+                <a16:creationId xmlns:a16="http://schemas.microsoft.com/office/drawing/2014/main" id="{86466C70-5D9C-4716-9559-34151EE2BF1C}"/>
+              </a:ext>
+            </a:extLst>
+          </p:cNvPr>
+          <p:cNvCxnSpPr>
+            <a:cxnSpLocks/>
+            <a:stCxn id="73" idx="3"/>
+            <a:endCxn id="153" idx="0"/>
+          </p:cNvCxnSpPr>
+          <p:nvPr/>
+        </p:nvCxnSpPr>
+        <p:spPr>
+          <a:xfrm>
+            <a:off x="9809018" y="1366485"/>
+            <a:ext cx="1882467" cy="2370361"/>
+          </a:xfrm>
+          <a:prstGeom prst="bentConnector2">
+            <a:avLst/>
+          </a:prstGeom>
+          <a:ln>
+            <a:tailEnd type="triangle"/>
+          </a:ln>
+        </p:spPr>
+        <p:style>
+          <a:lnRef idx="1">
+            <a:schemeClr val="accent2"/>
+          </a:lnRef>
+          <a:fillRef idx="0">
+            <a:schemeClr val="accent2"/>
+          </a:fillRef>
+          <a:effectRef idx="0">
+            <a:schemeClr val="accent2"/>
+          </a:effectRef>
+          <a:fontRef idx="minor">
+            <a:schemeClr val="tx1"/>
+          </a:fontRef>
+        </p:style>
+      </p:cxnSp>
+      <p:sp>
+        <p:nvSpPr>
+          <p:cNvPr id="165" name="Flowchart: Delay 164">
+            <a:extLst>
+              <a:ext uri="{FF2B5EF4-FFF2-40B4-BE49-F238E27FC236}">
+                <a16:creationId xmlns:a16="http://schemas.microsoft.com/office/drawing/2014/main" id="{A3895629-BF5A-4A8F-980D-B9B52C40E133}"/>
+              </a:ext>
+            </a:extLst>
+          </p:cNvPr>
+          <p:cNvSpPr/>
+          <p:nvPr/>
+        </p:nvSpPr>
+        <p:spPr>
+          <a:xfrm>
+            <a:off x="9830839" y="5476667"/>
+            <a:ext cx="711556" cy="471880"/>
+          </a:xfrm>
+          <a:prstGeom prst="flowChartDelay">
+            <a:avLst/>
+          </a:prstGeom>
+        </p:spPr>
+        <p:style>
+          <a:lnRef idx="2">
+            <a:schemeClr val="accent1">
+              <a:shade val="50000"/>
+            </a:schemeClr>
+          </a:lnRef>
+          <a:fillRef idx="1">
+            <a:schemeClr val="accent1"/>
+          </a:fillRef>
+          <a:effectRef idx="0">
+            <a:schemeClr val="accent1"/>
+          </a:effectRef>
+          <a:fontRef idx="minor">
+            <a:schemeClr val="lt1"/>
+          </a:fontRef>
+        </p:style>
+        <p:txBody>
+          <a:bodyPr rtlCol="0" anchor="ctr"/>
+          <a:lstStyle/>
+          <a:p>
+            <a:r>
+              <a:rPr lang="en-US" sz="900" dirty="0">
+                <a:latin typeface="Times New Roman" panose="02020603050405020304" pitchFamily="18" charset="0"/>
+                <a:cs typeface="Times New Roman" panose="02020603050405020304" pitchFamily="18" charset="0"/>
+              </a:rPr>
+              <a:t>Normal?</a:t>
+            </a:r>
+          </a:p>
+        </p:txBody>
+      </p:sp>
+      <p:cxnSp>
+        <p:nvCxnSpPr>
+          <p:cNvPr id="167" name="Connector: Elbow 166">
+            <a:extLst>
+              <a:ext uri="{FF2B5EF4-FFF2-40B4-BE49-F238E27FC236}">
+                <a16:creationId xmlns:a16="http://schemas.microsoft.com/office/drawing/2014/main" id="{5D5F2D34-3014-4DAF-BCBF-17C9A0B3EFE3}"/>
+              </a:ext>
+            </a:extLst>
+          </p:cNvPr>
+          <p:cNvCxnSpPr>
+            <a:cxnSpLocks/>
+            <a:stCxn id="165" idx="1"/>
+            <a:endCxn id="180" idx="3"/>
+          </p:cNvCxnSpPr>
+          <p:nvPr/>
+        </p:nvCxnSpPr>
+        <p:spPr>
+          <a:xfrm rot="10800000" flipV="1">
+            <a:off x="9313203" y="5712606"/>
+            <a:ext cx="517636" cy="240057"/>
+          </a:xfrm>
+          <a:prstGeom prst="bentConnector3">
+            <a:avLst>
+              <a:gd name="adj1" fmla="val 50000"/>
+            </a:avLst>
+          </a:prstGeom>
+          <a:ln>
+            <a:tailEnd type="triangle"/>
+          </a:ln>
+        </p:spPr>
+        <p:style>
+          <a:lnRef idx="1">
+            <a:schemeClr val="accent2"/>
+          </a:lnRef>
+          <a:fillRef idx="0">
+            <a:schemeClr val="accent2"/>
+          </a:fillRef>
+          <a:effectRef idx="0">
+            <a:schemeClr val="accent2"/>
+          </a:effectRef>
+          <a:fontRef idx="minor">
+            <a:schemeClr val="tx1"/>
+          </a:fontRef>
+        </p:style>
+      </p:cxnSp>
+      <p:cxnSp>
+        <p:nvCxnSpPr>
+          <p:cNvPr id="170" name="Connector: Elbow 169">
+            <a:extLst>
+              <a:ext uri="{FF2B5EF4-FFF2-40B4-BE49-F238E27FC236}">
+                <a16:creationId xmlns:a16="http://schemas.microsoft.com/office/drawing/2014/main" id="{12740E37-F750-496C-8480-AEA1577F6F3F}"/>
+              </a:ext>
+            </a:extLst>
+          </p:cNvPr>
+          <p:cNvCxnSpPr>
+            <a:cxnSpLocks/>
+            <a:stCxn id="165" idx="1"/>
+            <a:endCxn id="176" idx="3"/>
+          </p:cNvCxnSpPr>
+          <p:nvPr/>
+        </p:nvCxnSpPr>
+        <p:spPr>
+          <a:xfrm rot="10800000">
+            <a:off x="9320379" y="5496103"/>
+            <a:ext cx="510461" cy="216504"/>
+          </a:xfrm>
+          <a:prstGeom prst="bentConnector3">
+            <a:avLst>
+              <a:gd name="adj1" fmla="val 50000"/>
+            </a:avLst>
+          </a:prstGeom>
+          <a:ln>
+            <a:tailEnd type="triangle"/>
+          </a:ln>
+        </p:spPr>
+        <p:style>
+          <a:lnRef idx="1">
+            <a:schemeClr val="accent2"/>
+          </a:lnRef>
+          <a:fillRef idx="0">
+            <a:schemeClr val="accent2"/>
+          </a:fillRef>
+          <a:effectRef idx="0">
+            <a:schemeClr val="accent2"/>
+          </a:effectRef>
+          <a:fontRef idx="minor">
+            <a:schemeClr val="tx1"/>
+          </a:fontRef>
+        </p:style>
+      </p:cxnSp>
+      <p:sp>
+        <p:nvSpPr>
+          <p:cNvPr id="172" name="TextBox 171">
+            <a:extLst>
+              <a:ext uri="{FF2B5EF4-FFF2-40B4-BE49-F238E27FC236}">
+                <a16:creationId xmlns:a16="http://schemas.microsoft.com/office/drawing/2014/main" id="{D3876BFB-ACC1-4C34-ADFC-1B4721832A34}"/>
+              </a:ext>
+            </a:extLst>
+          </p:cNvPr>
+          <p:cNvSpPr txBox="1"/>
+          <p:nvPr/>
+        </p:nvSpPr>
+        <p:spPr>
+          <a:xfrm>
+            <a:off x="9258920" y="5249774"/>
+            <a:ext cx="385263" cy="246221"/>
+          </a:xfrm>
+          <a:prstGeom prst="rect">
+            <a:avLst/>
+          </a:prstGeom>
+          <a:noFill/>
+        </p:spPr>
+        <p:txBody>
+          <a:bodyPr wrap="square" rtlCol="0">
+            <a:spAutoFit/>
+          </a:bodyPr>
+          <a:lstStyle/>
+          <a:p>
+            <a:r>
+              <a:rPr lang="en-US" sz="1000" dirty="0">
+                <a:latin typeface="Times New Roman" panose="02020603050405020304" pitchFamily="18" charset="0"/>
+                <a:cs typeface="Times New Roman" panose="02020603050405020304" pitchFamily="18" charset="0"/>
+              </a:rPr>
+              <a:t>Yes</a:t>
+            </a:r>
+          </a:p>
+        </p:txBody>
+      </p:sp>
+      <p:sp>
+        <p:nvSpPr>
+          <p:cNvPr id="173" name="TextBox 172">
+            <a:extLst>
+              <a:ext uri="{FF2B5EF4-FFF2-40B4-BE49-F238E27FC236}">
+                <a16:creationId xmlns:a16="http://schemas.microsoft.com/office/drawing/2014/main" id="{22AB62E9-7284-4BA4-94F8-55FB2FB7E5BA}"/>
+              </a:ext>
+            </a:extLst>
+          </p:cNvPr>
+          <p:cNvSpPr txBox="1"/>
+          <p:nvPr/>
+        </p:nvSpPr>
+        <p:spPr>
+          <a:xfrm>
+            <a:off x="9289082" y="5928859"/>
+            <a:ext cx="445812" cy="246221"/>
+          </a:xfrm>
+          <a:prstGeom prst="rect">
+            <a:avLst/>
+          </a:prstGeom>
+          <a:noFill/>
+        </p:spPr>
+        <p:txBody>
+          <a:bodyPr wrap="square" rtlCol="0">
+            <a:spAutoFit/>
+          </a:bodyPr>
+          <a:lstStyle/>
+          <a:p>
+            <a:r>
+              <a:rPr lang="en-US" sz="1000" dirty="0">
+                <a:latin typeface="Times New Roman" panose="02020603050405020304" pitchFamily="18" charset="0"/>
+                <a:cs typeface="Times New Roman" panose="02020603050405020304" pitchFamily="18" charset="0"/>
+              </a:rPr>
+              <a:t>No</a:t>
+            </a:r>
+          </a:p>
+        </p:txBody>
+      </p:sp>
+      <p:cxnSp>
+        <p:nvCxnSpPr>
+          <p:cNvPr id="175" name="Connector: Elbow 174">
+            <a:extLst>
+              <a:ext uri="{FF2B5EF4-FFF2-40B4-BE49-F238E27FC236}">
+                <a16:creationId xmlns:a16="http://schemas.microsoft.com/office/drawing/2014/main" id="{176E1B1F-E52B-4D86-A7E0-E34CB4E36EE4}"/>
+              </a:ext>
+            </a:extLst>
+          </p:cNvPr>
+          <p:cNvCxnSpPr>
+            <a:cxnSpLocks/>
+            <a:stCxn id="153" idx="2"/>
+            <a:endCxn id="165" idx="3"/>
+          </p:cNvCxnSpPr>
+          <p:nvPr/>
+        </p:nvCxnSpPr>
+        <p:spPr>
+          <a:xfrm rot="5400000">
+            <a:off x="10365000" y="4386121"/>
+            <a:ext cx="1503881" cy="1149090"/>
+          </a:xfrm>
+          <a:prstGeom prst="bentConnector2">
+            <a:avLst/>
+          </a:prstGeom>
+          <a:ln>
+            <a:tailEnd type="triangle"/>
+          </a:ln>
+        </p:spPr>
+        <p:style>
+          <a:lnRef idx="1">
+            <a:schemeClr val="accent2"/>
+          </a:lnRef>
+          <a:fillRef idx="0">
+            <a:schemeClr val="accent2"/>
+          </a:fillRef>
+          <a:effectRef idx="0">
+            <a:schemeClr val="accent2"/>
+          </a:effectRef>
+          <a:fontRef idx="minor">
+            <a:schemeClr val="tx1"/>
+          </a:fontRef>
+        </p:style>
+      </p:cxnSp>
+      <p:sp>
+        <p:nvSpPr>
+          <p:cNvPr id="176" name="Rectangle 175">
+            <a:extLst>
+              <a:ext uri="{FF2B5EF4-FFF2-40B4-BE49-F238E27FC236}">
+                <a16:creationId xmlns:a16="http://schemas.microsoft.com/office/drawing/2014/main" id="{9835B297-14DA-40E7-9D99-C3765ACC3486}"/>
+              </a:ext>
+            </a:extLst>
+          </p:cNvPr>
+          <p:cNvSpPr/>
+          <p:nvPr/>
+        </p:nvSpPr>
+        <p:spPr>
+          <a:xfrm>
+            <a:off x="8477808" y="5348706"/>
+            <a:ext cx="842570" cy="294794"/>
+          </a:xfrm>
+          <a:prstGeom prst="rect">
+            <a:avLst/>
+          </a:prstGeom>
+          <a:solidFill>
+            <a:schemeClr val="accent5">
+              <a:lumMod val="20000"/>
+              <a:lumOff val="80000"/>
+            </a:schemeClr>
+          </a:solidFill>
+        </p:spPr>
+        <p:style>
+          <a:lnRef idx="2">
+            <a:schemeClr val="accent1">
+              <a:shade val="50000"/>
+            </a:schemeClr>
+          </a:lnRef>
+          <a:fillRef idx="1">
+            <a:schemeClr val="accent1"/>
+          </a:fillRef>
+          <a:effectRef idx="0">
+            <a:schemeClr val="accent1"/>
+          </a:effectRef>
+          <a:fontRef idx="minor">
+            <a:schemeClr val="lt1"/>
+          </a:fontRef>
+        </p:style>
+        <p:txBody>
+          <a:bodyPr rtlCol="0" anchor="ctr"/>
+          <a:lstStyle/>
+          <a:p>
+            <a:pPr algn="ctr"/>
+            <a:r>
+              <a:rPr lang="en-US" sz="1100" dirty="0">
+                <a:solidFill>
+                  <a:schemeClr val="tx1"/>
+                </a:solidFill>
+                <a:latin typeface="Times New Roman" panose="02020603050405020304" pitchFamily="18" charset="0"/>
+                <a:cs typeface="Times New Roman" panose="02020603050405020304" pitchFamily="18" charset="0"/>
+              </a:rPr>
+              <a:t>Pearson r</a:t>
+            </a:r>
+          </a:p>
+        </p:txBody>
+      </p:sp>
+      <p:sp>
+        <p:nvSpPr>
+          <p:cNvPr id="180" name="Rectangle 179">
+            <a:extLst>
+              <a:ext uri="{FF2B5EF4-FFF2-40B4-BE49-F238E27FC236}">
+                <a16:creationId xmlns:a16="http://schemas.microsoft.com/office/drawing/2014/main" id="{48ABDC64-A635-4351-8247-0211965B7899}"/>
+              </a:ext>
+            </a:extLst>
+          </p:cNvPr>
+          <p:cNvSpPr/>
+          <p:nvPr/>
+        </p:nvSpPr>
+        <p:spPr>
+          <a:xfrm>
+            <a:off x="8470633" y="5767391"/>
+            <a:ext cx="842570" cy="370545"/>
+          </a:xfrm>
+          <a:prstGeom prst="rect">
+            <a:avLst/>
+          </a:prstGeom>
+          <a:solidFill>
+            <a:schemeClr val="accent5">
+              <a:lumMod val="20000"/>
+              <a:lumOff val="80000"/>
+            </a:schemeClr>
+          </a:solidFill>
+        </p:spPr>
+        <p:style>
+          <a:lnRef idx="2">
+            <a:schemeClr val="accent1">
+              <a:shade val="50000"/>
+            </a:schemeClr>
+          </a:lnRef>
+          <a:fillRef idx="1">
+            <a:schemeClr val="accent1"/>
+          </a:fillRef>
+          <a:effectRef idx="0">
+            <a:schemeClr val="accent1"/>
+          </a:effectRef>
+          <a:fontRef idx="minor">
+            <a:schemeClr val="lt1"/>
+          </a:fontRef>
+        </p:style>
+        <p:txBody>
+          <a:bodyPr rtlCol="0" anchor="ctr"/>
+          <a:lstStyle/>
+          <a:p>
+            <a:pPr algn="ctr"/>
+            <a:r>
+              <a:rPr lang="en-US" sz="1100" dirty="0">
+                <a:solidFill>
+                  <a:schemeClr val="tx1"/>
+                </a:solidFill>
+                <a:latin typeface="Times New Roman" panose="02020603050405020304" pitchFamily="18" charset="0"/>
+                <a:cs typeface="Times New Roman" panose="02020603050405020304" pitchFamily="18" charset="0"/>
+              </a:rPr>
+              <a:t>Spearman r</a:t>
+            </a:r>
+          </a:p>
+        </p:txBody>
+      </p:sp>
+      <p:cxnSp>
+        <p:nvCxnSpPr>
+          <p:cNvPr id="182" name="Connector: Elbow 181">
+            <a:extLst>
+              <a:ext uri="{FF2B5EF4-FFF2-40B4-BE49-F238E27FC236}">
+                <a16:creationId xmlns:a16="http://schemas.microsoft.com/office/drawing/2014/main" id="{CAA2406A-A3D0-4677-925E-3BB225FFA371}"/>
+              </a:ext>
+            </a:extLst>
+          </p:cNvPr>
+          <p:cNvCxnSpPr>
+            <a:cxnSpLocks/>
+            <a:stCxn id="192" idx="1"/>
+            <a:endCxn id="199" idx="3"/>
+          </p:cNvCxnSpPr>
+          <p:nvPr/>
+        </p:nvCxnSpPr>
+        <p:spPr>
+          <a:xfrm rot="10800000" flipV="1">
+            <a:off x="7267924" y="3975714"/>
+            <a:ext cx="510661" cy="713341"/>
+          </a:xfrm>
+          <a:prstGeom prst="bentConnector3">
+            <a:avLst>
+              <a:gd name="adj1" fmla="val 50000"/>
+            </a:avLst>
+          </a:prstGeom>
+          <a:ln>
+            <a:tailEnd type="triangle"/>
+          </a:ln>
+        </p:spPr>
+        <p:style>
+          <a:lnRef idx="1">
+            <a:schemeClr val="dk1"/>
+          </a:lnRef>
+          <a:fillRef idx="0">
+            <a:schemeClr val="dk1"/>
+          </a:fillRef>
+          <a:effectRef idx="0">
+            <a:schemeClr val="dk1"/>
+          </a:effectRef>
+          <a:fontRef idx="minor">
+            <a:schemeClr val="tx1"/>
+          </a:fontRef>
+        </p:style>
+      </p:cxnSp>
+      <p:cxnSp>
+        <p:nvCxnSpPr>
+          <p:cNvPr id="184" name="Straight Arrow Connector 183">
+            <a:extLst>
+              <a:ext uri="{FF2B5EF4-FFF2-40B4-BE49-F238E27FC236}">
+                <a16:creationId xmlns:a16="http://schemas.microsoft.com/office/drawing/2014/main" id="{B2069F5D-4B3D-4D97-91B2-4806D29B0130}"/>
+              </a:ext>
+            </a:extLst>
+          </p:cNvPr>
+          <p:cNvCxnSpPr>
+            <a:cxnSpLocks/>
+            <a:stCxn id="109" idx="1"/>
+            <a:endCxn id="192" idx="3"/>
+          </p:cNvCxnSpPr>
+          <p:nvPr/>
+        </p:nvCxnSpPr>
+        <p:spPr>
+          <a:xfrm flipH="1">
+            <a:off x="8561684" y="3972786"/>
+            <a:ext cx="875904" cy="2929"/>
+          </a:xfrm>
+          <a:prstGeom prst="straightConnector1">
+            <a:avLst/>
+          </a:prstGeom>
+          <a:ln>
+            <a:tailEnd type="triangle"/>
+          </a:ln>
+        </p:spPr>
+        <p:style>
+          <a:lnRef idx="1">
+            <a:schemeClr val="accent2"/>
+          </a:lnRef>
+          <a:fillRef idx="0">
+            <a:schemeClr val="accent2"/>
+          </a:fillRef>
+          <a:effectRef idx="0">
+            <a:schemeClr val="accent2"/>
+          </a:effectRef>
+          <a:fontRef idx="minor">
+            <a:schemeClr val="tx1"/>
+          </a:fontRef>
+        </p:style>
+      </p:cxnSp>
+      <p:sp>
+        <p:nvSpPr>
+          <p:cNvPr id="6" name="Rectangle 5">
+            <a:extLst>
+              <a:ext uri="{FF2B5EF4-FFF2-40B4-BE49-F238E27FC236}">
+                <a16:creationId xmlns:a16="http://schemas.microsoft.com/office/drawing/2014/main" id="{112BAC9A-5C00-4C85-B94C-D5BC82C78DD8}"/>
+              </a:ext>
+            </a:extLst>
+          </p:cNvPr>
+          <p:cNvSpPr/>
+          <p:nvPr/>
+        </p:nvSpPr>
+        <p:spPr>
+          <a:xfrm>
+            <a:off x="342375" y="3274986"/>
+            <a:ext cx="1168371" cy="284518"/>
+          </a:xfrm>
+          <a:prstGeom prst="rect">
+            <a:avLst/>
+          </a:prstGeom>
+          <a:noFill/>
+          <a:ln>
+            <a:solidFill>
+              <a:schemeClr val="tx1"/>
+            </a:solidFill>
+          </a:ln>
+        </p:spPr>
+        <p:style>
+          <a:lnRef idx="2">
+            <a:schemeClr val="accent1">
+              <a:shade val="50000"/>
+            </a:schemeClr>
+          </a:lnRef>
+          <a:fillRef idx="1">
+            <a:schemeClr val="accent1"/>
+          </a:fillRef>
+          <a:effectRef idx="0">
+            <a:schemeClr val="accent1"/>
+          </a:effectRef>
+          <a:fontRef idx="minor">
+            <a:schemeClr val="lt1"/>
+          </a:fontRef>
+        </p:style>
+        <p:txBody>
+          <a:bodyPr rtlCol="0" anchor="ctr"/>
+          <a:lstStyle/>
+          <a:p>
+            <a:pPr algn="ctr"/>
+            <a:r>
+              <a:rPr lang="en-US" sz="1100" dirty="0">
+                <a:solidFill>
+                  <a:schemeClr val="tx1"/>
+                </a:solidFill>
+                <a:latin typeface="Times New Roman" panose="02020603050405020304" pitchFamily="18" charset="0"/>
+                <a:cs typeface="Times New Roman" panose="02020603050405020304" pitchFamily="18" charset="0"/>
+              </a:rPr>
+              <a:t>ISCO flow data</a:t>
+            </a:r>
+          </a:p>
+        </p:txBody>
+      </p:sp>
+      <p:sp>
+        <p:nvSpPr>
+          <p:cNvPr id="104" name="Rectangle 103">
+            <a:extLst>
+              <a:ext uri="{FF2B5EF4-FFF2-40B4-BE49-F238E27FC236}">
+                <a16:creationId xmlns:a16="http://schemas.microsoft.com/office/drawing/2014/main" id="{BBDAEFB3-434A-429A-B28E-F9519BDCA619}"/>
+              </a:ext>
+            </a:extLst>
+          </p:cNvPr>
+          <p:cNvSpPr/>
+          <p:nvPr/>
+        </p:nvSpPr>
+        <p:spPr>
+          <a:xfrm>
+            <a:off x="335560" y="3700519"/>
+            <a:ext cx="1168371" cy="284518"/>
+          </a:xfrm>
+          <a:prstGeom prst="rect">
+            <a:avLst/>
+          </a:prstGeom>
+          <a:noFill/>
+          <a:ln>
+            <a:solidFill>
+              <a:schemeClr val="tx1"/>
+            </a:solidFill>
+          </a:ln>
+        </p:spPr>
+        <p:style>
+          <a:lnRef idx="2">
+            <a:schemeClr val="accent1">
+              <a:shade val="50000"/>
+            </a:schemeClr>
+          </a:lnRef>
+          <a:fillRef idx="1">
+            <a:schemeClr val="accent1"/>
+          </a:fillRef>
+          <a:effectRef idx="0">
+            <a:schemeClr val="accent1"/>
+          </a:effectRef>
+          <a:fontRef idx="minor">
+            <a:schemeClr val="lt1"/>
+          </a:fontRef>
+        </p:style>
+        <p:txBody>
+          <a:bodyPr rtlCol="0" anchor="ctr"/>
+          <a:lstStyle/>
+          <a:p>
+            <a:pPr algn="ctr"/>
+            <a:r>
+              <a:rPr lang="en-US" sz="1100" dirty="0">
+                <a:solidFill>
+                  <a:schemeClr val="tx1"/>
+                </a:solidFill>
+                <a:latin typeface="Times New Roman" panose="02020603050405020304" pitchFamily="18" charset="0"/>
+                <a:cs typeface="Times New Roman" panose="02020603050405020304" pitchFamily="18" charset="0"/>
+              </a:rPr>
+              <a:t>Lab nutrient data</a:t>
+            </a:r>
+          </a:p>
+        </p:txBody>
+      </p:sp>
+      <p:cxnSp>
+        <p:nvCxnSpPr>
+          <p:cNvPr id="114" name="Connector: Elbow 113">
+            <a:extLst>
+              <a:ext uri="{FF2B5EF4-FFF2-40B4-BE49-F238E27FC236}">
+                <a16:creationId xmlns:a16="http://schemas.microsoft.com/office/drawing/2014/main" id="{4ED9CD56-2FD0-4E44-A933-C5E05F417CBC}"/>
+              </a:ext>
+            </a:extLst>
+          </p:cNvPr>
+          <p:cNvCxnSpPr>
+            <a:cxnSpLocks/>
+            <a:stCxn id="6" idx="3"/>
+            <a:endCxn id="128" idx="2"/>
+          </p:cNvCxnSpPr>
+          <p:nvPr/>
+        </p:nvCxnSpPr>
+        <p:spPr>
+          <a:xfrm flipV="1">
+            <a:off x="1510746" y="2678394"/>
+            <a:ext cx="508784" cy="738851"/>
+          </a:xfrm>
+          <a:prstGeom prst="bentConnector2">
+            <a:avLst/>
+          </a:prstGeom>
+          <a:ln>
+            <a:tailEnd type="triangle"/>
+          </a:ln>
+        </p:spPr>
+        <p:style>
+          <a:lnRef idx="1">
+            <a:schemeClr val="dk1"/>
+          </a:lnRef>
+          <a:fillRef idx="0">
+            <a:schemeClr val="dk1"/>
+          </a:fillRef>
+          <a:effectRef idx="0">
+            <a:schemeClr val="dk1"/>
+          </a:effectRef>
+          <a:fontRef idx="minor">
+            <a:schemeClr val="tx1"/>
+          </a:fontRef>
+        </p:style>
+      </p:cxnSp>
+      <p:cxnSp>
+        <p:nvCxnSpPr>
+          <p:cNvPr id="116" name="Connector: Elbow 115">
+            <a:extLst>
+              <a:ext uri="{FF2B5EF4-FFF2-40B4-BE49-F238E27FC236}">
+                <a16:creationId xmlns:a16="http://schemas.microsoft.com/office/drawing/2014/main" id="{5E9B1DFE-4C23-48BE-967E-1550CD844C6A}"/>
+              </a:ext>
+            </a:extLst>
+          </p:cNvPr>
+          <p:cNvCxnSpPr>
+            <a:cxnSpLocks/>
+            <a:stCxn id="104" idx="3"/>
+            <a:endCxn id="128" idx="2"/>
+          </p:cNvCxnSpPr>
+          <p:nvPr/>
+        </p:nvCxnSpPr>
+        <p:spPr>
+          <a:xfrm flipV="1">
+            <a:off x="1503931" y="2678394"/>
+            <a:ext cx="515599" cy="1164384"/>
+          </a:xfrm>
+          <a:prstGeom prst="bentConnector2">
+            <a:avLst/>
+          </a:prstGeom>
+          <a:ln>
+            <a:tailEnd type="triangle"/>
+          </a:ln>
+        </p:spPr>
+        <p:style>
+          <a:lnRef idx="1">
+            <a:schemeClr val="dk1"/>
+          </a:lnRef>
+          <a:fillRef idx="0">
+            <a:schemeClr val="dk1"/>
+          </a:fillRef>
+          <a:effectRef idx="0">
+            <a:schemeClr val="dk1"/>
+          </a:effectRef>
+          <a:fontRef idx="minor">
+            <a:schemeClr val="tx1"/>
+          </a:fontRef>
+        </p:style>
+      </p:cxnSp>
+      <p:sp>
+        <p:nvSpPr>
+          <p:cNvPr id="117" name="TextBox 116">
+            <a:extLst>
+              <a:ext uri="{FF2B5EF4-FFF2-40B4-BE49-F238E27FC236}">
+                <a16:creationId xmlns:a16="http://schemas.microsoft.com/office/drawing/2014/main" id="{C918DEBF-2E5A-4788-B4AE-0C8D813EB4F1}"/>
+              </a:ext>
+            </a:extLst>
+          </p:cNvPr>
+          <p:cNvSpPr txBox="1"/>
+          <p:nvPr/>
+        </p:nvSpPr>
+        <p:spPr>
+          <a:xfrm>
+            <a:off x="1526615" y="3158413"/>
+            <a:ext cx="488513" cy="261610"/>
+          </a:xfrm>
+          <a:prstGeom prst="rect">
+            <a:avLst/>
+          </a:prstGeom>
+          <a:noFill/>
+        </p:spPr>
+        <p:txBody>
+          <a:bodyPr wrap="square" rtlCol="0">
+            <a:spAutoFit/>
+          </a:bodyPr>
+          <a:lstStyle/>
+          <a:p>
+            <a:r>
+              <a:rPr lang="en-US" sz="1050" dirty="0">
+                <a:latin typeface="Times New Roman" panose="02020603050405020304" pitchFamily="18" charset="0"/>
+                <a:cs typeface="Times New Roman" panose="02020603050405020304" pitchFamily="18" charset="0"/>
+              </a:rPr>
+              <a:t>VBA</a:t>
+            </a:r>
+            <a:endParaRPr lang="en-US" sz="1100" dirty="0">
+              <a:latin typeface="Times New Roman" panose="02020603050405020304" pitchFamily="18" charset="0"/>
+              <a:cs typeface="Times New Roman" panose="02020603050405020304" pitchFamily="18" charset="0"/>
+            </a:endParaRPr>
+          </a:p>
+        </p:txBody>
+      </p:sp>
+      <p:sp>
+        <p:nvSpPr>
+          <p:cNvPr id="118" name="TextBox 117">
+            <a:extLst>
+              <a:ext uri="{FF2B5EF4-FFF2-40B4-BE49-F238E27FC236}">
+                <a16:creationId xmlns:a16="http://schemas.microsoft.com/office/drawing/2014/main" id="{03B8959C-677D-461A-8DBB-FF3A03B536C6}"/>
+              </a:ext>
+            </a:extLst>
+          </p:cNvPr>
+          <p:cNvSpPr txBox="1"/>
+          <p:nvPr/>
+        </p:nvSpPr>
+        <p:spPr>
+          <a:xfrm>
+            <a:off x="1491638" y="3805925"/>
+            <a:ext cx="759314" cy="430887"/>
+          </a:xfrm>
+          <a:prstGeom prst="rect">
+            <a:avLst/>
+          </a:prstGeom>
+          <a:noFill/>
+        </p:spPr>
+        <p:txBody>
+          <a:bodyPr wrap="square" rtlCol="0">
+            <a:spAutoFit/>
+          </a:bodyPr>
+          <a:lstStyle/>
+          <a:p>
+            <a:r>
+              <a:rPr lang="en-US" sz="1050" dirty="0">
+                <a:latin typeface="Times New Roman" panose="02020603050405020304" pitchFamily="18" charset="0"/>
+                <a:cs typeface="Times New Roman" panose="02020603050405020304" pitchFamily="18" charset="0"/>
+              </a:rPr>
+              <a:t>Input manually</a:t>
+            </a:r>
+          </a:p>
+        </p:txBody>
+      </p:sp>
+      <p:sp>
+        <p:nvSpPr>
+          <p:cNvPr id="128" name="Flowchart: Alternate Process 127">
+            <a:extLst>
+              <a:ext uri="{FF2B5EF4-FFF2-40B4-BE49-F238E27FC236}">
+                <a16:creationId xmlns:a16="http://schemas.microsoft.com/office/drawing/2014/main" id="{56132896-164D-48FA-ADAD-F48C3149A735}"/>
+              </a:ext>
+            </a:extLst>
+          </p:cNvPr>
+          <p:cNvSpPr/>
+          <p:nvPr/>
+        </p:nvSpPr>
+        <p:spPr>
+          <a:xfrm>
+            <a:off x="1581623" y="2298792"/>
+            <a:ext cx="875813" cy="379602"/>
+          </a:xfrm>
+          <a:prstGeom prst="flowChartAlternateProcess">
+            <a:avLst/>
+          </a:prstGeom>
+          <a:solidFill>
+            <a:schemeClr val="accent3">
+              <a:lumMod val="20000"/>
+              <a:lumOff val="80000"/>
+            </a:schemeClr>
+          </a:solidFill>
+          <a:ln>
+            <a:solidFill>
+              <a:schemeClr val="tx1">
+                <a:lumMod val="50000"/>
+                <a:lumOff val="50000"/>
+              </a:schemeClr>
+            </a:solidFill>
+          </a:ln>
+        </p:spPr>
+        <p:style>
+          <a:lnRef idx="2">
+            <a:schemeClr val="accent1">
+              <a:shade val="50000"/>
+            </a:schemeClr>
+          </a:lnRef>
+          <a:fillRef idx="1">
+            <a:schemeClr val="accent1"/>
+          </a:fillRef>
+          <a:effectRef idx="0">
+            <a:schemeClr val="accent1"/>
+          </a:effectRef>
+          <a:fontRef idx="minor">
+            <a:schemeClr val="lt1"/>
+          </a:fontRef>
+        </p:style>
+        <p:txBody>
+          <a:bodyPr rtlCol="0" anchor="ctr"/>
+          <a:lstStyle/>
+          <a:p>
+            <a:pPr algn="ctr"/>
+            <a:r>
+              <a:rPr lang="en-US" sz="900" dirty="0">
+                <a:solidFill>
+                  <a:schemeClr val="tx1"/>
+                </a:solidFill>
+                <a:latin typeface="Times New Roman" panose="02020603050405020304" pitchFamily="18" charset="0"/>
+                <a:cs typeface="Times New Roman" panose="02020603050405020304" pitchFamily="18" charset="0"/>
+              </a:rPr>
+              <a:t>Pre-processed data</a:t>
+            </a:r>
+          </a:p>
+        </p:txBody>
+      </p:sp>
+      <p:cxnSp>
+        <p:nvCxnSpPr>
+          <p:cNvPr id="142" name="Straight Arrow Connector 141">
+            <a:extLst>
+              <a:ext uri="{FF2B5EF4-FFF2-40B4-BE49-F238E27FC236}">
+                <a16:creationId xmlns:a16="http://schemas.microsoft.com/office/drawing/2014/main" id="{232BAD0A-0433-47C7-A099-F091877C89D8}"/>
+              </a:ext>
+            </a:extLst>
+          </p:cNvPr>
+          <p:cNvCxnSpPr>
+            <a:cxnSpLocks/>
+            <a:stCxn id="128" idx="0"/>
+            <a:endCxn id="5" idx="2"/>
+          </p:cNvCxnSpPr>
+          <p:nvPr/>
+        </p:nvCxnSpPr>
+        <p:spPr>
+          <a:xfrm flipV="1">
+            <a:off x="2019530" y="1677535"/>
+            <a:ext cx="13683" cy="621257"/>
+          </a:xfrm>
+          <a:prstGeom prst="straightConnector1">
+            <a:avLst/>
+          </a:prstGeom>
+          <a:ln>
+            <a:tailEnd type="triangle"/>
+          </a:ln>
+        </p:spPr>
+        <p:style>
+          <a:lnRef idx="1">
+            <a:schemeClr val="dk1"/>
+          </a:lnRef>
+          <a:fillRef idx="0">
+            <a:schemeClr val="dk1"/>
+          </a:fillRef>
+          <a:effectRef idx="0">
+            <a:schemeClr val="dk1"/>
+          </a:effectRef>
+          <a:fontRef idx="minor">
+            <a:schemeClr val="tx1"/>
+          </a:fontRef>
+        </p:style>
+      </p:cxnSp>
+      <p:sp>
+        <p:nvSpPr>
+          <p:cNvPr id="55" name="Rectangle 54">
+            <a:extLst>
+              <a:ext uri="{FF2B5EF4-FFF2-40B4-BE49-F238E27FC236}">
+                <a16:creationId xmlns:a16="http://schemas.microsoft.com/office/drawing/2014/main" id="{58A3D77C-6281-497C-9FA2-00D4397710B4}"/>
+              </a:ext>
+            </a:extLst>
+          </p:cNvPr>
+          <p:cNvSpPr/>
+          <p:nvPr/>
+        </p:nvSpPr>
+        <p:spPr>
+          <a:xfrm>
+            <a:off x="295661" y="3211949"/>
+            <a:ext cx="1251719" cy="834582"/>
+          </a:xfrm>
+          <a:prstGeom prst="rect">
+            <a:avLst/>
+          </a:prstGeom>
+          <a:noFill/>
+          <a:ln>
+            <a:solidFill>
+              <a:schemeClr val="accent1"/>
+            </a:solidFill>
+            <a:prstDash val="sysDash"/>
+          </a:ln>
+        </p:spPr>
+        <p:style>
+          <a:lnRef idx="2">
+            <a:schemeClr val="accent1">
+              <a:shade val="50000"/>
+            </a:schemeClr>
+          </a:lnRef>
+          <a:fillRef idx="1">
+            <a:schemeClr val="accent1"/>
+          </a:fillRef>
+          <a:effectRef idx="0">
+            <a:schemeClr val="accent1"/>
+          </a:effectRef>
+          <a:fontRef idx="minor">
+            <a:schemeClr val="lt1"/>
+          </a:fontRef>
+        </p:style>
+        <p:txBody>
+          <a:bodyPr rtlCol="0" anchor="ctr"/>
+          <a:lstStyle/>
+          <a:p>
+            <a:pPr algn="ctr"/>
+            <a:endParaRPr lang="en-US"/>
+          </a:p>
+        </p:txBody>
+      </p:sp>
+      <p:sp>
+        <p:nvSpPr>
+          <p:cNvPr id="150" name="TextBox 149">
+            <a:extLst>
+              <a:ext uri="{FF2B5EF4-FFF2-40B4-BE49-F238E27FC236}">
+                <a16:creationId xmlns:a16="http://schemas.microsoft.com/office/drawing/2014/main" id="{1E778CE2-97AA-4299-9D0F-16B9D10E013C}"/>
+              </a:ext>
+            </a:extLst>
+          </p:cNvPr>
+          <p:cNvSpPr txBox="1"/>
+          <p:nvPr/>
+        </p:nvSpPr>
+        <p:spPr>
+          <a:xfrm>
+            <a:off x="199033" y="2981416"/>
+            <a:ext cx="949120" cy="246221"/>
+          </a:xfrm>
+          <a:prstGeom prst="rect">
+            <a:avLst/>
+          </a:prstGeom>
+          <a:noFill/>
+        </p:spPr>
+        <p:txBody>
+          <a:bodyPr wrap="square" rtlCol="0">
+            <a:spAutoFit/>
+          </a:bodyPr>
+          <a:lstStyle/>
+          <a:p>
+            <a:r>
+              <a:rPr lang="en-US" sz="1000" b="1" dirty="0">
+                <a:latin typeface="Times New Roman" panose="02020603050405020304" pitchFamily="18" charset="0"/>
+                <a:cs typeface="Times New Roman" panose="02020603050405020304" pitchFamily="18" charset="0"/>
+              </a:rPr>
+              <a:t>RAW DATA</a:t>
+            </a:r>
+          </a:p>
+        </p:txBody>
+      </p:sp>
+    </p:spTree>
+    <p:extLst>
+      <p:ext uri="{BB962C8B-B14F-4D97-AF65-F5344CB8AC3E}">
+        <p14:creationId xmlns:p14="http://schemas.microsoft.com/office/powerpoint/2010/main" val="2179859213"/>
+      </p:ext>
+    </p:extLst>
+  </p:cSld>
+  <p:clrMapOvr>
+    <a:masterClrMapping/>
+  </p:clrMapOvr>
+</p:sld>
+</file>
+
 <file path=ppt/theme/theme1.xml><?xml version="1.0" encoding="utf-8"?>
 <a:theme xmlns:a="http://schemas.openxmlformats.org/drawingml/2006/main" name="Office Theme">
   <a:themeElements>

--- a/ABE516x project workflow.pptx
+++ b/ABE516x project workflow.pptx
@@ -272,7 +272,7 @@
           <a:p>
             <a:fld id="{8987986C-9167-43A7-821D-DC8A3AF63D3C}" type="datetimeFigureOut">
               <a:rPr lang="en-US" smtClean="0"/>
-              <a:t>12/5/2019</a:t>
+              <a:t>12/8/2019</a:t>
             </a:fld>
             <a:endParaRPr lang="en-US"/>
           </a:p>
@@ -470,7 +470,7 @@
           <a:p>
             <a:fld id="{8987986C-9167-43A7-821D-DC8A3AF63D3C}" type="datetimeFigureOut">
               <a:rPr lang="en-US" smtClean="0"/>
-              <a:t>12/5/2019</a:t>
+              <a:t>12/8/2019</a:t>
             </a:fld>
             <a:endParaRPr lang="en-US"/>
           </a:p>
@@ -678,7 +678,7 @@
           <a:p>
             <a:fld id="{8987986C-9167-43A7-821D-DC8A3AF63D3C}" type="datetimeFigureOut">
               <a:rPr lang="en-US" smtClean="0"/>
-              <a:t>12/5/2019</a:t>
+              <a:t>12/8/2019</a:t>
             </a:fld>
             <a:endParaRPr lang="en-US"/>
           </a:p>
@@ -876,7 +876,7 @@
           <a:p>
             <a:fld id="{8987986C-9167-43A7-821D-DC8A3AF63D3C}" type="datetimeFigureOut">
               <a:rPr lang="en-US" smtClean="0"/>
-              <a:t>12/5/2019</a:t>
+              <a:t>12/8/2019</a:t>
             </a:fld>
             <a:endParaRPr lang="en-US"/>
           </a:p>
@@ -1151,7 +1151,7 @@
           <a:p>
             <a:fld id="{8987986C-9167-43A7-821D-DC8A3AF63D3C}" type="datetimeFigureOut">
               <a:rPr lang="en-US" smtClean="0"/>
-              <a:t>12/5/2019</a:t>
+              <a:t>12/8/2019</a:t>
             </a:fld>
             <a:endParaRPr lang="en-US"/>
           </a:p>
@@ -1416,7 +1416,7 @@
           <a:p>
             <a:fld id="{8987986C-9167-43A7-821D-DC8A3AF63D3C}" type="datetimeFigureOut">
               <a:rPr lang="en-US" smtClean="0"/>
-              <a:t>12/5/2019</a:t>
+              <a:t>12/8/2019</a:t>
             </a:fld>
             <a:endParaRPr lang="en-US"/>
           </a:p>
@@ -1828,7 +1828,7 @@
           <a:p>
             <a:fld id="{8987986C-9167-43A7-821D-DC8A3AF63D3C}" type="datetimeFigureOut">
               <a:rPr lang="en-US" smtClean="0"/>
-              <a:t>12/5/2019</a:t>
+              <a:t>12/8/2019</a:t>
             </a:fld>
             <a:endParaRPr lang="en-US"/>
           </a:p>
@@ -1969,7 +1969,7 @@
           <a:p>
             <a:fld id="{8987986C-9167-43A7-821D-DC8A3AF63D3C}" type="datetimeFigureOut">
               <a:rPr lang="en-US" smtClean="0"/>
-              <a:t>12/5/2019</a:t>
+              <a:t>12/8/2019</a:t>
             </a:fld>
             <a:endParaRPr lang="en-US"/>
           </a:p>
@@ -2082,7 +2082,7 @@
           <a:p>
             <a:fld id="{8987986C-9167-43A7-821D-DC8A3AF63D3C}" type="datetimeFigureOut">
               <a:rPr lang="en-US" smtClean="0"/>
-              <a:t>12/5/2019</a:t>
+              <a:t>12/8/2019</a:t>
             </a:fld>
             <a:endParaRPr lang="en-US"/>
           </a:p>
@@ -2393,7 +2393,7 @@
           <a:p>
             <a:fld id="{8987986C-9167-43A7-821D-DC8A3AF63D3C}" type="datetimeFigureOut">
               <a:rPr lang="en-US" smtClean="0"/>
-              <a:t>12/5/2019</a:t>
+              <a:t>12/8/2019</a:t>
             </a:fld>
             <a:endParaRPr lang="en-US"/>
           </a:p>
@@ -2681,7 +2681,7 @@
           <a:p>
             <a:fld id="{8987986C-9167-43A7-821D-DC8A3AF63D3C}" type="datetimeFigureOut">
               <a:rPr lang="en-US" smtClean="0"/>
-              <a:t>12/5/2019</a:t>
+              <a:t>12/8/2019</a:t>
             </a:fld>
             <a:endParaRPr lang="en-US"/>
           </a:p>
@@ -2922,7 +2922,7 @@
           <a:p>
             <a:fld id="{8987986C-9167-43A7-821D-DC8A3AF63D3C}" type="datetimeFigureOut">
               <a:rPr lang="en-US" smtClean="0"/>
-              <a:t>12/5/2019</a:t>
+              <a:t>12/8/2019</a:t>
             </a:fld>
             <a:endParaRPr lang="en-US"/>
           </a:p>
@@ -13063,15 +13063,15 @@
           </p:cNvPr>
           <p:cNvCxnSpPr>
             <a:cxnSpLocks/>
-            <a:stCxn id="153" idx="2"/>
+            <a:stCxn id="112" idx="2"/>
             <a:endCxn id="165" idx="3"/>
           </p:cNvCxnSpPr>
           <p:nvPr/>
         </p:nvCxnSpPr>
         <p:spPr>
           <a:xfrm rot="5400000">
-            <a:off x="10365000" y="4386121"/>
-            <a:ext cx="1503881" cy="1149090"/>
+            <a:off x="10892905" y="4900363"/>
+            <a:ext cx="461735" cy="1162753"/>
           </a:xfrm>
           <a:prstGeom prst="bentConnector2">
             <a:avLst/>
@@ -13796,6 +13796,110 @@
           </a:p>
         </p:txBody>
       </p:sp>
+      <p:sp>
+        <p:nvSpPr>
+          <p:cNvPr id="112" name="Rectangle 111">
+            <a:extLst>
+              <a:ext uri="{FF2B5EF4-FFF2-40B4-BE49-F238E27FC236}">
+                <a16:creationId xmlns:a16="http://schemas.microsoft.com/office/drawing/2014/main" id="{30825E01-A626-4842-B758-92ED289E3B06}"/>
+              </a:ext>
+            </a:extLst>
+          </p:cNvPr>
+          <p:cNvSpPr/>
+          <p:nvPr/>
+        </p:nvSpPr>
+        <p:spPr>
+          <a:xfrm>
+            <a:off x="11283863" y="4778992"/>
+            <a:ext cx="842570" cy="471880"/>
+          </a:xfrm>
+          <a:prstGeom prst="rect">
+            <a:avLst/>
+          </a:prstGeom>
+          <a:solidFill>
+            <a:schemeClr val="accent5">
+              <a:lumMod val="20000"/>
+              <a:lumOff val="80000"/>
+            </a:schemeClr>
+          </a:solidFill>
+        </p:spPr>
+        <p:style>
+          <a:lnRef idx="2">
+            <a:schemeClr val="accent1">
+              <a:shade val="50000"/>
+            </a:schemeClr>
+          </a:lnRef>
+          <a:fillRef idx="1">
+            <a:schemeClr val="accent1"/>
+          </a:fillRef>
+          <a:effectRef idx="0">
+            <a:schemeClr val="accent1"/>
+          </a:effectRef>
+          <a:fontRef idx="minor">
+            <a:schemeClr val="lt1"/>
+          </a:fontRef>
+        </p:style>
+        <p:txBody>
+          <a:bodyPr rtlCol="0" anchor="ctr"/>
+          <a:lstStyle/>
+          <a:p>
+            <a:pPr algn="ctr"/>
+            <a:r>
+              <a:rPr lang="en-US" sz="1100" dirty="0">
+                <a:solidFill>
+                  <a:schemeClr val="tx1"/>
+                </a:solidFill>
+                <a:latin typeface="Times New Roman" panose="02020603050405020304" pitchFamily="18" charset="0"/>
+                <a:cs typeface="Times New Roman" panose="02020603050405020304" pitchFamily="18" charset="0"/>
+              </a:rPr>
+              <a:t>Correlation test</a:t>
+            </a:r>
+          </a:p>
+        </p:txBody>
+      </p:sp>
+      <p:cxnSp>
+        <p:nvCxnSpPr>
+          <p:cNvPr id="120" name="Straight Arrow Connector 119">
+            <a:extLst>
+              <a:ext uri="{FF2B5EF4-FFF2-40B4-BE49-F238E27FC236}">
+                <a16:creationId xmlns:a16="http://schemas.microsoft.com/office/drawing/2014/main" id="{38ED3D5A-E5AF-4ADC-A6EF-7AD241BF28AB}"/>
+              </a:ext>
+            </a:extLst>
+          </p:cNvPr>
+          <p:cNvCxnSpPr>
+            <a:cxnSpLocks/>
+            <a:stCxn id="153" idx="2"/>
+            <a:endCxn id="112" idx="0"/>
+          </p:cNvCxnSpPr>
+          <p:nvPr/>
+        </p:nvCxnSpPr>
+        <p:spPr>
+          <a:xfrm>
+            <a:off x="11691485" y="4208726"/>
+            <a:ext cx="13663" cy="570266"/>
+          </a:xfrm>
+          <a:prstGeom prst="straightConnector1">
+            <a:avLst/>
+          </a:prstGeom>
+          <a:ln>
+            <a:tailEnd type="triangle"/>
+          </a:ln>
+        </p:spPr>
+        <p:style>
+          <a:lnRef idx="1">
+            <a:schemeClr val="accent2"/>
+          </a:lnRef>
+          <a:fillRef idx="0">
+            <a:schemeClr val="accent2"/>
+          </a:fillRef>
+          <a:effectRef idx="0">
+            <a:schemeClr val="accent2"/>
+          </a:effectRef>
+          <a:fontRef idx="minor">
+            <a:schemeClr val="tx1"/>
+          </a:fontRef>
+        </p:style>
+      </p:cxnSp>
     </p:spTree>
     <p:extLst>
       <p:ext uri="{BB962C8B-B14F-4D97-AF65-F5344CB8AC3E}">
